--- a/ZwischenPresäntation_RichardBritt.pptx
+++ b/ZwischenPresäntation_RichardBritt.pptx
@@ -18,8 +18,6 @@
     <p:sldId id="277" r:id="rId12"/>
     <p:sldId id="264" r:id="rId13"/>
     <p:sldId id="266" r:id="rId14"/>
-    <p:sldId id="267" r:id="rId15"/>
-    <p:sldId id="268" r:id="rId16"/>
   </p:sldIdLst>
   <p:sldSz cx="9144000" cy="6858000" type="screen4x3"/>
   <p:notesSz cx="6858000" cy="9144000"/>
@@ -120,7 +118,7 @@
   </p:defaultTextStyle>
   <p:extLst>
     <p:ext uri="{EFAFB233-063F-42B5-8137-9DF3F51BA10A}">
-      <p15:sldGuideLst xmlns:p15="http://schemas.microsoft.com/office/powerpoint/2012/main">
+      <p15:sldGuideLst xmlns:p15="http://schemas.microsoft.com/office/powerpoint/2012/main" xmlns="">
         <p15:guide id="1" orient="horz" pos="2160">
           <p15:clr>
             <a:srgbClr val="A4A3A4"/>
@@ -1300,6 +1298,16 @@
             </a:rPr>
             <a:t>Taborda</a:t>
           </a:r>
+          <a:r>
+            <a:rPr lang="de-CH" sz="2400" dirty="0">
+              <a:solidFill>
+                <a:schemeClr val="bg1"/>
+              </a:solidFill>
+              <a:latin typeface="Arial" panose="020B0604020202020204" pitchFamily="34" charset="0"/>
+              <a:cs typeface="Arial" panose="020B0604020202020204" pitchFamily="34" charset="0"/>
+            </a:rPr>
+            <a:t/>
+          </a:r>
           <a:br>
             <a:rPr lang="de-CH" sz="2400" dirty="0">
               <a:solidFill>
@@ -1764,6 +1772,13 @@
         </dgm:presLayoutVars>
       </dgm:prSet>
       <dgm:spPr/>
+      <dgm:t>
+        <a:bodyPr/>
+        <a:lstStyle/>
+        <a:p>
+          <a:endParaRPr lang="de-CH"/>
+        </a:p>
+      </dgm:t>
     </dgm:pt>
     <dgm:pt modelId="{81805E6F-E105-4E82-8A3E-E6C9CD7D9CE7}" type="pres">
       <dgm:prSet presAssocID="{A94A6423-635E-47CE-BC22-AEF25667E6CB}" presName="hierRoot1" presStyleCnt="0">
@@ -1784,10 +1799,24 @@
         </dgm:presLayoutVars>
       </dgm:prSet>
       <dgm:spPr/>
+      <dgm:t>
+        <a:bodyPr/>
+        <a:lstStyle/>
+        <a:p>
+          <a:endParaRPr lang="de-CH"/>
+        </a:p>
+      </dgm:t>
     </dgm:pt>
     <dgm:pt modelId="{E8434CD6-2BDD-46AC-85B7-B44293AAA257}" type="pres">
       <dgm:prSet presAssocID="{A94A6423-635E-47CE-BC22-AEF25667E6CB}" presName="rootConnector1" presStyleLbl="asst0" presStyleIdx="0" presStyleCnt="0"/>
       <dgm:spPr/>
+      <dgm:t>
+        <a:bodyPr/>
+        <a:lstStyle/>
+        <a:p>
+          <a:endParaRPr lang="de-CH"/>
+        </a:p>
+      </dgm:t>
     </dgm:pt>
     <dgm:pt modelId="{C510907D-0311-4B1A-A441-6669080B7D5D}" type="pres">
       <dgm:prSet presAssocID="{A94A6423-635E-47CE-BC22-AEF25667E6CB}" presName="hierChild2" presStyleCnt="0"/>
@@ -1796,6 +1825,13 @@
     <dgm:pt modelId="{B78A42F2-C618-4FF5-83D3-166FE278D965}" type="pres">
       <dgm:prSet presAssocID="{577DB4E7-FAB7-4E20-9162-EC5F9C24A6AB}" presName="Name37" presStyleLbl="parChTrans1D2" presStyleIdx="0" presStyleCnt="1"/>
       <dgm:spPr/>
+      <dgm:t>
+        <a:bodyPr/>
+        <a:lstStyle/>
+        <a:p>
+          <a:endParaRPr lang="de-CH"/>
+        </a:p>
+      </dgm:t>
     </dgm:pt>
     <dgm:pt modelId="{F182F5EB-792B-4E1C-945F-57F2B181C56F}" type="pres">
       <dgm:prSet presAssocID="{8207BF78-A23D-4134-8C93-906493E8094E}" presName="hierRoot2" presStyleCnt="0">
@@ -1816,10 +1852,24 @@
         </dgm:presLayoutVars>
       </dgm:prSet>
       <dgm:spPr/>
+      <dgm:t>
+        <a:bodyPr/>
+        <a:lstStyle/>
+        <a:p>
+          <a:endParaRPr lang="de-CH"/>
+        </a:p>
+      </dgm:t>
     </dgm:pt>
     <dgm:pt modelId="{53C89DE6-8C93-4BF4-811C-072DC595E574}" type="pres">
       <dgm:prSet presAssocID="{8207BF78-A23D-4134-8C93-906493E8094E}" presName="rootConnector" presStyleLbl="node2" presStyleIdx="0" presStyleCnt="1"/>
       <dgm:spPr/>
+      <dgm:t>
+        <a:bodyPr/>
+        <a:lstStyle/>
+        <a:p>
+          <a:endParaRPr lang="de-CH"/>
+        </a:p>
+      </dgm:t>
     </dgm:pt>
     <dgm:pt modelId="{D431D1EE-B9F8-4A37-B161-71D11E9D8ED7}" type="pres">
       <dgm:prSet presAssocID="{8207BF78-A23D-4134-8C93-906493E8094E}" presName="hierChild4" presStyleCnt="0"/>
@@ -1828,6 +1878,13 @@
     <dgm:pt modelId="{E3E5C517-6009-4203-A156-0E8FFF402890}" type="pres">
       <dgm:prSet presAssocID="{39762DC8-33BF-4C5A-8087-429A4D897806}" presName="Name35" presStyleLbl="parChTrans1D3" presStyleIdx="0" presStyleCnt="5"/>
       <dgm:spPr/>
+      <dgm:t>
+        <a:bodyPr/>
+        <a:lstStyle/>
+        <a:p>
+          <a:endParaRPr lang="de-CH"/>
+        </a:p>
+      </dgm:t>
     </dgm:pt>
     <dgm:pt modelId="{FD02BAD9-BCA4-4DE3-9018-3C5E107D2433}" type="pres">
       <dgm:prSet presAssocID="{E8CCCB15-644E-4960-84AB-DB7C5BBA784A}" presName="hierRoot2" presStyleCnt="0">
@@ -1848,10 +1905,24 @@
         </dgm:presLayoutVars>
       </dgm:prSet>
       <dgm:spPr/>
+      <dgm:t>
+        <a:bodyPr/>
+        <a:lstStyle/>
+        <a:p>
+          <a:endParaRPr lang="de-CH"/>
+        </a:p>
+      </dgm:t>
     </dgm:pt>
     <dgm:pt modelId="{C3FA32FB-EFFD-4EBE-88F6-272A9DF9D94D}" type="pres">
       <dgm:prSet presAssocID="{E8CCCB15-644E-4960-84AB-DB7C5BBA784A}" presName="rootConnector" presStyleLbl="node3" presStyleIdx="0" presStyleCnt="2"/>
       <dgm:spPr/>
+      <dgm:t>
+        <a:bodyPr/>
+        <a:lstStyle/>
+        <a:p>
+          <a:endParaRPr lang="de-CH"/>
+        </a:p>
+      </dgm:t>
     </dgm:pt>
     <dgm:pt modelId="{B7DA3388-3A34-4D57-AF9D-A901D0A15A48}" type="pres">
       <dgm:prSet presAssocID="{E8CCCB15-644E-4960-84AB-DB7C5BBA784A}" presName="hierChild4" presStyleCnt="0"/>
@@ -1864,6 +1935,13 @@
     <dgm:pt modelId="{39DE103E-CE50-4AFE-9525-6CA58A47EE77}" type="pres">
       <dgm:prSet presAssocID="{462E7EC6-CA45-465F-81F4-0F9E1393D9CE}" presName="Name35" presStyleLbl="parChTrans1D3" presStyleIdx="1" presStyleCnt="5"/>
       <dgm:spPr/>
+      <dgm:t>
+        <a:bodyPr/>
+        <a:lstStyle/>
+        <a:p>
+          <a:endParaRPr lang="de-CH"/>
+        </a:p>
+      </dgm:t>
     </dgm:pt>
     <dgm:pt modelId="{67E5A87B-1032-46C5-81D9-71A1271E3681}" type="pres">
       <dgm:prSet presAssocID="{08E3F2E9-E30F-4453-8686-D0772C549260}" presName="hierRoot2" presStyleCnt="0">
@@ -1884,10 +1962,24 @@
         </dgm:presLayoutVars>
       </dgm:prSet>
       <dgm:spPr/>
+      <dgm:t>
+        <a:bodyPr/>
+        <a:lstStyle/>
+        <a:p>
+          <a:endParaRPr lang="de-CH"/>
+        </a:p>
+      </dgm:t>
     </dgm:pt>
     <dgm:pt modelId="{C347071B-7D07-4AAC-988B-8F27CB02053E}" type="pres">
       <dgm:prSet presAssocID="{08E3F2E9-E30F-4453-8686-D0772C549260}" presName="rootConnector" presStyleLbl="node3" presStyleIdx="1" presStyleCnt="2"/>
       <dgm:spPr/>
+      <dgm:t>
+        <a:bodyPr/>
+        <a:lstStyle/>
+        <a:p>
+          <a:endParaRPr lang="de-CH"/>
+        </a:p>
+      </dgm:t>
     </dgm:pt>
     <dgm:pt modelId="{B194F4AD-237A-44AB-840E-E15CF4A7709D}" type="pres">
       <dgm:prSet presAssocID="{08E3F2E9-E30F-4453-8686-D0772C549260}" presName="hierChild4" presStyleCnt="0"/>
@@ -1904,6 +1996,13 @@
     <dgm:pt modelId="{60DC4AB0-034B-4566-865C-6FAFC9BA8169}" type="pres">
       <dgm:prSet presAssocID="{690EA14B-097A-41C7-95BF-B984E236CC55}" presName="Name111" presStyleLbl="parChTrans1D3" presStyleIdx="2" presStyleCnt="5"/>
       <dgm:spPr/>
+      <dgm:t>
+        <a:bodyPr/>
+        <a:lstStyle/>
+        <a:p>
+          <a:endParaRPr lang="de-CH"/>
+        </a:p>
+      </dgm:t>
     </dgm:pt>
     <dgm:pt modelId="{2783566F-B715-4BAD-9169-CEC3EA159ED3}" type="pres">
       <dgm:prSet presAssocID="{EB0560BE-7114-4EC6-85E5-9064D40F7CF6}" presName="hierRoot3" presStyleCnt="0">
@@ -1924,10 +2023,24 @@
         </dgm:presLayoutVars>
       </dgm:prSet>
       <dgm:spPr/>
+      <dgm:t>
+        <a:bodyPr/>
+        <a:lstStyle/>
+        <a:p>
+          <a:endParaRPr lang="de-CH"/>
+        </a:p>
+      </dgm:t>
     </dgm:pt>
     <dgm:pt modelId="{84A8CEBD-91AF-46F1-80FA-3FB47F6EC67B}" type="pres">
       <dgm:prSet presAssocID="{EB0560BE-7114-4EC6-85E5-9064D40F7CF6}" presName="rootConnector3" presStyleLbl="asst2" presStyleIdx="0" presStyleCnt="3"/>
       <dgm:spPr/>
+      <dgm:t>
+        <a:bodyPr/>
+        <a:lstStyle/>
+        <a:p>
+          <a:endParaRPr lang="de-CH"/>
+        </a:p>
+      </dgm:t>
     </dgm:pt>
     <dgm:pt modelId="{B21EAFCD-AC5F-4AAB-B8CA-14C999F9B771}" type="pres">
       <dgm:prSet presAssocID="{EB0560BE-7114-4EC6-85E5-9064D40F7CF6}" presName="hierChild6" presStyleCnt="0"/>
@@ -1940,6 +2053,13 @@
     <dgm:pt modelId="{9B3B9704-9A30-4B30-B6A9-4C3F7AF474EA}" type="pres">
       <dgm:prSet presAssocID="{79735B55-FB46-44DC-B751-9A3FE184A4F5}" presName="Name111" presStyleLbl="parChTrans1D3" presStyleIdx="3" presStyleCnt="5"/>
       <dgm:spPr/>
+      <dgm:t>
+        <a:bodyPr/>
+        <a:lstStyle/>
+        <a:p>
+          <a:endParaRPr lang="de-CH"/>
+        </a:p>
+      </dgm:t>
     </dgm:pt>
     <dgm:pt modelId="{6FD03606-8477-4C11-B03A-F71CABFCF8D7}" type="pres">
       <dgm:prSet presAssocID="{BE3B7E53-7F19-45ED-A014-FB076AFA1E8B}" presName="hierRoot3" presStyleCnt="0">
@@ -1960,10 +2080,24 @@
         </dgm:presLayoutVars>
       </dgm:prSet>
       <dgm:spPr/>
+      <dgm:t>
+        <a:bodyPr/>
+        <a:lstStyle/>
+        <a:p>
+          <a:endParaRPr lang="de-CH"/>
+        </a:p>
+      </dgm:t>
     </dgm:pt>
     <dgm:pt modelId="{4DD6E633-B7CB-4C31-A5B6-341ADCBBAAFB}" type="pres">
       <dgm:prSet presAssocID="{BE3B7E53-7F19-45ED-A014-FB076AFA1E8B}" presName="rootConnector3" presStyleLbl="asst2" presStyleIdx="1" presStyleCnt="3"/>
       <dgm:spPr/>
+      <dgm:t>
+        <a:bodyPr/>
+        <a:lstStyle/>
+        <a:p>
+          <a:endParaRPr lang="de-CH"/>
+        </a:p>
+      </dgm:t>
     </dgm:pt>
     <dgm:pt modelId="{60195CA3-9DB3-4826-9855-10080DF516D9}" type="pres">
       <dgm:prSet presAssocID="{BE3B7E53-7F19-45ED-A014-FB076AFA1E8B}" presName="hierChild6" presStyleCnt="0"/>
@@ -1976,6 +2110,13 @@
     <dgm:pt modelId="{A9B54A11-E4F8-4785-B8E2-FA8556ABA5D1}" type="pres">
       <dgm:prSet presAssocID="{3FF440EB-5DEB-453A-848D-7565CA6F4F3B}" presName="Name111" presStyleLbl="parChTrans1D3" presStyleIdx="4" presStyleCnt="5"/>
       <dgm:spPr/>
+      <dgm:t>
+        <a:bodyPr/>
+        <a:lstStyle/>
+        <a:p>
+          <a:endParaRPr lang="de-CH"/>
+        </a:p>
+      </dgm:t>
     </dgm:pt>
     <dgm:pt modelId="{5BA9F837-93E7-4E1E-9785-A136310DEAE8}" type="pres">
       <dgm:prSet presAssocID="{6F05756B-4998-4488-AD4F-94D1A8B349CB}" presName="hierRoot3" presStyleCnt="0">
@@ -1996,10 +2137,24 @@
         </dgm:presLayoutVars>
       </dgm:prSet>
       <dgm:spPr/>
+      <dgm:t>
+        <a:bodyPr/>
+        <a:lstStyle/>
+        <a:p>
+          <a:endParaRPr lang="de-CH"/>
+        </a:p>
+      </dgm:t>
     </dgm:pt>
     <dgm:pt modelId="{9E0B77EC-0CDB-4D06-A813-3F116C6EDEC8}" type="pres">
       <dgm:prSet presAssocID="{6F05756B-4998-4488-AD4F-94D1A8B349CB}" presName="rootConnector3" presStyleLbl="asst2" presStyleIdx="2" presStyleCnt="3"/>
       <dgm:spPr/>
+      <dgm:t>
+        <a:bodyPr/>
+        <a:lstStyle/>
+        <a:p>
+          <a:endParaRPr lang="de-CH"/>
+        </a:p>
+      </dgm:t>
     </dgm:pt>
     <dgm:pt modelId="{0040A60C-765B-44B7-991D-91EDDDA8DCCB}" type="pres">
       <dgm:prSet presAssocID="{6F05756B-4998-4488-AD4F-94D1A8B349CB}" presName="hierChild6" presStyleCnt="0"/>
@@ -2015,34 +2170,34 @@
     </dgm:pt>
   </dgm:ptLst>
   <dgm:cxnLst>
+    <dgm:cxn modelId="{AB6FB188-9CEC-4378-A930-E4E4EEBC5D59}" type="presOf" srcId="{08E3F2E9-E30F-4453-8686-D0772C549260}" destId="{C347071B-7D07-4AAC-988B-8F27CB02053E}" srcOrd="1" destOrd="0" presId="urn:microsoft.com/office/officeart/2005/8/layout/orgChart1"/>
+    <dgm:cxn modelId="{6F417347-593B-4A0B-8280-6B2A5B106839}" type="presOf" srcId="{E8CCCB15-644E-4960-84AB-DB7C5BBA784A}" destId="{4C391E49-BDC9-4B9A-9421-12FBDC13921B}" srcOrd="0" destOrd="0" presId="urn:microsoft.com/office/officeart/2005/8/layout/orgChart1"/>
+    <dgm:cxn modelId="{1B271263-5E05-42C6-811B-BF00E4AC868B}" type="presOf" srcId="{8207BF78-A23D-4134-8C93-906493E8094E}" destId="{8E08E8BE-0386-457C-BA55-587C15F0BC54}" srcOrd="0" destOrd="0" presId="urn:microsoft.com/office/officeart/2005/8/layout/orgChart1"/>
+    <dgm:cxn modelId="{D1CADA96-CA2D-4EBD-96E4-DE03BC8985D9}" type="presOf" srcId="{79735B55-FB46-44DC-B751-9A3FE184A4F5}" destId="{9B3B9704-9A30-4B30-B6A9-4C3F7AF474EA}" srcOrd="0" destOrd="0" presId="urn:microsoft.com/office/officeart/2005/8/layout/orgChart1"/>
+    <dgm:cxn modelId="{38BF8140-B2DA-4BE0-87C2-139921A86E00}" type="presOf" srcId="{A94A6423-635E-47CE-BC22-AEF25667E6CB}" destId="{E8434CD6-2BDD-46AC-85B7-B44293AAA257}" srcOrd="1" destOrd="0" presId="urn:microsoft.com/office/officeart/2005/8/layout/orgChart1"/>
+    <dgm:cxn modelId="{9F34FEBA-8FBB-49CA-A397-07660436ECB7}" srcId="{8207BF78-A23D-4134-8C93-906493E8094E}" destId="{6F05756B-4998-4488-AD4F-94D1A8B349CB}" srcOrd="4" destOrd="0" parTransId="{3FF440EB-5DEB-453A-848D-7565CA6F4F3B}" sibTransId="{7C4CF2E1-E5A5-43BD-AF90-DB0E7DB05E01}"/>
+    <dgm:cxn modelId="{26D538E0-95EA-4A53-AABA-EECC3C0ED9BC}" type="presOf" srcId="{8207BF78-A23D-4134-8C93-906493E8094E}" destId="{53C89DE6-8C93-4BF4-811C-072DC595E574}" srcOrd="1" destOrd="0" presId="urn:microsoft.com/office/officeart/2005/8/layout/orgChart1"/>
+    <dgm:cxn modelId="{78541E1F-22BD-4A35-939F-3AE7034EB6E0}" type="presOf" srcId="{BE3B7E53-7F19-45ED-A014-FB076AFA1E8B}" destId="{4DD6E633-B7CB-4C31-A5B6-341ADCBBAAFB}" srcOrd="1" destOrd="0" presId="urn:microsoft.com/office/officeart/2005/8/layout/orgChart1"/>
+    <dgm:cxn modelId="{EA6803F7-9992-4FB3-9D52-721E5B344457}" type="presOf" srcId="{3FF440EB-5DEB-453A-848D-7565CA6F4F3B}" destId="{A9B54A11-E4F8-4785-B8E2-FA8556ABA5D1}" srcOrd="0" destOrd="0" presId="urn:microsoft.com/office/officeart/2005/8/layout/orgChart1"/>
+    <dgm:cxn modelId="{23FB2740-9166-412D-A9FE-C159C3E99B8B}" type="presOf" srcId="{39762DC8-33BF-4C5A-8087-429A4D897806}" destId="{E3E5C517-6009-4203-A156-0E8FFF402890}" srcOrd="0" destOrd="0" presId="urn:microsoft.com/office/officeart/2005/8/layout/orgChart1"/>
+    <dgm:cxn modelId="{709CF586-6998-4E82-AC4D-5FBE89F04314}" type="presOf" srcId="{A94A6423-635E-47CE-BC22-AEF25667E6CB}" destId="{FDB23B55-B392-436C-9555-416C9DDEE460}" srcOrd="0" destOrd="0" presId="urn:microsoft.com/office/officeart/2005/8/layout/orgChart1"/>
+    <dgm:cxn modelId="{634FA4C4-7721-4220-8B3A-AF8B055E0468}" srcId="{8207BF78-A23D-4134-8C93-906493E8094E}" destId="{E8CCCB15-644E-4960-84AB-DB7C5BBA784A}" srcOrd="0" destOrd="0" parTransId="{39762DC8-33BF-4C5A-8087-429A4D897806}" sibTransId="{AAFE1019-B39A-4AEF-97F3-690EDE3FEE6C}"/>
+    <dgm:cxn modelId="{36B0DC83-6AFE-4A4E-8450-5BED19FE6C47}" type="presOf" srcId="{1693AFCE-3144-4315-9BC3-C140FDEA5902}" destId="{FF1E0416-B2FE-4B75-B3E1-3B254C296A53}" srcOrd="0" destOrd="0" presId="urn:microsoft.com/office/officeart/2005/8/layout/orgChart1"/>
+    <dgm:cxn modelId="{8998D829-B046-42FA-976D-21F202DDCBB8}" type="presOf" srcId="{BE3B7E53-7F19-45ED-A014-FB076AFA1E8B}" destId="{E757F838-8DEF-4C69-9F9D-92C813B4F476}" srcOrd="0" destOrd="0" presId="urn:microsoft.com/office/officeart/2005/8/layout/orgChart1"/>
+    <dgm:cxn modelId="{AD4A68A1-F884-45E7-A89A-46CDAE11394A}" srcId="{8207BF78-A23D-4134-8C93-906493E8094E}" destId="{EB0560BE-7114-4EC6-85E5-9064D40F7CF6}" srcOrd="2" destOrd="0" parTransId="{690EA14B-097A-41C7-95BF-B984E236CC55}" sibTransId="{7549F8F5-5FEF-47B3-AD1D-889EF9AB68EA}"/>
+    <dgm:cxn modelId="{117BBEE6-53BF-49FE-88C6-44FC31BB8A1C}" type="presOf" srcId="{577DB4E7-FAB7-4E20-9162-EC5F9C24A6AB}" destId="{B78A42F2-C618-4FF5-83D3-166FE278D965}" srcOrd="0" destOrd="0" presId="urn:microsoft.com/office/officeart/2005/8/layout/orgChart1"/>
+    <dgm:cxn modelId="{2CF0A280-93CD-44D8-AF51-884E27CE0D8B}" type="presOf" srcId="{E8CCCB15-644E-4960-84AB-DB7C5BBA784A}" destId="{C3FA32FB-EFFD-4EBE-88F6-272A9DF9D94D}" srcOrd="1" destOrd="0" presId="urn:microsoft.com/office/officeart/2005/8/layout/orgChart1"/>
+    <dgm:cxn modelId="{B5059A84-884E-4384-8194-55DFC8CC16F0}" srcId="{1693AFCE-3144-4315-9BC3-C140FDEA5902}" destId="{A94A6423-635E-47CE-BC22-AEF25667E6CB}" srcOrd="0" destOrd="0" parTransId="{52E5AB80-14C0-40A2-A787-BED749BB2F89}" sibTransId="{1A5B0F54-26EF-454E-A352-45604903E051}"/>
+    <dgm:cxn modelId="{F702F4F1-87FA-4947-8D09-8162BC06F5B9}" type="presOf" srcId="{462E7EC6-CA45-465F-81F4-0F9E1393D9CE}" destId="{39DE103E-CE50-4AFE-9525-6CA58A47EE77}" srcOrd="0" destOrd="0" presId="urn:microsoft.com/office/officeart/2005/8/layout/orgChart1"/>
+    <dgm:cxn modelId="{A913D730-C4B4-4D63-A95D-A301893C8D1C}" type="presOf" srcId="{08E3F2E9-E30F-4453-8686-D0772C549260}" destId="{04DBB558-5929-43C3-8E6F-34C5172ADE91}" srcOrd="0" destOrd="0" presId="urn:microsoft.com/office/officeart/2005/8/layout/orgChart1"/>
+    <dgm:cxn modelId="{AE49C230-A20C-411E-8A20-47B017E9F560}" type="presOf" srcId="{690EA14B-097A-41C7-95BF-B984E236CC55}" destId="{60DC4AB0-034B-4566-865C-6FAFC9BA8169}" srcOrd="0" destOrd="0" presId="urn:microsoft.com/office/officeart/2005/8/layout/orgChart1"/>
+    <dgm:cxn modelId="{ACDA0781-A67A-412C-9D2C-996AE1664E07}" srcId="{8207BF78-A23D-4134-8C93-906493E8094E}" destId="{08E3F2E9-E30F-4453-8686-D0772C549260}" srcOrd="1" destOrd="0" parTransId="{462E7EC6-CA45-465F-81F4-0F9E1393D9CE}" sibTransId="{93A16123-39B6-4244-8844-AAF5C45F3C33}"/>
     <dgm:cxn modelId="{380C8905-DBEB-440A-966E-ED598F4E19BC}" type="presOf" srcId="{6F05756B-4998-4488-AD4F-94D1A8B349CB}" destId="{9E0B77EC-0CDB-4D06-A813-3F116C6EDEC8}" srcOrd="1" destOrd="0" presId="urn:microsoft.com/office/officeart/2005/8/layout/orgChart1"/>
-    <dgm:cxn modelId="{78541E1F-22BD-4A35-939F-3AE7034EB6E0}" type="presOf" srcId="{BE3B7E53-7F19-45ED-A014-FB076AFA1E8B}" destId="{4DD6E633-B7CB-4C31-A5B6-341ADCBBAAFB}" srcOrd="1" destOrd="0" presId="urn:microsoft.com/office/officeart/2005/8/layout/orgChart1"/>
-    <dgm:cxn modelId="{8998D829-B046-42FA-976D-21F202DDCBB8}" type="presOf" srcId="{BE3B7E53-7F19-45ED-A014-FB076AFA1E8B}" destId="{E757F838-8DEF-4C69-9F9D-92C813B4F476}" srcOrd="0" destOrd="0" presId="urn:microsoft.com/office/officeart/2005/8/layout/orgChart1"/>
-    <dgm:cxn modelId="{AE49C230-A20C-411E-8A20-47B017E9F560}" type="presOf" srcId="{690EA14B-097A-41C7-95BF-B984E236CC55}" destId="{60DC4AB0-034B-4566-865C-6FAFC9BA8169}" srcOrd="0" destOrd="0" presId="urn:microsoft.com/office/officeart/2005/8/layout/orgChart1"/>
-    <dgm:cxn modelId="{A913D730-C4B4-4D63-A95D-A301893C8D1C}" type="presOf" srcId="{08E3F2E9-E30F-4453-8686-D0772C549260}" destId="{04DBB558-5929-43C3-8E6F-34C5172ADE91}" srcOrd="0" destOrd="0" presId="urn:microsoft.com/office/officeart/2005/8/layout/orgChart1"/>
+    <dgm:cxn modelId="{0ABF40AE-75C1-4098-8B20-677ACAB17927}" srcId="{8207BF78-A23D-4134-8C93-906493E8094E}" destId="{BE3B7E53-7F19-45ED-A014-FB076AFA1E8B}" srcOrd="3" destOrd="0" parTransId="{79735B55-FB46-44DC-B751-9A3FE184A4F5}" sibTransId="{F42634D2-A7DD-4E5D-8285-F4D3010421A9}"/>
+    <dgm:cxn modelId="{F90B6B66-51FF-4CC0-B2D9-5F3DA9B28F7B}" type="presOf" srcId="{EB0560BE-7114-4EC6-85E5-9064D40F7CF6}" destId="{00DBBCB5-3A9D-4232-B041-987A45291CD1}" srcOrd="0" destOrd="0" presId="urn:microsoft.com/office/officeart/2005/8/layout/orgChart1"/>
+    <dgm:cxn modelId="{B4864D92-3C4A-4A91-AC5D-D6AF44071866}" type="presOf" srcId="{6F05756B-4998-4488-AD4F-94D1A8B349CB}" destId="{D7BEACEB-ADE4-4B2D-9264-790EC13204CC}" srcOrd="0" destOrd="0" presId="urn:microsoft.com/office/officeart/2005/8/layout/orgChart1"/>
     <dgm:cxn modelId="{74620F3D-2990-4E80-ABE4-BA1C2841A0F6}" type="presOf" srcId="{EB0560BE-7114-4EC6-85E5-9064D40F7CF6}" destId="{84A8CEBD-91AF-46F1-80FA-3FB47F6EC67B}" srcOrd="1" destOrd="0" presId="urn:microsoft.com/office/officeart/2005/8/layout/orgChart1"/>
-    <dgm:cxn modelId="{23FB2740-9166-412D-A9FE-C159C3E99B8B}" type="presOf" srcId="{39762DC8-33BF-4C5A-8087-429A4D897806}" destId="{E3E5C517-6009-4203-A156-0E8FFF402890}" srcOrd="0" destOrd="0" presId="urn:microsoft.com/office/officeart/2005/8/layout/orgChart1"/>
-    <dgm:cxn modelId="{38BF8140-B2DA-4BE0-87C2-139921A86E00}" type="presOf" srcId="{A94A6423-635E-47CE-BC22-AEF25667E6CB}" destId="{E8434CD6-2BDD-46AC-85B7-B44293AAA257}" srcOrd="1" destOrd="0" presId="urn:microsoft.com/office/officeart/2005/8/layout/orgChart1"/>
     <dgm:cxn modelId="{0CBAF95D-C1A1-498B-8A1C-E87DA3267451}" srcId="{A94A6423-635E-47CE-BC22-AEF25667E6CB}" destId="{8207BF78-A23D-4134-8C93-906493E8094E}" srcOrd="0" destOrd="0" parTransId="{577DB4E7-FAB7-4E20-9162-EC5F9C24A6AB}" sibTransId="{A7F3607E-FDF4-4FE2-A0C0-3A990AE6B26E}"/>
-    <dgm:cxn modelId="{1B271263-5E05-42C6-811B-BF00E4AC868B}" type="presOf" srcId="{8207BF78-A23D-4134-8C93-906493E8094E}" destId="{8E08E8BE-0386-457C-BA55-587C15F0BC54}" srcOrd="0" destOrd="0" presId="urn:microsoft.com/office/officeart/2005/8/layout/orgChart1"/>
-    <dgm:cxn modelId="{F90B6B66-51FF-4CC0-B2D9-5F3DA9B28F7B}" type="presOf" srcId="{EB0560BE-7114-4EC6-85E5-9064D40F7CF6}" destId="{00DBBCB5-3A9D-4232-B041-987A45291CD1}" srcOrd="0" destOrd="0" presId="urn:microsoft.com/office/officeart/2005/8/layout/orgChart1"/>
-    <dgm:cxn modelId="{6F417347-593B-4A0B-8280-6B2A5B106839}" type="presOf" srcId="{E8CCCB15-644E-4960-84AB-DB7C5BBA784A}" destId="{4C391E49-BDC9-4B9A-9421-12FBDC13921B}" srcOrd="0" destOrd="0" presId="urn:microsoft.com/office/officeart/2005/8/layout/orgChart1"/>
-    <dgm:cxn modelId="{2CF0A280-93CD-44D8-AF51-884E27CE0D8B}" type="presOf" srcId="{E8CCCB15-644E-4960-84AB-DB7C5BBA784A}" destId="{C3FA32FB-EFFD-4EBE-88F6-272A9DF9D94D}" srcOrd="1" destOrd="0" presId="urn:microsoft.com/office/officeart/2005/8/layout/orgChart1"/>
-    <dgm:cxn modelId="{ACDA0781-A67A-412C-9D2C-996AE1664E07}" srcId="{8207BF78-A23D-4134-8C93-906493E8094E}" destId="{08E3F2E9-E30F-4453-8686-D0772C549260}" srcOrd="1" destOrd="0" parTransId="{462E7EC6-CA45-465F-81F4-0F9E1393D9CE}" sibTransId="{93A16123-39B6-4244-8844-AAF5C45F3C33}"/>
-    <dgm:cxn modelId="{36B0DC83-6AFE-4A4E-8450-5BED19FE6C47}" type="presOf" srcId="{1693AFCE-3144-4315-9BC3-C140FDEA5902}" destId="{FF1E0416-B2FE-4B75-B3E1-3B254C296A53}" srcOrd="0" destOrd="0" presId="urn:microsoft.com/office/officeart/2005/8/layout/orgChart1"/>
-    <dgm:cxn modelId="{B5059A84-884E-4384-8194-55DFC8CC16F0}" srcId="{1693AFCE-3144-4315-9BC3-C140FDEA5902}" destId="{A94A6423-635E-47CE-BC22-AEF25667E6CB}" srcOrd="0" destOrd="0" parTransId="{52E5AB80-14C0-40A2-A787-BED749BB2F89}" sibTransId="{1A5B0F54-26EF-454E-A352-45604903E051}"/>
-    <dgm:cxn modelId="{709CF586-6998-4E82-AC4D-5FBE89F04314}" type="presOf" srcId="{A94A6423-635E-47CE-BC22-AEF25667E6CB}" destId="{FDB23B55-B392-436C-9555-416C9DDEE460}" srcOrd="0" destOrd="0" presId="urn:microsoft.com/office/officeart/2005/8/layout/orgChart1"/>
-    <dgm:cxn modelId="{AB6FB188-9CEC-4378-A930-E4E4EEBC5D59}" type="presOf" srcId="{08E3F2E9-E30F-4453-8686-D0772C549260}" destId="{C347071B-7D07-4AAC-988B-8F27CB02053E}" srcOrd="1" destOrd="0" presId="urn:microsoft.com/office/officeart/2005/8/layout/orgChart1"/>
-    <dgm:cxn modelId="{B4864D92-3C4A-4A91-AC5D-D6AF44071866}" type="presOf" srcId="{6F05756B-4998-4488-AD4F-94D1A8B349CB}" destId="{D7BEACEB-ADE4-4B2D-9264-790EC13204CC}" srcOrd="0" destOrd="0" presId="urn:microsoft.com/office/officeart/2005/8/layout/orgChart1"/>
-    <dgm:cxn modelId="{D1CADA96-CA2D-4EBD-96E4-DE03BC8985D9}" type="presOf" srcId="{79735B55-FB46-44DC-B751-9A3FE184A4F5}" destId="{9B3B9704-9A30-4B30-B6A9-4C3F7AF474EA}" srcOrd="0" destOrd="0" presId="urn:microsoft.com/office/officeart/2005/8/layout/orgChart1"/>
-    <dgm:cxn modelId="{AD4A68A1-F884-45E7-A89A-46CDAE11394A}" srcId="{8207BF78-A23D-4134-8C93-906493E8094E}" destId="{EB0560BE-7114-4EC6-85E5-9064D40F7CF6}" srcOrd="2" destOrd="0" parTransId="{690EA14B-097A-41C7-95BF-B984E236CC55}" sibTransId="{7549F8F5-5FEF-47B3-AD1D-889EF9AB68EA}"/>
-    <dgm:cxn modelId="{0ABF40AE-75C1-4098-8B20-677ACAB17927}" srcId="{8207BF78-A23D-4134-8C93-906493E8094E}" destId="{BE3B7E53-7F19-45ED-A014-FB076AFA1E8B}" srcOrd="3" destOrd="0" parTransId="{79735B55-FB46-44DC-B751-9A3FE184A4F5}" sibTransId="{F42634D2-A7DD-4E5D-8285-F4D3010421A9}"/>
-    <dgm:cxn modelId="{9F34FEBA-8FBB-49CA-A397-07660436ECB7}" srcId="{8207BF78-A23D-4134-8C93-906493E8094E}" destId="{6F05756B-4998-4488-AD4F-94D1A8B349CB}" srcOrd="4" destOrd="0" parTransId="{3FF440EB-5DEB-453A-848D-7565CA6F4F3B}" sibTransId="{7C4CF2E1-E5A5-43BD-AF90-DB0E7DB05E01}"/>
-    <dgm:cxn modelId="{634FA4C4-7721-4220-8B3A-AF8B055E0468}" srcId="{8207BF78-A23D-4134-8C93-906493E8094E}" destId="{E8CCCB15-644E-4960-84AB-DB7C5BBA784A}" srcOrd="0" destOrd="0" parTransId="{39762DC8-33BF-4C5A-8087-429A4D897806}" sibTransId="{AAFE1019-B39A-4AEF-97F3-690EDE3FEE6C}"/>
-    <dgm:cxn modelId="{26D538E0-95EA-4A53-AABA-EECC3C0ED9BC}" type="presOf" srcId="{8207BF78-A23D-4134-8C93-906493E8094E}" destId="{53C89DE6-8C93-4BF4-811C-072DC595E574}" srcOrd="1" destOrd="0" presId="urn:microsoft.com/office/officeart/2005/8/layout/orgChart1"/>
-    <dgm:cxn modelId="{117BBEE6-53BF-49FE-88C6-44FC31BB8A1C}" type="presOf" srcId="{577DB4E7-FAB7-4E20-9162-EC5F9C24A6AB}" destId="{B78A42F2-C618-4FF5-83D3-166FE278D965}" srcOrd="0" destOrd="0" presId="urn:microsoft.com/office/officeart/2005/8/layout/orgChart1"/>
-    <dgm:cxn modelId="{F702F4F1-87FA-4947-8D09-8162BC06F5B9}" type="presOf" srcId="{462E7EC6-CA45-465F-81F4-0F9E1393D9CE}" destId="{39DE103E-CE50-4AFE-9525-6CA58A47EE77}" srcOrd="0" destOrd="0" presId="urn:microsoft.com/office/officeart/2005/8/layout/orgChart1"/>
-    <dgm:cxn modelId="{EA6803F7-9992-4FB3-9D52-721E5B344457}" type="presOf" srcId="{3FF440EB-5DEB-453A-848D-7565CA6F4F3B}" destId="{A9B54A11-E4F8-4785-B8E2-FA8556ABA5D1}" srcOrd="0" destOrd="0" presId="urn:microsoft.com/office/officeart/2005/8/layout/orgChart1"/>
     <dgm:cxn modelId="{51DEB284-E283-40C7-8AEB-6DB303EA5237}" type="presParOf" srcId="{FF1E0416-B2FE-4B75-B3E1-3B254C296A53}" destId="{81805E6F-E105-4E82-8A3E-E6C9CD7D9CE7}" srcOrd="0" destOrd="0" presId="urn:microsoft.com/office/officeart/2005/8/layout/orgChart1"/>
     <dgm:cxn modelId="{041B4D5E-DC67-4E3D-AC85-A38A2BFCC05C}" type="presParOf" srcId="{81805E6F-E105-4E82-8A3E-E6C9CD7D9CE7}" destId="{B1EF889A-B29F-40DC-BEFA-15E4CB32ECAF}" srcOrd="0" destOrd="0" presId="urn:microsoft.com/office/officeart/2005/8/layout/orgChart1"/>
     <dgm:cxn modelId="{41F3C7C1-03C8-4130-A821-53660C83D0BB}" type="presParOf" srcId="{B1EF889A-B29F-40DC-BEFA-15E4CB32ECAF}" destId="{FDB23B55-B392-436C-9555-416C9DDEE460}" srcOrd="0" destOrd="0" presId="urn:microsoft.com/office/officeart/2005/8/layout/orgChart1"/>
@@ -2523,7 +2678,7 @@
         </a:bodyPr>
         <a:lstStyle/>
         <a:p>
-          <a:pPr marL="0" lvl="0" indent="0" algn="ctr" defTabSz="1244600">
+          <a:pPr lvl="0" algn="ctr" defTabSz="1244600">
             <a:lnSpc>
               <a:spcPct val="90000"/>
             </a:lnSpc>
@@ -2533,7 +2688,6 @@
             <a:spcAft>
               <a:spcPct val="35000"/>
             </a:spcAft>
-            <a:buNone/>
           </a:pPr>
           <a:r>
             <a:rPr lang="de-CH" sz="2800" b="1" kern="1200" dirty="0">
@@ -2606,7 +2760,7 @@
         </a:bodyPr>
         <a:lstStyle/>
         <a:p>
-          <a:pPr marL="0" lvl="0" indent="0" algn="ctr" defTabSz="1066800">
+          <a:pPr lvl="0" algn="ctr" defTabSz="1066800">
             <a:lnSpc>
               <a:spcPct val="90000"/>
             </a:lnSpc>
@@ -2616,7 +2770,6 @@
             <a:spcAft>
               <a:spcPct val="35000"/>
             </a:spcAft>
-            <a:buNone/>
           </a:pPr>
           <a:r>
             <a:rPr lang="de-CH" sz="2400" kern="1200" dirty="0">
@@ -2637,6 +2790,16 @@
               <a:cs typeface="Arial" panose="020B0604020202020204" pitchFamily="34" charset="0"/>
             </a:rPr>
             <a:t>Taborda</a:t>
+          </a:r>
+          <a:r>
+            <a:rPr lang="de-CH" sz="2400" kern="1200" dirty="0">
+              <a:solidFill>
+                <a:schemeClr val="bg1"/>
+              </a:solidFill>
+              <a:latin typeface="Arial" panose="020B0604020202020204" pitchFamily="34" charset="0"/>
+              <a:cs typeface="Arial" panose="020B0604020202020204" pitchFamily="34" charset="0"/>
+            </a:rPr>
+            <a:t/>
           </a:r>
           <a:br>
             <a:rPr lang="de-CH" sz="2400" kern="1200" dirty="0">
@@ -2725,7 +2888,7 @@
         </a:bodyPr>
         <a:lstStyle/>
         <a:p>
-          <a:pPr marL="0" lvl="0" indent="0" algn="ctr" defTabSz="1066800">
+          <a:pPr lvl="0" algn="ctr" defTabSz="1066800">
             <a:lnSpc>
               <a:spcPct val="90000"/>
             </a:lnSpc>
@@ -2735,7 +2898,6 @@
             <a:spcAft>
               <a:spcPct val="35000"/>
             </a:spcAft>
-            <a:buNone/>
           </a:pPr>
           <a:r>
             <a:rPr lang="de-CH" sz="2400" kern="1200" dirty="0">
@@ -2808,7 +2970,7 @@
         </a:bodyPr>
         <a:lstStyle/>
         <a:p>
-          <a:pPr marL="0" lvl="0" indent="0" algn="ctr" defTabSz="1066800">
+          <a:pPr lvl="0" algn="ctr" defTabSz="1066800">
             <a:lnSpc>
               <a:spcPct val="90000"/>
             </a:lnSpc>
@@ -2818,7 +2980,6 @@
             <a:spcAft>
               <a:spcPct val="35000"/>
             </a:spcAft>
-            <a:buNone/>
           </a:pPr>
           <a:r>
             <a:rPr lang="de-CH" sz="2400" kern="1200" dirty="0" err="1">
@@ -2901,7 +3062,7 @@
         </a:bodyPr>
         <a:lstStyle/>
         <a:p>
-          <a:pPr marL="0" lvl="0" indent="0" algn="ctr" defTabSz="1066800">
+          <a:pPr lvl="0" algn="ctr" defTabSz="1066800">
             <a:lnSpc>
               <a:spcPct val="90000"/>
             </a:lnSpc>
@@ -2911,7 +3072,6 @@
             <a:spcAft>
               <a:spcPct val="35000"/>
             </a:spcAft>
-            <a:buNone/>
           </a:pPr>
           <a:r>
             <a:rPr lang="de-CH" sz="2400" kern="1200" dirty="0">
@@ -3003,7 +3163,7 @@
         </a:bodyPr>
         <a:lstStyle/>
         <a:p>
-          <a:pPr marL="0" lvl="0" indent="0" algn="ctr" defTabSz="1066800">
+          <a:pPr lvl="0" algn="ctr" defTabSz="1066800">
             <a:lnSpc>
               <a:spcPct val="90000"/>
             </a:lnSpc>
@@ -3013,7 +3173,6 @@
             <a:spcAft>
               <a:spcPct val="35000"/>
             </a:spcAft>
-            <a:buNone/>
           </a:pPr>
           <a:r>
             <a:rPr lang="de-CH" sz="2400" kern="1200" dirty="0">
@@ -3125,7 +3284,7 @@
         </a:bodyPr>
         <a:lstStyle/>
         <a:p>
-          <a:pPr marL="0" lvl="0" indent="0" algn="ctr" defTabSz="1066800">
+          <a:pPr lvl="0" algn="ctr" defTabSz="1066800">
             <a:lnSpc>
               <a:spcPct val="90000"/>
             </a:lnSpc>
@@ -3135,7 +3294,6 @@
             <a:spcAft>
               <a:spcPct val="35000"/>
             </a:spcAft>
-            <a:buNone/>
           </a:pPr>
           <a:r>
             <a:rPr lang="de-CH" sz="2400" kern="1200" dirty="0">
@@ -8380,6 +8538,16 @@
               </a:rPr>
               <a:t>«DJ» EMI Filter für Netzteil </a:t>
             </a:r>
+            <a:r>
+              <a:rPr lang="de-CH" dirty="0">
+                <a:solidFill>
+                  <a:schemeClr val="tx2">
+                    <a:lumMod val="75000"/>
+                  </a:schemeClr>
+                </a:solidFill>
+              </a:rPr>
+              <a:t/>
+            </a:r>
             <a:br>
               <a:rPr lang="de-CH" dirty="0">
                 <a:solidFill>
@@ -8399,6 +8567,10 @@
               </a:rPr>
               <a:t>Pro2E - Team 5</a:t>
             </a:r>
+            <a:r>
+              <a:rPr lang="de-CH" dirty="0"/>
+              <a:t/>
+            </a:r>
             <a:br>
               <a:rPr lang="de-CH" dirty="0"/>
             </a:br>
@@ -8406,75 +8578,15 @@
           </a:p>
         </p:txBody>
       </p:sp>
-      <p:sp>
-        <p:nvSpPr>
-          <p:cNvPr id="3" name="Textfeld 2"/>
-          <p:cNvSpPr txBox="1"/>
-          <p:nvPr/>
-        </p:nvSpPr>
-        <p:spPr>
-          <a:xfrm>
-            <a:off x="2627783" y="2723277"/>
-            <a:ext cx="4085719" cy="369332"/>
-          </a:xfrm>
-          <a:prstGeom prst="rect">
-            <a:avLst/>
-          </a:prstGeom>
-          <a:noFill/>
-        </p:spPr>
-        <p:txBody>
-          <a:bodyPr wrap="square" rtlCol="0">
-            <a:spAutoFit/>
-          </a:bodyPr>
-          <a:lstStyle/>
-          <a:p>
-            <a:r>
-              <a:rPr lang="en-ZA" dirty="0" err="1">
-                <a:solidFill>
-                  <a:schemeClr val="accent2"/>
-                </a:solidFill>
-              </a:rPr>
-              <a:t>Ein</a:t>
-            </a:r>
-            <a:r>
-              <a:rPr lang="en-ZA" dirty="0">
-                <a:solidFill>
-                  <a:schemeClr val="accent2"/>
-                </a:solidFill>
-              </a:rPr>
-              <a:t> </a:t>
-            </a:r>
-            <a:r>
-              <a:rPr lang="en-ZA" dirty="0" err="1">
-                <a:solidFill>
-                  <a:schemeClr val="accent2"/>
-                </a:solidFill>
-              </a:rPr>
-              <a:t>besseres</a:t>
-            </a:r>
-            <a:r>
-              <a:rPr lang="en-ZA" dirty="0">
-                <a:solidFill>
-                  <a:schemeClr val="accent2"/>
-                </a:solidFill>
-              </a:rPr>
-              <a:t> Titelbild * von Frank * </a:t>
-            </a:r>
-            <a:endParaRPr lang="de-CH" dirty="0">
-              <a:solidFill>
-                <a:schemeClr val="accent2"/>
-              </a:solidFill>
-            </a:endParaRPr>
-          </a:p>
-        </p:txBody>
-      </p:sp>
       <p:pic>
         <p:nvPicPr>
-          <p:cNvPr id="4" name="Picture 15"/>
-          <p:cNvPicPr/>
+          <p:cNvPr id="5" name="Picture 13"/>
+          <p:cNvPicPr>
+            <a:picLocks/>
+          </p:cNvPicPr>
           <p:nvPr/>
         </p:nvPicPr>
-        <p:blipFill>
+        <p:blipFill rotWithShape="1">
           <a:blip r:embed="rId2" cstate="print">
             <a:extLst>
               <a:ext uri="{28A0092B-C50C-407E-A947-70E740481C1C}">
@@ -8482,14 +8594,13 @@
               </a:ext>
             </a:extLst>
           </a:blip>
-          <a:stretch>
-            <a:fillRect/>
-          </a:stretch>
+          <a:srcRect/>
+          <a:stretch/>
         </p:blipFill>
         <p:spPr>
           <a:xfrm>
-            <a:off x="2483768" y="3212976"/>
-            <a:ext cx="4229735" cy="2314575"/>
+            <a:off x="611560" y="2564904"/>
+            <a:ext cx="7884368" cy="4005064"/>
           </a:xfrm>
           <a:prstGeom prst="rect">
             <a:avLst/>
@@ -8531,7 +8642,7 @@
           <p:cNvPr id="2" name="Titel 1">
             <a:extLst>
               <a:ext uri="{FF2B5EF4-FFF2-40B4-BE49-F238E27FC236}">
-                <a16:creationId xmlns:a16="http://schemas.microsoft.com/office/drawing/2014/main" id="{2BE28AD2-E56E-457B-9D12-F37BA15F8FDF}"/>
+                <a16:creationId xmlns:a16="http://schemas.microsoft.com/office/drawing/2014/main" xmlns="" id="{2BE28AD2-E56E-457B-9D12-F37BA15F8FDF}"/>
               </a:ext>
             </a:extLst>
           </p:cNvPr>
@@ -8559,7 +8670,7 @@
           <p:cNvPr id="4" name="Inhaltsplatzhalter 3" descr="Ein Bild, das Screenshot enthält.&#10;&#10;Automatisch generierte Beschreibung">
             <a:extLst>
               <a:ext uri="{FF2B5EF4-FFF2-40B4-BE49-F238E27FC236}">
-                <a16:creationId xmlns:a16="http://schemas.microsoft.com/office/drawing/2014/main" id="{F1A6AF35-7830-4CA3-A5D2-F50BCD1F3D25}"/>
+                <a16:creationId xmlns:a16="http://schemas.microsoft.com/office/drawing/2014/main" xmlns="" id="{F1A6AF35-7830-4CA3-A5D2-F50BCD1F3D25}"/>
               </a:ext>
             </a:extLst>
           </p:cNvPr>
@@ -8597,7 +8708,7 @@
           <p:cNvPr id="7" name="Rechteck 6">
             <a:extLst>
               <a:ext uri="{FF2B5EF4-FFF2-40B4-BE49-F238E27FC236}">
-                <a16:creationId xmlns:a16="http://schemas.microsoft.com/office/drawing/2014/main" id="{857280F5-B2DC-438F-B3FF-D741FFE01BFE}"/>
+                <a16:creationId xmlns:a16="http://schemas.microsoft.com/office/drawing/2014/main" xmlns="" id="{857280F5-B2DC-438F-B3FF-D741FFE01BFE}"/>
               </a:ext>
             </a:extLst>
           </p:cNvPr>
@@ -8649,7 +8760,7 @@
           <p:cNvPr id="8" name="Rechteck 7">
             <a:extLst>
               <a:ext uri="{FF2B5EF4-FFF2-40B4-BE49-F238E27FC236}">
-                <a16:creationId xmlns:a16="http://schemas.microsoft.com/office/drawing/2014/main" id="{7F60E176-A88A-452B-8C49-1FC0DA67009B}"/>
+                <a16:creationId xmlns:a16="http://schemas.microsoft.com/office/drawing/2014/main" xmlns="" id="{7F60E176-A88A-452B-8C49-1FC0DA67009B}"/>
               </a:ext>
             </a:extLst>
           </p:cNvPr>
@@ -8701,7 +8812,7 @@
           <p:cNvPr id="9" name="Rechteck 8">
             <a:extLst>
               <a:ext uri="{FF2B5EF4-FFF2-40B4-BE49-F238E27FC236}">
-                <a16:creationId xmlns:a16="http://schemas.microsoft.com/office/drawing/2014/main" id="{861940BC-77BA-4E94-A8E0-4705746D8559}"/>
+                <a16:creationId xmlns:a16="http://schemas.microsoft.com/office/drawing/2014/main" xmlns="" id="{861940BC-77BA-4E94-A8E0-4705746D8559}"/>
               </a:ext>
             </a:extLst>
           </p:cNvPr>
@@ -8753,7 +8864,7 @@
           <p:cNvPr id="12" name="Gerader Verbinder 11">
             <a:extLst>
               <a:ext uri="{FF2B5EF4-FFF2-40B4-BE49-F238E27FC236}">
-                <a16:creationId xmlns:a16="http://schemas.microsoft.com/office/drawing/2014/main" id="{61E8A963-5420-456C-944A-B37B0F3B42A9}"/>
+                <a16:creationId xmlns:a16="http://schemas.microsoft.com/office/drawing/2014/main" xmlns="" id="{61E8A963-5420-456C-944A-B37B0F3B42A9}"/>
               </a:ext>
             </a:extLst>
           </p:cNvPr>
@@ -8797,7 +8908,7 @@
           <p:cNvPr id="16" name="Gerader Verbinder 15">
             <a:extLst>
               <a:ext uri="{FF2B5EF4-FFF2-40B4-BE49-F238E27FC236}">
-                <a16:creationId xmlns:a16="http://schemas.microsoft.com/office/drawing/2014/main" id="{B929B060-52E7-43F6-A017-9623EC415E1C}"/>
+                <a16:creationId xmlns:a16="http://schemas.microsoft.com/office/drawing/2014/main" xmlns="" id="{B929B060-52E7-43F6-A017-9623EC415E1C}"/>
               </a:ext>
             </a:extLst>
           </p:cNvPr>
@@ -8840,7 +8951,7 @@
           <p:cNvPr id="19" name="Gerader Verbinder 18">
             <a:extLst>
               <a:ext uri="{FF2B5EF4-FFF2-40B4-BE49-F238E27FC236}">
-                <a16:creationId xmlns:a16="http://schemas.microsoft.com/office/drawing/2014/main" id="{D73C2BDC-6B8D-49AF-91C6-A1ECFE1BF845}"/>
+                <a16:creationId xmlns:a16="http://schemas.microsoft.com/office/drawing/2014/main" xmlns="" id="{D73C2BDC-6B8D-49AF-91C6-A1ECFE1BF845}"/>
               </a:ext>
             </a:extLst>
           </p:cNvPr>
@@ -8883,7 +8994,7 @@
           <p:cNvPr id="22" name="Gerader Verbinder 21">
             <a:extLst>
               <a:ext uri="{FF2B5EF4-FFF2-40B4-BE49-F238E27FC236}">
-                <a16:creationId xmlns:a16="http://schemas.microsoft.com/office/drawing/2014/main" id="{17C2BF8A-475D-445C-8CB3-80843D190D86}"/>
+                <a16:creationId xmlns:a16="http://schemas.microsoft.com/office/drawing/2014/main" xmlns="" id="{17C2BF8A-475D-445C-8CB3-80843D190D86}"/>
               </a:ext>
             </a:extLst>
           </p:cNvPr>
@@ -8956,7 +9067,7 @@
           <p:cNvPr id="12" name="Grafik 11">
             <a:extLst>
               <a:ext uri="{FF2B5EF4-FFF2-40B4-BE49-F238E27FC236}">
-                <a16:creationId xmlns:a16="http://schemas.microsoft.com/office/drawing/2014/main" id="{71605B88-D94C-49C8-A31C-EA70311C6808}"/>
+                <a16:creationId xmlns:a16="http://schemas.microsoft.com/office/drawing/2014/main" xmlns="" id="{71605B88-D94C-49C8-A31C-EA70311C6808}"/>
               </a:ext>
             </a:extLst>
           </p:cNvPr>
@@ -8992,7 +9103,7 @@
           <p:cNvPr id="2" name="Titel 1">
             <a:extLst>
               <a:ext uri="{FF2B5EF4-FFF2-40B4-BE49-F238E27FC236}">
-                <a16:creationId xmlns:a16="http://schemas.microsoft.com/office/drawing/2014/main" id="{2972D83D-1765-4FAD-9DE4-3CA6273F3255}"/>
+                <a16:creationId xmlns:a16="http://schemas.microsoft.com/office/drawing/2014/main" xmlns="" id="{2972D83D-1765-4FAD-9DE4-3CA6273F3255}"/>
               </a:ext>
             </a:extLst>
           </p:cNvPr>
@@ -9020,7 +9131,7 @@
           <p:cNvPr id="10" name="Inhaltsplatzhalter 9">
             <a:extLst>
               <a:ext uri="{FF2B5EF4-FFF2-40B4-BE49-F238E27FC236}">
-                <a16:creationId xmlns:a16="http://schemas.microsoft.com/office/drawing/2014/main" id="{2E33E93C-DABB-4013-B435-18F22A5EC3E8}"/>
+                <a16:creationId xmlns:a16="http://schemas.microsoft.com/office/drawing/2014/main" xmlns="" id="{2E33E93C-DABB-4013-B435-18F22A5EC3E8}"/>
               </a:ext>
             </a:extLst>
           </p:cNvPr>
@@ -9122,7 +9233,7 @@
           <p:cNvPr id="14" name="Grafik 13">
             <a:extLst>
               <a:ext uri="{FF2B5EF4-FFF2-40B4-BE49-F238E27FC236}">
-                <a16:creationId xmlns:a16="http://schemas.microsoft.com/office/drawing/2014/main" id="{79CB4983-61EB-4DA8-8384-01214AD9CA93}"/>
+                <a16:creationId xmlns:a16="http://schemas.microsoft.com/office/drawing/2014/main" xmlns="" id="{79CB4983-61EB-4DA8-8384-01214AD9CA93}"/>
               </a:ext>
             </a:extLst>
           </p:cNvPr>
@@ -9158,7 +9269,7 @@
           <p:cNvPr id="16" name="Gerader Verbinder 15">
             <a:extLst>
               <a:ext uri="{FF2B5EF4-FFF2-40B4-BE49-F238E27FC236}">
-                <a16:creationId xmlns:a16="http://schemas.microsoft.com/office/drawing/2014/main" id="{50F9C099-7DEF-4FC2-ABE8-737B8B62E612}"/>
+                <a16:creationId xmlns:a16="http://schemas.microsoft.com/office/drawing/2014/main" xmlns="" id="{50F9C099-7DEF-4FC2-ABE8-737B8B62E612}"/>
               </a:ext>
             </a:extLst>
           </p:cNvPr>
@@ -9201,7 +9312,7 @@
           <p:cNvPr id="20" name="Gerader Verbinder 19">
             <a:extLst>
               <a:ext uri="{FF2B5EF4-FFF2-40B4-BE49-F238E27FC236}">
-                <a16:creationId xmlns:a16="http://schemas.microsoft.com/office/drawing/2014/main" id="{7AF694DF-453E-4629-81EF-8E3D4E3C18DC}"/>
+                <a16:creationId xmlns:a16="http://schemas.microsoft.com/office/drawing/2014/main" xmlns="" id="{7AF694DF-453E-4629-81EF-8E3D4E3C18DC}"/>
               </a:ext>
             </a:extLst>
           </p:cNvPr>
@@ -9439,7 +9550,7 @@
                                   <a:lumMod val="75000"/>
                                 </a:schemeClr>
                               </a:solidFill>
-                              <a:latin typeface="Cambria Math" panose="02040503050406030204" pitchFamily="18" charset="0"/>
+                              <a:latin typeface="Cambria Math"/>
                               <a:ea typeface="+mn-ea"/>
                             </a:rPr>
                           </m:ctrlPr>
@@ -9494,7 +9605,7 @@
                                   <a:lumMod val="75000"/>
                                 </a:schemeClr>
                               </a:solidFill>
-                              <a:latin typeface="Cambria Math" panose="02040503050406030204" pitchFamily="18" charset="0"/>
+                              <a:latin typeface="Cambria Math"/>
                               <a:ea typeface="+mn-ea"/>
                             </a:rPr>
                           </m:ctrlPr>
@@ -9528,7 +9639,7 @@
                                       <a:lumMod val="75000"/>
                                     </a:schemeClr>
                                   </a:solidFill>
-                                  <a:latin typeface="Cambria Math" panose="02040503050406030204" pitchFamily="18" charset="0"/>
+                                  <a:latin typeface="Cambria Math"/>
                                   <a:ea typeface="+mn-ea"/>
                                 </a:rPr>
                               </m:ctrlPr>
@@ -9543,7 +9654,7 @@
                                           <a:lumMod val="75000"/>
                                         </a:schemeClr>
                                       </a:solidFill>
-                                      <a:latin typeface="Cambria Math" panose="02040503050406030204" pitchFamily="18" charset="0"/>
+                                      <a:latin typeface="Cambria Math"/>
                                       <a:ea typeface="+mn-ea"/>
                                     </a:rPr>
                                   </m:ctrlPr>
@@ -9602,7 +9713,7 @@
                                       <a:lumMod val="75000"/>
                                     </a:schemeClr>
                                   </a:solidFill>
-                                  <a:latin typeface="Cambria Math" panose="02040503050406030204" pitchFamily="18" charset="0"/>
+                                  <a:latin typeface="Cambria Math"/>
                                   <a:ea typeface="+mn-ea"/>
                                 </a:rPr>
                               </m:ctrlPr>
@@ -9627,6 +9738,17 @@
                     </m:oMath>
                   </m:oMathPara>
                 </a14:m>
+                <a:r>
+                  <a:rPr lang="de-CH" sz="2800" dirty="0">
+                    <a:solidFill>
+                      <a:schemeClr val="accent1">
+                        <a:lumMod val="75000"/>
+                      </a:schemeClr>
+                    </a:solidFill>
+                    <a:ea typeface="+mn-ea"/>
+                  </a:rPr>
+                  <a:t/>
+                </a:r>
                 <a:br>
                   <a:rPr lang="de-CH" sz="2800" dirty="0">
                     <a:solidFill>
@@ -9720,162 +9842,6 @@
     <p:extLst>
       <p:ext uri="{BB962C8B-B14F-4D97-AF65-F5344CB8AC3E}">
         <p14:creationId xmlns:p14="http://schemas.microsoft.com/office/powerpoint/2010/main" val="3076454274"/>
-      </p:ext>
-    </p:extLst>
-  </p:cSld>
-  <p:clrMapOvr>
-    <a:masterClrMapping/>
-  </p:clrMapOvr>
-</p:sld>
-</file>
-
-<file path=ppt/slides/slide14.xml><?xml version="1.0" encoding="utf-8"?>
-<p:sld xmlns:a="http://schemas.openxmlformats.org/drawingml/2006/main" xmlns:r="http://schemas.openxmlformats.org/officeDocument/2006/relationships" xmlns:p="http://schemas.openxmlformats.org/presentationml/2006/main">
-  <p:cSld>
-    <p:spTree>
-      <p:nvGrpSpPr>
-        <p:cNvPr id="1" name=""/>
-        <p:cNvGrpSpPr/>
-        <p:nvPr/>
-      </p:nvGrpSpPr>
-      <p:grpSpPr>
-        <a:xfrm>
-          <a:off x="0" y="0"/>
-          <a:ext cx="0" cy="0"/>
-          <a:chOff x="0" y="0"/>
-          <a:chExt cx="0" cy="0"/>
-        </a:xfrm>
-      </p:grpSpPr>
-      <p:sp>
-        <p:nvSpPr>
-          <p:cNvPr id="2" name="Titel 1"/>
-          <p:cNvSpPr>
-            <a:spLocks noGrp="1"/>
-          </p:cNvSpPr>
-          <p:nvPr>
-            <p:ph type="title"/>
-          </p:nvPr>
-        </p:nvSpPr>
-        <p:spPr>
-          <a:xfrm>
-            <a:off x="457200" y="274638"/>
-            <a:ext cx="8229600" cy="4234482"/>
-          </a:xfrm>
-        </p:spPr>
-        <p:txBody>
-          <a:bodyPr>
-            <a:normAutofit/>
-          </a:bodyPr>
-          <a:lstStyle/>
-          <a:p>
-            <a:pPr marL="215900" algn="l">
-              <a:lnSpc>
-                <a:spcPct val="107000"/>
-              </a:lnSpc>
-              <a:spcAft>
-                <a:spcPts val="800"/>
-              </a:spcAft>
-            </a:pPr>
-            <a:endParaRPr lang="de-CH" sz="2000" dirty="0"/>
-          </a:p>
-        </p:txBody>
-      </p:sp>
-      <p:sp>
-        <p:nvSpPr>
-          <p:cNvPr id="3" name="Inhaltsplatzhalter 2"/>
-          <p:cNvSpPr>
-            <a:spLocks noGrp="1"/>
-          </p:cNvSpPr>
-          <p:nvPr>
-            <p:ph idx="1"/>
-          </p:nvPr>
-        </p:nvSpPr>
-        <p:spPr>
-          <a:xfrm>
-            <a:off x="457200" y="4725144"/>
-            <a:ext cx="8229600" cy="1401019"/>
-          </a:xfrm>
-        </p:spPr>
-        <p:txBody>
-          <a:bodyPr/>
-          <a:lstStyle/>
-          <a:p>
-            <a:endParaRPr lang="de-CH"/>
-          </a:p>
-        </p:txBody>
-      </p:sp>
-    </p:spTree>
-    <p:extLst>
-      <p:ext uri="{BB962C8B-B14F-4D97-AF65-F5344CB8AC3E}">
-        <p14:creationId xmlns:p14="http://schemas.microsoft.com/office/powerpoint/2010/main" val="3559695445"/>
-      </p:ext>
-    </p:extLst>
-  </p:cSld>
-  <p:clrMapOvr>
-    <a:masterClrMapping/>
-  </p:clrMapOvr>
-</p:sld>
-</file>
-
-<file path=ppt/slides/slide15.xml><?xml version="1.0" encoding="utf-8"?>
-<p:sld xmlns:a="http://schemas.openxmlformats.org/drawingml/2006/main" xmlns:r="http://schemas.openxmlformats.org/officeDocument/2006/relationships" xmlns:p="http://schemas.openxmlformats.org/presentationml/2006/main">
-  <p:cSld>
-    <p:spTree>
-      <p:nvGrpSpPr>
-        <p:cNvPr id="1" name=""/>
-        <p:cNvGrpSpPr/>
-        <p:nvPr/>
-      </p:nvGrpSpPr>
-      <p:grpSpPr>
-        <a:xfrm>
-          <a:off x="0" y="0"/>
-          <a:ext cx="0" cy="0"/>
-          <a:chOff x="0" y="0"/>
-          <a:chExt cx="0" cy="0"/>
-        </a:xfrm>
-      </p:grpSpPr>
-      <p:sp>
-        <p:nvSpPr>
-          <p:cNvPr id="2" name="Titel 1"/>
-          <p:cNvSpPr>
-            <a:spLocks noGrp="1"/>
-          </p:cNvSpPr>
-          <p:nvPr>
-            <p:ph type="title"/>
-          </p:nvPr>
-        </p:nvSpPr>
-        <p:spPr/>
-        <p:txBody>
-          <a:bodyPr/>
-          <a:lstStyle/>
-          <a:p>
-            <a:endParaRPr lang="de-CH"/>
-          </a:p>
-        </p:txBody>
-      </p:sp>
-      <p:sp>
-        <p:nvSpPr>
-          <p:cNvPr id="3" name="Inhaltsplatzhalter 2"/>
-          <p:cNvSpPr>
-            <a:spLocks noGrp="1"/>
-          </p:cNvSpPr>
-          <p:nvPr>
-            <p:ph idx="1"/>
-          </p:nvPr>
-        </p:nvSpPr>
-        <p:spPr/>
-        <p:txBody>
-          <a:bodyPr/>
-          <a:lstStyle/>
-          <a:p>
-            <a:endParaRPr lang="de-CH"/>
-          </a:p>
-        </p:txBody>
-      </p:sp>
-    </p:spTree>
-    <p:extLst>
-      <p:ext uri="{BB962C8B-B14F-4D97-AF65-F5344CB8AC3E}">
-        <p14:creationId xmlns:p14="http://schemas.microsoft.com/office/powerpoint/2010/main" val="151441230"/>
       </p:ext>
     </p:extLst>
   </p:cSld>
@@ -10409,6 +10375,16 @@
           <a:lstStyle/>
           <a:p>
             <a:pPr lvl="0" algn="l"/>
+            <a:r>
+              <a:rPr lang="de-CH" b="1" u="sng" dirty="0">
+                <a:solidFill>
+                  <a:schemeClr val="accent1">
+                    <a:lumMod val="75000"/>
+                  </a:schemeClr>
+                </a:solidFill>
+              </a:rPr>
+              <a:t/>
+            </a:r>
             <a:br>
               <a:rPr lang="de-CH" b="1" u="sng" dirty="0">
                 <a:solidFill>
@@ -10437,6 +10413,16 @@
                 </a:solidFill>
               </a:rPr>
             </a:br>
+            <a:r>
+              <a:rPr lang="de-CH" u="sng" dirty="0">
+                <a:solidFill>
+                  <a:schemeClr val="accent1">
+                    <a:lumMod val="75000"/>
+                  </a:schemeClr>
+                </a:solidFill>
+              </a:rPr>
+              <a:t/>
+            </a:r>
             <a:br>
               <a:rPr lang="de-CH" u="sng" dirty="0">
                 <a:solidFill>
@@ -10484,6 +10470,16 @@
                 </a:solidFill>
               </a:rPr>
               <a:t>z.B</a:t>
+            </a:r>
+            <a:r>
+              <a:rPr lang="de-CH" b="1" u="sng" dirty="0">
+                <a:solidFill>
+                  <a:schemeClr val="accent1">
+                    <a:lumMod val="75000"/>
+                  </a:schemeClr>
+                </a:solidFill>
+              </a:rPr>
+              <a:t/>
             </a:r>
             <a:br>
               <a:rPr lang="de-CH" b="1" u="sng" dirty="0">
@@ -10590,6 +10586,10 @@
                 </a:solidFill>
               </a:rPr>
             </a:br>
+            <a:r>
+              <a:rPr lang="de-CH" dirty="0"/>
+              <a:t/>
+            </a:r>
             <a:br>
               <a:rPr lang="de-CH" dirty="0"/>
             </a:br>
@@ -10989,7 +10989,7 @@
           <p:cNvPr id="4" name="Grafik 3">
             <a:extLst>
               <a:ext uri="{FF2B5EF4-FFF2-40B4-BE49-F238E27FC236}">
-                <a16:creationId xmlns:a16="http://schemas.microsoft.com/office/drawing/2014/main" id="{52DCF5A7-1DB8-46B9-931B-FD344186CFFE}"/>
+                <a16:creationId xmlns:a16="http://schemas.microsoft.com/office/drawing/2014/main" xmlns="" id="{52DCF5A7-1DB8-46B9-931B-FD344186CFFE}"/>
               </a:ext>
             </a:extLst>
           </p:cNvPr>
@@ -11078,7 +11078,7 @@
           <p:cNvPr id="3" name="Inhaltsplatzhalter 2">
             <a:extLst>
               <a:ext uri="{FF2B5EF4-FFF2-40B4-BE49-F238E27FC236}">
-                <a16:creationId xmlns:a16="http://schemas.microsoft.com/office/drawing/2014/main" id="{6EE42402-0C5A-4D89-946C-F52ECC508047}"/>
+                <a16:creationId xmlns:a16="http://schemas.microsoft.com/office/drawing/2014/main" xmlns="" id="{6EE42402-0C5A-4D89-946C-F52ECC508047}"/>
               </a:ext>
             </a:extLst>
           </p:cNvPr>
@@ -11103,7 +11103,7 @@
           <p:cNvPr id="6" name="Picture 15">
             <a:extLst>
               <a:ext uri="{FF2B5EF4-FFF2-40B4-BE49-F238E27FC236}">
-                <a16:creationId xmlns:a16="http://schemas.microsoft.com/office/drawing/2014/main" id="{6B0823B5-CD3A-4DE2-B709-301D0F8497E4}"/>
+                <a16:creationId xmlns:a16="http://schemas.microsoft.com/office/drawing/2014/main" xmlns="" id="{6B0823B5-CD3A-4DE2-B709-301D0F8497E4}"/>
               </a:ext>
             </a:extLst>
           </p:cNvPr>
@@ -11167,7 +11167,7 @@
           <p:cNvPr id="2" name="Titel 1">
             <a:extLst>
               <a:ext uri="{FF2B5EF4-FFF2-40B4-BE49-F238E27FC236}">
-                <a16:creationId xmlns:a16="http://schemas.microsoft.com/office/drawing/2014/main" id="{5D7CFD08-74D4-4775-87D6-921D7EF23F67}"/>
+                <a16:creationId xmlns:a16="http://schemas.microsoft.com/office/drawing/2014/main" xmlns="" id="{5D7CFD08-74D4-4775-87D6-921D7EF23F67}"/>
               </a:ext>
             </a:extLst>
           </p:cNvPr>
@@ -11192,7 +11192,7 @@
           <p:cNvPr id="4" name="Picture 14">
             <a:extLst>
               <a:ext uri="{FF2B5EF4-FFF2-40B4-BE49-F238E27FC236}">
-                <a16:creationId xmlns:a16="http://schemas.microsoft.com/office/drawing/2014/main" id="{5B09A149-BA53-4D81-9B6B-A6CFE79B833A}"/>
+                <a16:creationId xmlns:a16="http://schemas.microsoft.com/office/drawing/2014/main" xmlns="" id="{5B09A149-BA53-4D81-9B6B-A6CFE79B833A}"/>
               </a:ext>
             </a:extLst>
           </p:cNvPr>

--- a/ZwischenPresäntation_RichardBritt.pptx
+++ b/ZwischenPresäntation_RichardBritt.pptx
@@ -18,6 +18,8 @@
     <p:sldId id="277" r:id="rId12"/>
     <p:sldId id="264" r:id="rId13"/>
     <p:sldId id="266" r:id="rId14"/>
+    <p:sldId id="280" r:id="rId15"/>
+    <p:sldId id="279" r:id="rId16"/>
   </p:sldIdLst>
   <p:sldSz cx="9144000" cy="6858000" type="screen4x3"/>
   <p:notesSz cx="6858000" cy="9144000"/>
@@ -118,7 +120,7 @@
   </p:defaultTextStyle>
   <p:extLst>
     <p:ext uri="{EFAFB233-063F-42B5-8137-9DF3F51BA10A}">
-      <p15:sldGuideLst xmlns:p15="http://schemas.microsoft.com/office/powerpoint/2012/main" xmlns="">
+      <p15:sldGuideLst xmlns:p15="http://schemas.microsoft.com/office/powerpoint/2012/main">
         <p15:guide id="1" orient="horz" pos="2160">
           <p15:clr>
             <a:srgbClr val="A4A3A4"/>
@@ -139,12 +141,155 @@
 <p1510:revInfo xmlns:a="http://schemas.openxmlformats.org/drawingml/2006/main" xmlns:r="http://schemas.openxmlformats.org/officeDocument/2006/relationships" xmlns:p1510="http://schemas.microsoft.com/office/powerpoint/2015/10/main">
   <p1510:revLst>
     <p1510:client id="{7B9CFC24-6A95-4E88-AFBD-88113F9F429A}" v="20" dt="2019-04-10T14:20:06.489"/>
+    <p1510:client id="{64A503E9-204D-456D-A7ED-D96CB5E7D3C1}" v="68" dt="2019-04-10T21:07:44.073"/>
   </p1510:revLst>
 </p1510:revInfo>
 </file>
 
 <file path=ppt/changesInfos/changesInfo1.xml><?xml version="1.0" encoding="utf-8"?>
 <pc:chgInfo xmlns:a="http://schemas.openxmlformats.org/drawingml/2006/main" xmlns:r="http://schemas.openxmlformats.org/officeDocument/2006/relationships" xmlns:ac="http://schemas.microsoft.com/office/drawing/2013/main/command" xmlns:pc="http://schemas.microsoft.com/office/powerpoint/2013/main/command">
+  <pc:docChgLst>
+    <pc:chgData name="Michel Alt" userId="3d3d50152f9d1fbf" providerId="LiveId" clId="{64A503E9-204D-456D-A7ED-D96CB5E7D3C1}"/>
+    <pc:docChg chg="undo custSel mod addSld modSld">
+      <pc:chgData name="Michel Alt" userId="3d3d50152f9d1fbf" providerId="LiveId" clId="{64A503E9-204D-456D-A7ED-D96CB5E7D3C1}" dt="2019-04-10T21:07:44.073" v="67" actId="1076"/>
+      <pc:docMkLst>
+        <pc:docMk/>
+      </pc:docMkLst>
+      <pc:sldChg chg="addSp delSp modSp">
+        <pc:chgData name="Michel Alt" userId="3d3d50152f9d1fbf" providerId="LiveId" clId="{64A503E9-204D-456D-A7ED-D96CB5E7D3C1}" dt="2019-04-10T20:55:37.148" v="17" actId="404"/>
+        <pc:sldMkLst>
+          <pc:docMk/>
+          <pc:sldMk cId="3076454274" sldId="266"/>
+        </pc:sldMkLst>
+        <pc:spChg chg="add del mod">
+          <ac:chgData name="Michel Alt" userId="3d3d50152f9d1fbf" providerId="LiveId" clId="{64A503E9-204D-456D-A7ED-D96CB5E7D3C1}" dt="2019-04-10T20:55:37.148" v="17" actId="404"/>
+          <ac:spMkLst>
+            <pc:docMk/>
+            <pc:sldMk cId="3076454274" sldId="266"/>
+            <ac:spMk id="2" creationId="{00000000-0000-0000-0000-000000000000}"/>
+          </ac:spMkLst>
+        </pc:spChg>
+        <pc:picChg chg="mod">
+          <ac:chgData name="Michel Alt" userId="3d3d50152f9d1fbf" providerId="LiveId" clId="{64A503E9-204D-456D-A7ED-D96CB5E7D3C1}" dt="2019-04-10T20:54:45.100" v="10" actId="1076"/>
+          <ac:picMkLst>
+            <pc:docMk/>
+            <pc:sldMk cId="3076454274" sldId="266"/>
+            <ac:picMk id="4" creationId="{00000000-0000-0000-0000-000000000000}"/>
+          </ac:picMkLst>
+        </pc:picChg>
+      </pc:sldChg>
+      <pc:sldChg chg="addSp delSp modSp add mod setBg">
+        <pc:chgData name="Michel Alt" userId="3d3d50152f9d1fbf" providerId="LiveId" clId="{64A503E9-204D-456D-A7ED-D96CB5E7D3C1}" dt="2019-04-10T20:57:04.087" v="30" actId="14100"/>
+        <pc:sldMkLst>
+          <pc:docMk/>
+          <pc:sldMk cId="1855751221" sldId="279"/>
+        </pc:sldMkLst>
+        <pc:spChg chg="mod">
+          <ac:chgData name="Michel Alt" userId="3d3d50152f9d1fbf" providerId="LiveId" clId="{64A503E9-204D-456D-A7ED-D96CB5E7D3C1}" dt="2019-04-10T20:57:04.087" v="30" actId="14100"/>
+          <ac:spMkLst>
+            <pc:docMk/>
+            <pc:sldMk cId="1855751221" sldId="279"/>
+            <ac:spMk id="2" creationId="{CC232535-0824-435B-BF7B-A6B0101091BD}"/>
+          </ac:spMkLst>
+        </pc:spChg>
+        <pc:spChg chg="del">
+          <ac:chgData name="Michel Alt" userId="3d3d50152f9d1fbf" providerId="LiveId" clId="{64A503E9-204D-456D-A7ED-D96CB5E7D3C1}" dt="2019-04-10T20:56:37.729" v="25" actId="931"/>
+          <ac:spMkLst>
+            <pc:docMk/>
+            <pc:sldMk cId="1855751221" sldId="279"/>
+            <ac:spMk id="3" creationId="{109E10CC-4F1B-40A0-90C6-767DE277C0E0}"/>
+          </ac:spMkLst>
+        </pc:spChg>
+        <pc:spChg chg="add del">
+          <ac:chgData name="Michel Alt" userId="3d3d50152f9d1fbf" providerId="LiveId" clId="{64A503E9-204D-456D-A7ED-D96CB5E7D3C1}" dt="2019-04-10T20:56:47.103" v="29" actId="26606"/>
+          <ac:spMkLst>
+            <pc:docMk/>
+            <pc:sldMk cId="1855751221" sldId="279"/>
+            <ac:spMk id="10" creationId="{A4AC5506-6312-4701-8D3C-40187889A947}"/>
+          </ac:spMkLst>
+        </pc:spChg>
+        <pc:picChg chg="add mod">
+          <ac:chgData name="Michel Alt" userId="3d3d50152f9d1fbf" providerId="LiveId" clId="{64A503E9-204D-456D-A7ED-D96CB5E7D3C1}" dt="2019-04-10T20:56:47.103" v="29" actId="26606"/>
+          <ac:picMkLst>
+            <pc:docMk/>
+            <pc:sldMk cId="1855751221" sldId="279"/>
+            <ac:picMk id="5" creationId="{637E7C7A-4174-4198-B645-EBBF88886A4C}"/>
+          </ac:picMkLst>
+        </pc:picChg>
+      </pc:sldChg>
+      <pc:sldChg chg="addSp delSp modSp add">
+        <pc:chgData name="Michel Alt" userId="3d3d50152f9d1fbf" providerId="LiveId" clId="{64A503E9-204D-456D-A7ED-D96CB5E7D3C1}" dt="2019-04-10T21:07:44.073" v="67" actId="1076"/>
+        <pc:sldMkLst>
+          <pc:docMk/>
+          <pc:sldMk cId="1391104081" sldId="280"/>
+        </pc:sldMkLst>
+        <pc:spChg chg="add del mod">
+          <ac:chgData name="Michel Alt" userId="3d3d50152f9d1fbf" providerId="LiveId" clId="{64A503E9-204D-456D-A7ED-D96CB5E7D3C1}" dt="2019-04-10T21:04:45.149" v="44" actId="931"/>
+          <ac:spMkLst>
+            <pc:docMk/>
+            <pc:sldMk cId="1391104081" sldId="280"/>
+            <ac:spMk id="5" creationId="{66B795CB-2500-4092-8175-C8750A20AEA1}"/>
+          </ac:spMkLst>
+        </pc:spChg>
+        <pc:spChg chg="add del mod">
+          <ac:chgData name="Michel Alt" userId="3d3d50152f9d1fbf" providerId="LiveId" clId="{64A503E9-204D-456D-A7ED-D96CB5E7D3C1}" dt="2019-04-10T21:06:14.135" v="49" actId="931"/>
+          <ac:spMkLst>
+            <pc:docMk/>
+            <pc:sldMk cId="1391104081" sldId="280"/>
+            <ac:spMk id="13" creationId="{C4A8DA99-6BB2-462C-8645-2A727A71CF80}"/>
+          </ac:spMkLst>
+        </pc:spChg>
+        <pc:picChg chg="del">
+          <ac:chgData name="Michel Alt" userId="3d3d50152f9d1fbf" providerId="LiveId" clId="{64A503E9-204D-456D-A7ED-D96CB5E7D3C1}" dt="2019-04-10T21:04:22.132" v="32" actId="478"/>
+          <ac:picMkLst>
+            <pc:docMk/>
+            <pc:sldMk cId="1391104081" sldId="280"/>
+            <ac:picMk id="4" creationId="{00000000-0000-0000-0000-000000000000}"/>
+          </ac:picMkLst>
+        </pc:picChg>
+        <pc:picChg chg="add del mod">
+          <ac:chgData name="Michel Alt" userId="3d3d50152f9d1fbf" providerId="LiveId" clId="{64A503E9-204D-456D-A7ED-D96CB5E7D3C1}" dt="2019-04-10T21:04:38.304" v="43" actId="931"/>
+          <ac:picMkLst>
+            <pc:docMk/>
+            <pc:sldMk cId="1391104081" sldId="280"/>
+            <ac:picMk id="7" creationId="{6E3B728A-E07F-4AE1-906D-80228852F36B}"/>
+          </ac:picMkLst>
+        </pc:picChg>
+        <pc:picChg chg="add del mod">
+          <ac:chgData name="Michel Alt" userId="3d3d50152f9d1fbf" providerId="LiveId" clId="{64A503E9-204D-456D-A7ED-D96CB5E7D3C1}" dt="2019-04-10T21:04:38.304" v="43" actId="931"/>
+          <ac:picMkLst>
+            <pc:docMk/>
+            <pc:sldMk cId="1391104081" sldId="280"/>
+            <ac:picMk id="9" creationId="{D9A10A9B-8F2A-457B-A6CE-40F911C940AF}"/>
+          </ac:picMkLst>
+        </pc:picChg>
+        <pc:picChg chg="add del mod">
+          <ac:chgData name="Michel Alt" userId="3d3d50152f9d1fbf" providerId="LiveId" clId="{64A503E9-204D-456D-A7ED-D96CB5E7D3C1}" dt="2019-04-10T21:05:13.602" v="48" actId="478"/>
+          <ac:picMkLst>
+            <pc:docMk/>
+            <pc:sldMk cId="1391104081" sldId="280"/>
+            <ac:picMk id="11" creationId="{E666AF29-6673-476C-B1F3-E3D1DECEB7A8}"/>
+          </ac:picMkLst>
+        </pc:picChg>
+        <pc:picChg chg="add mod modCrop">
+          <ac:chgData name="Michel Alt" userId="3d3d50152f9d1fbf" providerId="LiveId" clId="{64A503E9-204D-456D-A7ED-D96CB5E7D3C1}" dt="2019-04-10T21:07:39.721" v="66" actId="1076"/>
+          <ac:picMkLst>
+            <pc:docMk/>
+            <pc:sldMk cId="1391104081" sldId="280"/>
+            <ac:picMk id="15" creationId="{D6541AE4-3F60-44AE-875A-8E14A3B2B010}"/>
+          </ac:picMkLst>
+        </pc:picChg>
+        <pc:picChg chg="add mod">
+          <ac:chgData name="Michel Alt" userId="3d3d50152f9d1fbf" providerId="LiveId" clId="{64A503E9-204D-456D-A7ED-D96CB5E7D3C1}" dt="2019-04-10T21:07:44.073" v="67" actId="1076"/>
+          <ac:picMkLst>
+            <pc:docMk/>
+            <pc:sldMk cId="1391104081" sldId="280"/>
+            <ac:picMk id="17" creationId="{DDFD309A-E73D-4455-96D9-4C0828CB979C}"/>
+          </ac:picMkLst>
+        </pc:picChg>
+      </pc:sldChg>
+    </pc:docChg>
+  </pc:docChgLst>
   <pc:docChgLst>
     <pc:chgData name="Britt Richard" userId="649d463ce41d5866" providerId="LiveId" clId="{7B9CFC24-6A95-4E88-AFBD-88113F9F429A}"/>
     <pc:docChg chg="undo custSel addSld delSld modSld">
@@ -1298,16 +1443,6 @@
             </a:rPr>
             <a:t>Taborda</a:t>
           </a:r>
-          <a:r>
-            <a:rPr lang="de-CH" sz="2400" dirty="0">
-              <a:solidFill>
-                <a:schemeClr val="bg1"/>
-              </a:solidFill>
-              <a:latin typeface="Arial" panose="020B0604020202020204" pitchFamily="34" charset="0"/>
-              <a:cs typeface="Arial" panose="020B0604020202020204" pitchFamily="34" charset="0"/>
-            </a:rPr>
-            <a:t/>
-          </a:r>
           <a:br>
             <a:rPr lang="de-CH" sz="2400" dirty="0">
               <a:solidFill>
@@ -1772,13 +1907,6 @@
         </dgm:presLayoutVars>
       </dgm:prSet>
       <dgm:spPr/>
-      <dgm:t>
-        <a:bodyPr/>
-        <a:lstStyle/>
-        <a:p>
-          <a:endParaRPr lang="de-CH"/>
-        </a:p>
-      </dgm:t>
     </dgm:pt>
     <dgm:pt modelId="{81805E6F-E105-4E82-8A3E-E6C9CD7D9CE7}" type="pres">
       <dgm:prSet presAssocID="{A94A6423-635E-47CE-BC22-AEF25667E6CB}" presName="hierRoot1" presStyleCnt="0">
@@ -1799,24 +1927,10 @@
         </dgm:presLayoutVars>
       </dgm:prSet>
       <dgm:spPr/>
-      <dgm:t>
-        <a:bodyPr/>
-        <a:lstStyle/>
-        <a:p>
-          <a:endParaRPr lang="de-CH"/>
-        </a:p>
-      </dgm:t>
     </dgm:pt>
     <dgm:pt modelId="{E8434CD6-2BDD-46AC-85B7-B44293AAA257}" type="pres">
       <dgm:prSet presAssocID="{A94A6423-635E-47CE-BC22-AEF25667E6CB}" presName="rootConnector1" presStyleLbl="asst0" presStyleIdx="0" presStyleCnt="0"/>
       <dgm:spPr/>
-      <dgm:t>
-        <a:bodyPr/>
-        <a:lstStyle/>
-        <a:p>
-          <a:endParaRPr lang="de-CH"/>
-        </a:p>
-      </dgm:t>
     </dgm:pt>
     <dgm:pt modelId="{C510907D-0311-4B1A-A441-6669080B7D5D}" type="pres">
       <dgm:prSet presAssocID="{A94A6423-635E-47CE-BC22-AEF25667E6CB}" presName="hierChild2" presStyleCnt="0"/>
@@ -1825,13 +1939,6 @@
     <dgm:pt modelId="{B78A42F2-C618-4FF5-83D3-166FE278D965}" type="pres">
       <dgm:prSet presAssocID="{577DB4E7-FAB7-4E20-9162-EC5F9C24A6AB}" presName="Name37" presStyleLbl="parChTrans1D2" presStyleIdx="0" presStyleCnt="1"/>
       <dgm:spPr/>
-      <dgm:t>
-        <a:bodyPr/>
-        <a:lstStyle/>
-        <a:p>
-          <a:endParaRPr lang="de-CH"/>
-        </a:p>
-      </dgm:t>
     </dgm:pt>
     <dgm:pt modelId="{F182F5EB-792B-4E1C-945F-57F2B181C56F}" type="pres">
       <dgm:prSet presAssocID="{8207BF78-A23D-4134-8C93-906493E8094E}" presName="hierRoot2" presStyleCnt="0">
@@ -1852,24 +1959,10 @@
         </dgm:presLayoutVars>
       </dgm:prSet>
       <dgm:spPr/>
-      <dgm:t>
-        <a:bodyPr/>
-        <a:lstStyle/>
-        <a:p>
-          <a:endParaRPr lang="de-CH"/>
-        </a:p>
-      </dgm:t>
     </dgm:pt>
     <dgm:pt modelId="{53C89DE6-8C93-4BF4-811C-072DC595E574}" type="pres">
       <dgm:prSet presAssocID="{8207BF78-A23D-4134-8C93-906493E8094E}" presName="rootConnector" presStyleLbl="node2" presStyleIdx="0" presStyleCnt="1"/>
       <dgm:spPr/>
-      <dgm:t>
-        <a:bodyPr/>
-        <a:lstStyle/>
-        <a:p>
-          <a:endParaRPr lang="de-CH"/>
-        </a:p>
-      </dgm:t>
     </dgm:pt>
     <dgm:pt modelId="{D431D1EE-B9F8-4A37-B161-71D11E9D8ED7}" type="pres">
       <dgm:prSet presAssocID="{8207BF78-A23D-4134-8C93-906493E8094E}" presName="hierChild4" presStyleCnt="0"/>
@@ -1878,13 +1971,6 @@
     <dgm:pt modelId="{E3E5C517-6009-4203-A156-0E8FFF402890}" type="pres">
       <dgm:prSet presAssocID="{39762DC8-33BF-4C5A-8087-429A4D897806}" presName="Name35" presStyleLbl="parChTrans1D3" presStyleIdx="0" presStyleCnt="5"/>
       <dgm:spPr/>
-      <dgm:t>
-        <a:bodyPr/>
-        <a:lstStyle/>
-        <a:p>
-          <a:endParaRPr lang="de-CH"/>
-        </a:p>
-      </dgm:t>
     </dgm:pt>
     <dgm:pt modelId="{FD02BAD9-BCA4-4DE3-9018-3C5E107D2433}" type="pres">
       <dgm:prSet presAssocID="{E8CCCB15-644E-4960-84AB-DB7C5BBA784A}" presName="hierRoot2" presStyleCnt="0">
@@ -1905,24 +1991,10 @@
         </dgm:presLayoutVars>
       </dgm:prSet>
       <dgm:spPr/>
-      <dgm:t>
-        <a:bodyPr/>
-        <a:lstStyle/>
-        <a:p>
-          <a:endParaRPr lang="de-CH"/>
-        </a:p>
-      </dgm:t>
     </dgm:pt>
     <dgm:pt modelId="{C3FA32FB-EFFD-4EBE-88F6-272A9DF9D94D}" type="pres">
       <dgm:prSet presAssocID="{E8CCCB15-644E-4960-84AB-DB7C5BBA784A}" presName="rootConnector" presStyleLbl="node3" presStyleIdx="0" presStyleCnt="2"/>
       <dgm:spPr/>
-      <dgm:t>
-        <a:bodyPr/>
-        <a:lstStyle/>
-        <a:p>
-          <a:endParaRPr lang="de-CH"/>
-        </a:p>
-      </dgm:t>
     </dgm:pt>
     <dgm:pt modelId="{B7DA3388-3A34-4D57-AF9D-A901D0A15A48}" type="pres">
       <dgm:prSet presAssocID="{E8CCCB15-644E-4960-84AB-DB7C5BBA784A}" presName="hierChild4" presStyleCnt="0"/>
@@ -1935,13 +2007,6 @@
     <dgm:pt modelId="{39DE103E-CE50-4AFE-9525-6CA58A47EE77}" type="pres">
       <dgm:prSet presAssocID="{462E7EC6-CA45-465F-81F4-0F9E1393D9CE}" presName="Name35" presStyleLbl="parChTrans1D3" presStyleIdx="1" presStyleCnt="5"/>
       <dgm:spPr/>
-      <dgm:t>
-        <a:bodyPr/>
-        <a:lstStyle/>
-        <a:p>
-          <a:endParaRPr lang="de-CH"/>
-        </a:p>
-      </dgm:t>
     </dgm:pt>
     <dgm:pt modelId="{67E5A87B-1032-46C5-81D9-71A1271E3681}" type="pres">
       <dgm:prSet presAssocID="{08E3F2E9-E30F-4453-8686-D0772C549260}" presName="hierRoot2" presStyleCnt="0">
@@ -1962,24 +2027,10 @@
         </dgm:presLayoutVars>
       </dgm:prSet>
       <dgm:spPr/>
-      <dgm:t>
-        <a:bodyPr/>
-        <a:lstStyle/>
-        <a:p>
-          <a:endParaRPr lang="de-CH"/>
-        </a:p>
-      </dgm:t>
     </dgm:pt>
     <dgm:pt modelId="{C347071B-7D07-4AAC-988B-8F27CB02053E}" type="pres">
       <dgm:prSet presAssocID="{08E3F2E9-E30F-4453-8686-D0772C549260}" presName="rootConnector" presStyleLbl="node3" presStyleIdx="1" presStyleCnt="2"/>
       <dgm:spPr/>
-      <dgm:t>
-        <a:bodyPr/>
-        <a:lstStyle/>
-        <a:p>
-          <a:endParaRPr lang="de-CH"/>
-        </a:p>
-      </dgm:t>
     </dgm:pt>
     <dgm:pt modelId="{B194F4AD-237A-44AB-840E-E15CF4A7709D}" type="pres">
       <dgm:prSet presAssocID="{08E3F2E9-E30F-4453-8686-D0772C549260}" presName="hierChild4" presStyleCnt="0"/>
@@ -1996,13 +2047,6 @@
     <dgm:pt modelId="{60DC4AB0-034B-4566-865C-6FAFC9BA8169}" type="pres">
       <dgm:prSet presAssocID="{690EA14B-097A-41C7-95BF-B984E236CC55}" presName="Name111" presStyleLbl="parChTrans1D3" presStyleIdx="2" presStyleCnt="5"/>
       <dgm:spPr/>
-      <dgm:t>
-        <a:bodyPr/>
-        <a:lstStyle/>
-        <a:p>
-          <a:endParaRPr lang="de-CH"/>
-        </a:p>
-      </dgm:t>
     </dgm:pt>
     <dgm:pt modelId="{2783566F-B715-4BAD-9169-CEC3EA159ED3}" type="pres">
       <dgm:prSet presAssocID="{EB0560BE-7114-4EC6-85E5-9064D40F7CF6}" presName="hierRoot3" presStyleCnt="0">
@@ -2023,24 +2067,10 @@
         </dgm:presLayoutVars>
       </dgm:prSet>
       <dgm:spPr/>
-      <dgm:t>
-        <a:bodyPr/>
-        <a:lstStyle/>
-        <a:p>
-          <a:endParaRPr lang="de-CH"/>
-        </a:p>
-      </dgm:t>
     </dgm:pt>
     <dgm:pt modelId="{84A8CEBD-91AF-46F1-80FA-3FB47F6EC67B}" type="pres">
       <dgm:prSet presAssocID="{EB0560BE-7114-4EC6-85E5-9064D40F7CF6}" presName="rootConnector3" presStyleLbl="asst2" presStyleIdx="0" presStyleCnt="3"/>
       <dgm:spPr/>
-      <dgm:t>
-        <a:bodyPr/>
-        <a:lstStyle/>
-        <a:p>
-          <a:endParaRPr lang="de-CH"/>
-        </a:p>
-      </dgm:t>
     </dgm:pt>
     <dgm:pt modelId="{B21EAFCD-AC5F-4AAB-B8CA-14C999F9B771}" type="pres">
       <dgm:prSet presAssocID="{EB0560BE-7114-4EC6-85E5-9064D40F7CF6}" presName="hierChild6" presStyleCnt="0"/>
@@ -2053,13 +2083,6 @@
     <dgm:pt modelId="{9B3B9704-9A30-4B30-B6A9-4C3F7AF474EA}" type="pres">
       <dgm:prSet presAssocID="{79735B55-FB46-44DC-B751-9A3FE184A4F5}" presName="Name111" presStyleLbl="parChTrans1D3" presStyleIdx="3" presStyleCnt="5"/>
       <dgm:spPr/>
-      <dgm:t>
-        <a:bodyPr/>
-        <a:lstStyle/>
-        <a:p>
-          <a:endParaRPr lang="de-CH"/>
-        </a:p>
-      </dgm:t>
     </dgm:pt>
     <dgm:pt modelId="{6FD03606-8477-4C11-B03A-F71CABFCF8D7}" type="pres">
       <dgm:prSet presAssocID="{BE3B7E53-7F19-45ED-A014-FB076AFA1E8B}" presName="hierRoot3" presStyleCnt="0">
@@ -2080,24 +2103,10 @@
         </dgm:presLayoutVars>
       </dgm:prSet>
       <dgm:spPr/>
-      <dgm:t>
-        <a:bodyPr/>
-        <a:lstStyle/>
-        <a:p>
-          <a:endParaRPr lang="de-CH"/>
-        </a:p>
-      </dgm:t>
     </dgm:pt>
     <dgm:pt modelId="{4DD6E633-B7CB-4C31-A5B6-341ADCBBAAFB}" type="pres">
       <dgm:prSet presAssocID="{BE3B7E53-7F19-45ED-A014-FB076AFA1E8B}" presName="rootConnector3" presStyleLbl="asst2" presStyleIdx="1" presStyleCnt="3"/>
       <dgm:spPr/>
-      <dgm:t>
-        <a:bodyPr/>
-        <a:lstStyle/>
-        <a:p>
-          <a:endParaRPr lang="de-CH"/>
-        </a:p>
-      </dgm:t>
     </dgm:pt>
     <dgm:pt modelId="{60195CA3-9DB3-4826-9855-10080DF516D9}" type="pres">
       <dgm:prSet presAssocID="{BE3B7E53-7F19-45ED-A014-FB076AFA1E8B}" presName="hierChild6" presStyleCnt="0"/>
@@ -2110,13 +2119,6 @@
     <dgm:pt modelId="{A9B54A11-E4F8-4785-B8E2-FA8556ABA5D1}" type="pres">
       <dgm:prSet presAssocID="{3FF440EB-5DEB-453A-848D-7565CA6F4F3B}" presName="Name111" presStyleLbl="parChTrans1D3" presStyleIdx="4" presStyleCnt="5"/>
       <dgm:spPr/>
-      <dgm:t>
-        <a:bodyPr/>
-        <a:lstStyle/>
-        <a:p>
-          <a:endParaRPr lang="de-CH"/>
-        </a:p>
-      </dgm:t>
     </dgm:pt>
     <dgm:pt modelId="{5BA9F837-93E7-4E1E-9785-A136310DEAE8}" type="pres">
       <dgm:prSet presAssocID="{6F05756B-4998-4488-AD4F-94D1A8B349CB}" presName="hierRoot3" presStyleCnt="0">
@@ -2137,24 +2139,10 @@
         </dgm:presLayoutVars>
       </dgm:prSet>
       <dgm:spPr/>
-      <dgm:t>
-        <a:bodyPr/>
-        <a:lstStyle/>
-        <a:p>
-          <a:endParaRPr lang="de-CH"/>
-        </a:p>
-      </dgm:t>
     </dgm:pt>
     <dgm:pt modelId="{9E0B77EC-0CDB-4D06-A813-3F116C6EDEC8}" type="pres">
       <dgm:prSet presAssocID="{6F05756B-4998-4488-AD4F-94D1A8B349CB}" presName="rootConnector3" presStyleLbl="asst2" presStyleIdx="2" presStyleCnt="3"/>
       <dgm:spPr/>
-      <dgm:t>
-        <a:bodyPr/>
-        <a:lstStyle/>
-        <a:p>
-          <a:endParaRPr lang="de-CH"/>
-        </a:p>
-      </dgm:t>
     </dgm:pt>
     <dgm:pt modelId="{0040A60C-765B-44B7-991D-91EDDDA8DCCB}" type="pres">
       <dgm:prSet presAssocID="{6F05756B-4998-4488-AD4F-94D1A8B349CB}" presName="hierChild6" presStyleCnt="0"/>
@@ -2170,34 +2158,34 @@
     </dgm:pt>
   </dgm:ptLst>
   <dgm:cxnLst>
+    <dgm:cxn modelId="{380C8905-DBEB-440A-966E-ED598F4E19BC}" type="presOf" srcId="{6F05756B-4998-4488-AD4F-94D1A8B349CB}" destId="{9E0B77EC-0CDB-4D06-A813-3F116C6EDEC8}" srcOrd="1" destOrd="0" presId="urn:microsoft.com/office/officeart/2005/8/layout/orgChart1"/>
+    <dgm:cxn modelId="{78541E1F-22BD-4A35-939F-3AE7034EB6E0}" type="presOf" srcId="{BE3B7E53-7F19-45ED-A014-FB076AFA1E8B}" destId="{4DD6E633-B7CB-4C31-A5B6-341ADCBBAAFB}" srcOrd="1" destOrd="0" presId="urn:microsoft.com/office/officeart/2005/8/layout/orgChart1"/>
+    <dgm:cxn modelId="{8998D829-B046-42FA-976D-21F202DDCBB8}" type="presOf" srcId="{BE3B7E53-7F19-45ED-A014-FB076AFA1E8B}" destId="{E757F838-8DEF-4C69-9F9D-92C813B4F476}" srcOrd="0" destOrd="0" presId="urn:microsoft.com/office/officeart/2005/8/layout/orgChart1"/>
+    <dgm:cxn modelId="{AE49C230-A20C-411E-8A20-47B017E9F560}" type="presOf" srcId="{690EA14B-097A-41C7-95BF-B984E236CC55}" destId="{60DC4AB0-034B-4566-865C-6FAFC9BA8169}" srcOrd="0" destOrd="0" presId="urn:microsoft.com/office/officeart/2005/8/layout/orgChart1"/>
+    <dgm:cxn modelId="{A913D730-C4B4-4D63-A95D-A301893C8D1C}" type="presOf" srcId="{08E3F2E9-E30F-4453-8686-D0772C549260}" destId="{04DBB558-5929-43C3-8E6F-34C5172ADE91}" srcOrd="0" destOrd="0" presId="urn:microsoft.com/office/officeart/2005/8/layout/orgChart1"/>
+    <dgm:cxn modelId="{74620F3D-2990-4E80-ABE4-BA1C2841A0F6}" type="presOf" srcId="{EB0560BE-7114-4EC6-85E5-9064D40F7CF6}" destId="{84A8CEBD-91AF-46F1-80FA-3FB47F6EC67B}" srcOrd="1" destOrd="0" presId="urn:microsoft.com/office/officeart/2005/8/layout/orgChart1"/>
+    <dgm:cxn modelId="{23FB2740-9166-412D-A9FE-C159C3E99B8B}" type="presOf" srcId="{39762DC8-33BF-4C5A-8087-429A4D897806}" destId="{E3E5C517-6009-4203-A156-0E8FFF402890}" srcOrd="0" destOrd="0" presId="urn:microsoft.com/office/officeart/2005/8/layout/orgChart1"/>
+    <dgm:cxn modelId="{38BF8140-B2DA-4BE0-87C2-139921A86E00}" type="presOf" srcId="{A94A6423-635E-47CE-BC22-AEF25667E6CB}" destId="{E8434CD6-2BDD-46AC-85B7-B44293AAA257}" srcOrd="1" destOrd="0" presId="urn:microsoft.com/office/officeart/2005/8/layout/orgChart1"/>
+    <dgm:cxn modelId="{0CBAF95D-C1A1-498B-8A1C-E87DA3267451}" srcId="{A94A6423-635E-47CE-BC22-AEF25667E6CB}" destId="{8207BF78-A23D-4134-8C93-906493E8094E}" srcOrd="0" destOrd="0" parTransId="{577DB4E7-FAB7-4E20-9162-EC5F9C24A6AB}" sibTransId="{A7F3607E-FDF4-4FE2-A0C0-3A990AE6B26E}"/>
+    <dgm:cxn modelId="{1B271263-5E05-42C6-811B-BF00E4AC868B}" type="presOf" srcId="{8207BF78-A23D-4134-8C93-906493E8094E}" destId="{8E08E8BE-0386-457C-BA55-587C15F0BC54}" srcOrd="0" destOrd="0" presId="urn:microsoft.com/office/officeart/2005/8/layout/orgChart1"/>
+    <dgm:cxn modelId="{F90B6B66-51FF-4CC0-B2D9-5F3DA9B28F7B}" type="presOf" srcId="{EB0560BE-7114-4EC6-85E5-9064D40F7CF6}" destId="{00DBBCB5-3A9D-4232-B041-987A45291CD1}" srcOrd="0" destOrd="0" presId="urn:microsoft.com/office/officeart/2005/8/layout/orgChart1"/>
+    <dgm:cxn modelId="{6F417347-593B-4A0B-8280-6B2A5B106839}" type="presOf" srcId="{E8CCCB15-644E-4960-84AB-DB7C5BBA784A}" destId="{4C391E49-BDC9-4B9A-9421-12FBDC13921B}" srcOrd="0" destOrd="0" presId="urn:microsoft.com/office/officeart/2005/8/layout/orgChart1"/>
+    <dgm:cxn modelId="{2CF0A280-93CD-44D8-AF51-884E27CE0D8B}" type="presOf" srcId="{E8CCCB15-644E-4960-84AB-DB7C5BBA784A}" destId="{C3FA32FB-EFFD-4EBE-88F6-272A9DF9D94D}" srcOrd="1" destOrd="0" presId="urn:microsoft.com/office/officeart/2005/8/layout/orgChart1"/>
+    <dgm:cxn modelId="{ACDA0781-A67A-412C-9D2C-996AE1664E07}" srcId="{8207BF78-A23D-4134-8C93-906493E8094E}" destId="{08E3F2E9-E30F-4453-8686-D0772C549260}" srcOrd="1" destOrd="0" parTransId="{462E7EC6-CA45-465F-81F4-0F9E1393D9CE}" sibTransId="{93A16123-39B6-4244-8844-AAF5C45F3C33}"/>
+    <dgm:cxn modelId="{36B0DC83-6AFE-4A4E-8450-5BED19FE6C47}" type="presOf" srcId="{1693AFCE-3144-4315-9BC3-C140FDEA5902}" destId="{FF1E0416-B2FE-4B75-B3E1-3B254C296A53}" srcOrd="0" destOrd="0" presId="urn:microsoft.com/office/officeart/2005/8/layout/orgChart1"/>
+    <dgm:cxn modelId="{B5059A84-884E-4384-8194-55DFC8CC16F0}" srcId="{1693AFCE-3144-4315-9BC3-C140FDEA5902}" destId="{A94A6423-635E-47CE-BC22-AEF25667E6CB}" srcOrd="0" destOrd="0" parTransId="{52E5AB80-14C0-40A2-A787-BED749BB2F89}" sibTransId="{1A5B0F54-26EF-454E-A352-45604903E051}"/>
+    <dgm:cxn modelId="{709CF586-6998-4E82-AC4D-5FBE89F04314}" type="presOf" srcId="{A94A6423-635E-47CE-BC22-AEF25667E6CB}" destId="{FDB23B55-B392-436C-9555-416C9DDEE460}" srcOrd="0" destOrd="0" presId="urn:microsoft.com/office/officeart/2005/8/layout/orgChart1"/>
     <dgm:cxn modelId="{AB6FB188-9CEC-4378-A930-E4E4EEBC5D59}" type="presOf" srcId="{08E3F2E9-E30F-4453-8686-D0772C549260}" destId="{C347071B-7D07-4AAC-988B-8F27CB02053E}" srcOrd="1" destOrd="0" presId="urn:microsoft.com/office/officeart/2005/8/layout/orgChart1"/>
-    <dgm:cxn modelId="{6F417347-593B-4A0B-8280-6B2A5B106839}" type="presOf" srcId="{E8CCCB15-644E-4960-84AB-DB7C5BBA784A}" destId="{4C391E49-BDC9-4B9A-9421-12FBDC13921B}" srcOrd="0" destOrd="0" presId="urn:microsoft.com/office/officeart/2005/8/layout/orgChart1"/>
-    <dgm:cxn modelId="{1B271263-5E05-42C6-811B-BF00E4AC868B}" type="presOf" srcId="{8207BF78-A23D-4134-8C93-906493E8094E}" destId="{8E08E8BE-0386-457C-BA55-587C15F0BC54}" srcOrd="0" destOrd="0" presId="urn:microsoft.com/office/officeart/2005/8/layout/orgChart1"/>
+    <dgm:cxn modelId="{B4864D92-3C4A-4A91-AC5D-D6AF44071866}" type="presOf" srcId="{6F05756B-4998-4488-AD4F-94D1A8B349CB}" destId="{D7BEACEB-ADE4-4B2D-9264-790EC13204CC}" srcOrd="0" destOrd="0" presId="urn:microsoft.com/office/officeart/2005/8/layout/orgChart1"/>
     <dgm:cxn modelId="{D1CADA96-CA2D-4EBD-96E4-DE03BC8985D9}" type="presOf" srcId="{79735B55-FB46-44DC-B751-9A3FE184A4F5}" destId="{9B3B9704-9A30-4B30-B6A9-4C3F7AF474EA}" srcOrd="0" destOrd="0" presId="urn:microsoft.com/office/officeart/2005/8/layout/orgChart1"/>
-    <dgm:cxn modelId="{38BF8140-B2DA-4BE0-87C2-139921A86E00}" type="presOf" srcId="{A94A6423-635E-47CE-BC22-AEF25667E6CB}" destId="{E8434CD6-2BDD-46AC-85B7-B44293AAA257}" srcOrd="1" destOrd="0" presId="urn:microsoft.com/office/officeart/2005/8/layout/orgChart1"/>
+    <dgm:cxn modelId="{AD4A68A1-F884-45E7-A89A-46CDAE11394A}" srcId="{8207BF78-A23D-4134-8C93-906493E8094E}" destId="{EB0560BE-7114-4EC6-85E5-9064D40F7CF6}" srcOrd="2" destOrd="0" parTransId="{690EA14B-097A-41C7-95BF-B984E236CC55}" sibTransId="{7549F8F5-5FEF-47B3-AD1D-889EF9AB68EA}"/>
+    <dgm:cxn modelId="{0ABF40AE-75C1-4098-8B20-677ACAB17927}" srcId="{8207BF78-A23D-4134-8C93-906493E8094E}" destId="{BE3B7E53-7F19-45ED-A014-FB076AFA1E8B}" srcOrd="3" destOrd="0" parTransId="{79735B55-FB46-44DC-B751-9A3FE184A4F5}" sibTransId="{F42634D2-A7DD-4E5D-8285-F4D3010421A9}"/>
     <dgm:cxn modelId="{9F34FEBA-8FBB-49CA-A397-07660436ECB7}" srcId="{8207BF78-A23D-4134-8C93-906493E8094E}" destId="{6F05756B-4998-4488-AD4F-94D1A8B349CB}" srcOrd="4" destOrd="0" parTransId="{3FF440EB-5DEB-453A-848D-7565CA6F4F3B}" sibTransId="{7C4CF2E1-E5A5-43BD-AF90-DB0E7DB05E01}"/>
+    <dgm:cxn modelId="{634FA4C4-7721-4220-8B3A-AF8B055E0468}" srcId="{8207BF78-A23D-4134-8C93-906493E8094E}" destId="{E8CCCB15-644E-4960-84AB-DB7C5BBA784A}" srcOrd="0" destOrd="0" parTransId="{39762DC8-33BF-4C5A-8087-429A4D897806}" sibTransId="{AAFE1019-B39A-4AEF-97F3-690EDE3FEE6C}"/>
     <dgm:cxn modelId="{26D538E0-95EA-4A53-AABA-EECC3C0ED9BC}" type="presOf" srcId="{8207BF78-A23D-4134-8C93-906493E8094E}" destId="{53C89DE6-8C93-4BF4-811C-072DC595E574}" srcOrd="1" destOrd="0" presId="urn:microsoft.com/office/officeart/2005/8/layout/orgChart1"/>
-    <dgm:cxn modelId="{78541E1F-22BD-4A35-939F-3AE7034EB6E0}" type="presOf" srcId="{BE3B7E53-7F19-45ED-A014-FB076AFA1E8B}" destId="{4DD6E633-B7CB-4C31-A5B6-341ADCBBAAFB}" srcOrd="1" destOrd="0" presId="urn:microsoft.com/office/officeart/2005/8/layout/orgChart1"/>
+    <dgm:cxn modelId="{117BBEE6-53BF-49FE-88C6-44FC31BB8A1C}" type="presOf" srcId="{577DB4E7-FAB7-4E20-9162-EC5F9C24A6AB}" destId="{B78A42F2-C618-4FF5-83D3-166FE278D965}" srcOrd="0" destOrd="0" presId="urn:microsoft.com/office/officeart/2005/8/layout/orgChart1"/>
+    <dgm:cxn modelId="{F702F4F1-87FA-4947-8D09-8162BC06F5B9}" type="presOf" srcId="{462E7EC6-CA45-465F-81F4-0F9E1393D9CE}" destId="{39DE103E-CE50-4AFE-9525-6CA58A47EE77}" srcOrd="0" destOrd="0" presId="urn:microsoft.com/office/officeart/2005/8/layout/orgChart1"/>
     <dgm:cxn modelId="{EA6803F7-9992-4FB3-9D52-721E5B344457}" type="presOf" srcId="{3FF440EB-5DEB-453A-848D-7565CA6F4F3B}" destId="{A9B54A11-E4F8-4785-B8E2-FA8556ABA5D1}" srcOrd="0" destOrd="0" presId="urn:microsoft.com/office/officeart/2005/8/layout/orgChart1"/>
-    <dgm:cxn modelId="{23FB2740-9166-412D-A9FE-C159C3E99B8B}" type="presOf" srcId="{39762DC8-33BF-4C5A-8087-429A4D897806}" destId="{E3E5C517-6009-4203-A156-0E8FFF402890}" srcOrd="0" destOrd="0" presId="urn:microsoft.com/office/officeart/2005/8/layout/orgChart1"/>
-    <dgm:cxn modelId="{709CF586-6998-4E82-AC4D-5FBE89F04314}" type="presOf" srcId="{A94A6423-635E-47CE-BC22-AEF25667E6CB}" destId="{FDB23B55-B392-436C-9555-416C9DDEE460}" srcOrd="0" destOrd="0" presId="urn:microsoft.com/office/officeart/2005/8/layout/orgChart1"/>
-    <dgm:cxn modelId="{634FA4C4-7721-4220-8B3A-AF8B055E0468}" srcId="{8207BF78-A23D-4134-8C93-906493E8094E}" destId="{E8CCCB15-644E-4960-84AB-DB7C5BBA784A}" srcOrd="0" destOrd="0" parTransId="{39762DC8-33BF-4C5A-8087-429A4D897806}" sibTransId="{AAFE1019-B39A-4AEF-97F3-690EDE3FEE6C}"/>
-    <dgm:cxn modelId="{36B0DC83-6AFE-4A4E-8450-5BED19FE6C47}" type="presOf" srcId="{1693AFCE-3144-4315-9BC3-C140FDEA5902}" destId="{FF1E0416-B2FE-4B75-B3E1-3B254C296A53}" srcOrd="0" destOrd="0" presId="urn:microsoft.com/office/officeart/2005/8/layout/orgChart1"/>
-    <dgm:cxn modelId="{8998D829-B046-42FA-976D-21F202DDCBB8}" type="presOf" srcId="{BE3B7E53-7F19-45ED-A014-FB076AFA1E8B}" destId="{E757F838-8DEF-4C69-9F9D-92C813B4F476}" srcOrd="0" destOrd="0" presId="urn:microsoft.com/office/officeart/2005/8/layout/orgChart1"/>
-    <dgm:cxn modelId="{AD4A68A1-F884-45E7-A89A-46CDAE11394A}" srcId="{8207BF78-A23D-4134-8C93-906493E8094E}" destId="{EB0560BE-7114-4EC6-85E5-9064D40F7CF6}" srcOrd="2" destOrd="0" parTransId="{690EA14B-097A-41C7-95BF-B984E236CC55}" sibTransId="{7549F8F5-5FEF-47B3-AD1D-889EF9AB68EA}"/>
-    <dgm:cxn modelId="{117BBEE6-53BF-49FE-88C6-44FC31BB8A1C}" type="presOf" srcId="{577DB4E7-FAB7-4E20-9162-EC5F9C24A6AB}" destId="{B78A42F2-C618-4FF5-83D3-166FE278D965}" srcOrd="0" destOrd="0" presId="urn:microsoft.com/office/officeart/2005/8/layout/orgChart1"/>
-    <dgm:cxn modelId="{2CF0A280-93CD-44D8-AF51-884E27CE0D8B}" type="presOf" srcId="{E8CCCB15-644E-4960-84AB-DB7C5BBA784A}" destId="{C3FA32FB-EFFD-4EBE-88F6-272A9DF9D94D}" srcOrd="1" destOrd="0" presId="urn:microsoft.com/office/officeart/2005/8/layout/orgChart1"/>
-    <dgm:cxn modelId="{B5059A84-884E-4384-8194-55DFC8CC16F0}" srcId="{1693AFCE-3144-4315-9BC3-C140FDEA5902}" destId="{A94A6423-635E-47CE-BC22-AEF25667E6CB}" srcOrd="0" destOrd="0" parTransId="{52E5AB80-14C0-40A2-A787-BED749BB2F89}" sibTransId="{1A5B0F54-26EF-454E-A352-45604903E051}"/>
-    <dgm:cxn modelId="{F702F4F1-87FA-4947-8D09-8162BC06F5B9}" type="presOf" srcId="{462E7EC6-CA45-465F-81F4-0F9E1393D9CE}" destId="{39DE103E-CE50-4AFE-9525-6CA58A47EE77}" srcOrd="0" destOrd="0" presId="urn:microsoft.com/office/officeart/2005/8/layout/orgChart1"/>
-    <dgm:cxn modelId="{A913D730-C4B4-4D63-A95D-A301893C8D1C}" type="presOf" srcId="{08E3F2E9-E30F-4453-8686-D0772C549260}" destId="{04DBB558-5929-43C3-8E6F-34C5172ADE91}" srcOrd="0" destOrd="0" presId="urn:microsoft.com/office/officeart/2005/8/layout/orgChart1"/>
-    <dgm:cxn modelId="{AE49C230-A20C-411E-8A20-47B017E9F560}" type="presOf" srcId="{690EA14B-097A-41C7-95BF-B984E236CC55}" destId="{60DC4AB0-034B-4566-865C-6FAFC9BA8169}" srcOrd="0" destOrd="0" presId="urn:microsoft.com/office/officeart/2005/8/layout/orgChart1"/>
-    <dgm:cxn modelId="{ACDA0781-A67A-412C-9D2C-996AE1664E07}" srcId="{8207BF78-A23D-4134-8C93-906493E8094E}" destId="{08E3F2E9-E30F-4453-8686-D0772C549260}" srcOrd="1" destOrd="0" parTransId="{462E7EC6-CA45-465F-81F4-0F9E1393D9CE}" sibTransId="{93A16123-39B6-4244-8844-AAF5C45F3C33}"/>
-    <dgm:cxn modelId="{380C8905-DBEB-440A-966E-ED598F4E19BC}" type="presOf" srcId="{6F05756B-4998-4488-AD4F-94D1A8B349CB}" destId="{9E0B77EC-0CDB-4D06-A813-3F116C6EDEC8}" srcOrd="1" destOrd="0" presId="urn:microsoft.com/office/officeart/2005/8/layout/orgChart1"/>
-    <dgm:cxn modelId="{0ABF40AE-75C1-4098-8B20-677ACAB17927}" srcId="{8207BF78-A23D-4134-8C93-906493E8094E}" destId="{BE3B7E53-7F19-45ED-A014-FB076AFA1E8B}" srcOrd="3" destOrd="0" parTransId="{79735B55-FB46-44DC-B751-9A3FE184A4F5}" sibTransId="{F42634D2-A7DD-4E5D-8285-F4D3010421A9}"/>
-    <dgm:cxn modelId="{F90B6B66-51FF-4CC0-B2D9-5F3DA9B28F7B}" type="presOf" srcId="{EB0560BE-7114-4EC6-85E5-9064D40F7CF6}" destId="{00DBBCB5-3A9D-4232-B041-987A45291CD1}" srcOrd="0" destOrd="0" presId="urn:microsoft.com/office/officeart/2005/8/layout/orgChart1"/>
-    <dgm:cxn modelId="{B4864D92-3C4A-4A91-AC5D-D6AF44071866}" type="presOf" srcId="{6F05756B-4998-4488-AD4F-94D1A8B349CB}" destId="{D7BEACEB-ADE4-4B2D-9264-790EC13204CC}" srcOrd="0" destOrd="0" presId="urn:microsoft.com/office/officeart/2005/8/layout/orgChart1"/>
-    <dgm:cxn modelId="{74620F3D-2990-4E80-ABE4-BA1C2841A0F6}" type="presOf" srcId="{EB0560BE-7114-4EC6-85E5-9064D40F7CF6}" destId="{84A8CEBD-91AF-46F1-80FA-3FB47F6EC67B}" srcOrd="1" destOrd="0" presId="urn:microsoft.com/office/officeart/2005/8/layout/orgChart1"/>
-    <dgm:cxn modelId="{0CBAF95D-C1A1-498B-8A1C-E87DA3267451}" srcId="{A94A6423-635E-47CE-BC22-AEF25667E6CB}" destId="{8207BF78-A23D-4134-8C93-906493E8094E}" srcOrd="0" destOrd="0" parTransId="{577DB4E7-FAB7-4E20-9162-EC5F9C24A6AB}" sibTransId="{A7F3607E-FDF4-4FE2-A0C0-3A990AE6B26E}"/>
     <dgm:cxn modelId="{51DEB284-E283-40C7-8AEB-6DB303EA5237}" type="presParOf" srcId="{FF1E0416-B2FE-4B75-B3E1-3B254C296A53}" destId="{81805E6F-E105-4E82-8A3E-E6C9CD7D9CE7}" srcOrd="0" destOrd="0" presId="urn:microsoft.com/office/officeart/2005/8/layout/orgChart1"/>
     <dgm:cxn modelId="{041B4D5E-DC67-4E3D-AC85-A38A2BFCC05C}" type="presParOf" srcId="{81805E6F-E105-4E82-8A3E-E6C9CD7D9CE7}" destId="{B1EF889A-B29F-40DC-BEFA-15E4CB32ECAF}" srcOrd="0" destOrd="0" presId="urn:microsoft.com/office/officeart/2005/8/layout/orgChart1"/>
     <dgm:cxn modelId="{41F3C7C1-03C8-4130-A821-53660C83D0BB}" type="presParOf" srcId="{B1EF889A-B29F-40DC-BEFA-15E4CB32ECAF}" destId="{FDB23B55-B392-436C-9555-416C9DDEE460}" srcOrd="0" destOrd="0" presId="urn:microsoft.com/office/officeart/2005/8/layout/orgChart1"/>
@@ -2678,7 +2666,7 @@
         </a:bodyPr>
         <a:lstStyle/>
         <a:p>
-          <a:pPr lvl="0" algn="ctr" defTabSz="1244600">
+          <a:pPr marL="0" lvl="0" indent="0" algn="ctr" defTabSz="1244600">
             <a:lnSpc>
               <a:spcPct val="90000"/>
             </a:lnSpc>
@@ -2688,6 +2676,7 @@
             <a:spcAft>
               <a:spcPct val="35000"/>
             </a:spcAft>
+            <a:buNone/>
           </a:pPr>
           <a:r>
             <a:rPr lang="de-CH" sz="2800" b="1" kern="1200" dirty="0">
@@ -2760,7 +2749,7 @@
         </a:bodyPr>
         <a:lstStyle/>
         <a:p>
-          <a:pPr lvl="0" algn="ctr" defTabSz="1066800">
+          <a:pPr marL="0" lvl="0" indent="0" algn="ctr" defTabSz="1066800">
             <a:lnSpc>
               <a:spcPct val="90000"/>
             </a:lnSpc>
@@ -2770,6 +2759,7 @@
             <a:spcAft>
               <a:spcPct val="35000"/>
             </a:spcAft>
+            <a:buNone/>
           </a:pPr>
           <a:r>
             <a:rPr lang="de-CH" sz="2400" kern="1200" dirty="0">
@@ -2790,16 +2780,6 @@
               <a:cs typeface="Arial" panose="020B0604020202020204" pitchFamily="34" charset="0"/>
             </a:rPr>
             <a:t>Taborda</a:t>
-          </a:r>
-          <a:r>
-            <a:rPr lang="de-CH" sz="2400" kern="1200" dirty="0">
-              <a:solidFill>
-                <a:schemeClr val="bg1"/>
-              </a:solidFill>
-              <a:latin typeface="Arial" panose="020B0604020202020204" pitchFamily="34" charset="0"/>
-              <a:cs typeface="Arial" panose="020B0604020202020204" pitchFamily="34" charset="0"/>
-            </a:rPr>
-            <a:t/>
           </a:r>
           <a:br>
             <a:rPr lang="de-CH" sz="2400" kern="1200" dirty="0">
@@ -2888,7 +2868,7 @@
         </a:bodyPr>
         <a:lstStyle/>
         <a:p>
-          <a:pPr lvl="0" algn="ctr" defTabSz="1066800">
+          <a:pPr marL="0" lvl="0" indent="0" algn="ctr" defTabSz="1066800">
             <a:lnSpc>
               <a:spcPct val="90000"/>
             </a:lnSpc>
@@ -2898,6 +2878,7 @@
             <a:spcAft>
               <a:spcPct val="35000"/>
             </a:spcAft>
+            <a:buNone/>
           </a:pPr>
           <a:r>
             <a:rPr lang="de-CH" sz="2400" kern="1200" dirty="0">
@@ -2970,7 +2951,7 @@
         </a:bodyPr>
         <a:lstStyle/>
         <a:p>
-          <a:pPr lvl="0" algn="ctr" defTabSz="1066800">
+          <a:pPr marL="0" lvl="0" indent="0" algn="ctr" defTabSz="1066800">
             <a:lnSpc>
               <a:spcPct val="90000"/>
             </a:lnSpc>
@@ -2980,6 +2961,7 @@
             <a:spcAft>
               <a:spcPct val="35000"/>
             </a:spcAft>
+            <a:buNone/>
           </a:pPr>
           <a:r>
             <a:rPr lang="de-CH" sz="2400" kern="1200" dirty="0" err="1">
@@ -3062,7 +3044,7 @@
         </a:bodyPr>
         <a:lstStyle/>
         <a:p>
-          <a:pPr lvl="0" algn="ctr" defTabSz="1066800">
+          <a:pPr marL="0" lvl="0" indent="0" algn="ctr" defTabSz="1066800">
             <a:lnSpc>
               <a:spcPct val="90000"/>
             </a:lnSpc>
@@ -3072,6 +3054,7 @@
             <a:spcAft>
               <a:spcPct val="35000"/>
             </a:spcAft>
+            <a:buNone/>
           </a:pPr>
           <a:r>
             <a:rPr lang="de-CH" sz="2400" kern="1200" dirty="0">
@@ -3163,7 +3146,7 @@
         </a:bodyPr>
         <a:lstStyle/>
         <a:p>
-          <a:pPr lvl="0" algn="ctr" defTabSz="1066800">
+          <a:pPr marL="0" lvl="0" indent="0" algn="ctr" defTabSz="1066800">
             <a:lnSpc>
               <a:spcPct val="90000"/>
             </a:lnSpc>
@@ -3173,6 +3156,7 @@
             <a:spcAft>
               <a:spcPct val="35000"/>
             </a:spcAft>
+            <a:buNone/>
           </a:pPr>
           <a:r>
             <a:rPr lang="de-CH" sz="2400" kern="1200" dirty="0">
@@ -3284,7 +3268,7 @@
         </a:bodyPr>
         <a:lstStyle/>
         <a:p>
-          <a:pPr lvl="0" algn="ctr" defTabSz="1066800">
+          <a:pPr marL="0" lvl="0" indent="0" algn="ctr" defTabSz="1066800">
             <a:lnSpc>
               <a:spcPct val="90000"/>
             </a:lnSpc>
@@ -3294,6 +3278,7 @@
             <a:spcAft>
               <a:spcPct val="35000"/>
             </a:spcAft>
+            <a:buNone/>
           </a:pPr>
           <a:r>
             <a:rPr lang="de-CH" sz="2400" kern="1200" dirty="0">
@@ -8538,16 +8523,6 @@
               </a:rPr>
               <a:t>«DJ» EMI Filter für Netzteil </a:t>
             </a:r>
-            <a:r>
-              <a:rPr lang="de-CH" dirty="0">
-                <a:solidFill>
-                  <a:schemeClr val="tx2">
-                    <a:lumMod val="75000"/>
-                  </a:schemeClr>
-                </a:solidFill>
-              </a:rPr>
-              <a:t/>
-            </a:r>
             <a:br>
               <a:rPr lang="de-CH" dirty="0">
                 <a:solidFill>
@@ -8566,10 +8541,6 @@
                 </a:solidFill>
               </a:rPr>
               <a:t>Pro2E - Team 5</a:t>
-            </a:r>
-            <a:r>
-              <a:rPr lang="de-CH" dirty="0"/>
-              <a:t/>
             </a:r>
             <a:br>
               <a:rPr lang="de-CH" dirty="0"/>
@@ -8642,7 +8613,7 @@
           <p:cNvPr id="2" name="Titel 1">
             <a:extLst>
               <a:ext uri="{FF2B5EF4-FFF2-40B4-BE49-F238E27FC236}">
-                <a16:creationId xmlns:a16="http://schemas.microsoft.com/office/drawing/2014/main" xmlns="" id="{2BE28AD2-E56E-457B-9D12-F37BA15F8FDF}"/>
+                <a16:creationId xmlns:a16="http://schemas.microsoft.com/office/drawing/2014/main" id="{2BE28AD2-E56E-457B-9D12-F37BA15F8FDF}"/>
               </a:ext>
             </a:extLst>
           </p:cNvPr>
@@ -8670,7 +8641,7 @@
           <p:cNvPr id="4" name="Inhaltsplatzhalter 3" descr="Ein Bild, das Screenshot enthält.&#10;&#10;Automatisch generierte Beschreibung">
             <a:extLst>
               <a:ext uri="{FF2B5EF4-FFF2-40B4-BE49-F238E27FC236}">
-                <a16:creationId xmlns:a16="http://schemas.microsoft.com/office/drawing/2014/main" xmlns="" id="{F1A6AF35-7830-4CA3-A5D2-F50BCD1F3D25}"/>
+                <a16:creationId xmlns:a16="http://schemas.microsoft.com/office/drawing/2014/main" id="{F1A6AF35-7830-4CA3-A5D2-F50BCD1F3D25}"/>
               </a:ext>
             </a:extLst>
           </p:cNvPr>
@@ -8708,7 +8679,7 @@
           <p:cNvPr id="7" name="Rechteck 6">
             <a:extLst>
               <a:ext uri="{FF2B5EF4-FFF2-40B4-BE49-F238E27FC236}">
-                <a16:creationId xmlns:a16="http://schemas.microsoft.com/office/drawing/2014/main" xmlns="" id="{857280F5-B2DC-438F-B3FF-D741FFE01BFE}"/>
+                <a16:creationId xmlns:a16="http://schemas.microsoft.com/office/drawing/2014/main" id="{857280F5-B2DC-438F-B3FF-D741FFE01BFE}"/>
               </a:ext>
             </a:extLst>
           </p:cNvPr>
@@ -8760,7 +8731,7 @@
           <p:cNvPr id="8" name="Rechteck 7">
             <a:extLst>
               <a:ext uri="{FF2B5EF4-FFF2-40B4-BE49-F238E27FC236}">
-                <a16:creationId xmlns:a16="http://schemas.microsoft.com/office/drawing/2014/main" xmlns="" id="{7F60E176-A88A-452B-8C49-1FC0DA67009B}"/>
+                <a16:creationId xmlns:a16="http://schemas.microsoft.com/office/drawing/2014/main" id="{7F60E176-A88A-452B-8C49-1FC0DA67009B}"/>
               </a:ext>
             </a:extLst>
           </p:cNvPr>
@@ -8812,7 +8783,7 @@
           <p:cNvPr id="9" name="Rechteck 8">
             <a:extLst>
               <a:ext uri="{FF2B5EF4-FFF2-40B4-BE49-F238E27FC236}">
-                <a16:creationId xmlns:a16="http://schemas.microsoft.com/office/drawing/2014/main" xmlns="" id="{861940BC-77BA-4E94-A8E0-4705746D8559}"/>
+                <a16:creationId xmlns:a16="http://schemas.microsoft.com/office/drawing/2014/main" id="{861940BC-77BA-4E94-A8E0-4705746D8559}"/>
               </a:ext>
             </a:extLst>
           </p:cNvPr>
@@ -8864,7 +8835,7 @@
           <p:cNvPr id="12" name="Gerader Verbinder 11">
             <a:extLst>
               <a:ext uri="{FF2B5EF4-FFF2-40B4-BE49-F238E27FC236}">
-                <a16:creationId xmlns:a16="http://schemas.microsoft.com/office/drawing/2014/main" xmlns="" id="{61E8A963-5420-456C-944A-B37B0F3B42A9}"/>
+                <a16:creationId xmlns:a16="http://schemas.microsoft.com/office/drawing/2014/main" id="{61E8A963-5420-456C-944A-B37B0F3B42A9}"/>
               </a:ext>
             </a:extLst>
           </p:cNvPr>
@@ -8908,7 +8879,7 @@
           <p:cNvPr id="16" name="Gerader Verbinder 15">
             <a:extLst>
               <a:ext uri="{FF2B5EF4-FFF2-40B4-BE49-F238E27FC236}">
-                <a16:creationId xmlns:a16="http://schemas.microsoft.com/office/drawing/2014/main" xmlns="" id="{B929B060-52E7-43F6-A017-9623EC415E1C}"/>
+                <a16:creationId xmlns:a16="http://schemas.microsoft.com/office/drawing/2014/main" id="{B929B060-52E7-43F6-A017-9623EC415E1C}"/>
               </a:ext>
             </a:extLst>
           </p:cNvPr>
@@ -8951,7 +8922,7 @@
           <p:cNvPr id="19" name="Gerader Verbinder 18">
             <a:extLst>
               <a:ext uri="{FF2B5EF4-FFF2-40B4-BE49-F238E27FC236}">
-                <a16:creationId xmlns:a16="http://schemas.microsoft.com/office/drawing/2014/main" xmlns="" id="{D73C2BDC-6B8D-49AF-91C6-A1ECFE1BF845}"/>
+                <a16:creationId xmlns:a16="http://schemas.microsoft.com/office/drawing/2014/main" id="{D73C2BDC-6B8D-49AF-91C6-A1ECFE1BF845}"/>
               </a:ext>
             </a:extLst>
           </p:cNvPr>
@@ -8994,7 +8965,7 @@
           <p:cNvPr id="22" name="Gerader Verbinder 21">
             <a:extLst>
               <a:ext uri="{FF2B5EF4-FFF2-40B4-BE49-F238E27FC236}">
-                <a16:creationId xmlns:a16="http://schemas.microsoft.com/office/drawing/2014/main" xmlns="" id="{17C2BF8A-475D-445C-8CB3-80843D190D86}"/>
+                <a16:creationId xmlns:a16="http://schemas.microsoft.com/office/drawing/2014/main" id="{17C2BF8A-475D-445C-8CB3-80843D190D86}"/>
               </a:ext>
             </a:extLst>
           </p:cNvPr>
@@ -9067,7 +9038,7 @@
           <p:cNvPr id="12" name="Grafik 11">
             <a:extLst>
               <a:ext uri="{FF2B5EF4-FFF2-40B4-BE49-F238E27FC236}">
-                <a16:creationId xmlns:a16="http://schemas.microsoft.com/office/drawing/2014/main" xmlns="" id="{71605B88-D94C-49C8-A31C-EA70311C6808}"/>
+                <a16:creationId xmlns:a16="http://schemas.microsoft.com/office/drawing/2014/main" id="{71605B88-D94C-49C8-A31C-EA70311C6808}"/>
               </a:ext>
             </a:extLst>
           </p:cNvPr>
@@ -9103,7 +9074,7 @@
           <p:cNvPr id="2" name="Titel 1">
             <a:extLst>
               <a:ext uri="{FF2B5EF4-FFF2-40B4-BE49-F238E27FC236}">
-                <a16:creationId xmlns:a16="http://schemas.microsoft.com/office/drawing/2014/main" xmlns="" id="{2972D83D-1765-4FAD-9DE4-3CA6273F3255}"/>
+                <a16:creationId xmlns:a16="http://schemas.microsoft.com/office/drawing/2014/main" id="{2972D83D-1765-4FAD-9DE4-3CA6273F3255}"/>
               </a:ext>
             </a:extLst>
           </p:cNvPr>
@@ -9131,7 +9102,7 @@
           <p:cNvPr id="10" name="Inhaltsplatzhalter 9">
             <a:extLst>
               <a:ext uri="{FF2B5EF4-FFF2-40B4-BE49-F238E27FC236}">
-                <a16:creationId xmlns:a16="http://schemas.microsoft.com/office/drawing/2014/main" xmlns="" id="{2E33E93C-DABB-4013-B435-18F22A5EC3E8}"/>
+                <a16:creationId xmlns:a16="http://schemas.microsoft.com/office/drawing/2014/main" id="{2E33E93C-DABB-4013-B435-18F22A5EC3E8}"/>
               </a:ext>
             </a:extLst>
           </p:cNvPr>
@@ -9233,7 +9204,7 @@
           <p:cNvPr id="14" name="Grafik 13">
             <a:extLst>
               <a:ext uri="{FF2B5EF4-FFF2-40B4-BE49-F238E27FC236}">
-                <a16:creationId xmlns:a16="http://schemas.microsoft.com/office/drawing/2014/main" xmlns="" id="{79CB4983-61EB-4DA8-8384-01214AD9CA93}"/>
+                <a16:creationId xmlns:a16="http://schemas.microsoft.com/office/drawing/2014/main" id="{79CB4983-61EB-4DA8-8384-01214AD9CA93}"/>
               </a:ext>
             </a:extLst>
           </p:cNvPr>
@@ -9269,7 +9240,7 @@
           <p:cNvPr id="16" name="Gerader Verbinder 15">
             <a:extLst>
               <a:ext uri="{FF2B5EF4-FFF2-40B4-BE49-F238E27FC236}">
-                <a16:creationId xmlns:a16="http://schemas.microsoft.com/office/drawing/2014/main" xmlns="" id="{50F9C099-7DEF-4FC2-ABE8-737B8B62E612}"/>
+                <a16:creationId xmlns:a16="http://schemas.microsoft.com/office/drawing/2014/main" id="{50F9C099-7DEF-4FC2-ABE8-737B8B62E612}"/>
               </a:ext>
             </a:extLst>
           </p:cNvPr>
@@ -9312,7 +9283,7 @@
           <p:cNvPr id="20" name="Gerader Verbinder 19">
             <a:extLst>
               <a:ext uri="{FF2B5EF4-FFF2-40B4-BE49-F238E27FC236}">
-                <a16:creationId xmlns:a16="http://schemas.microsoft.com/office/drawing/2014/main" xmlns="" id="{7AF694DF-453E-4629-81EF-8E3D4E3C18DC}"/>
+                <a16:creationId xmlns:a16="http://schemas.microsoft.com/office/drawing/2014/main" id="{7AF694DF-453E-4629-81EF-8E3D4E3C18DC}"/>
               </a:ext>
             </a:extLst>
           </p:cNvPr>
@@ -9489,329 +9460,43 @@
           <a:chExt cx="0" cy="0"/>
         </a:xfrm>
       </p:grpSpPr>
-      <mc:AlternateContent xmlns:mc="http://schemas.openxmlformats.org/markup-compatibility/2006" xmlns:a14="http://schemas.microsoft.com/office/drawing/2010/main">
-        <mc:Choice Requires="a14">
-          <p:sp>
-            <p:nvSpPr>
-              <p:cNvPr id="2" name="Titel 1"/>
-              <p:cNvSpPr>
-                <a:spLocks noGrp="1"/>
-              </p:cNvSpPr>
-              <p:nvPr>
-                <p:ph type="title"/>
-              </p:nvPr>
-            </p:nvSpPr>
-            <p:spPr>
-              <a:xfrm>
-                <a:off x="457200" y="274638"/>
-                <a:ext cx="8579296" cy="2146250"/>
-              </a:xfrm>
-            </p:spPr>
-            <p:txBody>
-              <a:bodyPr>
-                <a:normAutofit fontScale="90000"/>
-              </a:bodyPr>
-              <a:lstStyle/>
-              <a:p>
-                <a:pPr algn="l"/>
-                <a:r>
-                  <a:rPr lang="de-CH" sz="2800" dirty="0">
-                    <a:solidFill>
-                      <a:schemeClr val="accent1">
-                        <a:lumMod val="75000"/>
-                      </a:schemeClr>
-                    </a:solidFill>
-                    <a:ea typeface="+mn-ea"/>
-                  </a:rPr>
-                  <a:t>Nun können wir die Einfügungsdämpfung a in dB berechnen: [1]</a:t>
-                </a:r>
-                <a:br>
-                  <a:rPr lang="de-CH" sz="2800" dirty="0">
-                    <a:solidFill>
-                      <a:schemeClr val="accent1">
-                        <a:lumMod val="75000"/>
-                      </a:schemeClr>
-                    </a:solidFill>
-                    <a:ea typeface="+mn-ea"/>
-                  </a:rPr>
-                </a:br>
-                <a14:m>
-                  <m:oMathPara xmlns:m="http://schemas.openxmlformats.org/officeDocument/2006/math">
-                    <m:oMathParaPr>
-                      <m:jc m:val="centerGroup"/>
-                    </m:oMathParaPr>
-                    <m:oMath xmlns:m="http://schemas.openxmlformats.org/officeDocument/2006/math">
-                      <m:sSub>
-                        <m:sSubPr>
-                          <m:ctrlPr>
-                            <a:rPr lang="de-CH" sz="2800" i="1">
-                              <a:solidFill>
-                                <a:schemeClr val="accent1">
-                                  <a:lumMod val="75000"/>
-                                </a:schemeClr>
-                              </a:solidFill>
-                              <a:latin typeface="Cambria Math"/>
-                              <a:ea typeface="+mn-ea"/>
-                            </a:rPr>
-                          </m:ctrlPr>
-                        </m:sSubPr>
-                        <m:e>
-                          <m:r>
-                            <a:rPr lang="de-CH" sz="2800">
-                              <a:solidFill>
-                                <a:schemeClr val="accent1">
-                                  <a:lumMod val="75000"/>
-                                </a:schemeClr>
-                              </a:solidFill>
-                              <a:latin typeface="Cambria Math"/>
-                              <a:ea typeface="+mn-ea"/>
-                            </a:rPr>
-                            <m:t>𝑎</m:t>
-                          </m:r>
-                        </m:e>
-                        <m:sub>
-                          <m:r>
-                            <a:rPr lang="de-CH" sz="2800">
-                              <a:solidFill>
-                                <a:schemeClr val="accent1">
-                                  <a:lumMod val="75000"/>
-                                </a:schemeClr>
-                              </a:solidFill>
-                              <a:latin typeface="Cambria Math"/>
-                              <a:ea typeface="+mn-ea"/>
-                            </a:rPr>
-                            <m:t>𝐼</m:t>
-                          </m:r>
-                        </m:sub>
-                      </m:sSub>
-                      <m:r>
-                        <a:rPr lang="de-CH" sz="2800">
-                          <a:solidFill>
-                            <a:schemeClr val="accent1">
-                              <a:lumMod val="75000"/>
-                            </a:schemeClr>
-                          </a:solidFill>
-                          <a:latin typeface="Cambria Math"/>
-                          <a:ea typeface="+mn-ea"/>
-                        </a:rPr>
-                        <m:t>=−20</m:t>
-                      </m:r>
-                      <m:func>
-                        <m:funcPr>
-                          <m:ctrlPr>
-                            <a:rPr lang="de-CH" sz="2800" i="1">
-                              <a:solidFill>
-                                <a:schemeClr val="accent1">
-                                  <a:lumMod val="75000"/>
-                                </a:schemeClr>
-                              </a:solidFill>
-                              <a:latin typeface="Cambria Math"/>
-                              <a:ea typeface="+mn-ea"/>
-                            </a:rPr>
-                          </m:ctrlPr>
-                        </m:funcPr>
-                        <m:fName>
-                          <m:r>
-                            <m:rPr>
-                              <m:sty m:val="p"/>
-                            </m:rPr>
-                            <a:rPr lang="de-CH" sz="2800">
-                              <a:solidFill>
-                                <a:schemeClr val="accent1">
-                                  <a:lumMod val="75000"/>
-                                </a:schemeClr>
-                              </a:solidFill>
-                              <a:latin typeface="Cambria Math"/>
-                              <a:ea typeface="+mn-ea"/>
-                            </a:rPr>
-                            <m:t>log</m:t>
-                          </m:r>
-                        </m:fName>
-                        <m:e>
-                          <m:d>
-                            <m:dPr>
-                              <m:begChr m:val="|"/>
-                              <m:endChr m:val="|"/>
-                              <m:ctrlPr>
-                                <a:rPr lang="de-CH" sz="2800" i="1">
-                                  <a:solidFill>
-                                    <a:schemeClr val="accent1">
-                                      <a:lumMod val="75000"/>
-                                    </a:schemeClr>
-                                  </a:solidFill>
-                                  <a:latin typeface="Cambria Math"/>
-                                  <a:ea typeface="+mn-ea"/>
-                                </a:rPr>
-                              </m:ctrlPr>
-                            </m:dPr>
-                            <m:e>
-                              <m:sSub>
-                                <m:sSubPr>
-                                  <m:ctrlPr>
-                                    <a:rPr lang="de-CH" sz="2800" i="1">
-                                      <a:solidFill>
-                                        <a:schemeClr val="accent1">
-                                          <a:lumMod val="75000"/>
-                                        </a:schemeClr>
-                                      </a:solidFill>
-                                      <a:latin typeface="Cambria Math"/>
-                                      <a:ea typeface="+mn-ea"/>
-                                    </a:rPr>
-                                  </m:ctrlPr>
-                                </m:sSubPr>
-                                <m:e>
-                                  <m:r>
-                                    <a:rPr lang="de-CH" sz="2800">
-                                      <a:solidFill>
-                                        <a:schemeClr val="accent1">
-                                          <a:lumMod val="75000"/>
-                                        </a:schemeClr>
-                                      </a:solidFill>
-                                      <a:latin typeface="Cambria Math"/>
-                                      <a:ea typeface="+mn-ea"/>
-                                    </a:rPr>
-                                    <m:t>𝑆</m:t>
-                                  </m:r>
-                                </m:e>
-                                <m:sub>
-                                  <m:r>
-                                    <a:rPr lang="de-CH" sz="2800">
-                                      <a:solidFill>
-                                        <a:schemeClr val="accent1">
-                                          <a:lumMod val="75000"/>
-                                        </a:schemeClr>
-                                      </a:solidFill>
-                                      <a:latin typeface="Cambria Math"/>
-                                      <a:ea typeface="+mn-ea"/>
-                                    </a:rPr>
-                                    <m:t>21</m:t>
-                                  </m:r>
-                                </m:sub>
-                              </m:sSub>
-                            </m:e>
-                          </m:d>
-                          <m:r>
-                            <a:rPr lang="de-CH" sz="2800">
-                              <a:solidFill>
-                                <a:schemeClr val="accent1">
-                                  <a:lumMod val="75000"/>
-                                </a:schemeClr>
-                              </a:solidFill>
-                              <a:latin typeface="Cambria Math"/>
-                              <a:ea typeface="+mn-ea"/>
-                            </a:rPr>
-                            <m:t> </m:t>
-                          </m:r>
-                          <m:d>
-                            <m:dPr>
-                              <m:begChr m:val="["/>
-                              <m:endChr m:val="]"/>
-                              <m:ctrlPr>
-                                <a:rPr lang="de-CH" sz="2800" i="1">
-                                  <a:solidFill>
-                                    <a:schemeClr val="accent1">
-                                      <a:lumMod val="75000"/>
-                                    </a:schemeClr>
-                                  </a:solidFill>
-                                  <a:latin typeface="Cambria Math"/>
-                                  <a:ea typeface="+mn-ea"/>
-                                </a:rPr>
-                              </m:ctrlPr>
-                            </m:dPr>
-                            <m:e>
-                              <m:r>
-                                <a:rPr lang="de-CH" sz="2800">
-                                  <a:solidFill>
-                                    <a:schemeClr val="accent1">
-                                      <a:lumMod val="75000"/>
-                                    </a:schemeClr>
-                                  </a:solidFill>
-                                  <a:latin typeface="Cambria Math"/>
-                                  <a:ea typeface="+mn-ea"/>
-                                </a:rPr>
-                                <m:t>𝑑𝐵</m:t>
-                              </m:r>
-                            </m:e>
-                          </m:d>
-                        </m:e>
-                      </m:func>
-                    </m:oMath>
-                  </m:oMathPara>
-                </a14:m>
-                <a:r>
-                  <a:rPr lang="de-CH" sz="2800" dirty="0">
-                    <a:solidFill>
-                      <a:schemeClr val="accent1">
-                        <a:lumMod val="75000"/>
-                      </a:schemeClr>
-                    </a:solidFill>
-                    <a:ea typeface="+mn-ea"/>
-                  </a:rPr>
-                  <a:t/>
-                </a:r>
-                <a:br>
-                  <a:rPr lang="de-CH" sz="2800" dirty="0">
-                    <a:solidFill>
-                      <a:schemeClr val="accent1">
-                        <a:lumMod val="75000"/>
-                      </a:schemeClr>
-                    </a:solidFill>
-                    <a:ea typeface="+mn-ea"/>
-                  </a:rPr>
-                </a:br>
-                <a:r>
-                  <a:rPr lang="de-CH" sz="2800" dirty="0">
-                    <a:solidFill>
-                      <a:schemeClr val="accent1">
-                        <a:lumMod val="75000"/>
-                      </a:schemeClr>
-                    </a:solidFill>
-                    <a:ea typeface="+mn-ea"/>
-                  </a:rPr>
-                  <a:t>Dieser Parameter wird mit verschiedenen Frequenzen berechnet, damit man die Einfügungsdämpfung über dem ganzen Spektrum darstellen kann.</a:t>
-                </a:r>
-              </a:p>
-            </p:txBody>
-          </p:sp>
-        </mc:Choice>
-        <mc:Fallback xmlns="">
-          <p:sp>
-            <p:nvSpPr>
-              <p:cNvPr id="2" name="Titel 1"/>
-              <p:cNvSpPr>
-                <a:spLocks noGrp="1" noRot="1" noChangeAspect="1" noMove="1" noResize="1" noEditPoints="1" noAdjustHandles="1" noChangeArrowheads="1" noChangeShapeType="1" noTextEdit="1"/>
-              </p:cNvSpPr>
-              <p:nvPr>
-                <p:ph type="title"/>
-              </p:nvPr>
-            </p:nvSpPr>
-            <p:spPr>
-              <a:xfrm>
-                <a:off x="457200" y="274638"/>
-                <a:ext cx="8579296" cy="2146250"/>
-              </a:xfrm>
-              <a:blipFill rotWithShape="1">
-                <a:blip r:embed="rId2"/>
-                <a:stretch>
-                  <a:fillRect l="-1137" t="-7386" b="-12216"/>
-                </a:stretch>
-              </a:blipFill>
-            </p:spPr>
-            <p:txBody>
-              <a:bodyPr/>
-              <a:lstStyle/>
-              <a:p>
-                <a:r>
-                  <a:rPr lang="de-CH">
-                    <a:noFill/>
-                  </a:rPr>
-                  <a:t> </a:t>
-                </a:r>
-              </a:p>
-            </p:txBody>
-          </p:sp>
-        </mc:Fallback>
-      </mc:AlternateContent>
+      <p:sp>
+        <p:nvSpPr>
+          <p:cNvPr id="2" name="Titel 1"/>
+          <p:cNvSpPr>
+            <a:spLocks noGrp="1"/>
+          </p:cNvSpPr>
+          <p:nvPr>
+            <p:ph type="title"/>
+          </p:nvPr>
+        </p:nvSpPr>
+        <p:spPr>
+          <a:xfrm>
+            <a:off x="457200" y="274638"/>
+            <a:ext cx="8579296" cy="994122"/>
+          </a:xfrm>
+        </p:spPr>
+        <p:txBody>
+          <a:bodyPr>
+            <a:normAutofit/>
+          </a:bodyPr>
+          <a:lstStyle/>
+          <a:p>
+            <a:pPr algn="l"/>
+            <a:r>
+              <a:rPr lang="de-CH" sz="3600" dirty="0">
+                <a:solidFill>
+                  <a:schemeClr val="accent1">
+                    <a:lumMod val="75000"/>
+                  </a:schemeClr>
+                </a:solidFill>
+                <a:ea typeface="+mn-ea"/>
+              </a:rPr>
+              <a:t>CM</a:t>
+            </a:r>
+          </a:p>
+        </p:txBody>
+      </p:sp>
       <p:pic>
         <p:nvPicPr>
           <p:cNvPr id="4" name="Inhaltsplatzhalter 3"/>
@@ -9823,14 +9508,14 @@
           </p:nvPr>
         </p:nvPicPr>
         <p:blipFill>
-          <a:blip r:embed="rId3"/>
+          <a:blip r:embed="rId2"/>
           <a:stretch>
             <a:fillRect/>
           </a:stretch>
         </p:blipFill>
         <p:spPr>
           <a:xfrm>
-            <a:off x="395536" y="2874426"/>
+            <a:off x="429776" y="1834584"/>
             <a:ext cx="8229600" cy="3362886"/>
           </a:xfrm>
           <a:prstGeom prst="rect">
@@ -9842,6 +9527,250 @@
     <p:extLst>
       <p:ext uri="{BB962C8B-B14F-4D97-AF65-F5344CB8AC3E}">
         <p14:creationId xmlns:p14="http://schemas.microsoft.com/office/powerpoint/2010/main" val="3076454274"/>
+      </p:ext>
+    </p:extLst>
+  </p:cSld>
+  <p:clrMapOvr>
+    <a:masterClrMapping/>
+  </p:clrMapOvr>
+</p:sld>
+</file>
+
+<file path=ppt/slides/slide14.xml><?xml version="1.0" encoding="utf-8"?>
+<p:sld xmlns:a="http://schemas.openxmlformats.org/drawingml/2006/main" xmlns:r="http://schemas.openxmlformats.org/officeDocument/2006/relationships" xmlns:p="http://schemas.openxmlformats.org/presentationml/2006/main">
+  <p:cSld>
+    <p:spTree>
+      <p:nvGrpSpPr>
+        <p:cNvPr id="1" name=""/>
+        <p:cNvGrpSpPr/>
+        <p:nvPr/>
+      </p:nvGrpSpPr>
+      <p:grpSpPr>
+        <a:xfrm>
+          <a:off x="0" y="0"/>
+          <a:ext cx="0" cy="0"/>
+          <a:chOff x="0" y="0"/>
+          <a:chExt cx="0" cy="0"/>
+        </a:xfrm>
+      </p:grpSpPr>
+      <p:sp>
+        <p:nvSpPr>
+          <p:cNvPr id="2" name="Titel 1"/>
+          <p:cNvSpPr>
+            <a:spLocks noGrp="1"/>
+          </p:cNvSpPr>
+          <p:nvPr>
+            <p:ph type="title"/>
+          </p:nvPr>
+        </p:nvSpPr>
+        <p:spPr>
+          <a:xfrm>
+            <a:off x="457200" y="274638"/>
+            <a:ext cx="8579296" cy="994122"/>
+          </a:xfrm>
+        </p:spPr>
+        <p:txBody>
+          <a:bodyPr>
+            <a:normAutofit/>
+          </a:bodyPr>
+          <a:lstStyle/>
+          <a:p>
+            <a:pPr algn="l"/>
+            <a:r>
+              <a:rPr lang="de-CH" sz="3600" dirty="0">
+                <a:solidFill>
+                  <a:schemeClr val="accent1">
+                    <a:lumMod val="75000"/>
+                  </a:schemeClr>
+                </a:solidFill>
+                <a:ea typeface="+mn-ea"/>
+              </a:rPr>
+              <a:t>CM</a:t>
+            </a:r>
+          </a:p>
+        </p:txBody>
+      </p:sp>
+      <p:pic>
+        <p:nvPicPr>
+          <p:cNvPr id="15" name="Inhaltsplatzhalter 14" descr="Ein Bild, das Text enthält.&#10;&#10;Mit sehr hoher Zuverlässigkeit generierte Beschreibung">
+            <a:extLst>
+              <a:ext uri="{FF2B5EF4-FFF2-40B4-BE49-F238E27FC236}">
+                <a16:creationId xmlns:a16="http://schemas.microsoft.com/office/drawing/2014/main" id="{D6541AE4-3F60-44AE-875A-8E14A3B2B010}"/>
+              </a:ext>
+            </a:extLst>
+          </p:cNvPr>
+          <p:cNvPicPr>
+            <a:picLocks noGrp="1" noChangeAspect="1"/>
+          </p:cNvPicPr>
+          <p:nvPr>
+            <p:ph idx="1"/>
+          </p:nvPr>
+        </p:nvPicPr>
+        <p:blipFill rotWithShape="1">
+          <a:blip r:embed="rId2">
+            <a:extLst>
+              <a:ext uri="{28A0092B-C50C-407E-A947-70E740481C1C}">
+                <a14:useLocalDpi xmlns:a14="http://schemas.microsoft.com/office/drawing/2010/main" val="0"/>
+              </a:ext>
+            </a:extLst>
+          </a:blip>
+          <a:srcRect l="1972" t="3174" r="1441" b="6350"/>
+          <a:stretch/>
+        </p:blipFill>
+        <p:spPr>
+          <a:xfrm>
+            <a:off x="179512" y="1268760"/>
+            <a:ext cx="4032448" cy="4104456"/>
+          </a:xfrm>
+        </p:spPr>
+      </p:pic>
+      <p:pic>
+        <p:nvPicPr>
+          <p:cNvPr id="17" name="Grafik 16" descr="Ein Bild, das Text, Karte enthält.&#10;&#10;Mit sehr hoher Zuverlässigkeit generierte Beschreibung">
+            <a:extLst>
+              <a:ext uri="{FF2B5EF4-FFF2-40B4-BE49-F238E27FC236}">
+                <a16:creationId xmlns:a16="http://schemas.microsoft.com/office/drawing/2014/main" id="{DDFD309A-E73D-4455-96D9-4C0828CB979C}"/>
+              </a:ext>
+            </a:extLst>
+          </p:cNvPr>
+          <p:cNvPicPr>
+            <a:picLocks noChangeAspect="1"/>
+          </p:cNvPicPr>
+          <p:nvPr/>
+        </p:nvPicPr>
+        <p:blipFill>
+          <a:blip r:embed="rId3">
+            <a:extLst>
+              <a:ext uri="{28A0092B-C50C-407E-A947-70E740481C1C}">
+                <a14:useLocalDpi xmlns:a14="http://schemas.microsoft.com/office/drawing/2010/main" val="0"/>
+              </a:ext>
+            </a:extLst>
+          </a:blip>
+          <a:stretch>
+            <a:fillRect/>
+          </a:stretch>
+        </p:blipFill>
+        <p:spPr>
+          <a:xfrm>
+            <a:off x="4330556" y="1556792"/>
+            <a:ext cx="4787900" cy="3949700"/>
+          </a:xfrm>
+          <a:prstGeom prst="rect">
+            <a:avLst/>
+          </a:prstGeom>
+        </p:spPr>
+      </p:pic>
+    </p:spTree>
+    <p:extLst>
+      <p:ext uri="{BB962C8B-B14F-4D97-AF65-F5344CB8AC3E}">
+        <p14:creationId xmlns:p14="http://schemas.microsoft.com/office/powerpoint/2010/main" val="1391104081"/>
+      </p:ext>
+    </p:extLst>
+  </p:cSld>
+  <p:clrMapOvr>
+    <a:masterClrMapping/>
+  </p:clrMapOvr>
+</p:sld>
+</file>
+
+<file path=ppt/slides/slide15.xml><?xml version="1.0" encoding="utf-8"?>
+<p:sld xmlns:a="http://schemas.openxmlformats.org/drawingml/2006/main" xmlns:r="http://schemas.openxmlformats.org/officeDocument/2006/relationships" xmlns:p="http://schemas.openxmlformats.org/presentationml/2006/main">
+  <p:cSld>
+    <p:spTree>
+      <p:nvGrpSpPr>
+        <p:cNvPr id="1" name=""/>
+        <p:cNvGrpSpPr/>
+        <p:nvPr/>
+      </p:nvGrpSpPr>
+      <p:grpSpPr>
+        <a:xfrm>
+          <a:off x="0" y="0"/>
+          <a:ext cx="0" cy="0"/>
+          <a:chOff x="0" y="0"/>
+          <a:chExt cx="0" cy="0"/>
+        </a:xfrm>
+      </p:grpSpPr>
+      <p:sp>
+        <p:nvSpPr>
+          <p:cNvPr id="2" name="Titel 1">
+            <a:extLst>
+              <a:ext uri="{FF2B5EF4-FFF2-40B4-BE49-F238E27FC236}">
+                <a16:creationId xmlns:a16="http://schemas.microsoft.com/office/drawing/2014/main" id="{CC232535-0824-435B-BF7B-A6B0101091BD}"/>
+              </a:ext>
+            </a:extLst>
+          </p:cNvPr>
+          <p:cNvSpPr>
+            <a:spLocks noGrp="1"/>
+          </p:cNvSpPr>
+          <p:nvPr>
+            <p:ph type="title"/>
+          </p:nvPr>
+        </p:nvSpPr>
+        <p:spPr>
+          <a:xfrm>
+            <a:off x="457200" y="274638"/>
+            <a:ext cx="8229600" cy="922114"/>
+          </a:xfrm>
+        </p:spPr>
+        <p:txBody>
+          <a:bodyPr>
+            <a:normAutofit/>
+          </a:bodyPr>
+          <a:lstStyle/>
+          <a:p>
+            <a:pPr algn="l"/>
+            <a:r>
+              <a:rPr lang="fr-CH" sz="3600" dirty="0">
+                <a:solidFill>
+                  <a:schemeClr val="accent1">
+                    <a:lumMod val="75000"/>
+                  </a:schemeClr>
+                </a:solidFill>
+              </a:rPr>
+              <a:t>DM</a:t>
+            </a:r>
+          </a:p>
+        </p:txBody>
+      </p:sp>
+      <p:pic>
+        <p:nvPicPr>
+          <p:cNvPr id="5" name="Inhaltsplatzhalter 4" descr="Ein Bild, das Text enthält.&#10;&#10;Mit sehr hoher Zuverlässigkeit generierte Beschreibung">
+            <a:extLst>
+              <a:ext uri="{FF2B5EF4-FFF2-40B4-BE49-F238E27FC236}">
+                <a16:creationId xmlns:a16="http://schemas.microsoft.com/office/drawing/2014/main" id="{637E7C7A-4174-4198-B645-EBBF88886A4C}"/>
+              </a:ext>
+            </a:extLst>
+          </p:cNvPr>
+          <p:cNvPicPr>
+            <a:picLocks noGrp="1" noChangeAspect="1"/>
+          </p:cNvPicPr>
+          <p:nvPr>
+            <p:ph idx="1"/>
+          </p:nvPr>
+        </p:nvPicPr>
+        <p:blipFill>
+          <a:blip r:embed="rId2">
+            <a:extLst>
+              <a:ext uri="{28A0092B-C50C-407E-A947-70E740481C1C}">
+                <a14:useLocalDpi xmlns:a14="http://schemas.microsoft.com/office/drawing/2010/main" val="0"/>
+              </a:ext>
+            </a:extLst>
+          </a:blip>
+          <a:stretch>
+            <a:fillRect/>
+          </a:stretch>
+        </p:blipFill>
+        <p:spPr>
+          <a:xfrm>
+            <a:off x="457200" y="2268204"/>
+            <a:ext cx="8229600" cy="3189955"/>
+          </a:xfrm>
+        </p:spPr>
+      </p:pic>
+    </p:spTree>
+    <p:extLst>
+      <p:ext uri="{BB962C8B-B14F-4D97-AF65-F5344CB8AC3E}">
+        <p14:creationId xmlns:p14="http://schemas.microsoft.com/office/powerpoint/2010/main" val="1855751221"/>
       </p:ext>
     </p:extLst>
   </p:cSld>
@@ -10375,16 +10304,6 @@
           <a:lstStyle/>
           <a:p>
             <a:pPr lvl="0" algn="l"/>
-            <a:r>
-              <a:rPr lang="de-CH" b="1" u="sng" dirty="0">
-                <a:solidFill>
-                  <a:schemeClr val="accent1">
-                    <a:lumMod val="75000"/>
-                  </a:schemeClr>
-                </a:solidFill>
-              </a:rPr>
-              <a:t/>
-            </a:r>
             <a:br>
               <a:rPr lang="de-CH" b="1" u="sng" dirty="0">
                 <a:solidFill>
@@ -10413,16 +10332,6 @@
                 </a:solidFill>
               </a:rPr>
             </a:br>
-            <a:r>
-              <a:rPr lang="de-CH" u="sng" dirty="0">
-                <a:solidFill>
-                  <a:schemeClr val="accent1">
-                    <a:lumMod val="75000"/>
-                  </a:schemeClr>
-                </a:solidFill>
-              </a:rPr>
-              <a:t/>
-            </a:r>
             <a:br>
               <a:rPr lang="de-CH" u="sng" dirty="0">
                 <a:solidFill>
@@ -10470,16 +10379,6 @@
                 </a:solidFill>
               </a:rPr>
               <a:t>z.B</a:t>
-            </a:r>
-            <a:r>
-              <a:rPr lang="de-CH" b="1" u="sng" dirty="0">
-                <a:solidFill>
-                  <a:schemeClr val="accent1">
-                    <a:lumMod val="75000"/>
-                  </a:schemeClr>
-                </a:solidFill>
-              </a:rPr>
-              <a:t/>
             </a:r>
             <a:br>
               <a:rPr lang="de-CH" b="1" u="sng" dirty="0">
@@ -10586,10 +10485,6 @@
                 </a:solidFill>
               </a:rPr>
             </a:br>
-            <a:r>
-              <a:rPr lang="de-CH" dirty="0"/>
-              <a:t/>
-            </a:r>
             <a:br>
               <a:rPr lang="de-CH" dirty="0"/>
             </a:br>
@@ -10989,7 +10884,7 @@
           <p:cNvPr id="4" name="Grafik 3">
             <a:extLst>
               <a:ext uri="{FF2B5EF4-FFF2-40B4-BE49-F238E27FC236}">
-                <a16:creationId xmlns:a16="http://schemas.microsoft.com/office/drawing/2014/main" xmlns="" id="{52DCF5A7-1DB8-46B9-931B-FD344186CFFE}"/>
+                <a16:creationId xmlns:a16="http://schemas.microsoft.com/office/drawing/2014/main" id="{52DCF5A7-1DB8-46B9-931B-FD344186CFFE}"/>
               </a:ext>
             </a:extLst>
           </p:cNvPr>
@@ -11078,7 +10973,7 @@
           <p:cNvPr id="3" name="Inhaltsplatzhalter 2">
             <a:extLst>
               <a:ext uri="{FF2B5EF4-FFF2-40B4-BE49-F238E27FC236}">
-                <a16:creationId xmlns:a16="http://schemas.microsoft.com/office/drawing/2014/main" xmlns="" id="{6EE42402-0C5A-4D89-946C-F52ECC508047}"/>
+                <a16:creationId xmlns:a16="http://schemas.microsoft.com/office/drawing/2014/main" id="{6EE42402-0C5A-4D89-946C-F52ECC508047}"/>
               </a:ext>
             </a:extLst>
           </p:cNvPr>
@@ -11103,7 +10998,7 @@
           <p:cNvPr id="6" name="Picture 15">
             <a:extLst>
               <a:ext uri="{FF2B5EF4-FFF2-40B4-BE49-F238E27FC236}">
-                <a16:creationId xmlns:a16="http://schemas.microsoft.com/office/drawing/2014/main" xmlns="" id="{6B0823B5-CD3A-4DE2-B709-301D0F8497E4}"/>
+                <a16:creationId xmlns:a16="http://schemas.microsoft.com/office/drawing/2014/main" id="{6B0823B5-CD3A-4DE2-B709-301D0F8497E4}"/>
               </a:ext>
             </a:extLst>
           </p:cNvPr>
@@ -11167,7 +11062,7 @@
           <p:cNvPr id="2" name="Titel 1">
             <a:extLst>
               <a:ext uri="{FF2B5EF4-FFF2-40B4-BE49-F238E27FC236}">
-                <a16:creationId xmlns:a16="http://schemas.microsoft.com/office/drawing/2014/main" xmlns="" id="{5D7CFD08-74D4-4775-87D6-921D7EF23F67}"/>
+                <a16:creationId xmlns:a16="http://schemas.microsoft.com/office/drawing/2014/main" id="{5D7CFD08-74D4-4775-87D6-921D7EF23F67}"/>
               </a:ext>
             </a:extLst>
           </p:cNvPr>
@@ -11192,7 +11087,7 @@
           <p:cNvPr id="4" name="Picture 14">
             <a:extLst>
               <a:ext uri="{FF2B5EF4-FFF2-40B4-BE49-F238E27FC236}">
-                <a16:creationId xmlns:a16="http://schemas.microsoft.com/office/drawing/2014/main" xmlns="" id="{5B09A149-BA53-4D81-9B6B-A6CFE79B833A}"/>
+                <a16:creationId xmlns:a16="http://schemas.microsoft.com/office/drawing/2014/main" id="{5B09A149-BA53-4D81-9B6B-A6CFE79B833A}"/>
               </a:ext>
             </a:extLst>
           </p:cNvPr>

--- a/ZwischenPresäntation_RichardBritt.pptx
+++ b/ZwischenPresäntation_RichardBritt.pptx
@@ -19,7 +19,11 @@
     <p:sldId id="264" r:id="rId13"/>
     <p:sldId id="266" r:id="rId14"/>
     <p:sldId id="280" r:id="rId15"/>
-    <p:sldId id="279" r:id="rId16"/>
+    <p:sldId id="281" r:id="rId16"/>
+    <p:sldId id="279" r:id="rId17"/>
+    <p:sldId id="283" r:id="rId18"/>
+    <p:sldId id="282" r:id="rId19"/>
+    <p:sldId id="284" r:id="rId20"/>
   </p:sldIdLst>
   <p:sldSz cx="9144000" cy="6858000" type="screen4x3"/>
   <p:notesSz cx="6858000" cy="9144000"/>
@@ -140,8 +144,8 @@
 <file path=ppt/revisionInfo.xml><?xml version="1.0" encoding="utf-8"?>
 <p1510:revInfo xmlns:a="http://schemas.openxmlformats.org/drawingml/2006/main" xmlns:r="http://schemas.openxmlformats.org/officeDocument/2006/relationships" xmlns:p1510="http://schemas.microsoft.com/office/powerpoint/2015/10/main">
   <p1510:revLst>
+    <p1510:client id="{64A503E9-204D-456D-A7ED-D96CB5E7D3C1}" v="68" dt="2019-04-10T21:07:44.073"/>
     <p1510:client id="{7B9CFC24-6A95-4E88-AFBD-88113F9F429A}" v="20" dt="2019-04-10T14:20:06.489"/>
-    <p1510:client id="{64A503E9-204D-456D-A7ED-D96CB5E7D3C1}" v="68" dt="2019-04-10T21:07:44.073"/>
   </p1510:revLst>
 </p1510:revInfo>
 </file>
@@ -2166,10 +2170,10 @@
     <dgm:cxn modelId="{74620F3D-2990-4E80-ABE4-BA1C2841A0F6}" type="presOf" srcId="{EB0560BE-7114-4EC6-85E5-9064D40F7CF6}" destId="{84A8CEBD-91AF-46F1-80FA-3FB47F6EC67B}" srcOrd="1" destOrd="0" presId="urn:microsoft.com/office/officeart/2005/8/layout/orgChart1"/>
     <dgm:cxn modelId="{23FB2740-9166-412D-A9FE-C159C3E99B8B}" type="presOf" srcId="{39762DC8-33BF-4C5A-8087-429A4D897806}" destId="{E3E5C517-6009-4203-A156-0E8FFF402890}" srcOrd="0" destOrd="0" presId="urn:microsoft.com/office/officeart/2005/8/layout/orgChart1"/>
     <dgm:cxn modelId="{38BF8140-B2DA-4BE0-87C2-139921A86E00}" type="presOf" srcId="{A94A6423-635E-47CE-BC22-AEF25667E6CB}" destId="{E8434CD6-2BDD-46AC-85B7-B44293AAA257}" srcOrd="1" destOrd="0" presId="urn:microsoft.com/office/officeart/2005/8/layout/orgChart1"/>
+    <dgm:cxn modelId="{6F417347-593B-4A0B-8280-6B2A5B106839}" type="presOf" srcId="{E8CCCB15-644E-4960-84AB-DB7C5BBA784A}" destId="{4C391E49-BDC9-4B9A-9421-12FBDC13921B}" srcOrd="0" destOrd="0" presId="urn:microsoft.com/office/officeart/2005/8/layout/orgChart1"/>
     <dgm:cxn modelId="{0CBAF95D-C1A1-498B-8A1C-E87DA3267451}" srcId="{A94A6423-635E-47CE-BC22-AEF25667E6CB}" destId="{8207BF78-A23D-4134-8C93-906493E8094E}" srcOrd="0" destOrd="0" parTransId="{577DB4E7-FAB7-4E20-9162-EC5F9C24A6AB}" sibTransId="{A7F3607E-FDF4-4FE2-A0C0-3A990AE6B26E}"/>
     <dgm:cxn modelId="{1B271263-5E05-42C6-811B-BF00E4AC868B}" type="presOf" srcId="{8207BF78-A23D-4134-8C93-906493E8094E}" destId="{8E08E8BE-0386-457C-BA55-587C15F0BC54}" srcOrd="0" destOrd="0" presId="urn:microsoft.com/office/officeart/2005/8/layout/orgChart1"/>
     <dgm:cxn modelId="{F90B6B66-51FF-4CC0-B2D9-5F3DA9B28F7B}" type="presOf" srcId="{EB0560BE-7114-4EC6-85E5-9064D40F7CF6}" destId="{00DBBCB5-3A9D-4232-B041-987A45291CD1}" srcOrd="0" destOrd="0" presId="urn:microsoft.com/office/officeart/2005/8/layout/orgChart1"/>
-    <dgm:cxn modelId="{6F417347-593B-4A0B-8280-6B2A5B106839}" type="presOf" srcId="{E8CCCB15-644E-4960-84AB-DB7C5BBA784A}" destId="{4C391E49-BDC9-4B9A-9421-12FBDC13921B}" srcOrd="0" destOrd="0" presId="urn:microsoft.com/office/officeart/2005/8/layout/orgChart1"/>
     <dgm:cxn modelId="{2CF0A280-93CD-44D8-AF51-884E27CE0D8B}" type="presOf" srcId="{E8CCCB15-644E-4960-84AB-DB7C5BBA784A}" destId="{C3FA32FB-EFFD-4EBE-88F6-272A9DF9D94D}" srcOrd="1" destOrd="0" presId="urn:microsoft.com/office/officeart/2005/8/layout/orgChart1"/>
     <dgm:cxn modelId="{ACDA0781-A67A-412C-9D2C-996AE1664E07}" srcId="{8207BF78-A23D-4134-8C93-906493E8094E}" destId="{08E3F2E9-E30F-4453-8686-D0772C549260}" srcOrd="1" destOrd="0" parTransId="{462E7EC6-CA45-465F-81F4-0F9E1393D9CE}" sibTransId="{93A16123-39B6-4244-8844-AAF5C45F3C33}"/>
     <dgm:cxn modelId="{36B0DC83-6AFE-4A4E-8450-5BED19FE6C47}" type="presOf" srcId="{1693AFCE-3144-4315-9BC3-C140FDEA5902}" destId="{FF1E0416-B2FE-4B75-B3E1-3B254C296A53}" srcOrd="0" destOrd="0" presId="urn:microsoft.com/office/officeart/2005/8/layout/orgChart1"/>
@@ -5686,7 +5690,7 @@
           <a:p>
             <a:fld id="{1BA50D42-C9CD-4801-B293-61D1F53EC57E}" type="datetimeFigureOut">
               <a:rPr lang="de-DE" smtClean="0"/>
-              <a:t>10.04.2019</a:t>
+              <a:t>11.04.19</a:t>
             </a:fld>
             <a:endParaRPr lang="de-DE"/>
           </a:p>
@@ -5882,7 +5886,7 @@
           <a:p>
             <a:fld id="{1BA50D42-C9CD-4801-B293-61D1F53EC57E}" type="datetimeFigureOut">
               <a:rPr lang="de-DE" smtClean="0"/>
-              <a:t>10.04.2019</a:t>
+              <a:t>11.04.19</a:t>
             </a:fld>
             <a:endParaRPr lang="de-DE"/>
           </a:p>
@@ -6055,7 +6059,7 @@
           <a:p>
             <a:fld id="{1BA50D42-C9CD-4801-B293-61D1F53EC57E}" type="datetimeFigureOut">
               <a:rPr lang="de-DE" smtClean="0"/>
-              <a:t>10.04.2019</a:t>
+              <a:t>11.04.19</a:t>
             </a:fld>
             <a:endParaRPr lang="de-DE"/>
           </a:p>
@@ -6258,7 +6262,7 @@
           <a:p>
             <a:fld id="{1BA50D42-C9CD-4801-B293-61D1F53EC57E}" type="datetimeFigureOut">
               <a:rPr lang="de-DE" smtClean="0"/>
-              <a:t>10.04.2019</a:t>
+              <a:t>11.04.19</a:t>
             </a:fld>
             <a:endParaRPr lang="de-DE"/>
           </a:p>
@@ -6498,7 +6502,7 @@
           <a:p>
             <a:fld id="{1BA50D42-C9CD-4801-B293-61D1F53EC57E}" type="datetimeFigureOut">
               <a:rPr lang="de-DE" smtClean="0"/>
-              <a:t>10.04.2019</a:t>
+              <a:t>11.04.19</a:t>
             </a:fld>
             <a:endParaRPr lang="de-DE"/>
           </a:p>
@@ -6778,7 +6782,7 @@
           <a:p>
             <a:fld id="{1BA50D42-C9CD-4801-B293-61D1F53EC57E}" type="datetimeFigureOut">
               <a:rPr lang="de-DE" smtClean="0"/>
-              <a:t>10.04.2019</a:t>
+              <a:t>11.04.19</a:t>
             </a:fld>
             <a:endParaRPr lang="de-DE"/>
           </a:p>
@@ -7192,7 +7196,7 @@
           <a:p>
             <a:fld id="{1BA50D42-C9CD-4801-B293-61D1F53EC57E}" type="datetimeFigureOut">
               <a:rPr lang="de-DE" smtClean="0"/>
-              <a:t>10.04.2019</a:t>
+              <a:t>11.04.19</a:t>
             </a:fld>
             <a:endParaRPr lang="de-DE"/>
           </a:p>
@@ -7304,7 +7308,7 @@
           <a:p>
             <a:fld id="{1BA50D42-C9CD-4801-B293-61D1F53EC57E}" type="datetimeFigureOut">
               <a:rPr lang="de-DE" smtClean="0"/>
-              <a:t>10.04.2019</a:t>
+              <a:t>11.04.19</a:t>
             </a:fld>
             <a:endParaRPr lang="de-DE"/>
           </a:p>
@@ -7394,7 +7398,7 @@
           <a:p>
             <a:fld id="{1BA50D42-C9CD-4801-B293-61D1F53EC57E}" type="datetimeFigureOut">
               <a:rPr lang="de-DE" smtClean="0"/>
-              <a:t>10.04.2019</a:t>
+              <a:t>11.04.19</a:t>
             </a:fld>
             <a:endParaRPr lang="de-DE"/>
           </a:p>
@@ -7664,7 +7668,7 @@
           <a:p>
             <a:fld id="{1BA50D42-C9CD-4801-B293-61D1F53EC57E}" type="datetimeFigureOut">
               <a:rPr lang="de-DE" smtClean="0"/>
-              <a:t>10.04.2019</a:t>
+              <a:t>11.04.19</a:t>
             </a:fld>
             <a:endParaRPr lang="de-DE"/>
           </a:p>
@@ -7911,7 +7915,7 @@
           <a:p>
             <a:fld id="{1BA50D42-C9CD-4801-B293-61D1F53EC57E}" type="datetimeFigureOut">
               <a:rPr lang="de-DE" smtClean="0"/>
-              <a:t>10.04.2019</a:t>
+              <a:t>11.04.19</a:t>
             </a:fld>
             <a:endParaRPr lang="de-DE"/>
           </a:p>
@@ -8117,7 +8121,7 @@
           <a:p>
             <a:fld id="{1BA50D42-C9CD-4801-B293-61D1F53EC57E}" type="datetimeFigureOut">
               <a:rPr lang="de-DE" smtClean="0"/>
-              <a:t>10.04.2019</a:t>
+              <a:t>11.04.19</a:t>
             </a:fld>
             <a:endParaRPr lang="de-DE"/>
           </a:p>
@@ -9553,43 +9557,6 @@
           <a:chExt cx="0" cy="0"/>
         </a:xfrm>
       </p:grpSpPr>
-      <p:sp>
-        <p:nvSpPr>
-          <p:cNvPr id="2" name="Titel 1"/>
-          <p:cNvSpPr>
-            <a:spLocks noGrp="1"/>
-          </p:cNvSpPr>
-          <p:nvPr>
-            <p:ph type="title"/>
-          </p:nvPr>
-        </p:nvSpPr>
-        <p:spPr>
-          <a:xfrm>
-            <a:off x="457200" y="274638"/>
-            <a:ext cx="8579296" cy="994122"/>
-          </a:xfrm>
-        </p:spPr>
-        <p:txBody>
-          <a:bodyPr>
-            <a:normAutofit/>
-          </a:bodyPr>
-          <a:lstStyle/>
-          <a:p>
-            <a:pPr algn="l"/>
-            <a:r>
-              <a:rPr lang="de-CH" sz="3600" dirty="0">
-                <a:solidFill>
-                  <a:schemeClr val="accent1">
-                    <a:lumMod val="75000"/>
-                  </a:schemeClr>
-                </a:solidFill>
-                <a:ea typeface="+mn-ea"/>
-              </a:rPr>
-              <a:t>CM</a:t>
-            </a:r>
-          </a:p>
-        </p:txBody>
-      </p:sp>
       <p:pic>
         <p:nvPicPr>
           <p:cNvPr id="15" name="Inhaltsplatzhalter 14" descr="Ein Bild, das Text enthält.&#10;&#10;Mit sehr hoher Zuverlässigkeit generierte Beschreibung">
@@ -9619,47 +9586,50 @@
         </p:blipFill>
         <p:spPr>
           <a:xfrm>
-            <a:off x="179512" y="1268760"/>
-            <a:ext cx="4032448" cy="4104456"/>
+            <a:off x="1439652" y="240717"/>
+            <a:ext cx="6264696" cy="6376565"/>
           </a:xfrm>
         </p:spPr>
       </p:pic>
-      <p:pic>
-        <p:nvPicPr>
-          <p:cNvPr id="17" name="Grafik 16" descr="Ein Bild, das Text, Karte enthält.&#10;&#10;Mit sehr hoher Zuverlässigkeit generierte Beschreibung">
+      <p:sp>
+        <p:nvSpPr>
+          <p:cNvPr id="4" name="Rechteck 3">
             <a:extLst>
               <a:ext uri="{FF2B5EF4-FFF2-40B4-BE49-F238E27FC236}">
-                <a16:creationId xmlns:a16="http://schemas.microsoft.com/office/drawing/2014/main" id="{DDFD309A-E73D-4455-96D9-4C0828CB979C}"/>
+                <a16:creationId xmlns:a16="http://schemas.microsoft.com/office/drawing/2014/main" id="{21A9CB5E-559B-7548-8E4D-31E953C3019C}"/>
               </a:ext>
             </a:extLst>
           </p:cNvPr>
-          <p:cNvPicPr>
-            <a:picLocks noChangeAspect="1"/>
-          </p:cNvPicPr>
+          <p:cNvSpPr/>
           <p:nvPr/>
-        </p:nvPicPr>
-        <p:blipFill>
-          <a:blip r:embed="rId3">
-            <a:extLst>
-              <a:ext uri="{28A0092B-C50C-407E-A947-70E740481C1C}">
-                <a14:useLocalDpi xmlns:a14="http://schemas.microsoft.com/office/drawing/2010/main" val="0"/>
-              </a:ext>
-            </a:extLst>
-          </a:blip>
-          <a:stretch>
-            <a:fillRect/>
-          </a:stretch>
-        </p:blipFill>
+        </p:nvSpPr>
         <p:spPr>
           <a:xfrm>
-            <a:off x="4330556" y="1556792"/>
-            <a:ext cx="4787900" cy="3949700"/>
+            <a:off x="4066092" y="3244334"/>
+            <a:ext cx="184731" cy="646331"/>
           </a:xfrm>
           <a:prstGeom prst="rect">
             <a:avLst/>
           </a:prstGeom>
         </p:spPr>
-      </p:pic>
+        <p:txBody>
+          <a:bodyPr wrap="none">
+            <a:spAutoFit/>
+          </a:bodyPr>
+          <a:lstStyle/>
+          <a:p>
+            <a:endParaRPr lang="de-CH" dirty="0">
+              <a:latin typeface="Courier" pitchFamily="2" charset="0"/>
+            </a:endParaRPr>
+          </a:p>
+          <a:p>
+            <a:endParaRPr lang="de-CH" dirty="0">
+              <a:effectLst/>
+              <a:latin typeface="Courier" pitchFamily="2" charset="0"/>
+            </a:endParaRPr>
+          </a:p>
+        </p:txBody>
+      </p:sp>
     </p:spTree>
     <p:extLst>
       <p:ext uri="{BB962C8B-B14F-4D97-AF65-F5344CB8AC3E}">
@@ -9674,6 +9644,72 @@
 </file>
 
 <file path=ppt/slides/slide15.xml><?xml version="1.0" encoding="utf-8"?>
+<p:sld xmlns:a="http://schemas.openxmlformats.org/drawingml/2006/main" xmlns:r="http://schemas.openxmlformats.org/officeDocument/2006/relationships" xmlns:p="http://schemas.openxmlformats.org/presentationml/2006/main">
+  <p:cSld>
+    <p:spTree>
+      <p:nvGrpSpPr>
+        <p:cNvPr id="1" name=""/>
+        <p:cNvGrpSpPr/>
+        <p:nvPr/>
+      </p:nvGrpSpPr>
+      <p:grpSpPr>
+        <a:xfrm>
+          <a:off x="0" y="0"/>
+          <a:ext cx="0" cy="0"/>
+          <a:chOff x="0" y="0"/>
+          <a:chExt cx="0" cy="0"/>
+        </a:xfrm>
+      </p:grpSpPr>
+      <p:pic>
+        <p:nvPicPr>
+          <p:cNvPr id="2" name="Grafik 1">
+            <a:extLst>
+              <a:ext uri="{FF2B5EF4-FFF2-40B4-BE49-F238E27FC236}">
+                <a16:creationId xmlns:a16="http://schemas.microsoft.com/office/drawing/2014/main" id="{68E2F52A-1EA3-BD44-A623-F740955606FA}"/>
+              </a:ext>
+            </a:extLst>
+          </p:cNvPr>
+          <p:cNvPicPr>
+            <a:picLocks noChangeAspect="1"/>
+          </p:cNvPicPr>
+          <p:nvPr/>
+        </p:nvPicPr>
+        <p:blipFill>
+          <a:blip r:embed="rId2">
+            <a:extLst>
+              <a:ext uri="{28A0092B-C50C-407E-A947-70E740481C1C}">
+                <a14:useLocalDpi xmlns:a14="http://schemas.microsoft.com/office/drawing/2010/main" val="0"/>
+              </a:ext>
+            </a:extLst>
+          </a:blip>
+          <a:stretch>
+            <a:fillRect/>
+          </a:stretch>
+        </p:blipFill>
+        <p:spPr>
+          <a:xfrm>
+            <a:off x="0" y="-81529"/>
+            <a:ext cx="9144000" cy="7021057"/>
+          </a:xfrm>
+          <a:prstGeom prst="rect">
+            <a:avLst/>
+          </a:prstGeom>
+        </p:spPr>
+      </p:pic>
+    </p:spTree>
+    <p:extLst>
+      <p:ext uri="{BB962C8B-B14F-4D97-AF65-F5344CB8AC3E}">
+        <p14:creationId xmlns:p14="http://schemas.microsoft.com/office/powerpoint/2010/main" val="4106748518"/>
+      </p:ext>
+    </p:extLst>
+  </p:cSld>
+  <p:clrMapOvr>
+    <a:masterClrMapping/>
+  </p:clrMapOvr>
+</p:sld>
+</file>
+
+<file path=ppt/slides/slide16.xml><?xml version="1.0" encoding="utf-8"?>
 <p:sld xmlns:a="http://schemas.openxmlformats.org/drawingml/2006/main" xmlns:r="http://schemas.openxmlformats.org/officeDocument/2006/relationships" xmlns:p="http://schemas.openxmlformats.org/presentationml/2006/main">
   <p:cSld>
     <p:spTree>
@@ -9771,6 +9807,156 @@
     <p:extLst>
       <p:ext uri="{BB962C8B-B14F-4D97-AF65-F5344CB8AC3E}">
         <p14:creationId xmlns:p14="http://schemas.microsoft.com/office/powerpoint/2010/main" val="1855751221"/>
+      </p:ext>
+    </p:extLst>
+  </p:cSld>
+  <p:clrMapOvr>
+    <a:masterClrMapping/>
+  </p:clrMapOvr>
+</p:sld>
+</file>
+
+<file path=ppt/slides/slide17.xml><?xml version="1.0" encoding="utf-8"?>
+<p:sld xmlns:a="http://schemas.openxmlformats.org/drawingml/2006/main" xmlns:r="http://schemas.openxmlformats.org/officeDocument/2006/relationships" xmlns:p="http://schemas.openxmlformats.org/presentationml/2006/main">
+  <p:cSld>
+    <p:spTree>
+      <p:nvGrpSpPr>
+        <p:cNvPr id="1" name=""/>
+        <p:cNvGrpSpPr/>
+        <p:nvPr/>
+      </p:nvGrpSpPr>
+      <p:grpSpPr>
+        <a:xfrm>
+          <a:off x="0" y="0"/>
+          <a:ext cx="0" cy="0"/>
+          <a:chOff x="0" y="0"/>
+          <a:chExt cx="0" cy="0"/>
+        </a:xfrm>
+      </p:grpSpPr>
+      <p:pic>
+        <p:nvPicPr>
+          <p:cNvPr id="2" name="Grafik 1">
+            <a:extLst>
+              <a:ext uri="{FF2B5EF4-FFF2-40B4-BE49-F238E27FC236}">
+                <a16:creationId xmlns:a16="http://schemas.microsoft.com/office/drawing/2014/main" id="{154F09E2-CAA5-604E-9785-FA8145640106}"/>
+              </a:ext>
+            </a:extLst>
+          </p:cNvPr>
+          <p:cNvPicPr>
+            <a:picLocks noChangeAspect="1"/>
+          </p:cNvPicPr>
+          <p:nvPr/>
+        </p:nvPicPr>
+        <p:blipFill>
+          <a:blip r:embed="rId2"/>
+          <a:stretch>
+            <a:fillRect/>
+          </a:stretch>
+        </p:blipFill>
+        <p:spPr>
+          <a:xfrm>
+            <a:off x="1479550" y="152400"/>
+            <a:ext cx="6184900" cy="6553200"/>
+          </a:xfrm>
+          <a:prstGeom prst="rect">
+            <a:avLst/>
+          </a:prstGeom>
+        </p:spPr>
+      </p:pic>
+    </p:spTree>
+    <p:extLst>
+      <p:ext uri="{BB962C8B-B14F-4D97-AF65-F5344CB8AC3E}">
+        <p14:creationId xmlns:p14="http://schemas.microsoft.com/office/powerpoint/2010/main" val="3842580984"/>
+      </p:ext>
+    </p:extLst>
+  </p:cSld>
+  <p:clrMapOvr>
+    <a:masterClrMapping/>
+  </p:clrMapOvr>
+</p:sld>
+</file>
+
+<file path=ppt/slides/slide18.xml><?xml version="1.0" encoding="utf-8"?>
+<p:sld xmlns:a="http://schemas.openxmlformats.org/drawingml/2006/main" xmlns:r="http://schemas.openxmlformats.org/officeDocument/2006/relationships" xmlns:p="http://schemas.openxmlformats.org/presentationml/2006/main">
+  <p:cSld>
+    <p:spTree>
+      <p:nvGrpSpPr>
+        <p:cNvPr id="1" name=""/>
+        <p:cNvGrpSpPr/>
+        <p:nvPr/>
+      </p:nvGrpSpPr>
+      <p:grpSpPr>
+        <a:xfrm>
+          <a:off x="0" y="0"/>
+          <a:ext cx="0" cy="0"/>
+          <a:chOff x="0" y="0"/>
+          <a:chExt cx="0" cy="0"/>
+        </a:xfrm>
+      </p:grpSpPr>
+      <p:pic>
+        <p:nvPicPr>
+          <p:cNvPr id="2" name="Grafik 1">
+            <a:extLst>
+              <a:ext uri="{FF2B5EF4-FFF2-40B4-BE49-F238E27FC236}">
+                <a16:creationId xmlns:a16="http://schemas.microsoft.com/office/drawing/2014/main" id="{83548C80-0A35-224B-B96D-E7339CABA560}"/>
+              </a:ext>
+            </a:extLst>
+          </p:cNvPr>
+          <p:cNvPicPr>
+            <a:picLocks noChangeAspect="1"/>
+          </p:cNvPicPr>
+          <p:nvPr/>
+        </p:nvPicPr>
+        <p:blipFill>
+          <a:blip r:embed="rId2"/>
+          <a:stretch>
+            <a:fillRect/>
+          </a:stretch>
+        </p:blipFill>
+        <p:spPr>
+          <a:xfrm>
+            <a:off x="-327401" y="0"/>
+            <a:ext cx="9798804" cy="6858000"/>
+          </a:xfrm>
+          <a:prstGeom prst="rect">
+            <a:avLst/>
+          </a:prstGeom>
+        </p:spPr>
+      </p:pic>
+    </p:spTree>
+    <p:extLst>
+      <p:ext uri="{BB962C8B-B14F-4D97-AF65-F5344CB8AC3E}">
+        <p14:creationId xmlns:p14="http://schemas.microsoft.com/office/powerpoint/2010/main" val="3625878505"/>
+      </p:ext>
+    </p:extLst>
+  </p:cSld>
+  <p:clrMapOvr>
+    <a:masterClrMapping/>
+  </p:clrMapOvr>
+</p:sld>
+</file>
+
+<file path=ppt/slides/slide19.xml><?xml version="1.0" encoding="utf-8"?>
+<p:sld xmlns:a="http://schemas.openxmlformats.org/drawingml/2006/main" xmlns:r="http://schemas.openxmlformats.org/officeDocument/2006/relationships" xmlns:p="http://schemas.openxmlformats.org/presentationml/2006/main">
+  <p:cSld>
+    <p:spTree>
+      <p:nvGrpSpPr>
+        <p:cNvPr id="1" name=""/>
+        <p:cNvGrpSpPr/>
+        <p:nvPr/>
+      </p:nvGrpSpPr>
+      <p:grpSpPr>
+        <a:xfrm>
+          <a:off x="0" y="0"/>
+          <a:ext cx="0" cy="0"/>
+          <a:chOff x="0" y="0"/>
+          <a:chExt cx="0" cy="0"/>
+        </a:xfrm>
+      </p:grpSpPr>
+    </p:spTree>
+    <p:extLst>
+      <p:ext uri="{BB962C8B-B14F-4D97-AF65-F5344CB8AC3E}">
+        <p14:creationId xmlns:p14="http://schemas.microsoft.com/office/powerpoint/2010/main" val="1706361023"/>
       </p:ext>
     </p:extLst>
   </p:cSld>

--- a/ZwischenPresäntation_RichardBritt.pptx
+++ b/ZwischenPresäntation_RichardBritt.pptx
@@ -4,6 +4,9 @@
   <p:sldMasterIdLst>
     <p:sldMasterId id="2147483648" r:id="rId1"/>
   </p:sldMasterIdLst>
+  <p:notesMasterIdLst>
+    <p:notesMasterId r:id="rId21"/>
+  </p:notesMasterIdLst>
   <p:sldIdLst>
     <p:sldId id="256" r:id="rId2"/>
     <p:sldId id="273" r:id="rId3"/>
@@ -144,7 +147,7 @@
 <file path=ppt/revisionInfo.xml><?xml version="1.0" encoding="utf-8"?>
 <p1510:revInfo xmlns:a="http://schemas.openxmlformats.org/drawingml/2006/main" xmlns:r="http://schemas.openxmlformats.org/officeDocument/2006/relationships" xmlns:p1510="http://schemas.microsoft.com/office/powerpoint/2015/10/main">
   <p1510:revLst>
-    <p1510:client id="{64A503E9-204D-456D-A7ED-D96CB5E7D3C1}" v="68" dt="2019-04-10T21:07:44.073"/>
+    <p1510:client id="{64A503E9-204D-456D-A7ED-D96CB5E7D3C1}" v="211" dt="2019-04-11T10:55:32.603"/>
     <p1510:client id="{7B9CFC24-6A95-4E88-AFBD-88113F9F429A}" v="20" dt="2019-04-10T14:20:06.489"/>
   </p1510:revLst>
 </p1510:revInfo>
@@ -154,11 +157,26 @@
 <pc:chgInfo xmlns:a="http://schemas.openxmlformats.org/drawingml/2006/main" xmlns:r="http://schemas.openxmlformats.org/officeDocument/2006/relationships" xmlns:ac="http://schemas.microsoft.com/office/drawing/2013/main/command" xmlns:pc="http://schemas.microsoft.com/office/powerpoint/2013/main/command">
   <pc:docChgLst>
     <pc:chgData name="Michel Alt" userId="3d3d50152f9d1fbf" providerId="LiveId" clId="{64A503E9-204D-456D-A7ED-D96CB5E7D3C1}"/>
-    <pc:docChg chg="undo custSel mod addSld modSld">
-      <pc:chgData name="Michel Alt" userId="3d3d50152f9d1fbf" providerId="LiveId" clId="{64A503E9-204D-456D-A7ED-D96CB5E7D3C1}" dt="2019-04-10T21:07:44.073" v="67" actId="1076"/>
+    <pc:docChg chg="undo custSel mod addSld delSld modSld sldOrd">
+      <pc:chgData name="Michel Alt" userId="3d3d50152f9d1fbf" providerId="LiveId" clId="{64A503E9-204D-456D-A7ED-D96CB5E7D3C1}" dt="2019-04-11T10:55:32.603" v="210" actId="14100"/>
       <pc:docMkLst>
         <pc:docMk/>
       </pc:docMkLst>
+      <pc:sldChg chg="modSp">
+        <pc:chgData name="Michel Alt" userId="3d3d50152f9d1fbf" providerId="LiveId" clId="{64A503E9-204D-456D-A7ED-D96CB5E7D3C1}" dt="2019-04-11T10:52:28.544" v="172" actId="14100"/>
+        <pc:sldMkLst>
+          <pc:docMk/>
+          <pc:sldMk cId="3621413764" sldId="264"/>
+        </pc:sldMkLst>
+        <pc:spChg chg="mod">
+          <ac:chgData name="Michel Alt" userId="3d3d50152f9d1fbf" providerId="LiveId" clId="{64A503E9-204D-456D-A7ED-D96CB5E7D3C1}" dt="2019-04-11T10:52:28.544" v="172" actId="14100"/>
+          <ac:spMkLst>
+            <pc:docMk/>
+            <pc:sldMk cId="3621413764" sldId="264"/>
+            <ac:spMk id="3" creationId="{00000000-0000-0000-0000-000000000000}"/>
+          </ac:spMkLst>
+        </pc:spChg>
+      </pc:sldChg>
       <pc:sldChg chg="addSp delSp modSp">
         <pc:chgData name="Michel Alt" userId="3d3d50152f9d1fbf" providerId="LiveId" clId="{64A503E9-204D-456D-A7ED-D96CB5E7D3C1}" dt="2019-04-10T20:55:37.148" v="17" actId="404"/>
         <pc:sldMkLst>
@@ -289,6 +307,81 @@
             <pc:docMk/>
             <pc:sldMk cId="1391104081" sldId="280"/>
             <ac:picMk id="17" creationId="{DDFD309A-E73D-4455-96D9-4C0828CB979C}"/>
+          </ac:picMkLst>
+        </pc:picChg>
+      </pc:sldChg>
+      <pc:sldChg chg="modNotesTx">
+        <pc:chgData name="Michel Alt" userId="3d3d50152f9d1fbf" providerId="LiveId" clId="{64A503E9-204D-456D-A7ED-D96CB5E7D3C1}" dt="2019-04-11T10:51:05.173" v="112" actId="20577"/>
+        <pc:sldMkLst>
+          <pc:docMk/>
+          <pc:sldMk cId="4106748518" sldId="281"/>
+        </pc:sldMkLst>
+      </pc:sldChg>
+      <pc:sldChg chg="modNotesTx">
+        <pc:chgData name="Michel Alt" userId="3d3d50152f9d1fbf" providerId="LiveId" clId="{64A503E9-204D-456D-A7ED-D96CB5E7D3C1}" dt="2019-04-11T10:51:56.511" v="169" actId="20577"/>
+        <pc:sldMkLst>
+          <pc:docMk/>
+          <pc:sldMk cId="3625878505" sldId="282"/>
+        </pc:sldMkLst>
+      </pc:sldChg>
+      <pc:sldChg chg="addSp del">
+        <pc:chgData name="Michel Alt" userId="3d3d50152f9d1fbf" providerId="LiveId" clId="{64A503E9-204D-456D-A7ED-D96CB5E7D3C1}" dt="2019-04-11T10:52:56.538" v="174" actId="2696"/>
+        <pc:sldMkLst>
+          <pc:docMk/>
+          <pc:sldMk cId="1706361023" sldId="284"/>
+        </pc:sldMkLst>
+        <pc:spChg chg="add">
+          <ac:chgData name="Michel Alt" userId="3d3d50152f9d1fbf" providerId="LiveId" clId="{64A503E9-204D-456D-A7ED-D96CB5E7D3C1}" dt="2019-04-11T10:52:51.310" v="173"/>
+          <ac:spMkLst>
+            <pc:docMk/>
+            <pc:sldMk cId="1706361023" sldId="284"/>
+            <ac:spMk id="2" creationId="{17E3B583-0D65-44CB-96AC-AF5B22774831}"/>
+          </ac:spMkLst>
+        </pc:spChg>
+      </pc:sldChg>
+      <pc:sldChg chg="add del">
+        <pc:chgData name="Michel Alt" userId="3d3d50152f9d1fbf" providerId="LiveId" clId="{64A503E9-204D-456D-A7ED-D96CB5E7D3C1}" dt="2019-04-11T10:53:05.891" v="176"/>
+        <pc:sldMkLst>
+          <pc:docMk/>
+          <pc:sldMk cId="3571106648" sldId="284"/>
+        </pc:sldMkLst>
+      </pc:sldChg>
+      <pc:sldChg chg="addSp delSp modSp add mod ord setBg">
+        <pc:chgData name="Michel Alt" userId="3d3d50152f9d1fbf" providerId="LiveId" clId="{64A503E9-204D-456D-A7ED-D96CB5E7D3C1}" dt="2019-04-11T10:55:32.603" v="210" actId="14100"/>
+        <pc:sldMkLst>
+          <pc:docMk/>
+          <pc:sldMk cId="3995045714" sldId="284"/>
+        </pc:sldMkLst>
+        <pc:spChg chg="del mod">
+          <ac:chgData name="Michel Alt" userId="3d3d50152f9d1fbf" providerId="LiveId" clId="{64A503E9-204D-456D-A7ED-D96CB5E7D3C1}" dt="2019-04-11T10:55:15.275" v="208" actId="26606"/>
+          <ac:spMkLst>
+            <pc:docMk/>
+            <pc:sldMk cId="3995045714" sldId="284"/>
+            <ac:spMk id="2" creationId="{CC232535-0824-435B-BF7B-A6B0101091BD}"/>
+          </ac:spMkLst>
+        </pc:spChg>
+        <pc:spChg chg="add del mod">
+          <ac:chgData name="Michel Alt" userId="3d3d50152f9d1fbf" providerId="LiveId" clId="{64A503E9-204D-456D-A7ED-D96CB5E7D3C1}" dt="2019-04-11T10:55:11.559" v="207" actId="931"/>
+          <ac:spMkLst>
+            <pc:docMk/>
+            <pc:sldMk cId="3995045714" sldId="284"/>
+            <ac:spMk id="4" creationId="{3D523761-1765-4069-95C9-D8C4B983A19F}"/>
+          </ac:spMkLst>
+        </pc:spChg>
+        <pc:picChg chg="del mod">
+          <ac:chgData name="Michel Alt" userId="3d3d50152f9d1fbf" providerId="LiveId" clId="{64A503E9-204D-456D-A7ED-D96CB5E7D3C1}" dt="2019-04-11T10:53:14.186" v="180" actId="478"/>
+          <ac:picMkLst>
+            <pc:docMk/>
+            <pc:sldMk cId="3995045714" sldId="284"/>
+            <ac:picMk id="5" creationId="{637E7C7A-4174-4198-B645-EBBF88886A4C}"/>
+          </ac:picMkLst>
+        </pc:picChg>
+        <pc:picChg chg="add mod">
+          <ac:chgData name="Michel Alt" userId="3d3d50152f9d1fbf" providerId="LiveId" clId="{64A503E9-204D-456D-A7ED-D96CB5E7D3C1}" dt="2019-04-11T10:55:32.603" v="210" actId="14100"/>
+          <ac:picMkLst>
+            <pc:docMk/>
+            <pc:sldMk cId="3995045714" sldId="284"/>
+            <ac:picMk id="7" creationId="{84E7A721-0939-4D69-80A2-3E8D0E2DC079}"/>
           </ac:picMkLst>
         </pc:picChg>
       </pc:sldChg>
@@ -2170,10 +2263,10 @@
     <dgm:cxn modelId="{74620F3D-2990-4E80-ABE4-BA1C2841A0F6}" type="presOf" srcId="{EB0560BE-7114-4EC6-85E5-9064D40F7CF6}" destId="{84A8CEBD-91AF-46F1-80FA-3FB47F6EC67B}" srcOrd="1" destOrd="0" presId="urn:microsoft.com/office/officeart/2005/8/layout/orgChart1"/>
     <dgm:cxn modelId="{23FB2740-9166-412D-A9FE-C159C3E99B8B}" type="presOf" srcId="{39762DC8-33BF-4C5A-8087-429A4D897806}" destId="{E3E5C517-6009-4203-A156-0E8FFF402890}" srcOrd="0" destOrd="0" presId="urn:microsoft.com/office/officeart/2005/8/layout/orgChart1"/>
     <dgm:cxn modelId="{38BF8140-B2DA-4BE0-87C2-139921A86E00}" type="presOf" srcId="{A94A6423-635E-47CE-BC22-AEF25667E6CB}" destId="{E8434CD6-2BDD-46AC-85B7-B44293AAA257}" srcOrd="1" destOrd="0" presId="urn:microsoft.com/office/officeart/2005/8/layout/orgChart1"/>
-    <dgm:cxn modelId="{6F417347-593B-4A0B-8280-6B2A5B106839}" type="presOf" srcId="{E8CCCB15-644E-4960-84AB-DB7C5BBA784A}" destId="{4C391E49-BDC9-4B9A-9421-12FBDC13921B}" srcOrd="0" destOrd="0" presId="urn:microsoft.com/office/officeart/2005/8/layout/orgChart1"/>
     <dgm:cxn modelId="{0CBAF95D-C1A1-498B-8A1C-E87DA3267451}" srcId="{A94A6423-635E-47CE-BC22-AEF25667E6CB}" destId="{8207BF78-A23D-4134-8C93-906493E8094E}" srcOrd="0" destOrd="0" parTransId="{577DB4E7-FAB7-4E20-9162-EC5F9C24A6AB}" sibTransId="{A7F3607E-FDF4-4FE2-A0C0-3A990AE6B26E}"/>
     <dgm:cxn modelId="{1B271263-5E05-42C6-811B-BF00E4AC868B}" type="presOf" srcId="{8207BF78-A23D-4134-8C93-906493E8094E}" destId="{8E08E8BE-0386-457C-BA55-587C15F0BC54}" srcOrd="0" destOrd="0" presId="urn:microsoft.com/office/officeart/2005/8/layout/orgChart1"/>
     <dgm:cxn modelId="{F90B6B66-51FF-4CC0-B2D9-5F3DA9B28F7B}" type="presOf" srcId="{EB0560BE-7114-4EC6-85E5-9064D40F7CF6}" destId="{00DBBCB5-3A9D-4232-B041-987A45291CD1}" srcOrd="0" destOrd="0" presId="urn:microsoft.com/office/officeart/2005/8/layout/orgChart1"/>
+    <dgm:cxn modelId="{6F417347-593B-4A0B-8280-6B2A5B106839}" type="presOf" srcId="{E8CCCB15-644E-4960-84AB-DB7C5BBA784A}" destId="{4C391E49-BDC9-4B9A-9421-12FBDC13921B}" srcOrd="0" destOrd="0" presId="urn:microsoft.com/office/officeart/2005/8/layout/orgChart1"/>
     <dgm:cxn modelId="{2CF0A280-93CD-44D8-AF51-884E27CE0D8B}" type="presOf" srcId="{E8CCCB15-644E-4960-84AB-DB7C5BBA784A}" destId="{C3FA32FB-EFFD-4EBE-88F6-272A9DF9D94D}" srcOrd="1" destOrd="0" presId="urn:microsoft.com/office/officeart/2005/8/layout/orgChart1"/>
     <dgm:cxn modelId="{ACDA0781-A67A-412C-9D2C-996AE1664E07}" srcId="{8207BF78-A23D-4134-8C93-906493E8094E}" destId="{08E3F2E9-E30F-4453-8686-D0772C549260}" srcOrd="1" destOrd="0" parTransId="{462E7EC6-CA45-465F-81F4-0F9E1393D9CE}" sibTransId="{93A16123-39B6-4244-8844-AAF5C45F3C33}"/>
     <dgm:cxn modelId="{36B0DC83-6AFE-4A4E-8450-5BED19FE6C47}" type="presOf" srcId="{1693AFCE-3144-4315-9BC3-C140FDEA5902}" destId="{FF1E0416-B2FE-4B75-B3E1-3B254C296A53}" srcOrd="0" destOrd="0" presId="urn:microsoft.com/office/officeart/2005/8/layout/orgChart1"/>
@@ -5504,6 +5597,592 @@
 </dgm:styleDef>
 </file>
 
+<file path=ppt/notesMasters/notesMaster1.xml><?xml version="1.0" encoding="utf-8"?>
+<p:notesMaster xmlns:a="http://schemas.openxmlformats.org/drawingml/2006/main" xmlns:r="http://schemas.openxmlformats.org/officeDocument/2006/relationships" xmlns:p="http://schemas.openxmlformats.org/presentationml/2006/main">
+  <p:cSld>
+    <p:bg>
+      <p:bgRef idx="1001">
+        <a:schemeClr val="bg1"/>
+      </p:bgRef>
+    </p:bg>
+    <p:spTree>
+      <p:nvGrpSpPr>
+        <p:cNvPr id="1" name=""/>
+        <p:cNvGrpSpPr/>
+        <p:nvPr/>
+      </p:nvGrpSpPr>
+      <p:grpSpPr>
+        <a:xfrm>
+          <a:off x="0" y="0"/>
+          <a:ext cx="0" cy="0"/>
+          <a:chOff x="0" y="0"/>
+          <a:chExt cx="0" cy="0"/>
+        </a:xfrm>
+      </p:grpSpPr>
+      <p:sp>
+        <p:nvSpPr>
+          <p:cNvPr id="2" name="Kopfzeilenplatzhalter 1"/>
+          <p:cNvSpPr>
+            <a:spLocks noGrp="1"/>
+          </p:cNvSpPr>
+          <p:nvPr>
+            <p:ph type="hdr" sz="quarter"/>
+          </p:nvPr>
+        </p:nvSpPr>
+        <p:spPr>
+          <a:xfrm>
+            <a:off x="0" y="0"/>
+            <a:ext cx="2971800" cy="458788"/>
+          </a:xfrm>
+          <a:prstGeom prst="rect">
+            <a:avLst/>
+          </a:prstGeom>
+        </p:spPr>
+        <p:txBody>
+          <a:bodyPr vert="horz" lIns="91440" tIns="45720" rIns="91440" bIns="45720" rtlCol="0"/>
+          <a:lstStyle>
+            <a:lvl1pPr algn="l">
+              <a:defRPr sz="1200"/>
+            </a:lvl1pPr>
+          </a:lstStyle>
+          <a:p>
+            <a:endParaRPr lang="fr-CH"/>
+          </a:p>
+        </p:txBody>
+      </p:sp>
+      <p:sp>
+        <p:nvSpPr>
+          <p:cNvPr id="3" name="Datumsplatzhalter 2"/>
+          <p:cNvSpPr>
+            <a:spLocks noGrp="1"/>
+          </p:cNvSpPr>
+          <p:nvPr>
+            <p:ph type="dt" idx="1"/>
+          </p:nvPr>
+        </p:nvSpPr>
+        <p:spPr>
+          <a:xfrm>
+            <a:off x="3884613" y="0"/>
+            <a:ext cx="2971800" cy="458788"/>
+          </a:xfrm>
+          <a:prstGeom prst="rect">
+            <a:avLst/>
+          </a:prstGeom>
+        </p:spPr>
+        <p:txBody>
+          <a:bodyPr vert="horz" lIns="91440" tIns="45720" rIns="91440" bIns="45720" rtlCol="0"/>
+          <a:lstStyle>
+            <a:lvl1pPr algn="r">
+              <a:defRPr sz="1200"/>
+            </a:lvl1pPr>
+          </a:lstStyle>
+          <a:p>
+            <a:fld id="{6D35DA53-6BA4-4322-B1BF-871E8A9F7691}" type="datetimeFigureOut">
+              <a:rPr lang="fr-CH" smtClean="0"/>
+              <a:t>11.04.2019</a:t>
+            </a:fld>
+            <a:endParaRPr lang="fr-CH"/>
+          </a:p>
+        </p:txBody>
+      </p:sp>
+      <p:sp>
+        <p:nvSpPr>
+          <p:cNvPr id="4" name="Folienbildplatzhalter 3"/>
+          <p:cNvSpPr>
+            <a:spLocks noGrp="1" noRot="1" noChangeAspect="1"/>
+          </p:cNvSpPr>
+          <p:nvPr>
+            <p:ph type="sldImg" idx="2"/>
+          </p:nvPr>
+        </p:nvSpPr>
+        <p:spPr>
+          <a:xfrm>
+            <a:off x="1371600" y="1143000"/>
+            <a:ext cx="4114800" cy="3086100"/>
+          </a:xfrm>
+          <a:prstGeom prst="rect">
+            <a:avLst/>
+          </a:prstGeom>
+          <a:noFill/>
+          <a:ln w="12700">
+            <a:solidFill>
+              <a:prstClr val="black"/>
+            </a:solidFill>
+          </a:ln>
+        </p:spPr>
+        <p:txBody>
+          <a:bodyPr vert="horz" lIns="91440" tIns="45720" rIns="91440" bIns="45720" rtlCol="0" anchor="ctr"/>
+          <a:lstStyle/>
+          <a:p>
+            <a:endParaRPr lang="fr-CH"/>
+          </a:p>
+        </p:txBody>
+      </p:sp>
+      <p:sp>
+        <p:nvSpPr>
+          <p:cNvPr id="5" name="Notizenplatzhalter 4"/>
+          <p:cNvSpPr>
+            <a:spLocks noGrp="1"/>
+          </p:cNvSpPr>
+          <p:nvPr>
+            <p:ph type="body" sz="quarter" idx="3"/>
+          </p:nvPr>
+        </p:nvSpPr>
+        <p:spPr>
+          <a:xfrm>
+            <a:off x="685800" y="4400550"/>
+            <a:ext cx="5486400" cy="3600450"/>
+          </a:xfrm>
+          <a:prstGeom prst="rect">
+            <a:avLst/>
+          </a:prstGeom>
+        </p:spPr>
+        <p:txBody>
+          <a:bodyPr vert="horz" lIns="91440" tIns="45720" rIns="91440" bIns="45720" rtlCol="0"/>
+          <a:lstStyle/>
+          <a:p>
+            <a:pPr lvl="0"/>
+            <a:r>
+              <a:rPr lang="de-DE"/>
+              <a:t>Mastertextformat bearbeiten</a:t>
+            </a:r>
+          </a:p>
+          <a:p>
+            <a:pPr lvl="1"/>
+            <a:r>
+              <a:rPr lang="de-DE"/>
+              <a:t>Zweite Ebene</a:t>
+            </a:r>
+          </a:p>
+          <a:p>
+            <a:pPr lvl="2"/>
+            <a:r>
+              <a:rPr lang="de-DE"/>
+              <a:t>Dritte Ebene</a:t>
+            </a:r>
+          </a:p>
+          <a:p>
+            <a:pPr lvl="3"/>
+            <a:r>
+              <a:rPr lang="de-DE"/>
+              <a:t>Vierte Ebene</a:t>
+            </a:r>
+          </a:p>
+          <a:p>
+            <a:pPr lvl="4"/>
+            <a:r>
+              <a:rPr lang="de-DE"/>
+              <a:t>Fünfte Ebene</a:t>
+            </a:r>
+            <a:endParaRPr lang="fr-CH"/>
+          </a:p>
+        </p:txBody>
+      </p:sp>
+      <p:sp>
+        <p:nvSpPr>
+          <p:cNvPr id="6" name="Fußzeilenplatzhalter 5"/>
+          <p:cNvSpPr>
+            <a:spLocks noGrp="1"/>
+          </p:cNvSpPr>
+          <p:nvPr>
+            <p:ph type="ftr" sz="quarter" idx="4"/>
+          </p:nvPr>
+        </p:nvSpPr>
+        <p:spPr>
+          <a:xfrm>
+            <a:off x="0" y="8685213"/>
+            <a:ext cx="2971800" cy="458787"/>
+          </a:xfrm>
+          <a:prstGeom prst="rect">
+            <a:avLst/>
+          </a:prstGeom>
+        </p:spPr>
+        <p:txBody>
+          <a:bodyPr vert="horz" lIns="91440" tIns="45720" rIns="91440" bIns="45720" rtlCol="0" anchor="b"/>
+          <a:lstStyle>
+            <a:lvl1pPr algn="l">
+              <a:defRPr sz="1200"/>
+            </a:lvl1pPr>
+          </a:lstStyle>
+          <a:p>
+            <a:endParaRPr lang="fr-CH"/>
+          </a:p>
+        </p:txBody>
+      </p:sp>
+      <p:sp>
+        <p:nvSpPr>
+          <p:cNvPr id="7" name="Foliennummernplatzhalter 6"/>
+          <p:cNvSpPr>
+            <a:spLocks noGrp="1"/>
+          </p:cNvSpPr>
+          <p:nvPr>
+            <p:ph type="sldNum" sz="quarter" idx="5"/>
+          </p:nvPr>
+        </p:nvSpPr>
+        <p:spPr>
+          <a:xfrm>
+            <a:off x="3884613" y="8685213"/>
+            <a:ext cx="2971800" cy="458787"/>
+          </a:xfrm>
+          <a:prstGeom prst="rect">
+            <a:avLst/>
+          </a:prstGeom>
+        </p:spPr>
+        <p:txBody>
+          <a:bodyPr vert="horz" lIns="91440" tIns="45720" rIns="91440" bIns="45720" rtlCol="0" anchor="b"/>
+          <a:lstStyle>
+            <a:lvl1pPr algn="r">
+              <a:defRPr sz="1200"/>
+            </a:lvl1pPr>
+          </a:lstStyle>
+          <a:p>
+            <a:fld id="{4AD752EC-880F-46D2-BE75-AE99C7969E99}" type="slidenum">
+              <a:rPr lang="fr-CH" smtClean="0"/>
+              <a:t>‹Nr.›</a:t>
+            </a:fld>
+            <a:endParaRPr lang="fr-CH"/>
+          </a:p>
+        </p:txBody>
+      </p:sp>
+    </p:spTree>
+    <p:extLst>
+      <p:ext uri="{BB962C8B-B14F-4D97-AF65-F5344CB8AC3E}">
+        <p14:creationId xmlns:p14="http://schemas.microsoft.com/office/powerpoint/2010/main" val="4182039512"/>
+      </p:ext>
+    </p:extLst>
+  </p:cSld>
+  <p:clrMap bg1="lt1" tx1="dk1" bg2="lt2" tx2="dk2" accent1="accent1" accent2="accent2" accent3="accent3" accent4="accent4" accent5="accent5" accent6="accent6" hlink="hlink" folHlink="folHlink"/>
+  <p:notesStyle>
+    <a:lvl1pPr marL="0" algn="l" defTabSz="914400" rtl="0" eaLnBrk="1" latinLnBrk="0" hangingPunct="1">
+      <a:defRPr sz="1200" kern="1200">
+        <a:solidFill>
+          <a:schemeClr val="tx1"/>
+        </a:solidFill>
+        <a:latin typeface="+mn-lt"/>
+        <a:ea typeface="+mn-ea"/>
+        <a:cs typeface="+mn-cs"/>
+      </a:defRPr>
+    </a:lvl1pPr>
+    <a:lvl2pPr marL="457200" algn="l" defTabSz="914400" rtl="0" eaLnBrk="1" latinLnBrk="0" hangingPunct="1">
+      <a:defRPr sz="1200" kern="1200">
+        <a:solidFill>
+          <a:schemeClr val="tx1"/>
+        </a:solidFill>
+        <a:latin typeface="+mn-lt"/>
+        <a:ea typeface="+mn-ea"/>
+        <a:cs typeface="+mn-cs"/>
+      </a:defRPr>
+    </a:lvl2pPr>
+    <a:lvl3pPr marL="914400" algn="l" defTabSz="914400" rtl="0" eaLnBrk="1" latinLnBrk="0" hangingPunct="1">
+      <a:defRPr sz="1200" kern="1200">
+        <a:solidFill>
+          <a:schemeClr val="tx1"/>
+        </a:solidFill>
+        <a:latin typeface="+mn-lt"/>
+        <a:ea typeface="+mn-ea"/>
+        <a:cs typeface="+mn-cs"/>
+      </a:defRPr>
+    </a:lvl3pPr>
+    <a:lvl4pPr marL="1371600" algn="l" defTabSz="914400" rtl="0" eaLnBrk="1" latinLnBrk="0" hangingPunct="1">
+      <a:defRPr sz="1200" kern="1200">
+        <a:solidFill>
+          <a:schemeClr val="tx1"/>
+        </a:solidFill>
+        <a:latin typeface="+mn-lt"/>
+        <a:ea typeface="+mn-ea"/>
+        <a:cs typeface="+mn-cs"/>
+      </a:defRPr>
+    </a:lvl4pPr>
+    <a:lvl5pPr marL="1828800" algn="l" defTabSz="914400" rtl="0" eaLnBrk="1" latinLnBrk="0" hangingPunct="1">
+      <a:defRPr sz="1200" kern="1200">
+        <a:solidFill>
+          <a:schemeClr val="tx1"/>
+        </a:solidFill>
+        <a:latin typeface="+mn-lt"/>
+        <a:ea typeface="+mn-ea"/>
+        <a:cs typeface="+mn-cs"/>
+      </a:defRPr>
+    </a:lvl5pPr>
+    <a:lvl6pPr marL="2286000" algn="l" defTabSz="914400" rtl="0" eaLnBrk="1" latinLnBrk="0" hangingPunct="1">
+      <a:defRPr sz="1200" kern="1200">
+        <a:solidFill>
+          <a:schemeClr val="tx1"/>
+        </a:solidFill>
+        <a:latin typeface="+mn-lt"/>
+        <a:ea typeface="+mn-ea"/>
+        <a:cs typeface="+mn-cs"/>
+      </a:defRPr>
+    </a:lvl6pPr>
+    <a:lvl7pPr marL="2743200" algn="l" defTabSz="914400" rtl="0" eaLnBrk="1" latinLnBrk="0" hangingPunct="1">
+      <a:defRPr sz="1200" kern="1200">
+        <a:solidFill>
+          <a:schemeClr val="tx1"/>
+        </a:solidFill>
+        <a:latin typeface="+mn-lt"/>
+        <a:ea typeface="+mn-ea"/>
+        <a:cs typeface="+mn-cs"/>
+      </a:defRPr>
+    </a:lvl7pPr>
+    <a:lvl8pPr marL="3200400" algn="l" defTabSz="914400" rtl="0" eaLnBrk="1" latinLnBrk="0" hangingPunct="1">
+      <a:defRPr sz="1200" kern="1200">
+        <a:solidFill>
+          <a:schemeClr val="tx1"/>
+        </a:solidFill>
+        <a:latin typeface="+mn-lt"/>
+        <a:ea typeface="+mn-ea"/>
+        <a:cs typeface="+mn-cs"/>
+      </a:defRPr>
+    </a:lvl8pPr>
+    <a:lvl9pPr marL="3657600" algn="l" defTabSz="914400" rtl="0" eaLnBrk="1" latinLnBrk="0" hangingPunct="1">
+      <a:defRPr sz="1200" kern="1200">
+        <a:solidFill>
+          <a:schemeClr val="tx1"/>
+        </a:solidFill>
+        <a:latin typeface="+mn-lt"/>
+        <a:ea typeface="+mn-ea"/>
+        <a:cs typeface="+mn-cs"/>
+      </a:defRPr>
+    </a:lvl9pPr>
+  </p:notesStyle>
+</p:notesMaster>
+</file>
+
+<file path=ppt/notesSlides/notesSlide1.xml><?xml version="1.0" encoding="utf-8"?>
+<p:notes xmlns:a="http://schemas.openxmlformats.org/drawingml/2006/main" xmlns:r="http://schemas.openxmlformats.org/officeDocument/2006/relationships" xmlns:p="http://schemas.openxmlformats.org/presentationml/2006/main">
+  <p:cSld>
+    <p:spTree>
+      <p:nvGrpSpPr>
+        <p:cNvPr id="1" name=""/>
+        <p:cNvGrpSpPr/>
+        <p:nvPr/>
+      </p:nvGrpSpPr>
+      <p:grpSpPr>
+        <a:xfrm>
+          <a:off x="0" y="0"/>
+          <a:ext cx="0" cy="0"/>
+          <a:chOff x="0" y="0"/>
+          <a:chExt cx="0" cy="0"/>
+        </a:xfrm>
+      </p:grpSpPr>
+      <p:sp>
+        <p:nvSpPr>
+          <p:cNvPr id="2" name="Folienbildplatzhalter 1"/>
+          <p:cNvSpPr>
+            <a:spLocks noGrp="1" noRot="1" noChangeAspect="1"/>
+          </p:cNvSpPr>
+          <p:nvPr>
+            <p:ph type="sldImg"/>
+          </p:nvPr>
+        </p:nvSpPr>
+        <p:spPr/>
+      </p:sp>
+      <p:sp>
+        <p:nvSpPr>
+          <p:cNvPr id="3" name="Notizenplatzhalter 2"/>
+          <p:cNvSpPr>
+            <a:spLocks noGrp="1"/>
+          </p:cNvSpPr>
+          <p:nvPr>
+            <p:ph type="body" idx="1"/>
+          </p:nvPr>
+        </p:nvSpPr>
+        <p:spPr/>
+        <p:txBody>
+          <a:bodyPr/>
+          <a:lstStyle/>
+          <a:p>
+            <a:r>
+              <a:rPr lang="fr-CH" dirty="0"/>
+              <a:t>Mit </a:t>
+            </a:r>
+            <a:r>
+              <a:rPr lang="fr-CH" dirty="0" err="1"/>
+              <a:t>unterschiedlichen</a:t>
+            </a:r>
+            <a:r>
+              <a:rPr lang="fr-CH" dirty="0"/>
+              <a:t> </a:t>
+            </a:r>
+            <a:r>
+              <a:rPr lang="fr-CH" dirty="0" err="1"/>
+              <a:t>Parametern</a:t>
+            </a:r>
+            <a:endParaRPr lang="fr-CH" dirty="0"/>
+          </a:p>
+        </p:txBody>
+      </p:sp>
+      <p:sp>
+        <p:nvSpPr>
+          <p:cNvPr id="4" name="Foliennummernplatzhalter 3"/>
+          <p:cNvSpPr>
+            <a:spLocks noGrp="1"/>
+          </p:cNvSpPr>
+          <p:nvPr>
+            <p:ph type="sldNum" sz="quarter" idx="5"/>
+          </p:nvPr>
+        </p:nvSpPr>
+        <p:spPr/>
+        <p:txBody>
+          <a:bodyPr/>
+          <a:lstStyle/>
+          <a:p>
+            <a:fld id="{4AD752EC-880F-46D2-BE75-AE99C7969E99}" type="slidenum">
+              <a:rPr lang="fr-CH" smtClean="0"/>
+              <a:t>15</a:t>
+            </a:fld>
+            <a:endParaRPr lang="fr-CH"/>
+          </a:p>
+        </p:txBody>
+      </p:sp>
+    </p:spTree>
+    <p:extLst>
+      <p:ext uri="{BB962C8B-B14F-4D97-AF65-F5344CB8AC3E}">
+        <p14:creationId xmlns:p14="http://schemas.microsoft.com/office/powerpoint/2010/main" val="1301279734"/>
+      </p:ext>
+    </p:extLst>
+  </p:cSld>
+  <p:clrMapOvr>
+    <a:masterClrMapping/>
+  </p:clrMapOvr>
+</p:notes>
+</file>
+
+<file path=ppt/notesSlides/notesSlide2.xml><?xml version="1.0" encoding="utf-8"?>
+<p:notes xmlns:a="http://schemas.openxmlformats.org/drawingml/2006/main" xmlns:r="http://schemas.openxmlformats.org/officeDocument/2006/relationships" xmlns:p="http://schemas.openxmlformats.org/presentationml/2006/main">
+  <p:cSld>
+    <p:spTree>
+      <p:nvGrpSpPr>
+        <p:cNvPr id="1" name=""/>
+        <p:cNvGrpSpPr/>
+        <p:nvPr/>
+      </p:nvGrpSpPr>
+      <p:grpSpPr>
+        <a:xfrm>
+          <a:off x="0" y="0"/>
+          <a:ext cx="0" cy="0"/>
+          <a:chOff x="0" y="0"/>
+          <a:chExt cx="0" cy="0"/>
+        </a:xfrm>
+      </p:grpSpPr>
+      <p:sp>
+        <p:nvSpPr>
+          <p:cNvPr id="2" name="Folienbildplatzhalter 1"/>
+          <p:cNvSpPr>
+            <a:spLocks noGrp="1" noRot="1" noChangeAspect="1"/>
+          </p:cNvSpPr>
+          <p:nvPr>
+            <p:ph type="sldImg"/>
+          </p:nvPr>
+        </p:nvSpPr>
+        <p:spPr/>
+      </p:sp>
+      <p:sp>
+        <p:nvSpPr>
+          <p:cNvPr id="3" name="Notizenplatzhalter 2"/>
+          <p:cNvSpPr>
+            <a:spLocks noGrp="1"/>
+          </p:cNvSpPr>
+          <p:nvPr>
+            <p:ph type="body" idx="1"/>
+          </p:nvPr>
+        </p:nvSpPr>
+        <p:spPr/>
+        <p:txBody>
+          <a:bodyPr/>
+          <a:lstStyle/>
+          <a:p>
+            <a:r>
+              <a:rPr lang="fr-CH" dirty="0" err="1"/>
+              <a:t>Wir</a:t>
+            </a:r>
+            <a:r>
+              <a:rPr lang="fr-CH" dirty="0"/>
+              <a:t> </a:t>
+            </a:r>
+            <a:r>
+              <a:rPr lang="fr-CH" dirty="0" err="1"/>
+              <a:t>sind</a:t>
+            </a:r>
+            <a:r>
+              <a:rPr lang="fr-CH" dirty="0"/>
+              <a:t> </a:t>
+            </a:r>
+            <a:r>
+              <a:rPr lang="fr-CH" dirty="0" err="1"/>
+              <a:t>noch</a:t>
+            </a:r>
+            <a:r>
+              <a:rPr lang="fr-CH" dirty="0"/>
+              <a:t> </a:t>
+            </a:r>
+            <a:r>
+              <a:rPr lang="fr-CH" dirty="0" err="1"/>
+              <a:t>am</a:t>
+            </a:r>
+            <a:r>
+              <a:rPr lang="fr-CH" dirty="0"/>
+              <a:t> </a:t>
+            </a:r>
+            <a:r>
+              <a:rPr lang="fr-CH" dirty="0" err="1"/>
+              <a:t>Tersten</a:t>
+            </a:r>
+            <a:r>
+              <a:rPr lang="fr-CH" dirty="0"/>
+              <a:t> </a:t>
+            </a:r>
+            <a:r>
+              <a:rPr lang="fr-CH" dirty="0" err="1"/>
+              <a:t>und</a:t>
+            </a:r>
+            <a:r>
+              <a:rPr lang="fr-CH" dirty="0"/>
+              <a:t> </a:t>
+            </a:r>
+            <a:r>
+              <a:rPr lang="fr-CH" dirty="0" err="1"/>
+              <a:t>Verbessern</a:t>
+            </a:r>
+            <a:endParaRPr lang="fr-CH" dirty="0"/>
+          </a:p>
+        </p:txBody>
+      </p:sp>
+      <p:sp>
+        <p:nvSpPr>
+          <p:cNvPr id="4" name="Foliennummernplatzhalter 3"/>
+          <p:cNvSpPr>
+            <a:spLocks noGrp="1"/>
+          </p:cNvSpPr>
+          <p:nvPr>
+            <p:ph type="sldNum" sz="quarter" idx="5"/>
+          </p:nvPr>
+        </p:nvSpPr>
+        <p:spPr/>
+        <p:txBody>
+          <a:bodyPr/>
+          <a:lstStyle/>
+          <a:p>
+            <a:fld id="{4AD752EC-880F-46D2-BE75-AE99C7969E99}" type="slidenum">
+              <a:rPr lang="fr-CH" smtClean="0"/>
+              <a:t>18</a:t>
+            </a:fld>
+            <a:endParaRPr lang="fr-CH"/>
+          </a:p>
+        </p:txBody>
+      </p:sp>
+    </p:spTree>
+    <p:extLst>
+      <p:ext uri="{BB962C8B-B14F-4D97-AF65-F5344CB8AC3E}">
+        <p14:creationId xmlns:p14="http://schemas.microsoft.com/office/powerpoint/2010/main" val="1946484047"/>
+      </p:ext>
+    </p:extLst>
+  </p:cSld>
+  <p:clrMapOvr>
+    <a:masterClrMapping/>
+  </p:clrMapOvr>
+</p:notes>
+</file>
+
 <file path=ppt/slideLayouts/slideLayout1.xml><?xml version="1.0" encoding="utf-8"?>
 <p:sldLayout xmlns:a="http://schemas.openxmlformats.org/drawingml/2006/main" xmlns:r="http://schemas.openxmlformats.org/officeDocument/2006/relationships" xmlns:p="http://schemas.openxmlformats.org/presentationml/2006/main" type="title" preserve="1">
   <p:cSld name="Titelfolie">
@@ -5690,7 +6369,7 @@
           <a:p>
             <a:fld id="{1BA50D42-C9CD-4801-B293-61D1F53EC57E}" type="datetimeFigureOut">
               <a:rPr lang="de-DE" smtClean="0"/>
-              <a:t>11.04.19</a:t>
+              <a:t>11.04.2019</a:t>
             </a:fld>
             <a:endParaRPr lang="de-DE"/>
           </a:p>
@@ -5886,7 +6565,7 @@
           <a:p>
             <a:fld id="{1BA50D42-C9CD-4801-B293-61D1F53EC57E}" type="datetimeFigureOut">
               <a:rPr lang="de-DE" smtClean="0"/>
-              <a:t>11.04.19</a:t>
+              <a:t>11.04.2019</a:t>
             </a:fld>
             <a:endParaRPr lang="de-DE"/>
           </a:p>
@@ -6059,7 +6738,7 @@
           <a:p>
             <a:fld id="{1BA50D42-C9CD-4801-B293-61D1F53EC57E}" type="datetimeFigureOut">
               <a:rPr lang="de-DE" smtClean="0"/>
-              <a:t>11.04.19</a:t>
+              <a:t>11.04.2019</a:t>
             </a:fld>
             <a:endParaRPr lang="de-DE"/>
           </a:p>
@@ -6262,7 +6941,7 @@
           <a:p>
             <a:fld id="{1BA50D42-C9CD-4801-B293-61D1F53EC57E}" type="datetimeFigureOut">
               <a:rPr lang="de-DE" smtClean="0"/>
-              <a:t>11.04.19</a:t>
+              <a:t>11.04.2019</a:t>
             </a:fld>
             <a:endParaRPr lang="de-DE"/>
           </a:p>
@@ -6502,7 +7181,7 @@
           <a:p>
             <a:fld id="{1BA50D42-C9CD-4801-B293-61D1F53EC57E}" type="datetimeFigureOut">
               <a:rPr lang="de-DE" smtClean="0"/>
-              <a:t>11.04.19</a:t>
+              <a:t>11.04.2019</a:t>
             </a:fld>
             <a:endParaRPr lang="de-DE"/>
           </a:p>
@@ -6782,7 +7461,7 @@
           <a:p>
             <a:fld id="{1BA50D42-C9CD-4801-B293-61D1F53EC57E}" type="datetimeFigureOut">
               <a:rPr lang="de-DE" smtClean="0"/>
-              <a:t>11.04.19</a:t>
+              <a:t>11.04.2019</a:t>
             </a:fld>
             <a:endParaRPr lang="de-DE"/>
           </a:p>
@@ -7196,7 +7875,7 @@
           <a:p>
             <a:fld id="{1BA50D42-C9CD-4801-B293-61D1F53EC57E}" type="datetimeFigureOut">
               <a:rPr lang="de-DE" smtClean="0"/>
-              <a:t>11.04.19</a:t>
+              <a:t>11.04.2019</a:t>
             </a:fld>
             <a:endParaRPr lang="de-DE"/>
           </a:p>
@@ -7308,7 +7987,7 @@
           <a:p>
             <a:fld id="{1BA50D42-C9CD-4801-B293-61D1F53EC57E}" type="datetimeFigureOut">
               <a:rPr lang="de-DE" smtClean="0"/>
-              <a:t>11.04.19</a:t>
+              <a:t>11.04.2019</a:t>
             </a:fld>
             <a:endParaRPr lang="de-DE"/>
           </a:p>
@@ -7398,7 +8077,7 @@
           <a:p>
             <a:fld id="{1BA50D42-C9CD-4801-B293-61D1F53EC57E}" type="datetimeFigureOut">
               <a:rPr lang="de-DE" smtClean="0"/>
-              <a:t>11.04.19</a:t>
+              <a:t>11.04.2019</a:t>
             </a:fld>
             <a:endParaRPr lang="de-DE"/>
           </a:p>
@@ -7668,7 +8347,7 @@
           <a:p>
             <a:fld id="{1BA50D42-C9CD-4801-B293-61D1F53EC57E}" type="datetimeFigureOut">
               <a:rPr lang="de-DE" smtClean="0"/>
-              <a:t>11.04.19</a:t>
+              <a:t>11.04.2019</a:t>
             </a:fld>
             <a:endParaRPr lang="de-DE"/>
           </a:p>
@@ -7915,7 +8594,7 @@
           <a:p>
             <a:fld id="{1BA50D42-C9CD-4801-B293-61D1F53EC57E}" type="datetimeFigureOut">
               <a:rPr lang="de-DE" smtClean="0"/>
-              <a:t>11.04.19</a:t>
+              <a:t>11.04.2019</a:t>
             </a:fld>
             <a:endParaRPr lang="de-DE"/>
           </a:p>
@@ -8121,7 +8800,7 @@
           <a:p>
             <a:fld id="{1BA50D42-C9CD-4801-B293-61D1F53EC57E}" type="datetimeFigureOut">
               <a:rPr lang="de-DE" smtClean="0"/>
-              <a:t>11.04.19</a:t>
+              <a:t>11.04.2019</a:t>
             </a:fld>
             <a:endParaRPr lang="de-DE"/>
           </a:p>
@@ -9387,13 +10066,23 @@
             <p:ph idx="1"/>
           </p:nvPr>
         </p:nvSpPr>
-        <p:spPr/>
+        <p:spPr>
+          <a:xfrm>
+            <a:off x="457200" y="1844824"/>
+            <a:ext cx="8229600" cy="4281339"/>
+          </a:xfrm>
+        </p:spPr>
         <p:txBody>
           <a:bodyPr>
             <a:normAutofit/>
           </a:bodyPr>
           <a:lstStyle/>
           <a:p>
+            <a:pPr>
+              <a:lnSpc>
+                <a:spcPct val="150000"/>
+              </a:lnSpc>
+            </a:pPr>
             <a:r>
               <a:rPr lang="de-DE" sz="2500" dirty="0">
                 <a:solidFill>
@@ -9402,10 +10091,15 @@
                   </a:schemeClr>
                 </a:solidFill>
               </a:rPr>
-              <a:t>Die Berechnungen der Einfügungsverluste sind korrekt</a:t>
-            </a:r>
-          </a:p>
-          <a:p>
+              <a:t>Die Berechnungen sind korrekt</a:t>
+            </a:r>
+          </a:p>
+          <a:p>
+            <a:pPr>
+              <a:lnSpc>
+                <a:spcPct val="150000"/>
+              </a:lnSpc>
+            </a:pPr>
             <a:r>
               <a:rPr lang="de-DE" sz="2500" dirty="0">
                 <a:solidFill>
@@ -9414,10 +10108,15 @@
                   </a:schemeClr>
                 </a:solidFill>
               </a:rPr>
-              <a:t>Die Berechnungen sind schnell (weniger als 1s Wartezeit)</a:t>
-            </a:r>
-          </a:p>
-          <a:p>
+              <a:t>Die Berechnungen sind schnell</a:t>
+            </a:r>
+          </a:p>
+          <a:p>
+            <a:pPr>
+              <a:lnSpc>
+                <a:spcPct val="150000"/>
+              </a:lnSpc>
+            </a:pPr>
             <a:r>
               <a:rPr lang="de-DE" sz="2500" dirty="0">
                 <a:solidFill>
@@ -9675,7 +10374,7 @@
           <p:nvPr/>
         </p:nvPicPr>
         <p:blipFill>
-          <a:blip r:embed="rId2">
+          <a:blip r:embed="rId3">
             <a:extLst>
               <a:ext uri="{28A0092B-C50C-407E-A947-70E740481C1C}">
                 <a14:useLocalDpi xmlns:a14="http://schemas.microsoft.com/office/drawing/2010/main" val="0"/>
@@ -9908,7 +10607,7 @@
           <p:nvPr/>
         </p:nvPicPr>
         <p:blipFill>
-          <a:blip r:embed="rId2"/>
+          <a:blip r:embed="rId3"/>
           <a:stretch>
             <a:fillRect/>
           </a:stretch>
@@ -9939,6 +10638,14 @@
 <file path=ppt/slides/slide19.xml><?xml version="1.0" encoding="utf-8"?>
 <p:sld xmlns:a="http://schemas.openxmlformats.org/drawingml/2006/main" xmlns:r="http://schemas.openxmlformats.org/officeDocument/2006/relationships" xmlns:p="http://schemas.openxmlformats.org/presentationml/2006/main">
   <p:cSld>
+    <p:bg>
+      <p:bgPr>
+        <a:solidFill>
+          <a:schemeClr val="bg1"/>
+        </a:solidFill>
+        <a:effectLst/>
+      </p:bgPr>
+    </p:bg>
     <p:spTree>
       <p:nvGrpSpPr>
         <p:cNvPr id="1" name=""/>
@@ -9953,10 +10660,48 @@
           <a:chExt cx="0" cy="0"/>
         </a:xfrm>
       </p:grpSpPr>
+      <p:pic>
+        <p:nvPicPr>
+          <p:cNvPr id="7" name="Inhaltsplatzhalter 6">
+            <a:extLst>
+              <a:ext uri="{FF2B5EF4-FFF2-40B4-BE49-F238E27FC236}">
+                <a16:creationId xmlns:a16="http://schemas.microsoft.com/office/drawing/2014/main" id="{84E7A721-0939-4D69-80A2-3E8D0E2DC079}"/>
+              </a:ext>
+            </a:extLst>
+          </p:cNvPr>
+          <p:cNvPicPr>
+            <a:picLocks noGrp="1" noChangeAspect="1"/>
+          </p:cNvPicPr>
+          <p:nvPr>
+            <p:ph idx="1"/>
+          </p:nvPr>
+        </p:nvPicPr>
+        <p:blipFill>
+          <a:blip r:embed="rId2">
+            <a:extLst>
+              <a:ext uri="{28A0092B-C50C-407E-A947-70E740481C1C}">
+                <a14:useLocalDpi xmlns:a14="http://schemas.microsoft.com/office/drawing/2010/main" val="0"/>
+              </a:ext>
+            </a:extLst>
+          </a:blip>
+          <a:stretch>
+            <a:fillRect/>
+          </a:stretch>
+        </p:blipFill>
+        <p:spPr>
+          <a:xfrm>
+            <a:off x="107504" y="80628"/>
+            <a:ext cx="9000999" cy="6750749"/>
+          </a:xfrm>
+          <a:prstGeom prst="rect">
+            <a:avLst/>
+          </a:prstGeom>
+        </p:spPr>
+      </p:pic>
     </p:spTree>
     <p:extLst>
       <p:ext uri="{BB962C8B-B14F-4D97-AF65-F5344CB8AC3E}">
-        <p14:creationId xmlns:p14="http://schemas.microsoft.com/office/powerpoint/2010/main" val="1706361023"/>
+        <p14:creationId xmlns:p14="http://schemas.microsoft.com/office/powerpoint/2010/main" val="3995045714"/>
       </p:ext>
     </p:extLst>
   </p:cSld>
@@ -11760,4 +12505,299 @@
   <a:objectDefaults/>
   <a:extraClrSchemeLst/>
 </a:theme>
+</file>
+
+<file path=ppt/theme/theme2.xml><?xml version="1.0" encoding="utf-8"?>
+<a:theme xmlns:a="http://schemas.openxmlformats.org/drawingml/2006/main" name="Office">
+  <a:themeElements>
+    <a:clrScheme name="Office">
+      <a:dk1>
+        <a:sysClr val="windowText" lastClr="000000"/>
+      </a:dk1>
+      <a:lt1>
+        <a:sysClr val="window" lastClr="FFFFFF"/>
+      </a:lt1>
+      <a:dk2>
+        <a:srgbClr val="44546A"/>
+      </a:dk2>
+      <a:lt2>
+        <a:srgbClr val="E7E6E6"/>
+      </a:lt2>
+      <a:accent1>
+        <a:srgbClr val="4472C4"/>
+      </a:accent1>
+      <a:accent2>
+        <a:srgbClr val="ED7D31"/>
+      </a:accent2>
+      <a:accent3>
+        <a:srgbClr val="A5A5A5"/>
+      </a:accent3>
+      <a:accent4>
+        <a:srgbClr val="FFC000"/>
+      </a:accent4>
+      <a:accent5>
+        <a:srgbClr val="5B9BD5"/>
+      </a:accent5>
+      <a:accent6>
+        <a:srgbClr val="70AD47"/>
+      </a:accent6>
+      <a:hlink>
+        <a:srgbClr val="0563C1"/>
+      </a:hlink>
+      <a:folHlink>
+        <a:srgbClr val="954F72"/>
+      </a:folHlink>
+    </a:clrScheme>
+    <a:fontScheme name="Office">
+      <a:majorFont>
+        <a:latin typeface="Calibri Light" panose="020F0302020204030204"/>
+        <a:ea typeface=""/>
+        <a:cs typeface=""/>
+        <a:font script="Jpan" typeface="游ゴシック Light"/>
+        <a:font script="Hang" typeface="맑은 고딕"/>
+        <a:font script="Hans" typeface="等线 Light"/>
+        <a:font script="Hant" typeface="新細明體"/>
+        <a:font script="Arab" typeface="Times New Roman"/>
+        <a:font script="Hebr" typeface="Times New Roman"/>
+        <a:font script="Thai" typeface="Angsana New"/>
+        <a:font script="Ethi" typeface="Nyala"/>
+        <a:font script="Beng" typeface="Vrinda"/>
+        <a:font script="Gujr" typeface="Shruti"/>
+        <a:font script="Khmr" typeface="MoolBoran"/>
+        <a:font script="Knda" typeface="Tunga"/>
+        <a:font script="Guru" typeface="Raavi"/>
+        <a:font script="Cans" typeface="Euphemia"/>
+        <a:font script="Cher" typeface="Plantagenet Cherokee"/>
+        <a:font script="Yiii" typeface="Microsoft Yi Baiti"/>
+        <a:font script="Tibt" typeface="Microsoft Himalaya"/>
+        <a:font script="Thaa" typeface="MV Boli"/>
+        <a:font script="Deva" typeface="Mangal"/>
+        <a:font script="Telu" typeface="Gautami"/>
+        <a:font script="Taml" typeface="Latha"/>
+        <a:font script="Syrc" typeface="Estrangelo Edessa"/>
+        <a:font script="Orya" typeface="Kalinga"/>
+        <a:font script="Mlym" typeface="Kartika"/>
+        <a:font script="Laoo" typeface="DokChampa"/>
+        <a:font script="Sinh" typeface="Iskoola Pota"/>
+        <a:font script="Mong" typeface="Mongolian Baiti"/>
+        <a:font script="Viet" typeface="Times New Roman"/>
+        <a:font script="Uigh" typeface="Microsoft Uighur"/>
+        <a:font script="Geor" typeface="Sylfaen"/>
+        <a:font script="Armn" typeface="Arial"/>
+        <a:font script="Bugi" typeface="Leelawadee UI"/>
+        <a:font script="Bopo" typeface="Microsoft JhengHei"/>
+        <a:font script="Java" typeface="Javanese Text"/>
+        <a:font script="Lisu" typeface="Segoe UI"/>
+        <a:font script="Mymr" typeface="Myanmar Text"/>
+        <a:font script="Nkoo" typeface="Ebrima"/>
+        <a:font script="Olck" typeface="Nirmala UI"/>
+        <a:font script="Osma" typeface="Ebrima"/>
+        <a:font script="Phag" typeface="Phagspa"/>
+        <a:font script="Syrn" typeface="Estrangelo Edessa"/>
+        <a:font script="Syrj" typeface="Estrangelo Edessa"/>
+        <a:font script="Syre" typeface="Estrangelo Edessa"/>
+        <a:font script="Sora" typeface="Nirmala UI"/>
+        <a:font script="Tale" typeface="Microsoft Tai Le"/>
+        <a:font script="Talu" typeface="Microsoft New Tai Lue"/>
+        <a:font script="Tfng" typeface="Ebrima"/>
+      </a:majorFont>
+      <a:minorFont>
+        <a:latin typeface="Calibri" panose="020F0502020204030204"/>
+        <a:ea typeface=""/>
+        <a:cs typeface=""/>
+        <a:font script="Jpan" typeface="游ゴシック"/>
+        <a:font script="Hang" typeface="맑은 고딕"/>
+        <a:font script="Hans" typeface="等线"/>
+        <a:font script="Hant" typeface="新細明體"/>
+        <a:font script="Arab" typeface="Arial"/>
+        <a:font script="Hebr" typeface="Arial"/>
+        <a:font script="Thai" typeface="Cordia New"/>
+        <a:font script="Ethi" typeface="Nyala"/>
+        <a:font script="Beng" typeface="Vrinda"/>
+        <a:font script="Gujr" typeface="Shruti"/>
+        <a:font script="Khmr" typeface="DaunPenh"/>
+        <a:font script="Knda" typeface="Tunga"/>
+        <a:font script="Guru" typeface="Raavi"/>
+        <a:font script="Cans" typeface="Euphemia"/>
+        <a:font script="Cher" typeface="Plantagenet Cherokee"/>
+        <a:font script="Yiii" typeface="Microsoft Yi Baiti"/>
+        <a:font script="Tibt" typeface="Microsoft Himalaya"/>
+        <a:font script="Thaa" typeface="MV Boli"/>
+        <a:font script="Deva" typeface="Mangal"/>
+        <a:font script="Telu" typeface="Gautami"/>
+        <a:font script="Taml" typeface="Latha"/>
+        <a:font script="Syrc" typeface="Estrangelo Edessa"/>
+        <a:font script="Orya" typeface="Kalinga"/>
+        <a:font script="Mlym" typeface="Kartika"/>
+        <a:font script="Laoo" typeface="DokChampa"/>
+        <a:font script="Sinh" typeface="Iskoola Pota"/>
+        <a:font script="Mong" typeface="Mongolian Baiti"/>
+        <a:font script="Viet" typeface="Arial"/>
+        <a:font script="Uigh" typeface="Microsoft Uighur"/>
+        <a:font script="Geor" typeface="Sylfaen"/>
+        <a:font script="Armn" typeface="Arial"/>
+        <a:font script="Bugi" typeface="Leelawadee UI"/>
+        <a:font script="Bopo" typeface="Microsoft JhengHei"/>
+        <a:font script="Java" typeface="Javanese Text"/>
+        <a:font script="Lisu" typeface="Segoe UI"/>
+        <a:font script="Mymr" typeface="Myanmar Text"/>
+        <a:font script="Nkoo" typeface="Ebrima"/>
+        <a:font script="Olck" typeface="Nirmala UI"/>
+        <a:font script="Osma" typeface="Ebrima"/>
+        <a:font script="Phag" typeface="Phagspa"/>
+        <a:font script="Syrn" typeface="Estrangelo Edessa"/>
+        <a:font script="Syrj" typeface="Estrangelo Edessa"/>
+        <a:font script="Syre" typeface="Estrangelo Edessa"/>
+        <a:font script="Sora" typeface="Nirmala UI"/>
+        <a:font script="Tale" typeface="Microsoft Tai Le"/>
+        <a:font script="Talu" typeface="Microsoft New Tai Lue"/>
+        <a:font script="Tfng" typeface="Ebrima"/>
+      </a:minorFont>
+    </a:fontScheme>
+    <a:fmtScheme name="Office">
+      <a:fillStyleLst>
+        <a:solidFill>
+          <a:schemeClr val="phClr"/>
+        </a:solidFill>
+        <a:gradFill rotWithShape="1">
+          <a:gsLst>
+            <a:gs pos="0">
+              <a:schemeClr val="phClr">
+                <a:lumMod val="110000"/>
+                <a:satMod val="105000"/>
+                <a:tint val="67000"/>
+              </a:schemeClr>
+            </a:gs>
+            <a:gs pos="50000">
+              <a:schemeClr val="phClr">
+                <a:lumMod val="105000"/>
+                <a:satMod val="103000"/>
+                <a:tint val="73000"/>
+              </a:schemeClr>
+            </a:gs>
+            <a:gs pos="100000">
+              <a:schemeClr val="phClr">
+                <a:lumMod val="105000"/>
+                <a:satMod val="109000"/>
+                <a:tint val="81000"/>
+              </a:schemeClr>
+            </a:gs>
+          </a:gsLst>
+          <a:lin ang="5400000" scaled="0"/>
+        </a:gradFill>
+        <a:gradFill rotWithShape="1">
+          <a:gsLst>
+            <a:gs pos="0">
+              <a:schemeClr val="phClr">
+                <a:satMod val="103000"/>
+                <a:lumMod val="102000"/>
+                <a:tint val="94000"/>
+              </a:schemeClr>
+            </a:gs>
+            <a:gs pos="50000">
+              <a:schemeClr val="phClr">
+                <a:satMod val="110000"/>
+                <a:lumMod val="100000"/>
+                <a:shade val="100000"/>
+              </a:schemeClr>
+            </a:gs>
+            <a:gs pos="100000">
+              <a:schemeClr val="phClr">
+                <a:lumMod val="99000"/>
+                <a:satMod val="120000"/>
+                <a:shade val="78000"/>
+              </a:schemeClr>
+            </a:gs>
+          </a:gsLst>
+          <a:lin ang="5400000" scaled="0"/>
+        </a:gradFill>
+      </a:fillStyleLst>
+      <a:lnStyleLst>
+        <a:ln w="6350" cap="flat" cmpd="sng" algn="ctr">
+          <a:solidFill>
+            <a:schemeClr val="phClr"/>
+          </a:solidFill>
+          <a:prstDash val="solid"/>
+          <a:miter lim="800000"/>
+        </a:ln>
+        <a:ln w="12700" cap="flat" cmpd="sng" algn="ctr">
+          <a:solidFill>
+            <a:schemeClr val="phClr"/>
+          </a:solidFill>
+          <a:prstDash val="solid"/>
+          <a:miter lim="800000"/>
+        </a:ln>
+        <a:ln w="19050" cap="flat" cmpd="sng" algn="ctr">
+          <a:solidFill>
+            <a:schemeClr val="phClr"/>
+          </a:solidFill>
+          <a:prstDash val="solid"/>
+          <a:miter lim="800000"/>
+        </a:ln>
+      </a:lnStyleLst>
+      <a:effectStyleLst>
+        <a:effectStyle>
+          <a:effectLst/>
+        </a:effectStyle>
+        <a:effectStyle>
+          <a:effectLst/>
+        </a:effectStyle>
+        <a:effectStyle>
+          <a:effectLst>
+            <a:outerShdw blurRad="57150" dist="19050" dir="5400000" algn="ctr" rotWithShape="0">
+              <a:srgbClr val="000000">
+                <a:alpha val="63000"/>
+              </a:srgbClr>
+            </a:outerShdw>
+          </a:effectLst>
+        </a:effectStyle>
+      </a:effectStyleLst>
+      <a:bgFillStyleLst>
+        <a:solidFill>
+          <a:schemeClr val="phClr"/>
+        </a:solidFill>
+        <a:solidFill>
+          <a:schemeClr val="phClr">
+            <a:tint val="95000"/>
+            <a:satMod val="170000"/>
+          </a:schemeClr>
+        </a:solidFill>
+        <a:gradFill rotWithShape="1">
+          <a:gsLst>
+            <a:gs pos="0">
+              <a:schemeClr val="phClr">
+                <a:tint val="93000"/>
+                <a:satMod val="150000"/>
+                <a:shade val="98000"/>
+                <a:lumMod val="102000"/>
+              </a:schemeClr>
+            </a:gs>
+            <a:gs pos="50000">
+              <a:schemeClr val="phClr">
+                <a:tint val="98000"/>
+                <a:satMod val="130000"/>
+                <a:shade val="90000"/>
+                <a:lumMod val="103000"/>
+              </a:schemeClr>
+            </a:gs>
+            <a:gs pos="100000">
+              <a:schemeClr val="phClr">
+                <a:shade val="63000"/>
+                <a:satMod val="120000"/>
+              </a:schemeClr>
+            </a:gs>
+          </a:gsLst>
+          <a:lin ang="5400000" scaled="0"/>
+        </a:gradFill>
+      </a:bgFillStyleLst>
+    </a:fmtScheme>
+  </a:themeElements>
+  <a:objectDefaults/>
+  <a:extraClrSchemeLst/>
+  <a:extLst>
+    <a:ext uri="{05A4C25C-085E-4340-85A3-A5531E510DB2}">
+      <thm15:themeFamily xmlns:thm15="http://schemas.microsoft.com/office/thememl/2012/main" name="Office Theme" id="{62F939B6-93AF-4DB8-9C6B-D6C7DFDC589F}" vid="{4A3C46E8-61CC-4603-A589-7422A47A8E4A}"/>
+    </a:ext>
+  </a:extLst>
+</a:theme>
 </file>
--- a/ZwischenPresäntation_RichardBritt.pptx
+++ b/ZwischenPresäntation_RichardBritt.pptx
@@ -14,11 +14,11 @@
     <p:sldId id="275" r:id="rId5"/>
     <p:sldId id="274" r:id="rId6"/>
     <p:sldId id="262" r:id="rId7"/>
-    <p:sldId id="265" r:id="rId8"/>
-    <p:sldId id="276" r:id="rId9"/>
-    <p:sldId id="270" r:id="rId10"/>
-    <p:sldId id="278" r:id="rId11"/>
-    <p:sldId id="277" r:id="rId12"/>
+    <p:sldId id="278" r:id="rId8"/>
+    <p:sldId id="277" r:id="rId9"/>
+    <p:sldId id="265" r:id="rId10"/>
+    <p:sldId id="276" r:id="rId11"/>
+    <p:sldId id="270" r:id="rId12"/>
     <p:sldId id="264" r:id="rId13"/>
     <p:sldId id="266" r:id="rId14"/>
     <p:sldId id="280" r:id="rId15"/>
@@ -147,7 +147,7 @@
 <file path=ppt/revisionInfo.xml><?xml version="1.0" encoding="utf-8"?>
 <p1510:revInfo xmlns:a="http://schemas.openxmlformats.org/drawingml/2006/main" xmlns:r="http://schemas.openxmlformats.org/officeDocument/2006/relationships" xmlns:p1510="http://schemas.microsoft.com/office/powerpoint/2015/10/main">
   <p1510:revLst>
-    <p1510:client id="{64A503E9-204D-456D-A7ED-D96CB5E7D3C1}" v="211" dt="2019-04-11T10:55:32.603"/>
+    <p1510:client id="{64A503E9-204D-456D-A7ED-D96CB5E7D3C1}" v="213" dt="2019-04-11T11:14:32.023"/>
     <p1510:client id="{7B9CFC24-6A95-4E88-AFBD-88113F9F429A}" v="20" dt="2019-04-10T14:20:06.489"/>
   </p1510:revLst>
 </p1510:revInfo>
@@ -158,7 +158,7 @@
   <pc:docChgLst>
     <pc:chgData name="Michel Alt" userId="3d3d50152f9d1fbf" providerId="LiveId" clId="{64A503E9-204D-456D-A7ED-D96CB5E7D3C1}"/>
     <pc:docChg chg="undo custSel mod addSld delSld modSld sldOrd">
-      <pc:chgData name="Michel Alt" userId="3d3d50152f9d1fbf" providerId="LiveId" clId="{64A503E9-204D-456D-A7ED-D96CB5E7D3C1}" dt="2019-04-11T10:55:32.603" v="210" actId="14100"/>
+      <pc:chgData name="Michel Alt" userId="3d3d50152f9d1fbf" providerId="LiveId" clId="{64A503E9-204D-456D-A7ED-D96CB5E7D3C1}" dt="2019-04-11T11:14:32.023" v="212"/>
       <pc:docMkLst>
         <pc:docMk/>
       </pc:docMkLst>
@@ -199,6 +199,20 @@
             <ac:picMk id="4" creationId="{00000000-0000-0000-0000-000000000000}"/>
           </ac:picMkLst>
         </pc:picChg>
+      </pc:sldChg>
+      <pc:sldChg chg="ord">
+        <pc:chgData name="Michel Alt" userId="3d3d50152f9d1fbf" providerId="LiveId" clId="{64A503E9-204D-456D-A7ED-D96CB5E7D3C1}" dt="2019-04-11T11:14:32.023" v="212"/>
+        <pc:sldMkLst>
+          <pc:docMk/>
+          <pc:sldMk cId="1635707538" sldId="277"/>
+        </pc:sldMkLst>
+      </pc:sldChg>
+      <pc:sldChg chg="ord">
+        <pc:chgData name="Michel Alt" userId="3d3d50152f9d1fbf" providerId="LiveId" clId="{64A503E9-204D-456D-A7ED-D96CB5E7D3C1}" dt="2019-04-11T11:14:27.763" v="211"/>
+        <pc:sldMkLst>
+          <pc:docMk/>
+          <pc:sldMk cId="559871376" sldId="278"/>
+        </pc:sldMkLst>
       </pc:sldChg>
       <pc:sldChg chg="addSp delSp modSp add mod setBg">
         <pc:chgData name="Michel Alt" userId="3d3d50152f9d1fbf" providerId="LiveId" clId="{64A503E9-204D-456D-A7ED-D96CB5E7D3C1}" dt="2019-04-10T20:57:04.087" v="30" actId="14100"/>
@@ -9296,7 +9310,7 @@
           <p:cNvPr id="2" name="Titel 1">
             <a:extLst>
               <a:ext uri="{FF2B5EF4-FFF2-40B4-BE49-F238E27FC236}">
-                <a16:creationId xmlns:a16="http://schemas.microsoft.com/office/drawing/2014/main" id="{2BE28AD2-E56E-457B-9D12-F37BA15F8FDF}"/>
+                <a16:creationId xmlns:a16="http://schemas.microsoft.com/office/drawing/2014/main" id="{5D7CFD08-74D4-4775-87D6-921D7EF23F67}"/>
               </a:ext>
             </a:extLst>
           </p:cNvPr>
@@ -9312,19 +9326,16 @@
           <a:bodyPr/>
           <a:lstStyle/>
           <a:p>
-            <a:r>
-              <a:rPr lang="de-CH" dirty="0"/>
-              <a:t>Klassendiagramm</a:t>
-            </a:r>
+            <a:endParaRPr lang="de-CH" dirty="0"/>
           </a:p>
         </p:txBody>
       </p:sp>
       <p:pic>
         <p:nvPicPr>
-          <p:cNvPr id="4" name="Inhaltsplatzhalter 3" descr="Ein Bild, das Screenshot enthält.&#10;&#10;Automatisch generierte Beschreibung">
+          <p:cNvPr id="4" name="Picture 14">
             <a:extLst>
               <a:ext uri="{FF2B5EF4-FFF2-40B4-BE49-F238E27FC236}">
-                <a16:creationId xmlns:a16="http://schemas.microsoft.com/office/drawing/2014/main" id="{F1A6AF35-7830-4CA3-A5D2-F50BCD1F3D25}"/>
+                <a16:creationId xmlns:a16="http://schemas.microsoft.com/office/drawing/2014/main" id="{5B09A149-BA53-4D81-9B6B-A6CFE79B833A}"/>
               </a:ext>
             </a:extLst>
           </p:cNvPr>
@@ -9336,7 +9347,7 @@
           </p:nvPr>
         </p:nvPicPr>
         <p:blipFill>
-          <a:blip r:embed="rId2">
+          <a:blip r:embed="rId2" cstate="print">
             <a:extLst>
               <a:ext uri="{28A0092B-C50C-407E-A947-70E740481C1C}">
                 <a14:useLocalDpi xmlns:a14="http://schemas.microsoft.com/office/drawing/2010/main" val="0"/>
@@ -9349,347 +9360,18 @@
         </p:blipFill>
         <p:spPr>
           <a:xfrm>
-            <a:off x="0" y="1196752"/>
-            <a:ext cx="9143999" cy="5386610"/>
+            <a:off x="0" y="0"/>
+            <a:ext cx="9144000" cy="6858000"/>
           </a:xfrm>
           <a:prstGeom prst="rect">
             <a:avLst/>
           </a:prstGeom>
         </p:spPr>
       </p:pic>
-      <p:sp>
-        <p:nvSpPr>
-          <p:cNvPr id="7" name="Rechteck 6">
-            <a:extLst>
-              <a:ext uri="{FF2B5EF4-FFF2-40B4-BE49-F238E27FC236}">
-                <a16:creationId xmlns:a16="http://schemas.microsoft.com/office/drawing/2014/main" id="{857280F5-B2DC-438F-B3FF-D741FFE01BFE}"/>
-              </a:ext>
-            </a:extLst>
-          </p:cNvPr>
-          <p:cNvSpPr/>
-          <p:nvPr/>
-        </p:nvSpPr>
-        <p:spPr>
-          <a:xfrm>
-            <a:off x="107504" y="1988840"/>
-            <a:ext cx="5904656" cy="4320480"/>
-          </a:xfrm>
-          <a:prstGeom prst="rect">
-            <a:avLst/>
-          </a:prstGeom>
-          <a:noFill/>
-          <a:ln w="57150">
-            <a:solidFill>
-              <a:srgbClr val="FF0000"/>
-            </a:solidFill>
-          </a:ln>
-        </p:spPr>
-        <p:style>
-          <a:lnRef idx="2">
-            <a:schemeClr val="accent1">
-              <a:shade val="50000"/>
-            </a:schemeClr>
-          </a:lnRef>
-          <a:fillRef idx="1">
-            <a:schemeClr val="accent1"/>
-          </a:fillRef>
-          <a:effectRef idx="0">
-            <a:schemeClr val="accent1"/>
-          </a:effectRef>
-          <a:fontRef idx="minor">
-            <a:schemeClr val="lt1"/>
-          </a:fontRef>
-        </p:style>
-        <p:txBody>
-          <a:bodyPr rtlCol="0" anchor="ctr"/>
-          <a:lstStyle/>
-          <a:p>
-            <a:pPr algn="ctr"/>
-            <a:endParaRPr lang="de-CH"/>
-          </a:p>
-        </p:txBody>
-      </p:sp>
-      <p:sp>
-        <p:nvSpPr>
-          <p:cNvPr id="8" name="Rechteck 7">
-            <a:extLst>
-              <a:ext uri="{FF2B5EF4-FFF2-40B4-BE49-F238E27FC236}">
-                <a16:creationId xmlns:a16="http://schemas.microsoft.com/office/drawing/2014/main" id="{7F60E176-A88A-452B-8C49-1FC0DA67009B}"/>
-              </a:ext>
-            </a:extLst>
-          </p:cNvPr>
-          <p:cNvSpPr/>
-          <p:nvPr/>
-        </p:nvSpPr>
-        <p:spPr>
-          <a:xfrm>
-            <a:off x="6012160" y="1268760"/>
-            <a:ext cx="1512168" cy="1143000"/>
-          </a:xfrm>
-          <a:prstGeom prst="rect">
-            <a:avLst/>
-          </a:prstGeom>
-          <a:noFill/>
-          <a:ln w="57150">
-            <a:solidFill>
-              <a:srgbClr val="FF0000"/>
-            </a:solidFill>
-          </a:ln>
-        </p:spPr>
-        <p:style>
-          <a:lnRef idx="2">
-            <a:schemeClr val="accent1">
-              <a:shade val="50000"/>
-            </a:schemeClr>
-          </a:lnRef>
-          <a:fillRef idx="1">
-            <a:schemeClr val="accent1"/>
-          </a:fillRef>
-          <a:effectRef idx="0">
-            <a:schemeClr val="accent1"/>
-          </a:effectRef>
-          <a:fontRef idx="minor">
-            <a:schemeClr val="lt1"/>
-          </a:fontRef>
-        </p:style>
-        <p:txBody>
-          <a:bodyPr rtlCol="0" anchor="ctr"/>
-          <a:lstStyle/>
-          <a:p>
-            <a:pPr algn="ctr"/>
-            <a:endParaRPr lang="de-CH"/>
-          </a:p>
-        </p:txBody>
-      </p:sp>
-      <p:sp>
-        <p:nvSpPr>
-          <p:cNvPr id="9" name="Rechteck 8">
-            <a:extLst>
-              <a:ext uri="{FF2B5EF4-FFF2-40B4-BE49-F238E27FC236}">
-                <a16:creationId xmlns:a16="http://schemas.microsoft.com/office/drawing/2014/main" id="{861940BC-77BA-4E94-A8E0-4705746D8559}"/>
-              </a:ext>
-            </a:extLst>
-          </p:cNvPr>
-          <p:cNvSpPr/>
-          <p:nvPr/>
-        </p:nvSpPr>
-        <p:spPr>
-          <a:xfrm>
-            <a:off x="6012160" y="2411760"/>
-            <a:ext cx="1512168" cy="1143000"/>
-          </a:xfrm>
-          <a:prstGeom prst="rect">
-            <a:avLst/>
-          </a:prstGeom>
-          <a:noFill/>
-          <a:ln w="57150">
-            <a:solidFill>
-              <a:srgbClr val="FF0000"/>
-            </a:solidFill>
-          </a:ln>
-        </p:spPr>
-        <p:style>
-          <a:lnRef idx="2">
-            <a:schemeClr val="accent1">
-              <a:shade val="50000"/>
-            </a:schemeClr>
-          </a:lnRef>
-          <a:fillRef idx="1">
-            <a:schemeClr val="accent1"/>
-          </a:fillRef>
-          <a:effectRef idx="0">
-            <a:schemeClr val="accent1"/>
-          </a:effectRef>
-          <a:fontRef idx="minor">
-            <a:schemeClr val="lt1"/>
-          </a:fontRef>
-        </p:style>
-        <p:txBody>
-          <a:bodyPr rtlCol="0" anchor="ctr"/>
-          <a:lstStyle/>
-          <a:p>
-            <a:pPr algn="ctr"/>
-            <a:endParaRPr lang="de-CH"/>
-          </a:p>
-        </p:txBody>
-      </p:sp>
-      <p:cxnSp>
-        <p:nvCxnSpPr>
-          <p:cNvPr id="12" name="Gerader Verbinder 11">
-            <a:extLst>
-              <a:ext uri="{FF2B5EF4-FFF2-40B4-BE49-F238E27FC236}">
-                <a16:creationId xmlns:a16="http://schemas.microsoft.com/office/drawing/2014/main" id="{61E8A963-5420-456C-944A-B37B0F3B42A9}"/>
-              </a:ext>
-            </a:extLst>
-          </p:cNvPr>
-          <p:cNvCxnSpPr>
-            <a:cxnSpLocks/>
-            <a:stCxn id="8" idx="3"/>
-          </p:cNvCxnSpPr>
-          <p:nvPr/>
-        </p:nvCxnSpPr>
-        <p:spPr>
-          <a:xfrm>
-            <a:off x="7524328" y="1840260"/>
-            <a:ext cx="1512168" cy="0"/>
-          </a:xfrm>
-          <a:prstGeom prst="line">
-            <a:avLst/>
-          </a:prstGeom>
-          <a:ln w="57150">
-            <a:solidFill>
-              <a:srgbClr val="FF0000"/>
-            </a:solidFill>
-          </a:ln>
-        </p:spPr>
-        <p:style>
-          <a:lnRef idx="1">
-            <a:schemeClr val="accent1"/>
-          </a:lnRef>
-          <a:fillRef idx="0">
-            <a:schemeClr val="accent1"/>
-          </a:fillRef>
-          <a:effectRef idx="0">
-            <a:schemeClr val="accent1"/>
-          </a:effectRef>
-          <a:fontRef idx="minor">
-            <a:schemeClr val="tx1"/>
-          </a:fontRef>
-        </p:style>
-      </p:cxnSp>
-      <p:cxnSp>
-        <p:nvCxnSpPr>
-          <p:cNvPr id="16" name="Gerader Verbinder 15">
-            <a:extLst>
-              <a:ext uri="{FF2B5EF4-FFF2-40B4-BE49-F238E27FC236}">
-                <a16:creationId xmlns:a16="http://schemas.microsoft.com/office/drawing/2014/main" id="{B929B060-52E7-43F6-A017-9623EC415E1C}"/>
-              </a:ext>
-            </a:extLst>
-          </p:cNvPr>
-          <p:cNvCxnSpPr>
-            <a:cxnSpLocks/>
-          </p:cNvCxnSpPr>
-          <p:nvPr/>
-        </p:nvCxnSpPr>
-        <p:spPr>
-          <a:xfrm>
-            <a:off x="9036496" y="1844824"/>
-            <a:ext cx="0" cy="4608512"/>
-          </a:xfrm>
-          <a:prstGeom prst="line">
-            <a:avLst/>
-          </a:prstGeom>
-          <a:ln w="57150">
-            <a:solidFill>
-              <a:srgbClr val="FF0000"/>
-            </a:solidFill>
-          </a:ln>
-        </p:spPr>
-        <p:style>
-          <a:lnRef idx="1">
-            <a:schemeClr val="accent1"/>
-          </a:lnRef>
-          <a:fillRef idx="0">
-            <a:schemeClr val="accent1"/>
-          </a:fillRef>
-          <a:effectRef idx="0">
-            <a:schemeClr val="accent1"/>
-          </a:effectRef>
-          <a:fontRef idx="minor">
-            <a:schemeClr val="tx1"/>
-          </a:fontRef>
-        </p:style>
-      </p:cxnSp>
-      <p:cxnSp>
-        <p:nvCxnSpPr>
-          <p:cNvPr id="19" name="Gerader Verbinder 18">
-            <a:extLst>
-              <a:ext uri="{FF2B5EF4-FFF2-40B4-BE49-F238E27FC236}">
-                <a16:creationId xmlns:a16="http://schemas.microsoft.com/office/drawing/2014/main" id="{D73C2BDC-6B8D-49AF-91C6-A1ECFE1BF845}"/>
-              </a:ext>
-            </a:extLst>
-          </p:cNvPr>
-          <p:cNvCxnSpPr>
-            <a:cxnSpLocks/>
-          </p:cNvCxnSpPr>
-          <p:nvPr/>
-        </p:nvCxnSpPr>
-        <p:spPr>
-          <a:xfrm flipH="1">
-            <a:off x="6025277" y="6453336"/>
-            <a:ext cx="2998102" cy="0"/>
-          </a:xfrm>
-          <a:prstGeom prst="line">
-            <a:avLst/>
-          </a:prstGeom>
-          <a:ln w="57150">
-            <a:solidFill>
-              <a:srgbClr val="FF0000"/>
-            </a:solidFill>
-          </a:ln>
-        </p:spPr>
-        <p:style>
-          <a:lnRef idx="1">
-            <a:schemeClr val="accent1"/>
-          </a:lnRef>
-          <a:fillRef idx="0">
-            <a:schemeClr val="accent1"/>
-          </a:fillRef>
-          <a:effectRef idx="0">
-            <a:schemeClr val="accent1"/>
-          </a:effectRef>
-          <a:fontRef idx="minor">
-            <a:schemeClr val="tx1"/>
-          </a:fontRef>
-        </p:style>
-      </p:cxnSp>
-      <p:cxnSp>
-        <p:nvCxnSpPr>
-          <p:cNvPr id="22" name="Gerader Verbinder 21">
-            <a:extLst>
-              <a:ext uri="{FF2B5EF4-FFF2-40B4-BE49-F238E27FC236}">
-                <a16:creationId xmlns:a16="http://schemas.microsoft.com/office/drawing/2014/main" id="{17C2BF8A-475D-445C-8CB3-80843D190D86}"/>
-              </a:ext>
-            </a:extLst>
-          </p:cNvPr>
-          <p:cNvCxnSpPr>
-            <a:cxnSpLocks/>
-          </p:cNvCxnSpPr>
-          <p:nvPr/>
-        </p:nvCxnSpPr>
-        <p:spPr>
-          <a:xfrm flipV="1">
-            <a:off x="6012160" y="6309320"/>
-            <a:ext cx="0" cy="144016"/>
-          </a:xfrm>
-          <a:prstGeom prst="line">
-            <a:avLst/>
-          </a:prstGeom>
-          <a:ln w="57150">
-            <a:solidFill>
-              <a:srgbClr val="FF0000"/>
-            </a:solidFill>
-          </a:ln>
-        </p:spPr>
-        <p:style>
-          <a:lnRef idx="1">
-            <a:schemeClr val="accent1"/>
-          </a:lnRef>
-          <a:fillRef idx="0">
-            <a:schemeClr val="accent1"/>
-          </a:fillRef>
-          <a:effectRef idx="0">
-            <a:schemeClr val="accent1"/>
-          </a:effectRef>
-          <a:fontRef idx="minor">
-            <a:schemeClr val="tx1"/>
-          </a:fontRef>
-        </p:style>
-      </p:cxnSp>
     </p:spTree>
     <p:extLst>
       <p:ext uri="{BB962C8B-B14F-4D97-AF65-F5344CB8AC3E}">
-        <p14:creationId xmlns:p14="http://schemas.microsoft.com/office/powerpoint/2010/main" val="559871376"/>
+        <p14:creationId xmlns:p14="http://schemas.microsoft.com/office/powerpoint/2010/main" val="140018294"/>
       </p:ext>
     </p:extLst>
   </p:cSld>
@@ -9716,36 +9398,101 @@
           <a:chExt cx="0" cy="0"/>
         </a:xfrm>
       </p:grpSpPr>
+      <p:sp>
+        <p:nvSpPr>
+          <p:cNvPr id="5" name="Rectangle 1"/>
+          <p:cNvSpPr>
+            <a:spLocks noGrp="1" noChangeArrowheads="1"/>
+          </p:cNvSpPr>
+          <p:nvPr>
+            <p:ph type="title"/>
+          </p:nvPr>
+        </p:nvSpPr>
+        <p:spPr bwMode="auto">
+          <a:xfrm>
+            <a:off x="539552" y="630559"/>
+            <a:ext cx="5688632" cy="369332"/>
+          </a:xfrm>
+          <a:prstGeom prst="rect">
+            <a:avLst/>
+          </a:prstGeom>
+          <a:noFill/>
+          <a:ln>
+            <a:noFill/>
+          </a:ln>
+          <a:effectLst/>
+          <a:extLst>
+            <a:ext uri="{909E8E84-426E-40DD-AFC4-6F175D3DCCD1}">
+              <a14:hiddenFill xmlns:a14="http://schemas.microsoft.com/office/drawing/2010/main">
+                <a:solidFill>
+                  <a:schemeClr val="accent1"/>
+                </a:solidFill>
+              </a14:hiddenFill>
+            </a:ext>
+            <a:ext uri="{91240B29-F687-4F45-9708-019B960494DF}">
+              <a14:hiddenLine xmlns:a14="http://schemas.microsoft.com/office/drawing/2010/main" w="9525">
+                <a:solidFill>
+                  <a:schemeClr val="tx1"/>
+                </a:solidFill>
+                <a:miter lim="800000"/>
+                <a:headEnd/>
+                <a:tailEnd/>
+              </a14:hiddenLine>
+            </a:ext>
+            <a:ext uri="{AF507438-7753-43E0-B8FC-AC1667EBCBE1}">
+              <a14:hiddenEffects xmlns:a14="http://schemas.microsoft.com/office/drawing/2010/main">
+                <a:effectLst>
+                  <a:outerShdw dist="35921" dir="2700000" algn="ctr" rotWithShape="0">
+                    <a:schemeClr val="bg2"/>
+                  </a:outerShdw>
+                </a:effectLst>
+              </a14:hiddenEffects>
+            </a:ext>
+          </a:extLst>
+        </p:spPr>
+        <p:txBody>
+          <a:bodyPr vert="horz" wrap="square" lIns="91440" tIns="45720" rIns="91440" bIns="45720" numCol="1" anchor="ctr" anchorCtr="0" compatLnSpc="1">
+            <a:prstTxWarp prst="textNoShape">
+              <a:avLst/>
+            </a:prstTxWarp>
+            <a:spAutoFit/>
+          </a:bodyPr>
+          <a:lstStyle/>
+          <a:p>
+            <a:pPr lvl="1" algn="ctr" rtl="0">
+              <a:spcBef>
+                <a:spcPct val="0"/>
+              </a:spcBef>
+            </a:pPr>
+            <a:endParaRPr lang="de-CH" dirty="0"/>
+          </a:p>
+        </p:txBody>
+      </p:sp>
       <p:pic>
         <p:nvPicPr>
-          <p:cNvPr id="12" name="Grafik 11">
-            <a:extLst>
-              <a:ext uri="{FF2B5EF4-FFF2-40B4-BE49-F238E27FC236}">
-                <a16:creationId xmlns:a16="http://schemas.microsoft.com/office/drawing/2014/main" id="{71605B88-D94C-49C8-A31C-EA70311C6808}"/>
-              </a:ext>
-            </a:extLst>
-          </p:cNvPr>
+          <p:cNvPr id="7" name="Picture 13"/>
           <p:cNvPicPr>
-            <a:picLocks noChangeAspect="1"/>
+            <a:picLocks noGrp="1"/>
           </p:cNvPicPr>
-          <p:nvPr/>
+          <p:nvPr>
+            <p:ph idx="1"/>
+          </p:nvPr>
         </p:nvPicPr>
-        <p:blipFill>
-          <a:blip r:embed="rId2">
+        <p:blipFill rotWithShape="1">
+          <a:blip r:embed="rId2" cstate="print">
             <a:extLst>
               <a:ext uri="{28A0092B-C50C-407E-A947-70E740481C1C}">
                 <a14:useLocalDpi xmlns:a14="http://schemas.microsoft.com/office/drawing/2010/main" val="0"/>
               </a:ext>
             </a:extLst>
           </a:blip>
-          <a:stretch>
-            <a:fillRect/>
-          </a:stretch>
+          <a:srcRect/>
+          <a:stretch/>
         </p:blipFill>
         <p:spPr>
           <a:xfrm>
-            <a:off x="5868144" y="1531888"/>
-            <a:ext cx="2622550" cy="1879600"/>
+            <a:off x="0" y="0"/>
+            <a:ext cx="9144000" cy="6858000"/>
           </a:xfrm>
           <a:prstGeom prst="rect">
             <a:avLst/>
@@ -9754,260 +9501,37 @@
       </p:pic>
       <p:sp>
         <p:nvSpPr>
-          <p:cNvPr id="2" name="Titel 1">
-            <a:extLst>
-              <a:ext uri="{FF2B5EF4-FFF2-40B4-BE49-F238E27FC236}">
-                <a16:creationId xmlns:a16="http://schemas.microsoft.com/office/drawing/2014/main" id="{2972D83D-1765-4FAD-9DE4-3CA6273F3255}"/>
-              </a:ext>
-            </a:extLst>
-          </p:cNvPr>
-          <p:cNvSpPr>
-            <a:spLocks noGrp="1"/>
-          </p:cNvSpPr>
-          <p:nvPr>
-            <p:ph type="title"/>
-          </p:nvPr>
+          <p:cNvPr id="10" name="Rechteck 9"/>
+          <p:cNvSpPr/>
+          <p:nvPr/>
         </p:nvSpPr>
-        <p:spPr/>
-        <p:txBody>
-          <a:bodyPr/>
-          <a:lstStyle/>
-          <a:p>
-            <a:r>
-              <a:rPr lang="de-CH" dirty="0"/>
-              <a:t>Klassendiagramm</a:t>
-            </a:r>
-          </a:p>
-        </p:txBody>
-      </p:sp>
-      <p:sp>
-        <p:nvSpPr>
-          <p:cNvPr id="10" name="Inhaltsplatzhalter 9">
-            <a:extLst>
-              <a:ext uri="{FF2B5EF4-FFF2-40B4-BE49-F238E27FC236}">
-                <a16:creationId xmlns:a16="http://schemas.microsoft.com/office/drawing/2014/main" id="{2E33E93C-DABB-4013-B435-18F22A5EC3E8}"/>
-              </a:ext>
-            </a:extLst>
-          </p:cNvPr>
-          <p:cNvSpPr>
-            <a:spLocks noGrp="1"/>
-          </p:cNvSpPr>
-          <p:nvPr>
-            <p:ph idx="1"/>
-          </p:nvPr>
-        </p:nvSpPr>
-        <p:spPr/>
-        <p:txBody>
-          <a:bodyPr/>
-          <a:lstStyle/>
-          <a:p>
-            <a:r>
-              <a:rPr lang="de-CH" sz="3600" dirty="0">
-                <a:solidFill>
-                  <a:schemeClr val="accent1">
-                    <a:lumMod val="75000"/>
-                  </a:schemeClr>
-                </a:solidFill>
-              </a:rPr>
-              <a:t>Abstrakte</a:t>
-            </a:r>
-            <a:r>
-              <a:rPr lang="de-CH" dirty="0"/>
-              <a:t> </a:t>
-            </a:r>
-            <a:r>
-              <a:rPr lang="de-CH" sz="3600" dirty="0">
-                <a:solidFill>
-                  <a:schemeClr val="accent1">
-                    <a:lumMod val="75000"/>
-                  </a:schemeClr>
-                </a:solidFill>
-              </a:rPr>
-              <a:t>Klassen</a:t>
-            </a:r>
-          </a:p>
-          <a:p>
-            <a:r>
-              <a:rPr lang="de-CH" sz="3600" dirty="0">
-                <a:solidFill>
-                  <a:schemeClr val="accent1">
-                    <a:lumMod val="75000"/>
-                  </a:schemeClr>
-                </a:solidFill>
-              </a:rPr>
-              <a:t>ideale-</a:t>
-            </a:r>
-            <a:r>
-              <a:rPr lang="de-CH" dirty="0"/>
-              <a:t> </a:t>
-            </a:r>
-            <a:r>
-              <a:rPr lang="de-CH" sz="3600" dirty="0">
-                <a:solidFill>
-                  <a:schemeClr val="accent1">
-                    <a:lumMod val="75000"/>
-                  </a:schemeClr>
-                </a:solidFill>
-              </a:rPr>
-              <a:t>oder</a:t>
-            </a:r>
-            <a:r>
-              <a:rPr lang="de-CH" dirty="0"/>
-              <a:t> </a:t>
-            </a:r>
-            <a:r>
-              <a:rPr lang="de-CH" sz="3600" dirty="0">
-                <a:solidFill>
-                  <a:schemeClr val="accent1">
-                    <a:lumMod val="75000"/>
-                  </a:schemeClr>
-                </a:solidFill>
-              </a:rPr>
-              <a:t>reale</a:t>
-            </a:r>
-            <a:r>
-              <a:rPr lang="de-CH" dirty="0"/>
-              <a:t> </a:t>
-            </a:r>
-            <a:r>
-              <a:rPr lang="de-CH" sz="3600" dirty="0">
-                <a:solidFill>
-                  <a:schemeClr val="accent1">
-                    <a:lumMod val="75000"/>
-                  </a:schemeClr>
-                </a:solidFill>
-              </a:rPr>
-              <a:t>Bauteile</a:t>
-            </a:r>
-          </a:p>
-        </p:txBody>
-      </p:sp>
-      <p:pic>
-        <p:nvPicPr>
-          <p:cNvPr id="14" name="Grafik 13">
-            <a:extLst>
-              <a:ext uri="{FF2B5EF4-FFF2-40B4-BE49-F238E27FC236}">
-                <a16:creationId xmlns:a16="http://schemas.microsoft.com/office/drawing/2014/main" id="{79CB4983-61EB-4DA8-8384-01214AD9CA93}"/>
-              </a:ext>
-            </a:extLst>
-          </p:cNvPr>
-          <p:cNvPicPr>
-            <a:picLocks noChangeAspect="1"/>
-          </p:cNvPicPr>
-          <p:nvPr/>
-        </p:nvPicPr>
-        <p:blipFill>
-          <a:blip r:embed="rId3">
-            <a:extLst>
-              <a:ext uri="{28A0092B-C50C-407E-A947-70E740481C1C}">
-                <a14:useLocalDpi xmlns:a14="http://schemas.microsoft.com/office/drawing/2010/main" val="0"/>
-              </a:ext>
-            </a:extLst>
-          </a:blip>
-          <a:stretch>
-            <a:fillRect/>
-          </a:stretch>
-        </p:blipFill>
         <p:spPr>
           <a:xfrm>
-            <a:off x="4572000" y="3621569"/>
-            <a:ext cx="4076700" cy="1670050"/>
+            <a:off x="2051720" y="4077072"/>
+            <a:ext cx="2494594" cy="261610"/>
           </a:xfrm>
           <a:prstGeom prst="rect">
             <a:avLst/>
           </a:prstGeom>
         </p:spPr>
-      </p:pic>
-      <p:cxnSp>
-        <p:nvCxnSpPr>
-          <p:cNvPr id="16" name="Gerader Verbinder 15">
-            <a:extLst>
-              <a:ext uri="{FF2B5EF4-FFF2-40B4-BE49-F238E27FC236}">
-                <a16:creationId xmlns:a16="http://schemas.microsoft.com/office/drawing/2014/main" id="{50F9C099-7DEF-4FC2-ABE8-737B8B62E612}"/>
-              </a:ext>
-            </a:extLst>
-          </p:cNvPr>
-          <p:cNvCxnSpPr>
-            <a:cxnSpLocks/>
-          </p:cNvCxnSpPr>
-          <p:nvPr/>
-        </p:nvCxnSpPr>
-        <p:spPr>
-          <a:xfrm flipH="1">
-            <a:off x="5644310" y="3418181"/>
-            <a:ext cx="1296144" cy="0"/>
-          </a:xfrm>
-          <a:prstGeom prst="line">
-            <a:avLst/>
-          </a:prstGeom>
-          <a:ln w="19050">
-            <a:solidFill>
-              <a:schemeClr val="tx1"/>
-            </a:solidFill>
-          </a:ln>
-        </p:spPr>
-        <p:style>
-          <a:lnRef idx="1">
-            <a:schemeClr val="accent1"/>
-          </a:lnRef>
-          <a:fillRef idx="0">
-            <a:schemeClr val="accent1"/>
-          </a:fillRef>
-          <a:effectRef idx="0">
-            <a:schemeClr val="accent1"/>
-          </a:effectRef>
-          <a:fontRef idx="minor">
-            <a:schemeClr val="tx1"/>
-          </a:fontRef>
-        </p:style>
-      </p:cxnSp>
-      <p:cxnSp>
-        <p:nvCxnSpPr>
-          <p:cNvPr id="20" name="Gerader Verbinder 19">
-            <a:extLst>
-              <a:ext uri="{FF2B5EF4-FFF2-40B4-BE49-F238E27FC236}">
-                <a16:creationId xmlns:a16="http://schemas.microsoft.com/office/drawing/2014/main" id="{7AF694DF-453E-4629-81EF-8E3D4E3C18DC}"/>
-              </a:ext>
-            </a:extLst>
-          </p:cNvPr>
-          <p:cNvCxnSpPr>
-            <a:cxnSpLocks/>
-          </p:cNvCxnSpPr>
-          <p:nvPr/>
-        </p:nvCxnSpPr>
-        <p:spPr>
-          <a:xfrm flipV="1">
-            <a:off x="5644310" y="3418181"/>
-            <a:ext cx="0" cy="200274"/>
-          </a:xfrm>
-          <a:prstGeom prst="line">
-            <a:avLst/>
-          </a:prstGeom>
-          <a:ln w="19050">
-            <a:solidFill>
-              <a:schemeClr val="tx1"/>
-            </a:solidFill>
-          </a:ln>
-        </p:spPr>
-        <p:style>
-          <a:lnRef idx="1">
-            <a:schemeClr val="accent1"/>
-          </a:lnRef>
-          <a:fillRef idx="0">
-            <a:schemeClr val="accent1"/>
-          </a:fillRef>
-          <a:effectRef idx="0">
-            <a:schemeClr val="accent1"/>
-          </a:effectRef>
-          <a:fontRef idx="minor">
-            <a:schemeClr val="tx1"/>
-          </a:fontRef>
-        </p:style>
-      </p:cxnSp>
+        <p:txBody>
+          <a:bodyPr wrap="none">
+            <a:spAutoFit/>
+          </a:bodyPr>
+          <a:lstStyle/>
+          <a:p>
+            <a:r>
+              <a:rPr lang="de-DE" sz="1100" dirty="0"/>
+              <a:t>Abbildung 12: Anpassung der Parameter</a:t>
+            </a:r>
+            <a:endParaRPr lang="de-CH" sz="1100" dirty="0"/>
+          </a:p>
+        </p:txBody>
+      </p:sp>
     </p:spTree>
     <p:extLst>
       <p:ext uri="{BB962C8B-B14F-4D97-AF65-F5344CB8AC3E}">
-        <p14:creationId xmlns:p14="http://schemas.microsoft.com/office/powerpoint/2010/main" val="1635707538"/>
+        <p14:creationId xmlns:p14="http://schemas.microsoft.com/office/powerpoint/2010/main" val="610452915"/>
       </p:ext>
     </p:extLst>
   </p:cSld>
@@ -11872,6 +11396,749 @@
       </p:grpSpPr>
       <p:sp>
         <p:nvSpPr>
+          <p:cNvPr id="2" name="Titel 1">
+            <a:extLst>
+              <a:ext uri="{FF2B5EF4-FFF2-40B4-BE49-F238E27FC236}">
+                <a16:creationId xmlns:a16="http://schemas.microsoft.com/office/drawing/2014/main" id="{2BE28AD2-E56E-457B-9D12-F37BA15F8FDF}"/>
+              </a:ext>
+            </a:extLst>
+          </p:cNvPr>
+          <p:cNvSpPr>
+            <a:spLocks noGrp="1"/>
+          </p:cNvSpPr>
+          <p:nvPr>
+            <p:ph type="title"/>
+          </p:nvPr>
+        </p:nvSpPr>
+        <p:spPr/>
+        <p:txBody>
+          <a:bodyPr/>
+          <a:lstStyle/>
+          <a:p>
+            <a:r>
+              <a:rPr lang="de-CH" dirty="0"/>
+              <a:t>Klassendiagramm</a:t>
+            </a:r>
+          </a:p>
+        </p:txBody>
+      </p:sp>
+      <p:pic>
+        <p:nvPicPr>
+          <p:cNvPr id="4" name="Inhaltsplatzhalter 3" descr="Ein Bild, das Screenshot enthält.&#10;&#10;Automatisch generierte Beschreibung">
+            <a:extLst>
+              <a:ext uri="{FF2B5EF4-FFF2-40B4-BE49-F238E27FC236}">
+                <a16:creationId xmlns:a16="http://schemas.microsoft.com/office/drawing/2014/main" id="{F1A6AF35-7830-4CA3-A5D2-F50BCD1F3D25}"/>
+              </a:ext>
+            </a:extLst>
+          </p:cNvPr>
+          <p:cNvPicPr>
+            <a:picLocks noGrp="1"/>
+          </p:cNvPicPr>
+          <p:nvPr>
+            <p:ph idx="1"/>
+          </p:nvPr>
+        </p:nvPicPr>
+        <p:blipFill>
+          <a:blip r:embed="rId2">
+            <a:extLst>
+              <a:ext uri="{28A0092B-C50C-407E-A947-70E740481C1C}">
+                <a14:useLocalDpi xmlns:a14="http://schemas.microsoft.com/office/drawing/2010/main" val="0"/>
+              </a:ext>
+            </a:extLst>
+          </a:blip>
+          <a:stretch>
+            <a:fillRect/>
+          </a:stretch>
+        </p:blipFill>
+        <p:spPr>
+          <a:xfrm>
+            <a:off x="0" y="1196752"/>
+            <a:ext cx="9143999" cy="5386610"/>
+          </a:xfrm>
+          <a:prstGeom prst="rect">
+            <a:avLst/>
+          </a:prstGeom>
+        </p:spPr>
+      </p:pic>
+      <p:sp>
+        <p:nvSpPr>
+          <p:cNvPr id="7" name="Rechteck 6">
+            <a:extLst>
+              <a:ext uri="{FF2B5EF4-FFF2-40B4-BE49-F238E27FC236}">
+                <a16:creationId xmlns:a16="http://schemas.microsoft.com/office/drawing/2014/main" id="{857280F5-B2DC-438F-B3FF-D741FFE01BFE}"/>
+              </a:ext>
+            </a:extLst>
+          </p:cNvPr>
+          <p:cNvSpPr/>
+          <p:nvPr/>
+        </p:nvSpPr>
+        <p:spPr>
+          <a:xfrm>
+            <a:off x="107504" y="1988840"/>
+            <a:ext cx="5904656" cy="4320480"/>
+          </a:xfrm>
+          <a:prstGeom prst="rect">
+            <a:avLst/>
+          </a:prstGeom>
+          <a:noFill/>
+          <a:ln w="57150">
+            <a:solidFill>
+              <a:srgbClr val="FF0000"/>
+            </a:solidFill>
+          </a:ln>
+        </p:spPr>
+        <p:style>
+          <a:lnRef idx="2">
+            <a:schemeClr val="accent1">
+              <a:shade val="50000"/>
+            </a:schemeClr>
+          </a:lnRef>
+          <a:fillRef idx="1">
+            <a:schemeClr val="accent1"/>
+          </a:fillRef>
+          <a:effectRef idx="0">
+            <a:schemeClr val="accent1"/>
+          </a:effectRef>
+          <a:fontRef idx="minor">
+            <a:schemeClr val="lt1"/>
+          </a:fontRef>
+        </p:style>
+        <p:txBody>
+          <a:bodyPr rtlCol="0" anchor="ctr"/>
+          <a:lstStyle/>
+          <a:p>
+            <a:pPr algn="ctr"/>
+            <a:endParaRPr lang="de-CH"/>
+          </a:p>
+        </p:txBody>
+      </p:sp>
+      <p:sp>
+        <p:nvSpPr>
+          <p:cNvPr id="8" name="Rechteck 7">
+            <a:extLst>
+              <a:ext uri="{FF2B5EF4-FFF2-40B4-BE49-F238E27FC236}">
+                <a16:creationId xmlns:a16="http://schemas.microsoft.com/office/drawing/2014/main" id="{7F60E176-A88A-452B-8C49-1FC0DA67009B}"/>
+              </a:ext>
+            </a:extLst>
+          </p:cNvPr>
+          <p:cNvSpPr/>
+          <p:nvPr/>
+        </p:nvSpPr>
+        <p:spPr>
+          <a:xfrm>
+            <a:off x="6012160" y="1268760"/>
+            <a:ext cx="1512168" cy="1143000"/>
+          </a:xfrm>
+          <a:prstGeom prst="rect">
+            <a:avLst/>
+          </a:prstGeom>
+          <a:noFill/>
+          <a:ln w="57150">
+            <a:solidFill>
+              <a:srgbClr val="FF0000"/>
+            </a:solidFill>
+          </a:ln>
+        </p:spPr>
+        <p:style>
+          <a:lnRef idx="2">
+            <a:schemeClr val="accent1">
+              <a:shade val="50000"/>
+            </a:schemeClr>
+          </a:lnRef>
+          <a:fillRef idx="1">
+            <a:schemeClr val="accent1"/>
+          </a:fillRef>
+          <a:effectRef idx="0">
+            <a:schemeClr val="accent1"/>
+          </a:effectRef>
+          <a:fontRef idx="minor">
+            <a:schemeClr val="lt1"/>
+          </a:fontRef>
+        </p:style>
+        <p:txBody>
+          <a:bodyPr rtlCol="0" anchor="ctr"/>
+          <a:lstStyle/>
+          <a:p>
+            <a:pPr algn="ctr"/>
+            <a:endParaRPr lang="de-CH"/>
+          </a:p>
+        </p:txBody>
+      </p:sp>
+      <p:sp>
+        <p:nvSpPr>
+          <p:cNvPr id="9" name="Rechteck 8">
+            <a:extLst>
+              <a:ext uri="{FF2B5EF4-FFF2-40B4-BE49-F238E27FC236}">
+                <a16:creationId xmlns:a16="http://schemas.microsoft.com/office/drawing/2014/main" id="{861940BC-77BA-4E94-A8E0-4705746D8559}"/>
+              </a:ext>
+            </a:extLst>
+          </p:cNvPr>
+          <p:cNvSpPr/>
+          <p:nvPr/>
+        </p:nvSpPr>
+        <p:spPr>
+          <a:xfrm>
+            <a:off x="6012160" y="2411760"/>
+            <a:ext cx="1512168" cy="1143000"/>
+          </a:xfrm>
+          <a:prstGeom prst="rect">
+            <a:avLst/>
+          </a:prstGeom>
+          <a:noFill/>
+          <a:ln w="57150">
+            <a:solidFill>
+              <a:srgbClr val="FF0000"/>
+            </a:solidFill>
+          </a:ln>
+        </p:spPr>
+        <p:style>
+          <a:lnRef idx="2">
+            <a:schemeClr val="accent1">
+              <a:shade val="50000"/>
+            </a:schemeClr>
+          </a:lnRef>
+          <a:fillRef idx="1">
+            <a:schemeClr val="accent1"/>
+          </a:fillRef>
+          <a:effectRef idx="0">
+            <a:schemeClr val="accent1"/>
+          </a:effectRef>
+          <a:fontRef idx="minor">
+            <a:schemeClr val="lt1"/>
+          </a:fontRef>
+        </p:style>
+        <p:txBody>
+          <a:bodyPr rtlCol="0" anchor="ctr"/>
+          <a:lstStyle/>
+          <a:p>
+            <a:pPr algn="ctr"/>
+            <a:endParaRPr lang="de-CH"/>
+          </a:p>
+        </p:txBody>
+      </p:sp>
+      <p:cxnSp>
+        <p:nvCxnSpPr>
+          <p:cNvPr id="12" name="Gerader Verbinder 11">
+            <a:extLst>
+              <a:ext uri="{FF2B5EF4-FFF2-40B4-BE49-F238E27FC236}">
+                <a16:creationId xmlns:a16="http://schemas.microsoft.com/office/drawing/2014/main" id="{61E8A963-5420-456C-944A-B37B0F3B42A9}"/>
+              </a:ext>
+            </a:extLst>
+          </p:cNvPr>
+          <p:cNvCxnSpPr>
+            <a:cxnSpLocks/>
+            <a:stCxn id="8" idx="3"/>
+          </p:cNvCxnSpPr>
+          <p:nvPr/>
+        </p:nvCxnSpPr>
+        <p:spPr>
+          <a:xfrm>
+            <a:off x="7524328" y="1840260"/>
+            <a:ext cx="1512168" cy="0"/>
+          </a:xfrm>
+          <a:prstGeom prst="line">
+            <a:avLst/>
+          </a:prstGeom>
+          <a:ln w="57150">
+            <a:solidFill>
+              <a:srgbClr val="FF0000"/>
+            </a:solidFill>
+          </a:ln>
+        </p:spPr>
+        <p:style>
+          <a:lnRef idx="1">
+            <a:schemeClr val="accent1"/>
+          </a:lnRef>
+          <a:fillRef idx="0">
+            <a:schemeClr val="accent1"/>
+          </a:fillRef>
+          <a:effectRef idx="0">
+            <a:schemeClr val="accent1"/>
+          </a:effectRef>
+          <a:fontRef idx="minor">
+            <a:schemeClr val="tx1"/>
+          </a:fontRef>
+        </p:style>
+      </p:cxnSp>
+      <p:cxnSp>
+        <p:nvCxnSpPr>
+          <p:cNvPr id="16" name="Gerader Verbinder 15">
+            <a:extLst>
+              <a:ext uri="{FF2B5EF4-FFF2-40B4-BE49-F238E27FC236}">
+                <a16:creationId xmlns:a16="http://schemas.microsoft.com/office/drawing/2014/main" id="{B929B060-52E7-43F6-A017-9623EC415E1C}"/>
+              </a:ext>
+            </a:extLst>
+          </p:cNvPr>
+          <p:cNvCxnSpPr>
+            <a:cxnSpLocks/>
+          </p:cNvCxnSpPr>
+          <p:nvPr/>
+        </p:nvCxnSpPr>
+        <p:spPr>
+          <a:xfrm>
+            <a:off x="9036496" y="1844824"/>
+            <a:ext cx="0" cy="4608512"/>
+          </a:xfrm>
+          <a:prstGeom prst="line">
+            <a:avLst/>
+          </a:prstGeom>
+          <a:ln w="57150">
+            <a:solidFill>
+              <a:srgbClr val="FF0000"/>
+            </a:solidFill>
+          </a:ln>
+        </p:spPr>
+        <p:style>
+          <a:lnRef idx="1">
+            <a:schemeClr val="accent1"/>
+          </a:lnRef>
+          <a:fillRef idx="0">
+            <a:schemeClr val="accent1"/>
+          </a:fillRef>
+          <a:effectRef idx="0">
+            <a:schemeClr val="accent1"/>
+          </a:effectRef>
+          <a:fontRef idx="minor">
+            <a:schemeClr val="tx1"/>
+          </a:fontRef>
+        </p:style>
+      </p:cxnSp>
+      <p:cxnSp>
+        <p:nvCxnSpPr>
+          <p:cNvPr id="19" name="Gerader Verbinder 18">
+            <a:extLst>
+              <a:ext uri="{FF2B5EF4-FFF2-40B4-BE49-F238E27FC236}">
+                <a16:creationId xmlns:a16="http://schemas.microsoft.com/office/drawing/2014/main" id="{D73C2BDC-6B8D-49AF-91C6-A1ECFE1BF845}"/>
+              </a:ext>
+            </a:extLst>
+          </p:cNvPr>
+          <p:cNvCxnSpPr>
+            <a:cxnSpLocks/>
+          </p:cNvCxnSpPr>
+          <p:nvPr/>
+        </p:nvCxnSpPr>
+        <p:spPr>
+          <a:xfrm flipH="1">
+            <a:off x="6025277" y="6453336"/>
+            <a:ext cx="2998102" cy="0"/>
+          </a:xfrm>
+          <a:prstGeom prst="line">
+            <a:avLst/>
+          </a:prstGeom>
+          <a:ln w="57150">
+            <a:solidFill>
+              <a:srgbClr val="FF0000"/>
+            </a:solidFill>
+          </a:ln>
+        </p:spPr>
+        <p:style>
+          <a:lnRef idx="1">
+            <a:schemeClr val="accent1"/>
+          </a:lnRef>
+          <a:fillRef idx="0">
+            <a:schemeClr val="accent1"/>
+          </a:fillRef>
+          <a:effectRef idx="0">
+            <a:schemeClr val="accent1"/>
+          </a:effectRef>
+          <a:fontRef idx="minor">
+            <a:schemeClr val="tx1"/>
+          </a:fontRef>
+        </p:style>
+      </p:cxnSp>
+      <p:cxnSp>
+        <p:nvCxnSpPr>
+          <p:cNvPr id="22" name="Gerader Verbinder 21">
+            <a:extLst>
+              <a:ext uri="{FF2B5EF4-FFF2-40B4-BE49-F238E27FC236}">
+                <a16:creationId xmlns:a16="http://schemas.microsoft.com/office/drawing/2014/main" id="{17C2BF8A-475D-445C-8CB3-80843D190D86}"/>
+              </a:ext>
+            </a:extLst>
+          </p:cNvPr>
+          <p:cNvCxnSpPr>
+            <a:cxnSpLocks/>
+          </p:cNvCxnSpPr>
+          <p:nvPr/>
+        </p:nvCxnSpPr>
+        <p:spPr>
+          <a:xfrm flipV="1">
+            <a:off x="6012160" y="6309320"/>
+            <a:ext cx="0" cy="144016"/>
+          </a:xfrm>
+          <a:prstGeom prst="line">
+            <a:avLst/>
+          </a:prstGeom>
+          <a:ln w="57150">
+            <a:solidFill>
+              <a:srgbClr val="FF0000"/>
+            </a:solidFill>
+          </a:ln>
+        </p:spPr>
+        <p:style>
+          <a:lnRef idx="1">
+            <a:schemeClr val="accent1"/>
+          </a:lnRef>
+          <a:fillRef idx="0">
+            <a:schemeClr val="accent1"/>
+          </a:fillRef>
+          <a:effectRef idx="0">
+            <a:schemeClr val="accent1"/>
+          </a:effectRef>
+          <a:fontRef idx="minor">
+            <a:schemeClr val="tx1"/>
+          </a:fontRef>
+        </p:style>
+      </p:cxnSp>
+    </p:spTree>
+    <p:extLst>
+      <p:ext uri="{BB962C8B-B14F-4D97-AF65-F5344CB8AC3E}">
+        <p14:creationId xmlns:p14="http://schemas.microsoft.com/office/powerpoint/2010/main" val="559871376"/>
+      </p:ext>
+    </p:extLst>
+  </p:cSld>
+  <p:clrMapOvr>
+    <a:masterClrMapping/>
+  </p:clrMapOvr>
+</p:sld>
+</file>
+
+<file path=ppt/slides/slide8.xml><?xml version="1.0" encoding="utf-8"?>
+<p:sld xmlns:a="http://schemas.openxmlformats.org/drawingml/2006/main" xmlns:r="http://schemas.openxmlformats.org/officeDocument/2006/relationships" xmlns:p="http://schemas.openxmlformats.org/presentationml/2006/main">
+  <p:cSld>
+    <p:spTree>
+      <p:nvGrpSpPr>
+        <p:cNvPr id="1" name=""/>
+        <p:cNvGrpSpPr/>
+        <p:nvPr/>
+      </p:nvGrpSpPr>
+      <p:grpSpPr>
+        <a:xfrm>
+          <a:off x="0" y="0"/>
+          <a:ext cx="0" cy="0"/>
+          <a:chOff x="0" y="0"/>
+          <a:chExt cx="0" cy="0"/>
+        </a:xfrm>
+      </p:grpSpPr>
+      <p:pic>
+        <p:nvPicPr>
+          <p:cNvPr id="12" name="Grafik 11">
+            <a:extLst>
+              <a:ext uri="{FF2B5EF4-FFF2-40B4-BE49-F238E27FC236}">
+                <a16:creationId xmlns:a16="http://schemas.microsoft.com/office/drawing/2014/main" id="{71605B88-D94C-49C8-A31C-EA70311C6808}"/>
+              </a:ext>
+            </a:extLst>
+          </p:cNvPr>
+          <p:cNvPicPr>
+            <a:picLocks noChangeAspect="1"/>
+          </p:cNvPicPr>
+          <p:nvPr/>
+        </p:nvPicPr>
+        <p:blipFill>
+          <a:blip r:embed="rId2">
+            <a:extLst>
+              <a:ext uri="{28A0092B-C50C-407E-A947-70E740481C1C}">
+                <a14:useLocalDpi xmlns:a14="http://schemas.microsoft.com/office/drawing/2010/main" val="0"/>
+              </a:ext>
+            </a:extLst>
+          </a:blip>
+          <a:stretch>
+            <a:fillRect/>
+          </a:stretch>
+        </p:blipFill>
+        <p:spPr>
+          <a:xfrm>
+            <a:off x="5868144" y="1531888"/>
+            <a:ext cx="2622550" cy="1879600"/>
+          </a:xfrm>
+          <a:prstGeom prst="rect">
+            <a:avLst/>
+          </a:prstGeom>
+        </p:spPr>
+      </p:pic>
+      <p:sp>
+        <p:nvSpPr>
+          <p:cNvPr id="2" name="Titel 1">
+            <a:extLst>
+              <a:ext uri="{FF2B5EF4-FFF2-40B4-BE49-F238E27FC236}">
+                <a16:creationId xmlns:a16="http://schemas.microsoft.com/office/drawing/2014/main" id="{2972D83D-1765-4FAD-9DE4-3CA6273F3255}"/>
+              </a:ext>
+            </a:extLst>
+          </p:cNvPr>
+          <p:cNvSpPr>
+            <a:spLocks noGrp="1"/>
+          </p:cNvSpPr>
+          <p:nvPr>
+            <p:ph type="title"/>
+          </p:nvPr>
+        </p:nvSpPr>
+        <p:spPr/>
+        <p:txBody>
+          <a:bodyPr/>
+          <a:lstStyle/>
+          <a:p>
+            <a:r>
+              <a:rPr lang="de-CH" dirty="0"/>
+              <a:t>Klassendiagramm</a:t>
+            </a:r>
+          </a:p>
+        </p:txBody>
+      </p:sp>
+      <p:sp>
+        <p:nvSpPr>
+          <p:cNvPr id="10" name="Inhaltsplatzhalter 9">
+            <a:extLst>
+              <a:ext uri="{FF2B5EF4-FFF2-40B4-BE49-F238E27FC236}">
+                <a16:creationId xmlns:a16="http://schemas.microsoft.com/office/drawing/2014/main" id="{2E33E93C-DABB-4013-B435-18F22A5EC3E8}"/>
+              </a:ext>
+            </a:extLst>
+          </p:cNvPr>
+          <p:cNvSpPr>
+            <a:spLocks noGrp="1"/>
+          </p:cNvSpPr>
+          <p:nvPr>
+            <p:ph idx="1"/>
+          </p:nvPr>
+        </p:nvSpPr>
+        <p:spPr/>
+        <p:txBody>
+          <a:bodyPr/>
+          <a:lstStyle/>
+          <a:p>
+            <a:r>
+              <a:rPr lang="de-CH" sz="3600" dirty="0">
+                <a:solidFill>
+                  <a:schemeClr val="accent1">
+                    <a:lumMod val="75000"/>
+                  </a:schemeClr>
+                </a:solidFill>
+              </a:rPr>
+              <a:t>Abstrakte</a:t>
+            </a:r>
+            <a:r>
+              <a:rPr lang="de-CH" dirty="0"/>
+              <a:t> </a:t>
+            </a:r>
+            <a:r>
+              <a:rPr lang="de-CH" sz="3600" dirty="0">
+                <a:solidFill>
+                  <a:schemeClr val="accent1">
+                    <a:lumMod val="75000"/>
+                  </a:schemeClr>
+                </a:solidFill>
+              </a:rPr>
+              <a:t>Klassen</a:t>
+            </a:r>
+          </a:p>
+          <a:p>
+            <a:r>
+              <a:rPr lang="de-CH" sz="3600" dirty="0">
+                <a:solidFill>
+                  <a:schemeClr val="accent1">
+                    <a:lumMod val="75000"/>
+                  </a:schemeClr>
+                </a:solidFill>
+              </a:rPr>
+              <a:t>ideale-</a:t>
+            </a:r>
+            <a:r>
+              <a:rPr lang="de-CH" dirty="0"/>
+              <a:t> </a:t>
+            </a:r>
+            <a:r>
+              <a:rPr lang="de-CH" sz="3600" dirty="0">
+                <a:solidFill>
+                  <a:schemeClr val="accent1">
+                    <a:lumMod val="75000"/>
+                  </a:schemeClr>
+                </a:solidFill>
+              </a:rPr>
+              <a:t>oder</a:t>
+            </a:r>
+            <a:r>
+              <a:rPr lang="de-CH" dirty="0"/>
+              <a:t> </a:t>
+            </a:r>
+            <a:r>
+              <a:rPr lang="de-CH" sz="3600" dirty="0">
+                <a:solidFill>
+                  <a:schemeClr val="accent1">
+                    <a:lumMod val="75000"/>
+                  </a:schemeClr>
+                </a:solidFill>
+              </a:rPr>
+              <a:t>reale</a:t>
+            </a:r>
+            <a:r>
+              <a:rPr lang="de-CH" dirty="0"/>
+              <a:t> </a:t>
+            </a:r>
+            <a:r>
+              <a:rPr lang="de-CH" sz="3600" dirty="0">
+                <a:solidFill>
+                  <a:schemeClr val="accent1">
+                    <a:lumMod val="75000"/>
+                  </a:schemeClr>
+                </a:solidFill>
+              </a:rPr>
+              <a:t>Bauteile</a:t>
+            </a:r>
+          </a:p>
+        </p:txBody>
+      </p:sp>
+      <p:pic>
+        <p:nvPicPr>
+          <p:cNvPr id="14" name="Grafik 13">
+            <a:extLst>
+              <a:ext uri="{FF2B5EF4-FFF2-40B4-BE49-F238E27FC236}">
+                <a16:creationId xmlns:a16="http://schemas.microsoft.com/office/drawing/2014/main" id="{79CB4983-61EB-4DA8-8384-01214AD9CA93}"/>
+              </a:ext>
+            </a:extLst>
+          </p:cNvPr>
+          <p:cNvPicPr>
+            <a:picLocks noChangeAspect="1"/>
+          </p:cNvPicPr>
+          <p:nvPr/>
+        </p:nvPicPr>
+        <p:blipFill>
+          <a:blip r:embed="rId3">
+            <a:extLst>
+              <a:ext uri="{28A0092B-C50C-407E-A947-70E740481C1C}">
+                <a14:useLocalDpi xmlns:a14="http://schemas.microsoft.com/office/drawing/2010/main" val="0"/>
+              </a:ext>
+            </a:extLst>
+          </a:blip>
+          <a:stretch>
+            <a:fillRect/>
+          </a:stretch>
+        </p:blipFill>
+        <p:spPr>
+          <a:xfrm>
+            <a:off x="4572000" y="3621569"/>
+            <a:ext cx="4076700" cy="1670050"/>
+          </a:xfrm>
+          <a:prstGeom prst="rect">
+            <a:avLst/>
+          </a:prstGeom>
+        </p:spPr>
+      </p:pic>
+      <p:cxnSp>
+        <p:nvCxnSpPr>
+          <p:cNvPr id="16" name="Gerader Verbinder 15">
+            <a:extLst>
+              <a:ext uri="{FF2B5EF4-FFF2-40B4-BE49-F238E27FC236}">
+                <a16:creationId xmlns:a16="http://schemas.microsoft.com/office/drawing/2014/main" id="{50F9C099-7DEF-4FC2-ABE8-737B8B62E612}"/>
+              </a:ext>
+            </a:extLst>
+          </p:cNvPr>
+          <p:cNvCxnSpPr>
+            <a:cxnSpLocks/>
+          </p:cNvCxnSpPr>
+          <p:nvPr/>
+        </p:nvCxnSpPr>
+        <p:spPr>
+          <a:xfrm flipH="1">
+            <a:off x="5644310" y="3418181"/>
+            <a:ext cx="1296144" cy="0"/>
+          </a:xfrm>
+          <a:prstGeom prst="line">
+            <a:avLst/>
+          </a:prstGeom>
+          <a:ln w="19050">
+            <a:solidFill>
+              <a:schemeClr val="tx1"/>
+            </a:solidFill>
+          </a:ln>
+        </p:spPr>
+        <p:style>
+          <a:lnRef idx="1">
+            <a:schemeClr val="accent1"/>
+          </a:lnRef>
+          <a:fillRef idx="0">
+            <a:schemeClr val="accent1"/>
+          </a:fillRef>
+          <a:effectRef idx="0">
+            <a:schemeClr val="accent1"/>
+          </a:effectRef>
+          <a:fontRef idx="minor">
+            <a:schemeClr val="tx1"/>
+          </a:fontRef>
+        </p:style>
+      </p:cxnSp>
+      <p:cxnSp>
+        <p:nvCxnSpPr>
+          <p:cNvPr id="20" name="Gerader Verbinder 19">
+            <a:extLst>
+              <a:ext uri="{FF2B5EF4-FFF2-40B4-BE49-F238E27FC236}">
+                <a16:creationId xmlns:a16="http://schemas.microsoft.com/office/drawing/2014/main" id="{7AF694DF-453E-4629-81EF-8E3D4E3C18DC}"/>
+              </a:ext>
+            </a:extLst>
+          </p:cNvPr>
+          <p:cNvCxnSpPr>
+            <a:cxnSpLocks/>
+          </p:cNvCxnSpPr>
+          <p:nvPr/>
+        </p:nvCxnSpPr>
+        <p:spPr>
+          <a:xfrm flipV="1">
+            <a:off x="5644310" y="3418181"/>
+            <a:ext cx="0" cy="200274"/>
+          </a:xfrm>
+          <a:prstGeom prst="line">
+            <a:avLst/>
+          </a:prstGeom>
+          <a:ln w="19050">
+            <a:solidFill>
+              <a:schemeClr val="tx1"/>
+            </a:solidFill>
+          </a:ln>
+        </p:spPr>
+        <p:style>
+          <a:lnRef idx="1">
+            <a:schemeClr val="accent1"/>
+          </a:lnRef>
+          <a:fillRef idx="0">
+            <a:schemeClr val="accent1"/>
+          </a:fillRef>
+          <a:effectRef idx="0">
+            <a:schemeClr val="accent1"/>
+          </a:effectRef>
+          <a:fontRef idx="minor">
+            <a:schemeClr val="tx1"/>
+          </a:fontRef>
+        </p:style>
+      </p:cxnSp>
+    </p:spTree>
+    <p:extLst>
+      <p:ext uri="{BB962C8B-B14F-4D97-AF65-F5344CB8AC3E}">
+        <p14:creationId xmlns:p14="http://schemas.microsoft.com/office/powerpoint/2010/main" val="1635707538"/>
+      </p:ext>
+    </p:extLst>
+  </p:cSld>
+  <p:clrMapOvr>
+    <a:masterClrMapping/>
+  </p:clrMapOvr>
+</p:sld>
+</file>
+
+<file path=ppt/slides/slide9.xml><?xml version="1.0" encoding="utf-8"?>
+<p:sld xmlns:a="http://schemas.openxmlformats.org/drawingml/2006/main" xmlns:r="http://schemas.openxmlformats.org/officeDocument/2006/relationships" xmlns:p="http://schemas.openxmlformats.org/presentationml/2006/main">
+  <p:cSld>
+    <p:spTree>
+      <p:nvGrpSpPr>
+        <p:cNvPr id="1" name=""/>
+        <p:cNvGrpSpPr/>
+        <p:nvPr/>
+      </p:nvGrpSpPr>
+      <p:grpSpPr>
+        <a:xfrm>
+          <a:off x="0" y="0"/>
+          <a:ext cx="0" cy="0"/>
+          <a:chOff x="0" y="0"/>
+          <a:chExt cx="0" cy="0"/>
+        </a:xfrm>
+      </p:grpSpPr>
+      <p:sp>
+        <p:nvSpPr>
           <p:cNvPr id="5" name="Rechteck 4"/>
           <p:cNvSpPr/>
           <p:nvPr/>
@@ -11962,259 +12229,6 @@
     <p:extLst>
       <p:ext uri="{BB962C8B-B14F-4D97-AF65-F5344CB8AC3E}">
         <p14:creationId xmlns:p14="http://schemas.microsoft.com/office/powerpoint/2010/main" val="944503420"/>
-      </p:ext>
-    </p:extLst>
-  </p:cSld>
-  <p:clrMapOvr>
-    <a:masterClrMapping/>
-  </p:clrMapOvr>
-</p:sld>
-</file>
-
-<file path=ppt/slides/slide8.xml><?xml version="1.0" encoding="utf-8"?>
-<p:sld xmlns:a="http://schemas.openxmlformats.org/drawingml/2006/main" xmlns:r="http://schemas.openxmlformats.org/officeDocument/2006/relationships" xmlns:p="http://schemas.openxmlformats.org/presentationml/2006/main">
-  <p:cSld>
-    <p:spTree>
-      <p:nvGrpSpPr>
-        <p:cNvPr id="1" name=""/>
-        <p:cNvGrpSpPr/>
-        <p:nvPr/>
-      </p:nvGrpSpPr>
-      <p:grpSpPr>
-        <a:xfrm>
-          <a:off x="0" y="0"/>
-          <a:ext cx="0" cy="0"/>
-          <a:chOff x="0" y="0"/>
-          <a:chExt cx="0" cy="0"/>
-        </a:xfrm>
-      </p:grpSpPr>
-      <p:sp>
-        <p:nvSpPr>
-          <p:cNvPr id="2" name="Titel 1">
-            <a:extLst>
-              <a:ext uri="{FF2B5EF4-FFF2-40B4-BE49-F238E27FC236}">
-                <a16:creationId xmlns:a16="http://schemas.microsoft.com/office/drawing/2014/main" id="{5D7CFD08-74D4-4775-87D6-921D7EF23F67}"/>
-              </a:ext>
-            </a:extLst>
-          </p:cNvPr>
-          <p:cNvSpPr>
-            <a:spLocks noGrp="1"/>
-          </p:cNvSpPr>
-          <p:nvPr>
-            <p:ph type="title"/>
-          </p:nvPr>
-        </p:nvSpPr>
-        <p:spPr/>
-        <p:txBody>
-          <a:bodyPr/>
-          <a:lstStyle/>
-          <a:p>
-            <a:endParaRPr lang="de-CH" dirty="0"/>
-          </a:p>
-        </p:txBody>
-      </p:sp>
-      <p:pic>
-        <p:nvPicPr>
-          <p:cNvPr id="4" name="Picture 14">
-            <a:extLst>
-              <a:ext uri="{FF2B5EF4-FFF2-40B4-BE49-F238E27FC236}">
-                <a16:creationId xmlns:a16="http://schemas.microsoft.com/office/drawing/2014/main" id="{5B09A149-BA53-4D81-9B6B-A6CFE79B833A}"/>
-              </a:ext>
-            </a:extLst>
-          </p:cNvPr>
-          <p:cNvPicPr>
-            <a:picLocks noGrp="1"/>
-          </p:cNvPicPr>
-          <p:nvPr>
-            <p:ph idx="1"/>
-          </p:nvPr>
-        </p:nvPicPr>
-        <p:blipFill>
-          <a:blip r:embed="rId2" cstate="print">
-            <a:extLst>
-              <a:ext uri="{28A0092B-C50C-407E-A947-70E740481C1C}">
-                <a14:useLocalDpi xmlns:a14="http://schemas.microsoft.com/office/drawing/2010/main" val="0"/>
-              </a:ext>
-            </a:extLst>
-          </a:blip>
-          <a:stretch>
-            <a:fillRect/>
-          </a:stretch>
-        </p:blipFill>
-        <p:spPr>
-          <a:xfrm>
-            <a:off x="0" y="0"/>
-            <a:ext cx="9144000" cy="6858000"/>
-          </a:xfrm>
-          <a:prstGeom prst="rect">
-            <a:avLst/>
-          </a:prstGeom>
-        </p:spPr>
-      </p:pic>
-    </p:spTree>
-    <p:extLst>
-      <p:ext uri="{BB962C8B-B14F-4D97-AF65-F5344CB8AC3E}">
-        <p14:creationId xmlns:p14="http://schemas.microsoft.com/office/powerpoint/2010/main" val="140018294"/>
-      </p:ext>
-    </p:extLst>
-  </p:cSld>
-  <p:clrMapOvr>
-    <a:masterClrMapping/>
-  </p:clrMapOvr>
-</p:sld>
-</file>
-
-<file path=ppt/slides/slide9.xml><?xml version="1.0" encoding="utf-8"?>
-<p:sld xmlns:a="http://schemas.openxmlformats.org/drawingml/2006/main" xmlns:r="http://schemas.openxmlformats.org/officeDocument/2006/relationships" xmlns:p="http://schemas.openxmlformats.org/presentationml/2006/main">
-  <p:cSld>
-    <p:spTree>
-      <p:nvGrpSpPr>
-        <p:cNvPr id="1" name=""/>
-        <p:cNvGrpSpPr/>
-        <p:nvPr/>
-      </p:nvGrpSpPr>
-      <p:grpSpPr>
-        <a:xfrm>
-          <a:off x="0" y="0"/>
-          <a:ext cx="0" cy="0"/>
-          <a:chOff x="0" y="0"/>
-          <a:chExt cx="0" cy="0"/>
-        </a:xfrm>
-      </p:grpSpPr>
-      <p:sp>
-        <p:nvSpPr>
-          <p:cNvPr id="5" name="Rectangle 1"/>
-          <p:cNvSpPr>
-            <a:spLocks noGrp="1" noChangeArrowheads="1"/>
-          </p:cNvSpPr>
-          <p:nvPr>
-            <p:ph type="title"/>
-          </p:nvPr>
-        </p:nvSpPr>
-        <p:spPr bwMode="auto">
-          <a:xfrm>
-            <a:off x="539552" y="630559"/>
-            <a:ext cx="5688632" cy="369332"/>
-          </a:xfrm>
-          <a:prstGeom prst="rect">
-            <a:avLst/>
-          </a:prstGeom>
-          <a:noFill/>
-          <a:ln>
-            <a:noFill/>
-          </a:ln>
-          <a:effectLst/>
-          <a:extLst>
-            <a:ext uri="{909E8E84-426E-40DD-AFC4-6F175D3DCCD1}">
-              <a14:hiddenFill xmlns:a14="http://schemas.microsoft.com/office/drawing/2010/main">
-                <a:solidFill>
-                  <a:schemeClr val="accent1"/>
-                </a:solidFill>
-              </a14:hiddenFill>
-            </a:ext>
-            <a:ext uri="{91240B29-F687-4F45-9708-019B960494DF}">
-              <a14:hiddenLine xmlns:a14="http://schemas.microsoft.com/office/drawing/2010/main" w="9525">
-                <a:solidFill>
-                  <a:schemeClr val="tx1"/>
-                </a:solidFill>
-                <a:miter lim="800000"/>
-                <a:headEnd/>
-                <a:tailEnd/>
-              </a14:hiddenLine>
-            </a:ext>
-            <a:ext uri="{AF507438-7753-43E0-B8FC-AC1667EBCBE1}">
-              <a14:hiddenEffects xmlns:a14="http://schemas.microsoft.com/office/drawing/2010/main">
-                <a:effectLst>
-                  <a:outerShdw dist="35921" dir="2700000" algn="ctr" rotWithShape="0">
-                    <a:schemeClr val="bg2"/>
-                  </a:outerShdw>
-                </a:effectLst>
-              </a14:hiddenEffects>
-            </a:ext>
-          </a:extLst>
-        </p:spPr>
-        <p:txBody>
-          <a:bodyPr vert="horz" wrap="square" lIns="91440" tIns="45720" rIns="91440" bIns="45720" numCol="1" anchor="ctr" anchorCtr="0" compatLnSpc="1">
-            <a:prstTxWarp prst="textNoShape">
-              <a:avLst/>
-            </a:prstTxWarp>
-            <a:spAutoFit/>
-          </a:bodyPr>
-          <a:lstStyle/>
-          <a:p>
-            <a:pPr lvl="1" algn="ctr" rtl="0">
-              <a:spcBef>
-                <a:spcPct val="0"/>
-              </a:spcBef>
-            </a:pPr>
-            <a:endParaRPr lang="de-CH" dirty="0"/>
-          </a:p>
-        </p:txBody>
-      </p:sp>
-      <p:pic>
-        <p:nvPicPr>
-          <p:cNvPr id="7" name="Picture 13"/>
-          <p:cNvPicPr>
-            <a:picLocks noGrp="1"/>
-          </p:cNvPicPr>
-          <p:nvPr>
-            <p:ph idx="1"/>
-          </p:nvPr>
-        </p:nvPicPr>
-        <p:blipFill rotWithShape="1">
-          <a:blip r:embed="rId2" cstate="print">
-            <a:extLst>
-              <a:ext uri="{28A0092B-C50C-407E-A947-70E740481C1C}">
-                <a14:useLocalDpi xmlns:a14="http://schemas.microsoft.com/office/drawing/2010/main" val="0"/>
-              </a:ext>
-            </a:extLst>
-          </a:blip>
-          <a:srcRect/>
-          <a:stretch/>
-        </p:blipFill>
-        <p:spPr>
-          <a:xfrm>
-            <a:off x="0" y="0"/>
-            <a:ext cx="9144000" cy="6858000"/>
-          </a:xfrm>
-          <a:prstGeom prst="rect">
-            <a:avLst/>
-          </a:prstGeom>
-        </p:spPr>
-      </p:pic>
-      <p:sp>
-        <p:nvSpPr>
-          <p:cNvPr id="10" name="Rechteck 9"/>
-          <p:cNvSpPr/>
-          <p:nvPr/>
-        </p:nvSpPr>
-        <p:spPr>
-          <a:xfrm>
-            <a:off x="2051720" y="4077072"/>
-            <a:ext cx="2494594" cy="261610"/>
-          </a:xfrm>
-          <a:prstGeom prst="rect">
-            <a:avLst/>
-          </a:prstGeom>
-        </p:spPr>
-        <p:txBody>
-          <a:bodyPr wrap="none">
-            <a:spAutoFit/>
-          </a:bodyPr>
-          <a:lstStyle/>
-          <a:p>
-            <a:r>
-              <a:rPr lang="de-DE" sz="1100" dirty="0"/>
-              <a:t>Abbildung 12: Anpassung der Parameter</a:t>
-            </a:r>
-            <a:endParaRPr lang="de-CH" sz="1100" dirty="0"/>
-          </a:p>
-        </p:txBody>
-      </p:sp>
-    </p:spTree>
-    <p:extLst>
-      <p:ext uri="{BB962C8B-B14F-4D97-AF65-F5344CB8AC3E}">
-        <p14:creationId xmlns:p14="http://schemas.microsoft.com/office/powerpoint/2010/main" val="610452915"/>
       </p:ext>
     </p:extLst>
   </p:cSld>

--- a/ZwischenPresäntation_RichardBritt.pptx
+++ b/ZwischenPresäntation_RichardBritt.pptx
@@ -7,6 +7,9 @@
   <p:notesMasterIdLst>
     <p:notesMasterId r:id="rId21"/>
   </p:notesMasterIdLst>
+  <p:handoutMasterIdLst>
+    <p:handoutMasterId r:id="rId22"/>
+  </p:handoutMasterIdLst>
   <p:sldIdLst>
     <p:sldId id="256" r:id="rId2"/>
     <p:sldId id="273" r:id="rId3"/>
@@ -147,7 +150,7 @@
 <file path=ppt/revisionInfo.xml><?xml version="1.0" encoding="utf-8"?>
 <p1510:revInfo xmlns:a="http://schemas.openxmlformats.org/drawingml/2006/main" xmlns:r="http://schemas.openxmlformats.org/officeDocument/2006/relationships" xmlns:p1510="http://schemas.microsoft.com/office/powerpoint/2015/10/main">
   <p1510:revLst>
-    <p1510:client id="{64A503E9-204D-456D-A7ED-D96CB5E7D3C1}" v="213" dt="2019-04-11T11:14:32.023"/>
+    <p1510:client id="{64A503E9-204D-456D-A7ED-D96CB5E7D3C1}" v="218" dt="2019-04-11T12:06:29.944"/>
     <p1510:client id="{7B9CFC24-6A95-4E88-AFBD-88113F9F429A}" v="20" dt="2019-04-10T14:20:06.489"/>
   </p1510:revLst>
 </p1510:revInfo>
@@ -158,10 +161,25 @@
   <pc:docChgLst>
     <pc:chgData name="Michel Alt" userId="3d3d50152f9d1fbf" providerId="LiveId" clId="{64A503E9-204D-456D-A7ED-D96CB5E7D3C1}"/>
     <pc:docChg chg="undo custSel mod addSld delSld modSld sldOrd">
-      <pc:chgData name="Michel Alt" userId="3d3d50152f9d1fbf" providerId="LiveId" clId="{64A503E9-204D-456D-A7ED-D96CB5E7D3C1}" dt="2019-04-11T11:14:32.023" v="212"/>
+      <pc:chgData name="Michel Alt" userId="3d3d50152f9d1fbf" providerId="LiveId" clId="{64A503E9-204D-456D-A7ED-D96CB5E7D3C1}" dt="2019-04-11T12:06:29.944" v="214" actId="1076"/>
       <pc:docMkLst>
         <pc:docMk/>
       </pc:docMkLst>
+      <pc:sldChg chg="modSp">
+        <pc:chgData name="Michel Alt" userId="3d3d50152f9d1fbf" providerId="LiveId" clId="{64A503E9-204D-456D-A7ED-D96CB5E7D3C1}" dt="2019-04-11T12:06:29.944" v="214" actId="1076"/>
+        <pc:sldMkLst>
+          <pc:docMk/>
+          <pc:sldMk cId="2624663887" sldId="262"/>
+        </pc:sldMkLst>
+        <pc:picChg chg="mod">
+          <ac:chgData name="Michel Alt" userId="3d3d50152f9d1fbf" providerId="LiveId" clId="{64A503E9-204D-456D-A7ED-D96CB5E7D3C1}" dt="2019-04-11T12:06:29.944" v="214" actId="1076"/>
+          <ac:picMkLst>
+            <pc:docMk/>
+            <pc:sldMk cId="2624663887" sldId="262"/>
+            <ac:picMk id="4" creationId="{52DCF5A7-1DB8-46B9-931B-FD344186CFFE}"/>
+          </ac:picMkLst>
+        </pc:picChg>
+      </pc:sldChg>
       <pc:sldChg chg="modSp">
         <pc:chgData name="Michel Alt" userId="3d3d50152f9d1fbf" providerId="LiveId" clId="{64A503E9-204D-456D-A7ED-D96CB5E7D3C1}" dt="2019-04-11T10:52:28.544" v="172" actId="14100"/>
         <pc:sldMkLst>
@@ -5611,6 +5629,196 @@
 </dgm:styleDef>
 </file>
 
+<file path=ppt/handoutMasters/handoutMaster1.xml><?xml version="1.0" encoding="utf-8"?>
+<p:handoutMaster xmlns:a="http://schemas.openxmlformats.org/drawingml/2006/main" xmlns:r="http://schemas.openxmlformats.org/officeDocument/2006/relationships" xmlns:p="http://schemas.openxmlformats.org/presentationml/2006/main">
+  <p:cSld>
+    <p:bg>
+      <p:bgRef idx="1001">
+        <a:schemeClr val="bg1"/>
+      </p:bgRef>
+    </p:bg>
+    <p:spTree>
+      <p:nvGrpSpPr>
+        <p:cNvPr id="1" name=""/>
+        <p:cNvGrpSpPr/>
+        <p:nvPr/>
+      </p:nvGrpSpPr>
+      <p:grpSpPr>
+        <a:xfrm>
+          <a:off x="0" y="0"/>
+          <a:ext cx="0" cy="0"/>
+          <a:chOff x="0" y="0"/>
+          <a:chExt cx="0" cy="0"/>
+        </a:xfrm>
+      </p:grpSpPr>
+      <p:sp>
+        <p:nvSpPr>
+          <p:cNvPr id="2" name="Kopfzeilenplatzhalter 1">
+            <a:extLst>
+              <a:ext uri="{FF2B5EF4-FFF2-40B4-BE49-F238E27FC236}">
+                <a16:creationId xmlns:a16="http://schemas.microsoft.com/office/drawing/2014/main" id="{F3E74631-A498-48E3-BEA6-0D8F10C1EFBF}"/>
+              </a:ext>
+            </a:extLst>
+          </p:cNvPr>
+          <p:cNvSpPr>
+            <a:spLocks noGrp="1"/>
+          </p:cNvSpPr>
+          <p:nvPr>
+            <p:ph type="hdr" sz="quarter"/>
+          </p:nvPr>
+        </p:nvSpPr>
+        <p:spPr>
+          <a:xfrm>
+            <a:off x="0" y="0"/>
+            <a:ext cx="2971800" cy="458788"/>
+          </a:xfrm>
+          <a:prstGeom prst="rect">
+            <a:avLst/>
+          </a:prstGeom>
+        </p:spPr>
+        <p:txBody>
+          <a:bodyPr vert="horz" lIns="91440" tIns="45720" rIns="91440" bIns="45720" rtlCol="0"/>
+          <a:lstStyle>
+            <a:lvl1pPr algn="l">
+              <a:defRPr sz="1200"/>
+            </a:lvl1pPr>
+          </a:lstStyle>
+          <a:p>
+            <a:endParaRPr lang="fr-CH"/>
+          </a:p>
+        </p:txBody>
+      </p:sp>
+      <p:sp>
+        <p:nvSpPr>
+          <p:cNvPr id="3" name="Datumsplatzhalter 2">
+            <a:extLst>
+              <a:ext uri="{FF2B5EF4-FFF2-40B4-BE49-F238E27FC236}">
+                <a16:creationId xmlns:a16="http://schemas.microsoft.com/office/drawing/2014/main" id="{E93C7F2B-D3E4-44BF-B585-F48F84F626F6}"/>
+              </a:ext>
+            </a:extLst>
+          </p:cNvPr>
+          <p:cNvSpPr>
+            <a:spLocks noGrp="1"/>
+          </p:cNvSpPr>
+          <p:nvPr>
+            <p:ph type="dt" sz="quarter" idx="1"/>
+          </p:nvPr>
+        </p:nvSpPr>
+        <p:spPr>
+          <a:xfrm>
+            <a:off x="3884613" y="0"/>
+            <a:ext cx="2971800" cy="458788"/>
+          </a:xfrm>
+          <a:prstGeom prst="rect">
+            <a:avLst/>
+          </a:prstGeom>
+        </p:spPr>
+        <p:txBody>
+          <a:bodyPr vert="horz" lIns="91440" tIns="45720" rIns="91440" bIns="45720" rtlCol="0"/>
+          <a:lstStyle>
+            <a:lvl1pPr algn="r">
+              <a:defRPr sz="1200"/>
+            </a:lvl1pPr>
+          </a:lstStyle>
+          <a:p>
+            <a:fld id="{F92281F3-A414-46BD-8D35-951C43E87DDC}" type="datetimeFigureOut">
+              <a:rPr lang="fr-CH" smtClean="0"/>
+              <a:t>11.04.2019</a:t>
+            </a:fld>
+            <a:endParaRPr lang="fr-CH"/>
+          </a:p>
+        </p:txBody>
+      </p:sp>
+      <p:sp>
+        <p:nvSpPr>
+          <p:cNvPr id="4" name="Fußzeilenplatzhalter 3">
+            <a:extLst>
+              <a:ext uri="{FF2B5EF4-FFF2-40B4-BE49-F238E27FC236}">
+                <a16:creationId xmlns:a16="http://schemas.microsoft.com/office/drawing/2014/main" id="{F00B5457-1784-4AD1-8274-7FC0E9DDD28A}"/>
+              </a:ext>
+            </a:extLst>
+          </p:cNvPr>
+          <p:cNvSpPr>
+            <a:spLocks noGrp="1"/>
+          </p:cNvSpPr>
+          <p:nvPr>
+            <p:ph type="ftr" sz="quarter" idx="2"/>
+          </p:nvPr>
+        </p:nvSpPr>
+        <p:spPr>
+          <a:xfrm>
+            <a:off x="0" y="8685213"/>
+            <a:ext cx="2971800" cy="458787"/>
+          </a:xfrm>
+          <a:prstGeom prst="rect">
+            <a:avLst/>
+          </a:prstGeom>
+        </p:spPr>
+        <p:txBody>
+          <a:bodyPr vert="horz" lIns="91440" tIns="45720" rIns="91440" bIns="45720" rtlCol="0" anchor="b"/>
+          <a:lstStyle>
+            <a:lvl1pPr algn="l">
+              <a:defRPr sz="1200"/>
+            </a:lvl1pPr>
+          </a:lstStyle>
+          <a:p>
+            <a:endParaRPr lang="fr-CH"/>
+          </a:p>
+        </p:txBody>
+      </p:sp>
+      <p:sp>
+        <p:nvSpPr>
+          <p:cNvPr id="5" name="Foliennummernplatzhalter 4">
+            <a:extLst>
+              <a:ext uri="{FF2B5EF4-FFF2-40B4-BE49-F238E27FC236}">
+                <a16:creationId xmlns:a16="http://schemas.microsoft.com/office/drawing/2014/main" id="{415485FE-6485-4D91-AFB3-905094B775F7}"/>
+              </a:ext>
+            </a:extLst>
+          </p:cNvPr>
+          <p:cNvSpPr>
+            <a:spLocks noGrp="1"/>
+          </p:cNvSpPr>
+          <p:nvPr>
+            <p:ph type="sldNum" sz="quarter" idx="3"/>
+          </p:nvPr>
+        </p:nvSpPr>
+        <p:spPr>
+          <a:xfrm>
+            <a:off x="3884613" y="8685213"/>
+            <a:ext cx="2971800" cy="458787"/>
+          </a:xfrm>
+          <a:prstGeom prst="rect">
+            <a:avLst/>
+          </a:prstGeom>
+        </p:spPr>
+        <p:txBody>
+          <a:bodyPr vert="horz" lIns="91440" tIns="45720" rIns="91440" bIns="45720" rtlCol="0" anchor="b"/>
+          <a:lstStyle>
+            <a:lvl1pPr algn="r">
+              <a:defRPr sz="1200"/>
+            </a:lvl1pPr>
+          </a:lstStyle>
+          <a:p>
+            <a:fld id="{3005280C-CB76-4D85-9EE7-DB5A3F2472E2}" type="slidenum">
+              <a:rPr lang="fr-CH" smtClean="0"/>
+              <a:t>‹Nr.›</a:t>
+            </a:fld>
+            <a:endParaRPr lang="fr-CH"/>
+          </a:p>
+        </p:txBody>
+      </p:sp>
+    </p:spTree>
+    <p:extLst>
+      <p:ext uri="{BB962C8B-B14F-4D97-AF65-F5344CB8AC3E}">
+        <p14:creationId xmlns:p14="http://schemas.microsoft.com/office/powerpoint/2010/main" val="3790118712"/>
+      </p:ext>
+    </p:extLst>
+  </p:cSld>
+  <p:clrMap bg1="lt1" tx1="dk1" bg2="lt2" tx2="dk2" accent1="accent1" accent2="accent2" accent3="accent3" accent4="accent4" accent5="accent5" accent6="accent6" hlink="hlink" folHlink="folHlink"/>
+  <p:hf hdr="0" dt="0"/>
+</p:handoutMaster>
+</file>
+
 <file path=ppt/notesMasters/notesMaster1.xml><?xml version="1.0" encoding="utf-8"?>
 <p:notesMaster xmlns:a="http://schemas.openxmlformats.org/drawingml/2006/main" xmlns:r="http://schemas.openxmlformats.org/officeDocument/2006/relationships" xmlns:p="http://schemas.openxmlformats.org/presentationml/2006/main">
   <p:cSld>
@@ -5866,6 +6074,7 @@
     </p:extLst>
   </p:cSld>
   <p:clrMap bg1="lt1" tx1="dk1" bg2="lt2" tx2="dk2" accent1="accent1" accent2="accent2" accent3="accent3" accent4="accent4" accent5="accent5" accent6="accent6" hlink="hlink" folHlink="folHlink"/>
+  <p:hf hdr="0" dt="0"/>
   <p:notesStyle>
     <a:lvl1pPr marL="0" algn="l" defTabSz="914400" rtl="0" eaLnBrk="1" latinLnBrk="0" hangingPunct="1">
       <a:defRPr sz="1200" kern="1200">
@@ -6048,6 +6257,31 @@
           </a:p>
         </p:txBody>
       </p:sp>
+      <p:sp>
+        <p:nvSpPr>
+          <p:cNvPr id="5" name="Fußzeilenplatzhalter 4">
+            <a:extLst>
+              <a:ext uri="{FF2B5EF4-FFF2-40B4-BE49-F238E27FC236}">
+                <a16:creationId xmlns:a16="http://schemas.microsoft.com/office/drawing/2014/main" id="{ED0231D0-5B1A-4107-95CF-E74F859E5C12}"/>
+              </a:ext>
+            </a:extLst>
+          </p:cNvPr>
+          <p:cNvSpPr>
+            <a:spLocks noGrp="1"/>
+          </p:cNvSpPr>
+          <p:nvPr>
+            <p:ph type="ftr" sz="quarter" idx="4"/>
+          </p:nvPr>
+        </p:nvSpPr>
+        <p:spPr/>
+        <p:txBody>
+          <a:bodyPr/>
+          <a:lstStyle/>
+          <a:p>
+            <a:endParaRPr lang="fr-CH"/>
+          </a:p>
+        </p:txBody>
+      </p:sp>
     </p:spTree>
     <p:extLst>
       <p:ext uri="{BB962C8B-B14F-4D97-AF65-F5344CB8AC3E}">
@@ -6180,6 +6414,31 @@
               <a:rPr lang="fr-CH" smtClean="0"/>
               <a:t>18</a:t>
             </a:fld>
+            <a:endParaRPr lang="fr-CH"/>
+          </a:p>
+        </p:txBody>
+      </p:sp>
+      <p:sp>
+        <p:nvSpPr>
+          <p:cNvPr id="5" name="Fußzeilenplatzhalter 4">
+            <a:extLst>
+              <a:ext uri="{FF2B5EF4-FFF2-40B4-BE49-F238E27FC236}">
+                <a16:creationId xmlns:a16="http://schemas.microsoft.com/office/drawing/2014/main" id="{6BB8159F-4044-4F1B-8D1F-3BF332565997}"/>
+              </a:ext>
+            </a:extLst>
+          </p:cNvPr>
+          <p:cNvSpPr>
+            <a:spLocks noGrp="1"/>
+          </p:cNvSpPr>
+          <p:nvPr>
+            <p:ph type="ftr" sz="quarter" idx="4"/>
+          </p:nvPr>
+        </p:nvSpPr>
+        <p:spPr/>
+        <p:txBody>
+          <a:bodyPr/>
+          <a:lstStyle/>
+          <a:p>
             <a:endParaRPr lang="fr-CH"/>
           </a:p>
         </p:txBody>
@@ -6381,7 +6640,7 @@
           <a:bodyPr/>
           <a:lstStyle/>
           <a:p>
-            <a:fld id="{1BA50D42-C9CD-4801-B293-61D1F53EC57E}" type="datetimeFigureOut">
+            <a:fld id="{6FEE8C44-26D6-4E46-983A-5F1EE59EE2AC}" type="datetime1">
               <a:rPr lang="de-DE" smtClean="0"/>
               <a:t>11.04.2019</a:t>
             </a:fld>
@@ -6577,7 +6836,7 @@
           <a:bodyPr/>
           <a:lstStyle/>
           <a:p>
-            <a:fld id="{1BA50D42-C9CD-4801-B293-61D1F53EC57E}" type="datetimeFigureOut">
+            <a:fld id="{03D53D99-663E-42D0-AF59-222598C46357}" type="datetime1">
               <a:rPr lang="de-DE" smtClean="0"/>
               <a:t>11.04.2019</a:t>
             </a:fld>
@@ -6750,7 +7009,7 @@
           <a:bodyPr/>
           <a:lstStyle/>
           <a:p>
-            <a:fld id="{1BA50D42-C9CD-4801-B293-61D1F53EC57E}" type="datetimeFigureOut">
+            <a:fld id="{8D7F033B-DD4B-4301-BCF8-B2E139CCB4D9}" type="datetime1">
               <a:rPr lang="de-DE" smtClean="0"/>
               <a:t>11.04.2019</a:t>
             </a:fld>
@@ -6953,7 +7212,7 @@
           <a:bodyPr/>
           <a:lstStyle/>
           <a:p>
-            <a:fld id="{1BA50D42-C9CD-4801-B293-61D1F53EC57E}" type="datetimeFigureOut">
+            <a:fld id="{932B3115-FF12-4E24-87D6-B8D7271B1020}" type="datetime1">
               <a:rPr lang="de-DE" smtClean="0"/>
               <a:t>11.04.2019</a:t>
             </a:fld>
@@ -7193,7 +7452,7 @@
           <a:bodyPr/>
           <a:lstStyle/>
           <a:p>
-            <a:fld id="{1BA50D42-C9CD-4801-B293-61D1F53EC57E}" type="datetimeFigureOut">
+            <a:fld id="{C5BFEA02-1306-41C2-A3B9-0879585E3E3F}" type="datetime1">
               <a:rPr lang="de-DE" smtClean="0"/>
               <a:t>11.04.2019</a:t>
             </a:fld>
@@ -7473,7 +7732,7 @@
           <a:bodyPr/>
           <a:lstStyle/>
           <a:p>
-            <a:fld id="{1BA50D42-C9CD-4801-B293-61D1F53EC57E}" type="datetimeFigureOut">
+            <a:fld id="{A05369F1-66E0-40CD-9B0B-07B96E0136CC}" type="datetime1">
               <a:rPr lang="de-DE" smtClean="0"/>
               <a:t>11.04.2019</a:t>
             </a:fld>
@@ -7887,7 +8146,7 @@
           <a:bodyPr/>
           <a:lstStyle/>
           <a:p>
-            <a:fld id="{1BA50D42-C9CD-4801-B293-61D1F53EC57E}" type="datetimeFigureOut">
+            <a:fld id="{E915FC2D-7977-4008-8F2F-B50F54FF9FA3}" type="datetime1">
               <a:rPr lang="de-DE" smtClean="0"/>
               <a:t>11.04.2019</a:t>
             </a:fld>
@@ -7999,7 +8258,7 @@
           <a:bodyPr/>
           <a:lstStyle/>
           <a:p>
-            <a:fld id="{1BA50D42-C9CD-4801-B293-61D1F53EC57E}" type="datetimeFigureOut">
+            <a:fld id="{86A8F595-6D08-4FBC-A8AF-A9C4AB45CAC9}" type="datetime1">
               <a:rPr lang="de-DE" smtClean="0"/>
               <a:t>11.04.2019</a:t>
             </a:fld>
@@ -8089,7 +8348,7 @@
           <a:bodyPr/>
           <a:lstStyle/>
           <a:p>
-            <a:fld id="{1BA50D42-C9CD-4801-B293-61D1F53EC57E}" type="datetimeFigureOut">
+            <a:fld id="{46888DC5-7817-475E-B243-23A14DECEA99}" type="datetime1">
               <a:rPr lang="de-DE" smtClean="0"/>
               <a:t>11.04.2019</a:t>
             </a:fld>
@@ -8359,7 +8618,7 @@
           <a:bodyPr/>
           <a:lstStyle/>
           <a:p>
-            <a:fld id="{1BA50D42-C9CD-4801-B293-61D1F53EC57E}" type="datetimeFigureOut">
+            <a:fld id="{E65FCFDA-9518-42EC-A6C3-15BE494BA2CF}" type="datetime1">
               <a:rPr lang="de-DE" smtClean="0"/>
               <a:t>11.04.2019</a:t>
             </a:fld>
@@ -8606,7 +8865,7 @@
           <a:bodyPr/>
           <a:lstStyle/>
           <a:p>
-            <a:fld id="{1BA50D42-C9CD-4801-B293-61D1F53EC57E}" type="datetimeFigureOut">
+            <a:fld id="{286EA54B-8061-415D-9B4B-7EDFE715A821}" type="datetime1">
               <a:rPr lang="de-DE" smtClean="0"/>
               <a:t>11.04.2019</a:t>
             </a:fld>
@@ -8812,7 +9071,7 @@
             </a:lvl1pPr>
           </a:lstStyle>
           <a:p>
-            <a:fld id="{1BA50D42-C9CD-4801-B293-61D1F53EC57E}" type="datetimeFigureOut">
+            <a:fld id="{CD1F421C-7AB9-481F-9C9D-A33EC890EB71}" type="datetime1">
               <a:rPr lang="de-DE" smtClean="0"/>
               <a:t>11.04.2019</a:t>
             </a:fld>
@@ -8914,6 +9173,7 @@
     <p:sldLayoutId id="2147483658" r:id="rId10"/>
     <p:sldLayoutId id="2147483659" r:id="rId11"/>
   </p:sldLayoutIdLst>
+  <p:hf hdr="0" ftr="0" dt="0"/>
   <p:txStyles>
     <p:titleStyle>
       <a:lvl1pPr algn="ctr" defTabSz="914400" rtl="0" eaLnBrk="1" latinLnBrk="0" hangingPunct="1">
@@ -9275,6 +9535,35 @@
           </a:prstGeom>
         </p:spPr>
       </p:pic>
+      <p:sp>
+        <p:nvSpPr>
+          <p:cNvPr id="3" name="Foliennummernplatzhalter 2">
+            <a:extLst>
+              <a:ext uri="{FF2B5EF4-FFF2-40B4-BE49-F238E27FC236}">
+                <a16:creationId xmlns:a16="http://schemas.microsoft.com/office/drawing/2014/main" id="{E238B671-942E-46E1-A03B-C4836ADD2DD6}"/>
+              </a:ext>
+            </a:extLst>
+          </p:cNvPr>
+          <p:cNvSpPr>
+            <a:spLocks noGrp="1"/>
+          </p:cNvSpPr>
+          <p:nvPr>
+            <p:ph type="sldNum" sz="quarter" idx="12"/>
+          </p:nvPr>
+        </p:nvSpPr>
+        <p:spPr/>
+        <p:txBody>
+          <a:bodyPr/>
+          <a:lstStyle/>
+          <a:p>
+            <a:fld id="{6C6AE60A-B69C-4790-82F7-3882EDF23186}" type="slidenum">
+              <a:rPr lang="de-DE" smtClean="0"/>
+              <a:t>1</a:t>
+            </a:fld>
+            <a:endParaRPr lang="de-DE"/>
+          </a:p>
+        </p:txBody>
+      </p:sp>
     </p:spTree>
     <p:extLst>
       <p:ext uri="{BB962C8B-B14F-4D97-AF65-F5344CB8AC3E}">
@@ -9368,6 +9657,35 @@
           </a:prstGeom>
         </p:spPr>
       </p:pic>
+      <p:sp>
+        <p:nvSpPr>
+          <p:cNvPr id="3" name="Foliennummernplatzhalter 2">
+            <a:extLst>
+              <a:ext uri="{FF2B5EF4-FFF2-40B4-BE49-F238E27FC236}">
+                <a16:creationId xmlns:a16="http://schemas.microsoft.com/office/drawing/2014/main" id="{F74CA2A1-C143-4766-B19B-96B556BE2B8A}"/>
+              </a:ext>
+            </a:extLst>
+          </p:cNvPr>
+          <p:cNvSpPr>
+            <a:spLocks noGrp="1"/>
+          </p:cNvSpPr>
+          <p:nvPr>
+            <p:ph type="sldNum" sz="quarter" idx="12"/>
+          </p:nvPr>
+        </p:nvSpPr>
+        <p:spPr/>
+        <p:txBody>
+          <a:bodyPr/>
+          <a:lstStyle/>
+          <a:p>
+            <a:fld id="{6C6AE60A-B69C-4790-82F7-3882EDF23186}" type="slidenum">
+              <a:rPr lang="de-DE" smtClean="0"/>
+              <a:t>10</a:t>
+            </a:fld>
+            <a:endParaRPr lang="de-DE"/>
+          </a:p>
+        </p:txBody>
+      </p:sp>
     </p:spTree>
     <p:extLst>
       <p:ext uri="{BB962C8B-B14F-4D97-AF65-F5344CB8AC3E}">
@@ -9528,6 +9846,35 @@
           </a:p>
         </p:txBody>
       </p:sp>
+      <p:sp>
+        <p:nvSpPr>
+          <p:cNvPr id="2" name="Foliennummernplatzhalter 1">
+            <a:extLst>
+              <a:ext uri="{FF2B5EF4-FFF2-40B4-BE49-F238E27FC236}">
+                <a16:creationId xmlns:a16="http://schemas.microsoft.com/office/drawing/2014/main" id="{445A02E9-D628-4B73-B5C6-588E842DED41}"/>
+              </a:ext>
+            </a:extLst>
+          </p:cNvPr>
+          <p:cNvSpPr>
+            <a:spLocks noGrp="1"/>
+          </p:cNvSpPr>
+          <p:nvPr>
+            <p:ph type="sldNum" sz="quarter" idx="12"/>
+          </p:nvPr>
+        </p:nvSpPr>
+        <p:spPr/>
+        <p:txBody>
+          <a:bodyPr/>
+          <a:lstStyle/>
+          <a:p>
+            <a:fld id="{6C6AE60A-B69C-4790-82F7-3882EDF23186}" type="slidenum">
+              <a:rPr lang="de-DE" smtClean="0"/>
+              <a:t>11</a:t>
+            </a:fld>
+            <a:endParaRPr lang="de-DE"/>
+          </a:p>
+        </p:txBody>
+      </p:sp>
     </p:spTree>
     <p:extLst>
       <p:ext uri="{BB962C8B-B14F-4D97-AF65-F5344CB8AC3E}">
@@ -9654,6 +10001,35 @@
           </a:p>
           <a:p>
             <a:endParaRPr lang="de-CH" sz="2000" dirty="0"/>
+          </a:p>
+        </p:txBody>
+      </p:sp>
+      <p:sp>
+        <p:nvSpPr>
+          <p:cNvPr id="4" name="Foliennummernplatzhalter 3">
+            <a:extLst>
+              <a:ext uri="{FF2B5EF4-FFF2-40B4-BE49-F238E27FC236}">
+                <a16:creationId xmlns:a16="http://schemas.microsoft.com/office/drawing/2014/main" id="{52B3216A-884D-40C1-9E28-EC16CC6C23D7}"/>
+              </a:ext>
+            </a:extLst>
+          </p:cNvPr>
+          <p:cNvSpPr>
+            <a:spLocks noGrp="1"/>
+          </p:cNvSpPr>
+          <p:nvPr>
+            <p:ph type="sldNum" sz="quarter" idx="12"/>
+          </p:nvPr>
+        </p:nvSpPr>
+        <p:spPr/>
+        <p:txBody>
+          <a:bodyPr/>
+          <a:lstStyle/>
+          <a:p>
+            <a:fld id="{6C6AE60A-B69C-4790-82F7-3882EDF23186}" type="slidenum">
+              <a:rPr lang="de-DE" smtClean="0"/>
+              <a:t>12</a:t>
+            </a:fld>
+            <a:endParaRPr lang="de-DE"/>
           </a:p>
         </p:txBody>
       </p:sp>
@@ -9750,6 +10126,35 @@
           </a:prstGeom>
         </p:spPr>
       </p:pic>
+      <p:sp>
+        <p:nvSpPr>
+          <p:cNvPr id="3" name="Foliennummernplatzhalter 2">
+            <a:extLst>
+              <a:ext uri="{FF2B5EF4-FFF2-40B4-BE49-F238E27FC236}">
+                <a16:creationId xmlns:a16="http://schemas.microsoft.com/office/drawing/2014/main" id="{B15F4226-529A-4B70-B68E-163C8C5EB849}"/>
+              </a:ext>
+            </a:extLst>
+          </p:cNvPr>
+          <p:cNvSpPr>
+            <a:spLocks noGrp="1"/>
+          </p:cNvSpPr>
+          <p:nvPr>
+            <p:ph type="sldNum" sz="quarter" idx="12"/>
+          </p:nvPr>
+        </p:nvSpPr>
+        <p:spPr/>
+        <p:txBody>
+          <a:bodyPr/>
+          <a:lstStyle/>
+          <a:p>
+            <a:fld id="{6C6AE60A-B69C-4790-82F7-3882EDF23186}" type="slidenum">
+              <a:rPr lang="de-DE" smtClean="0"/>
+              <a:t>13</a:t>
+            </a:fld>
+            <a:endParaRPr lang="de-DE"/>
+          </a:p>
+        </p:txBody>
+      </p:sp>
     </p:spTree>
     <p:extLst>
       <p:ext uri="{BB962C8B-B14F-4D97-AF65-F5344CB8AC3E}">
@@ -9853,6 +10258,35 @@
           </a:p>
         </p:txBody>
       </p:sp>
+      <p:sp>
+        <p:nvSpPr>
+          <p:cNvPr id="2" name="Foliennummernplatzhalter 1">
+            <a:extLst>
+              <a:ext uri="{FF2B5EF4-FFF2-40B4-BE49-F238E27FC236}">
+                <a16:creationId xmlns:a16="http://schemas.microsoft.com/office/drawing/2014/main" id="{2A36A572-9526-4840-A723-E391A6502CDE}"/>
+              </a:ext>
+            </a:extLst>
+          </p:cNvPr>
+          <p:cNvSpPr>
+            <a:spLocks noGrp="1"/>
+          </p:cNvSpPr>
+          <p:nvPr>
+            <p:ph type="sldNum" sz="quarter" idx="12"/>
+          </p:nvPr>
+        </p:nvSpPr>
+        <p:spPr/>
+        <p:txBody>
+          <a:bodyPr/>
+          <a:lstStyle/>
+          <a:p>
+            <a:fld id="{6C6AE60A-B69C-4790-82F7-3882EDF23186}" type="slidenum">
+              <a:rPr lang="de-DE" smtClean="0"/>
+              <a:t>14</a:t>
+            </a:fld>
+            <a:endParaRPr lang="de-DE"/>
+          </a:p>
+        </p:txBody>
+      </p:sp>
     </p:spTree>
     <p:extLst>
       <p:ext uri="{BB962C8B-B14F-4D97-AF65-F5344CB8AC3E}">
@@ -9919,6 +10353,35 @@
           </a:prstGeom>
         </p:spPr>
       </p:pic>
+      <p:sp>
+        <p:nvSpPr>
+          <p:cNvPr id="3" name="Foliennummernplatzhalter 2">
+            <a:extLst>
+              <a:ext uri="{FF2B5EF4-FFF2-40B4-BE49-F238E27FC236}">
+                <a16:creationId xmlns:a16="http://schemas.microsoft.com/office/drawing/2014/main" id="{C0E0215B-8707-42D7-B465-55B26EC2DD01}"/>
+              </a:ext>
+            </a:extLst>
+          </p:cNvPr>
+          <p:cNvSpPr>
+            <a:spLocks noGrp="1"/>
+          </p:cNvSpPr>
+          <p:nvPr>
+            <p:ph type="sldNum" sz="quarter" idx="12"/>
+          </p:nvPr>
+        </p:nvSpPr>
+        <p:spPr/>
+        <p:txBody>
+          <a:bodyPr/>
+          <a:lstStyle/>
+          <a:p>
+            <a:fld id="{6C6AE60A-B69C-4790-82F7-3882EDF23186}" type="slidenum">
+              <a:rPr lang="de-DE" smtClean="0"/>
+              <a:t>15</a:t>
+            </a:fld>
+            <a:endParaRPr lang="de-DE"/>
+          </a:p>
+        </p:txBody>
+      </p:sp>
     </p:spTree>
     <p:extLst>
       <p:ext uri="{BB962C8B-B14F-4D97-AF65-F5344CB8AC3E}">
@@ -10026,6 +10489,35 @@
           </a:xfrm>
         </p:spPr>
       </p:pic>
+      <p:sp>
+        <p:nvSpPr>
+          <p:cNvPr id="3" name="Foliennummernplatzhalter 2">
+            <a:extLst>
+              <a:ext uri="{FF2B5EF4-FFF2-40B4-BE49-F238E27FC236}">
+                <a16:creationId xmlns:a16="http://schemas.microsoft.com/office/drawing/2014/main" id="{9A6B5A98-268C-49D6-B5D3-D5E5D1163424}"/>
+              </a:ext>
+            </a:extLst>
+          </p:cNvPr>
+          <p:cNvSpPr>
+            <a:spLocks noGrp="1"/>
+          </p:cNvSpPr>
+          <p:nvPr>
+            <p:ph type="sldNum" sz="quarter" idx="12"/>
+          </p:nvPr>
+        </p:nvSpPr>
+        <p:spPr/>
+        <p:txBody>
+          <a:bodyPr/>
+          <a:lstStyle/>
+          <a:p>
+            <a:fld id="{6C6AE60A-B69C-4790-82F7-3882EDF23186}" type="slidenum">
+              <a:rPr lang="de-DE" smtClean="0"/>
+              <a:t>16</a:t>
+            </a:fld>
+            <a:endParaRPr lang="de-DE"/>
+          </a:p>
+        </p:txBody>
+      </p:sp>
     </p:spTree>
     <p:extLst>
       <p:ext uri="{BB962C8B-B14F-4D97-AF65-F5344CB8AC3E}">
@@ -10086,6 +10578,35 @@
           </a:prstGeom>
         </p:spPr>
       </p:pic>
+      <p:sp>
+        <p:nvSpPr>
+          <p:cNvPr id="3" name="Foliennummernplatzhalter 2">
+            <a:extLst>
+              <a:ext uri="{FF2B5EF4-FFF2-40B4-BE49-F238E27FC236}">
+                <a16:creationId xmlns:a16="http://schemas.microsoft.com/office/drawing/2014/main" id="{EE4F4FCC-1241-4CE3-8111-8EB2A135F1C8}"/>
+              </a:ext>
+            </a:extLst>
+          </p:cNvPr>
+          <p:cNvSpPr>
+            <a:spLocks noGrp="1"/>
+          </p:cNvSpPr>
+          <p:nvPr>
+            <p:ph type="sldNum" sz="quarter" idx="12"/>
+          </p:nvPr>
+        </p:nvSpPr>
+        <p:spPr/>
+        <p:txBody>
+          <a:bodyPr/>
+          <a:lstStyle/>
+          <a:p>
+            <a:fld id="{6C6AE60A-B69C-4790-82F7-3882EDF23186}" type="slidenum">
+              <a:rPr lang="de-DE" smtClean="0"/>
+              <a:t>17</a:t>
+            </a:fld>
+            <a:endParaRPr lang="de-DE"/>
+          </a:p>
+        </p:txBody>
+      </p:sp>
     </p:spTree>
     <p:extLst>
       <p:ext uri="{BB962C8B-B14F-4D97-AF65-F5344CB8AC3E}">
@@ -10146,6 +10667,35 @@
           </a:prstGeom>
         </p:spPr>
       </p:pic>
+      <p:sp>
+        <p:nvSpPr>
+          <p:cNvPr id="3" name="Foliennummernplatzhalter 2">
+            <a:extLst>
+              <a:ext uri="{FF2B5EF4-FFF2-40B4-BE49-F238E27FC236}">
+                <a16:creationId xmlns:a16="http://schemas.microsoft.com/office/drawing/2014/main" id="{D29CFB5E-322D-4D3C-AC8B-F786D93832F2}"/>
+              </a:ext>
+            </a:extLst>
+          </p:cNvPr>
+          <p:cNvSpPr>
+            <a:spLocks noGrp="1"/>
+          </p:cNvSpPr>
+          <p:nvPr>
+            <p:ph type="sldNum" sz="quarter" idx="12"/>
+          </p:nvPr>
+        </p:nvSpPr>
+        <p:spPr/>
+        <p:txBody>
+          <a:bodyPr/>
+          <a:lstStyle/>
+          <a:p>
+            <a:fld id="{6C6AE60A-B69C-4790-82F7-3882EDF23186}" type="slidenum">
+              <a:rPr lang="de-DE" smtClean="0"/>
+              <a:t>18</a:t>
+            </a:fld>
+            <a:endParaRPr lang="de-DE"/>
+          </a:p>
+        </p:txBody>
+      </p:sp>
     </p:spTree>
     <p:extLst>
       <p:ext uri="{BB962C8B-B14F-4D97-AF65-F5344CB8AC3E}">
@@ -10222,6 +10772,35 @@
           </a:prstGeom>
         </p:spPr>
       </p:pic>
+      <p:sp>
+        <p:nvSpPr>
+          <p:cNvPr id="2" name="Foliennummernplatzhalter 1">
+            <a:extLst>
+              <a:ext uri="{FF2B5EF4-FFF2-40B4-BE49-F238E27FC236}">
+                <a16:creationId xmlns:a16="http://schemas.microsoft.com/office/drawing/2014/main" id="{4097CE6A-9554-4BD7-A659-D9C4CE5FA109}"/>
+              </a:ext>
+            </a:extLst>
+          </p:cNvPr>
+          <p:cNvSpPr>
+            <a:spLocks noGrp="1"/>
+          </p:cNvSpPr>
+          <p:nvPr>
+            <p:ph type="sldNum" sz="quarter" idx="12"/>
+          </p:nvPr>
+        </p:nvSpPr>
+        <p:spPr/>
+        <p:txBody>
+          <a:bodyPr/>
+          <a:lstStyle/>
+          <a:p>
+            <a:fld id="{6C6AE60A-B69C-4790-82F7-3882EDF23186}" type="slidenum">
+              <a:rPr lang="de-DE" smtClean="0"/>
+              <a:t>19</a:t>
+            </a:fld>
+            <a:endParaRPr lang="de-DE"/>
+          </a:p>
+        </p:txBody>
+      </p:sp>
     </p:spTree>
     <p:extLst>
       <p:ext uri="{BB962C8B-B14F-4D97-AF65-F5344CB8AC3E}">
@@ -10277,6 +10856,35 @@
           </a:graphicData>
         </a:graphic>
       </p:graphicFrame>
+      <p:sp>
+        <p:nvSpPr>
+          <p:cNvPr id="2" name="Foliennummernplatzhalter 1">
+            <a:extLst>
+              <a:ext uri="{FF2B5EF4-FFF2-40B4-BE49-F238E27FC236}">
+                <a16:creationId xmlns:a16="http://schemas.microsoft.com/office/drawing/2014/main" id="{F059F955-B319-4B4A-B3C3-7C27BD9FC4AB}"/>
+              </a:ext>
+            </a:extLst>
+          </p:cNvPr>
+          <p:cNvSpPr>
+            <a:spLocks noGrp="1"/>
+          </p:cNvSpPr>
+          <p:nvPr>
+            <p:ph type="sldNum" sz="quarter" idx="12"/>
+          </p:nvPr>
+        </p:nvSpPr>
+        <p:spPr/>
+        <p:txBody>
+          <a:bodyPr/>
+          <a:lstStyle/>
+          <a:p>
+            <a:fld id="{6C6AE60A-B69C-4790-82F7-3882EDF23186}" type="slidenum">
+              <a:rPr lang="de-DE" smtClean="0"/>
+              <a:t>2</a:t>
+            </a:fld>
+            <a:endParaRPr lang="de-DE"/>
+          </a:p>
+        </p:txBody>
+      </p:sp>
     </p:spTree>
     <p:extLst>
       <p:ext uri="{BB962C8B-B14F-4D97-AF65-F5344CB8AC3E}">
@@ -10706,6 +11314,35 @@
           </p:txBody>
         </p:sp>
       </p:grpSp>
+      <p:sp>
+        <p:nvSpPr>
+          <p:cNvPr id="2" name="Foliennummernplatzhalter 1">
+            <a:extLst>
+              <a:ext uri="{FF2B5EF4-FFF2-40B4-BE49-F238E27FC236}">
+                <a16:creationId xmlns:a16="http://schemas.microsoft.com/office/drawing/2014/main" id="{C29F2E74-0570-46D9-AC1C-218BA82F4EF7}"/>
+              </a:ext>
+            </a:extLst>
+          </p:cNvPr>
+          <p:cNvSpPr>
+            <a:spLocks noGrp="1"/>
+          </p:cNvSpPr>
+          <p:nvPr>
+            <p:ph type="sldNum" sz="quarter" idx="12"/>
+          </p:nvPr>
+        </p:nvSpPr>
+        <p:spPr/>
+        <p:txBody>
+          <a:bodyPr/>
+          <a:lstStyle/>
+          <a:p>
+            <a:fld id="{6C6AE60A-B69C-4790-82F7-3882EDF23186}" type="slidenum">
+              <a:rPr lang="de-DE" smtClean="0"/>
+              <a:t>3</a:t>
+            </a:fld>
+            <a:endParaRPr lang="de-DE"/>
+          </a:p>
+        </p:txBody>
+      </p:sp>
     </p:spTree>
     <p:extLst>
       <p:ext uri="{BB962C8B-B14F-4D97-AF65-F5344CB8AC3E}">
@@ -10996,6 +11633,35 @@
           </a:p>
         </p:txBody>
       </p:sp>
+      <p:sp>
+        <p:nvSpPr>
+          <p:cNvPr id="2" name="Foliennummernplatzhalter 1">
+            <a:extLst>
+              <a:ext uri="{FF2B5EF4-FFF2-40B4-BE49-F238E27FC236}">
+                <a16:creationId xmlns:a16="http://schemas.microsoft.com/office/drawing/2014/main" id="{BD572652-46BA-42F6-A75F-A3BA7E80D215}"/>
+              </a:ext>
+            </a:extLst>
+          </p:cNvPr>
+          <p:cNvSpPr>
+            <a:spLocks noGrp="1"/>
+          </p:cNvSpPr>
+          <p:nvPr>
+            <p:ph type="sldNum" sz="quarter" idx="12"/>
+          </p:nvPr>
+        </p:nvSpPr>
+        <p:spPr/>
+        <p:txBody>
+          <a:bodyPr/>
+          <a:lstStyle/>
+          <a:p>
+            <a:fld id="{6C6AE60A-B69C-4790-82F7-3882EDF23186}" type="slidenum">
+              <a:rPr lang="de-DE" smtClean="0"/>
+              <a:t>4</a:t>
+            </a:fld>
+            <a:endParaRPr lang="de-DE"/>
+          </a:p>
+        </p:txBody>
+      </p:sp>
     </p:spTree>
     <p:extLst>
       <p:ext uri="{BB962C8B-B14F-4D97-AF65-F5344CB8AC3E}">
@@ -11216,6 +11882,35 @@
           </a:p>
         </p:txBody>
       </p:sp>
+      <p:sp>
+        <p:nvSpPr>
+          <p:cNvPr id="4" name="Foliennummernplatzhalter 3">
+            <a:extLst>
+              <a:ext uri="{FF2B5EF4-FFF2-40B4-BE49-F238E27FC236}">
+                <a16:creationId xmlns:a16="http://schemas.microsoft.com/office/drawing/2014/main" id="{C70A9C52-4C61-4A4F-B525-B59BF62AFA6F}"/>
+              </a:ext>
+            </a:extLst>
+          </p:cNvPr>
+          <p:cNvSpPr>
+            <a:spLocks noGrp="1"/>
+          </p:cNvSpPr>
+          <p:nvPr>
+            <p:ph type="sldNum" sz="quarter" idx="12"/>
+          </p:nvPr>
+        </p:nvSpPr>
+        <p:spPr/>
+        <p:txBody>
+          <a:bodyPr/>
+          <a:lstStyle/>
+          <a:p>
+            <a:fld id="{6C6AE60A-B69C-4790-82F7-3882EDF23186}" type="slidenum">
+              <a:rPr lang="de-DE" smtClean="0"/>
+              <a:t>5</a:t>
+            </a:fld>
+            <a:endParaRPr lang="de-DE"/>
+          </a:p>
+        </p:txBody>
+      </p:sp>
     </p:spTree>
     <p:extLst>
       <p:ext uri="{BB962C8B-B14F-4D97-AF65-F5344CB8AC3E}">
@@ -11356,14 +12051,43 @@
         </p:blipFill>
         <p:spPr>
           <a:xfrm>
-            <a:off x="1088740" y="3717032"/>
-            <a:ext cx="6966520" cy="606397"/>
+            <a:off x="849351" y="3717032"/>
+            <a:ext cx="7445298" cy="648072"/>
           </a:xfrm>
           <a:prstGeom prst="rect">
             <a:avLst/>
           </a:prstGeom>
         </p:spPr>
       </p:pic>
+      <p:sp>
+        <p:nvSpPr>
+          <p:cNvPr id="5" name="Foliennummernplatzhalter 4">
+            <a:extLst>
+              <a:ext uri="{FF2B5EF4-FFF2-40B4-BE49-F238E27FC236}">
+                <a16:creationId xmlns:a16="http://schemas.microsoft.com/office/drawing/2014/main" id="{0B3306A6-3894-432B-BE3D-57D6E465C602}"/>
+              </a:ext>
+            </a:extLst>
+          </p:cNvPr>
+          <p:cNvSpPr>
+            <a:spLocks noGrp="1"/>
+          </p:cNvSpPr>
+          <p:nvPr>
+            <p:ph type="sldNum" sz="quarter" idx="12"/>
+          </p:nvPr>
+        </p:nvSpPr>
+        <p:spPr/>
+        <p:txBody>
+          <a:bodyPr/>
+          <a:lstStyle/>
+          <a:p>
+            <a:fld id="{6C6AE60A-B69C-4790-82F7-3882EDF23186}" type="slidenum">
+              <a:rPr lang="de-DE" smtClean="0"/>
+              <a:t>6</a:t>
+            </a:fld>
+            <a:endParaRPr lang="de-DE"/>
+          </a:p>
+        </p:txBody>
+      </p:sp>
     </p:spTree>
     <p:extLst>
       <p:ext uri="{BB962C8B-B14F-4D97-AF65-F5344CB8AC3E}">
@@ -11789,6 +12513,35 @@
           </a:fontRef>
         </p:style>
       </p:cxnSp>
+      <p:sp>
+        <p:nvSpPr>
+          <p:cNvPr id="3" name="Foliennummernplatzhalter 2">
+            <a:extLst>
+              <a:ext uri="{FF2B5EF4-FFF2-40B4-BE49-F238E27FC236}">
+                <a16:creationId xmlns:a16="http://schemas.microsoft.com/office/drawing/2014/main" id="{6CF498C6-413C-439F-8362-9CFF90FA8F20}"/>
+              </a:ext>
+            </a:extLst>
+          </p:cNvPr>
+          <p:cNvSpPr>
+            <a:spLocks noGrp="1"/>
+          </p:cNvSpPr>
+          <p:nvPr>
+            <p:ph type="sldNum" sz="quarter" idx="12"/>
+          </p:nvPr>
+        </p:nvSpPr>
+        <p:spPr/>
+        <p:txBody>
+          <a:bodyPr/>
+          <a:lstStyle/>
+          <a:p>
+            <a:fld id="{6C6AE60A-B69C-4790-82F7-3882EDF23186}" type="slidenum">
+              <a:rPr lang="de-DE" smtClean="0"/>
+              <a:t>7</a:t>
+            </a:fld>
+            <a:endParaRPr lang="de-DE"/>
+          </a:p>
+        </p:txBody>
+      </p:sp>
     </p:spTree>
     <p:extLst>
       <p:ext uri="{BB962C8B-B14F-4D97-AF65-F5344CB8AC3E}">
@@ -12107,6 +12860,35 @@
           </a:fontRef>
         </p:style>
       </p:cxnSp>
+      <p:sp>
+        <p:nvSpPr>
+          <p:cNvPr id="3" name="Foliennummernplatzhalter 2">
+            <a:extLst>
+              <a:ext uri="{FF2B5EF4-FFF2-40B4-BE49-F238E27FC236}">
+                <a16:creationId xmlns:a16="http://schemas.microsoft.com/office/drawing/2014/main" id="{37EA7ECE-36DA-4737-AC1D-2E74FC3D2473}"/>
+              </a:ext>
+            </a:extLst>
+          </p:cNvPr>
+          <p:cNvSpPr>
+            <a:spLocks noGrp="1"/>
+          </p:cNvSpPr>
+          <p:nvPr>
+            <p:ph type="sldNum" sz="quarter" idx="12"/>
+          </p:nvPr>
+        </p:nvSpPr>
+        <p:spPr/>
+        <p:txBody>
+          <a:bodyPr/>
+          <a:lstStyle/>
+          <a:p>
+            <a:fld id="{6C6AE60A-B69C-4790-82F7-3882EDF23186}" type="slidenum">
+              <a:rPr lang="de-DE" smtClean="0"/>
+              <a:t>8</a:t>
+            </a:fld>
+            <a:endParaRPr lang="de-DE"/>
+          </a:p>
+        </p:txBody>
+      </p:sp>
     </p:spTree>
     <p:extLst>
       <p:ext uri="{BB962C8B-B14F-4D97-AF65-F5344CB8AC3E}">
@@ -12225,6 +13007,35 @@
           </a:prstGeom>
         </p:spPr>
       </p:pic>
+      <p:sp>
+        <p:nvSpPr>
+          <p:cNvPr id="2" name="Foliennummernplatzhalter 1">
+            <a:extLst>
+              <a:ext uri="{FF2B5EF4-FFF2-40B4-BE49-F238E27FC236}">
+                <a16:creationId xmlns:a16="http://schemas.microsoft.com/office/drawing/2014/main" id="{57BFF205-8E0F-4D6C-A385-A9DF4F966806}"/>
+              </a:ext>
+            </a:extLst>
+          </p:cNvPr>
+          <p:cNvSpPr>
+            <a:spLocks noGrp="1"/>
+          </p:cNvSpPr>
+          <p:nvPr>
+            <p:ph type="sldNum" sz="quarter" idx="12"/>
+          </p:nvPr>
+        </p:nvSpPr>
+        <p:spPr/>
+        <p:txBody>
+          <a:bodyPr/>
+          <a:lstStyle/>
+          <a:p>
+            <a:fld id="{6C6AE60A-B69C-4790-82F7-3882EDF23186}" type="slidenum">
+              <a:rPr lang="de-DE" smtClean="0"/>
+              <a:t>9</a:t>
+            </a:fld>
+            <a:endParaRPr lang="de-DE"/>
+          </a:p>
+        </p:txBody>
+      </p:sp>
     </p:spTree>
     <p:extLst>
       <p:ext uri="{BB962C8B-B14F-4D97-AF65-F5344CB8AC3E}">
@@ -12814,4 +13625,299 @@
     </a:ext>
   </a:extLst>
 </a:theme>
+</file>
+
+<file path=ppt/theme/theme3.xml><?xml version="1.0" encoding="utf-8"?>
+<a:theme xmlns:a="http://schemas.openxmlformats.org/drawingml/2006/main" name="Office">
+  <a:themeElements>
+    <a:clrScheme name="Office">
+      <a:dk1>
+        <a:sysClr val="windowText" lastClr="000000"/>
+      </a:dk1>
+      <a:lt1>
+        <a:sysClr val="window" lastClr="FFFFFF"/>
+      </a:lt1>
+      <a:dk2>
+        <a:srgbClr val="44546A"/>
+      </a:dk2>
+      <a:lt2>
+        <a:srgbClr val="E7E6E6"/>
+      </a:lt2>
+      <a:accent1>
+        <a:srgbClr val="4472C4"/>
+      </a:accent1>
+      <a:accent2>
+        <a:srgbClr val="ED7D31"/>
+      </a:accent2>
+      <a:accent3>
+        <a:srgbClr val="A5A5A5"/>
+      </a:accent3>
+      <a:accent4>
+        <a:srgbClr val="FFC000"/>
+      </a:accent4>
+      <a:accent5>
+        <a:srgbClr val="5B9BD5"/>
+      </a:accent5>
+      <a:accent6>
+        <a:srgbClr val="70AD47"/>
+      </a:accent6>
+      <a:hlink>
+        <a:srgbClr val="0563C1"/>
+      </a:hlink>
+      <a:folHlink>
+        <a:srgbClr val="954F72"/>
+      </a:folHlink>
+    </a:clrScheme>
+    <a:fontScheme name="Office">
+      <a:majorFont>
+        <a:latin typeface="Calibri Light" panose="020F0302020204030204"/>
+        <a:ea typeface=""/>
+        <a:cs typeface=""/>
+        <a:font script="Jpan" typeface="游ゴシック Light"/>
+        <a:font script="Hang" typeface="맑은 고딕"/>
+        <a:font script="Hans" typeface="等线 Light"/>
+        <a:font script="Hant" typeface="新細明體"/>
+        <a:font script="Arab" typeface="Times New Roman"/>
+        <a:font script="Hebr" typeface="Times New Roman"/>
+        <a:font script="Thai" typeface="Angsana New"/>
+        <a:font script="Ethi" typeface="Nyala"/>
+        <a:font script="Beng" typeface="Vrinda"/>
+        <a:font script="Gujr" typeface="Shruti"/>
+        <a:font script="Khmr" typeface="MoolBoran"/>
+        <a:font script="Knda" typeface="Tunga"/>
+        <a:font script="Guru" typeface="Raavi"/>
+        <a:font script="Cans" typeface="Euphemia"/>
+        <a:font script="Cher" typeface="Plantagenet Cherokee"/>
+        <a:font script="Yiii" typeface="Microsoft Yi Baiti"/>
+        <a:font script="Tibt" typeface="Microsoft Himalaya"/>
+        <a:font script="Thaa" typeface="MV Boli"/>
+        <a:font script="Deva" typeface="Mangal"/>
+        <a:font script="Telu" typeface="Gautami"/>
+        <a:font script="Taml" typeface="Latha"/>
+        <a:font script="Syrc" typeface="Estrangelo Edessa"/>
+        <a:font script="Orya" typeface="Kalinga"/>
+        <a:font script="Mlym" typeface="Kartika"/>
+        <a:font script="Laoo" typeface="DokChampa"/>
+        <a:font script="Sinh" typeface="Iskoola Pota"/>
+        <a:font script="Mong" typeface="Mongolian Baiti"/>
+        <a:font script="Viet" typeface="Times New Roman"/>
+        <a:font script="Uigh" typeface="Microsoft Uighur"/>
+        <a:font script="Geor" typeface="Sylfaen"/>
+        <a:font script="Armn" typeface="Arial"/>
+        <a:font script="Bugi" typeface="Leelawadee UI"/>
+        <a:font script="Bopo" typeface="Microsoft JhengHei"/>
+        <a:font script="Java" typeface="Javanese Text"/>
+        <a:font script="Lisu" typeface="Segoe UI"/>
+        <a:font script="Mymr" typeface="Myanmar Text"/>
+        <a:font script="Nkoo" typeface="Ebrima"/>
+        <a:font script="Olck" typeface="Nirmala UI"/>
+        <a:font script="Osma" typeface="Ebrima"/>
+        <a:font script="Phag" typeface="Phagspa"/>
+        <a:font script="Syrn" typeface="Estrangelo Edessa"/>
+        <a:font script="Syrj" typeface="Estrangelo Edessa"/>
+        <a:font script="Syre" typeface="Estrangelo Edessa"/>
+        <a:font script="Sora" typeface="Nirmala UI"/>
+        <a:font script="Tale" typeface="Microsoft Tai Le"/>
+        <a:font script="Talu" typeface="Microsoft New Tai Lue"/>
+        <a:font script="Tfng" typeface="Ebrima"/>
+      </a:majorFont>
+      <a:minorFont>
+        <a:latin typeface="Calibri" panose="020F0502020204030204"/>
+        <a:ea typeface=""/>
+        <a:cs typeface=""/>
+        <a:font script="Jpan" typeface="游ゴシック"/>
+        <a:font script="Hang" typeface="맑은 고딕"/>
+        <a:font script="Hans" typeface="等线"/>
+        <a:font script="Hant" typeface="新細明體"/>
+        <a:font script="Arab" typeface="Arial"/>
+        <a:font script="Hebr" typeface="Arial"/>
+        <a:font script="Thai" typeface="Cordia New"/>
+        <a:font script="Ethi" typeface="Nyala"/>
+        <a:font script="Beng" typeface="Vrinda"/>
+        <a:font script="Gujr" typeface="Shruti"/>
+        <a:font script="Khmr" typeface="DaunPenh"/>
+        <a:font script="Knda" typeface="Tunga"/>
+        <a:font script="Guru" typeface="Raavi"/>
+        <a:font script="Cans" typeface="Euphemia"/>
+        <a:font script="Cher" typeface="Plantagenet Cherokee"/>
+        <a:font script="Yiii" typeface="Microsoft Yi Baiti"/>
+        <a:font script="Tibt" typeface="Microsoft Himalaya"/>
+        <a:font script="Thaa" typeface="MV Boli"/>
+        <a:font script="Deva" typeface="Mangal"/>
+        <a:font script="Telu" typeface="Gautami"/>
+        <a:font script="Taml" typeface="Latha"/>
+        <a:font script="Syrc" typeface="Estrangelo Edessa"/>
+        <a:font script="Orya" typeface="Kalinga"/>
+        <a:font script="Mlym" typeface="Kartika"/>
+        <a:font script="Laoo" typeface="DokChampa"/>
+        <a:font script="Sinh" typeface="Iskoola Pota"/>
+        <a:font script="Mong" typeface="Mongolian Baiti"/>
+        <a:font script="Viet" typeface="Arial"/>
+        <a:font script="Uigh" typeface="Microsoft Uighur"/>
+        <a:font script="Geor" typeface="Sylfaen"/>
+        <a:font script="Armn" typeface="Arial"/>
+        <a:font script="Bugi" typeface="Leelawadee UI"/>
+        <a:font script="Bopo" typeface="Microsoft JhengHei"/>
+        <a:font script="Java" typeface="Javanese Text"/>
+        <a:font script="Lisu" typeface="Segoe UI"/>
+        <a:font script="Mymr" typeface="Myanmar Text"/>
+        <a:font script="Nkoo" typeface="Ebrima"/>
+        <a:font script="Olck" typeface="Nirmala UI"/>
+        <a:font script="Osma" typeface="Ebrima"/>
+        <a:font script="Phag" typeface="Phagspa"/>
+        <a:font script="Syrn" typeface="Estrangelo Edessa"/>
+        <a:font script="Syrj" typeface="Estrangelo Edessa"/>
+        <a:font script="Syre" typeface="Estrangelo Edessa"/>
+        <a:font script="Sora" typeface="Nirmala UI"/>
+        <a:font script="Tale" typeface="Microsoft Tai Le"/>
+        <a:font script="Talu" typeface="Microsoft New Tai Lue"/>
+        <a:font script="Tfng" typeface="Ebrima"/>
+      </a:minorFont>
+    </a:fontScheme>
+    <a:fmtScheme name="Office">
+      <a:fillStyleLst>
+        <a:solidFill>
+          <a:schemeClr val="phClr"/>
+        </a:solidFill>
+        <a:gradFill rotWithShape="1">
+          <a:gsLst>
+            <a:gs pos="0">
+              <a:schemeClr val="phClr">
+                <a:lumMod val="110000"/>
+                <a:satMod val="105000"/>
+                <a:tint val="67000"/>
+              </a:schemeClr>
+            </a:gs>
+            <a:gs pos="50000">
+              <a:schemeClr val="phClr">
+                <a:lumMod val="105000"/>
+                <a:satMod val="103000"/>
+                <a:tint val="73000"/>
+              </a:schemeClr>
+            </a:gs>
+            <a:gs pos="100000">
+              <a:schemeClr val="phClr">
+                <a:lumMod val="105000"/>
+                <a:satMod val="109000"/>
+                <a:tint val="81000"/>
+              </a:schemeClr>
+            </a:gs>
+          </a:gsLst>
+          <a:lin ang="5400000" scaled="0"/>
+        </a:gradFill>
+        <a:gradFill rotWithShape="1">
+          <a:gsLst>
+            <a:gs pos="0">
+              <a:schemeClr val="phClr">
+                <a:satMod val="103000"/>
+                <a:lumMod val="102000"/>
+                <a:tint val="94000"/>
+              </a:schemeClr>
+            </a:gs>
+            <a:gs pos="50000">
+              <a:schemeClr val="phClr">
+                <a:satMod val="110000"/>
+                <a:lumMod val="100000"/>
+                <a:shade val="100000"/>
+              </a:schemeClr>
+            </a:gs>
+            <a:gs pos="100000">
+              <a:schemeClr val="phClr">
+                <a:lumMod val="99000"/>
+                <a:satMod val="120000"/>
+                <a:shade val="78000"/>
+              </a:schemeClr>
+            </a:gs>
+          </a:gsLst>
+          <a:lin ang="5400000" scaled="0"/>
+        </a:gradFill>
+      </a:fillStyleLst>
+      <a:lnStyleLst>
+        <a:ln w="6350" cap="flat" cmpd="sng" algn="ctr">
+          <a:solidFill>
+            <a:schemeClr val="phClr"/>
+          </a:solidFill>
+          <a:prstDash val="solid"/>
+          <a:miter lim="800000"/>
+        </a:ln>
+        <a:ln w="12700" cap="flat" cmpd="sng" algn="ctr">
+          <a:solidFill>
+            <a:schemeClr val="phClr"/>
+          </a:solidFill>
+          <a:prstDash val="solid"/>
+          <a:miter lim="800000"/>
+        </a:ln>
+        <a:ln w="19050" cap="flat" cmpd="sng" algn="ctr">
+          <a:solidFill>
+            <a:schemeClr val="phClr"/>
+          </a:solidFill>
+          <a:prstDash val="solid"/>
+          <a:miter lim="800000"/>
+        </a:ln>
+      </a:lnStyleLst>
+      <a:effectStyleLst>
+        <a:effectStyle>
+          <a:effectLst/>
+        </a:effectStyle>
+        <a:effectStyle>
+          <a:effectLst/>
+        </a:effectStyle>
+        <a:effectStyle>
+          <a:effectLst>
+            <a:outerShdw blurRad="57150" dist="19050" dir="5400000" algn="ctr" rotWithShape="0">
+              <a:srgbClr val="000000">
+                <a:alpha val="63000"/>
+              </a:srgbClr>
+            </a:outerShdw>
+          </a:effectLst>
+        </a:effectStyle>
+      </a:effectStyleLst>
+      <a:bgFillStyleLst>
+        <a:solidFill>
+          <a:schemeClr val="phClr"/>
+        </a:solidFill>
+        <a:solidFill>
+          <a:schemeClr val="phClr">
+            <a:tint val="95000"/>
+            <a:satMod val="170000"/>
+          </a:schemeClr>
+        </a:solidFill>
+        <a:gradFill rotWithShape="1">
+          <a:gsLst>
+            <a:gs pos="0">
+              <a:schemeClr val="phClr">
+                <a:tint val="93000"/>
+                <a:satMod val="150000"/>
+                <a:shade val="98000"/>
+                <a:lumMod val="102000"/>
+              </a:schemeClr>
+            </a:gs>
+            <a:gs pos="50000">
+              <a:schemeClr val="phClr">
+                <a:tint val="98000"/>
+                <a:satMod val="130000"/>
+                <a:shade val="90000"/>
+                <a:lumMod val="103000"/>
+              </a:schemeClr>
+            </a:gs>
+            <a:gs pos="100000">
+              <a:schemeClr val="phClr">
+                <a:shade val="63000"/>
+                <a:satMod val="120000"/>
+              </a:schemeClr>
+            </a:gs>
+          </a:gsLst>
+          <a:lin ang="5400000" scaled="0"/>
+        </a:gradFill>
+      </a:bgFillStyleLst>
+    </a:fmtScheme>
+  </a:themeElements>
+  <a:objectDefaults/>
+  <a:extraClrSchemeLst/>
+  <a:extLst>
+    <a:ext uri="{05A4C25C-085E-4340-85A3-A5531E510DB2}">
+      <thm15:themeFamily xmlns:thm15="http://schemas.microsoft.com/office/thememl/2012/main" name="Office Theme" id="{62F939B6-93AF-4DB8-9C6B-D6C7DFDC589F}" vid="{4A3C46E8-61CC-4603-A589-7422A47A8E4A}"/>
+    </a:ext>
+  </a:extLst>
+</a:theme>
 </file>
--- a/ZwischenPresäntation_RichardBritt.pptx
+++ b/ZwischenPresäntation_RichardBritt.pptx
@@ -5,10 +5,10 @@
     <p:sldMasterId id="2147483648" r:id="rId1"/>
   </p:sldMasterIdLst>
   <p:notesMasterIdLst>
-    <p:notesMasterId r:id="rId21"/>
+    <p:notesMasterId r:id="rId20"/>
   </p:notesMasterIdLst>
   <p:handoutMasterIdLst>
-    <p:handoutMasterId r:id="rId22"/>
+    <p:handoutMasterId r:id="rId21"/>
   </p:handoutMasterIdLst>
   <p:sldIdLst>
     <p:sldId id="256" r:id="rId2"/>
@@ -19,17 +19,16 @@
     <p:sldId id="262" r:id="rId7"/>
     <p:sldId id="278" r:id="rId8"/>
     <p:sldId id="277" r:id="rId9"/>
-    <p:sldId id="265" r:id="rId10"/>
-    <p:sldId id="276" r:id="rId11"/>
-    <p:sldId id="270" r:id="rId12"/>
-    <p:sldId id="264" r:id="rId13"/>
-    <p:sldId id="266" r:id="rId14"/>
-    <p:sldId id="280" r:id="rId15"/>
-    <p:sldId id="281" r:id="rId16"/>
-    <p:sldId id="279" r:id="rId17"/>
-    <p:sldId id="283" r:id="rId18"/>
-    <p:sldId id="282" r:id="rId19"/>
-    <p:sldId id="284" r:id="rId20"/>
+    <p:sldId id="276" r:id="rId10"/>
+    <p:sldId id="270" r:id="rId11"/>
+    <p:sldId id="264" r:id="rId12"/>
+    <p:sldId id="266" r:id="rId13"/>
+    <p:sldId id="280" r:id="rId14"/>
+    <p:sldId id="281" r:id="rId15"/>
+    <p:sldId id="279" r:id="rId16"/>
+    <p:sldId id="283" r:id="rId17"/>
+    <p:sldId id="282" r:id="rId18"/>
+    <p:sldId id="284" r:id="rId19"/>
   </p:sldIdLst>
   <p:sldSz cx="9144000" cy="6858000" type="screen4x3"/>
   <p:notesSz cx="6858000" cy="9144000"/>
@@ -150,7 +149,7 @@
 <file path=ppt/revisionInfo.xml><?xml version="1.0" encoding="utf-8"?>
 <p1510:revInfo xmlns:a="http://schemas.openxmlformats.org/drawingml/2006/main" xmlns:r="http://schemas.openxmlformats.org/officeDocument/2006/relationships" xmlns:p1510="http://schemas.microsoft.com/office/powerpoint/2015/10/main">
   <p1510:revLst>
-    <p1510:client id="{64A503E9-204D-456D-A7ED-D96CB5E7D3C1}" v="218" dt="2019-04-11T12:06:29.944"/>
+    <p1510:client id="{64A503E9-204D-456D-A7ED-D96CB5E7D3C1}" v="219" dt="2019-04-11T12:22:19.144"/>
     <p1510:client id="{7B9CFC24-6A95-4E88-AFBD-88113F9F429A}" v="20" dt="2019-04-10T14:20:06.489"/>
   </p1510:revLst>
 </p1510:revInfo>
@@ -161,7 +160,7 @@
   <pc:docChgLst>
     <pc:chgData name="Michel Alt" userId="3d3d50152f9d1fbf" providerId="LiveId" clId="{64A503E9-204D-456D-A7ED-D96CB5E7D3C1}"/>
     <pc:docChg chg="undo custSel mod addSld delSld modSld sldOrd">
-      <pc:chgData name="Michel Alt" userId="3d3d50152f9d1fbf" providerId="LiveId" clId="{64A503E9-204D-456D-A7ED-D96CB5E7D3C1}" dt="2019-04-11T12:06:29.944" v="214" actId="1076"/>
+      <pc:chgData name="Michel Alt" userId="3d3d50152f9d1fbf" providerId="LiveId" clId="{64A503E9-204D-456D-A7ED-D96CB5E7D3C1}" dt="2019-04-11T12:22:19.144" v="215" actId="2696"/>
       <pc:docMkLst>
         <pc:docMk/>
       </pc:docMkLst>
@@ -194,6 +193,13 @@
             <ac:spMk id="3" creationId="{00000000-0000-0000-0000-000000000000}"/>
           </ac:spMkLst>
         </pc:spChg>
+      </pc:sldChg>
+      <pc:sldChg chg="del">
+        <pc:chgData name="Michel Alt" userId="3d3d50152f9d1fbf" providerId="LiveId" clId="{64A503E9-204D-456D-A7ED-D96CB5E7D3C1}" dt="2019-04-11T12:22:19.144" v="215" actId="2696"/>
+        <pc:sldMkLst>
+          <pc:docMk/>
+          <pc:sldMk cId="944503420" sldId="265"/>
+        </pc:sldMkLst>
       </pc:sldChg>
       <pc:sldChg chg="addSp delSp modSp">
         <pc:chgData name="Michel Alt" userId="3d3d50152f9d1fbf" providerId="LiveId" clId="{64A503E9-204D-456D-A7ED-D96CB5E7D3C1}" dt="2019-04-10T20:55:37.148" v="17" actId="404"/>
@@ -6251,7 +6257,7 @@
           <a:p>
             <a:fld id="{4AD752EC-880F-46D2-BE75-AE99C7969E99}" type="slidenum">
               <a:rPr lang="fr-CH" smtClean="0"/>
-              <a:t>15</a:t>
+              <a:t>14</a:t>
             </a:fld>
             <a:endParaRPr lang="fr-CH"/>
           </a:p>
@@ -6412,7 +6418,7 @@
           <a:p>
             <a:fld id="{4AD752EC-880F-46D2-BE75-AE99C7969E99}" type="slidenum">
               <a:rPr lang="fr-CH" smtClean="0"/>
-              <a:t>18</a:t>
+              <a:t>17</a:t>
             </a:fld>
             <a:endParaRPr lang="fr-CH"/>
           </a:p>
@@ -9596,128 +9602,6 @@
       </p:grpSpPr>
       <p:sp>
         <p:nvSpPr>
-          <p:cNvPr id="2" name="Titel 1">
-            <a:extLst>
-              <a:ext uri="{FF2B5EF4-FFF2-40B4-BE49-F238E27FC236}">
-                <a16:creationId xmlns:a16="http://schemas.microsoft.com/office/drawing/2014/main" id="{5D7CFD08-74D4-4775-87D6-921D7EF23F67}"/>
-              </a:ext>
-            </a:extLst>
-          </p:cNvPr>
-          <p:cNvSpPr>
-            <a:spLocks noGrp="1"/>
-          </p:cNvSpPr>
-          <p:nvPr>
-            <p:ph type="title"/>
-          </p:nvPr>
-        </p:nvSpPr>
-        <p:spPr/>
-        <p:txBody>
-          <a:bodyPr/>
-          <a:lstStyle/>
-          <a:p>
-            <a:endParaRPr lang="de-CH" dirty="0"/>
-          </a:p>
-        </p:txBody>
-      </p:sp>
-      <p:pic>
-        <p:nvPicPr>
-          <p:cNvPr id="4" name="Picture 14">
-            <a:extLst>
-              <a:ext uri="{FF2B5EF4-FFF2-40B4-BE49-F238E27FC236}">
-                <a16:creationId xmlns:a16="http://schemas.microsoft.com/office/drawing/2014/main" id="{5B09A149-BA53-4D81-9B6B-A6CFE79B833A}"/>
-              </a:ext>
-            </a:extLst>
-          </p:cNvPr>
-          <p:cNvPicPr>
-            <a:picLocks noGrp="1"/>
-          </p:cNvPicPr>
-          <p:nvPr>
-            <p:ph idx="1"/>
-          </p:nvPr>
-        </p:nvPicPr>
-        <p:blipFill>
-          <a:blip r:embed="rId2" cstate="print">
-            <a:extLst>
-              <a:ext uri="{28A0092B-C50C-407E-A947-70E740481C1C}">
-                <a14:useLocalDpi xmlns:a14="http://schemas.microsoft.com/office/drawing/2010/main" val="0"/>
-              </a:ext>
-            </a:extLst>
-          </a:blip>
-          <a:stretch>
-            <a:fillRect/>
-          </a:stretch>
-        </p:blipFill>
-        <p:spPr>
-          <a:xfrm>
-            <a:off x="0" y="0"/>
-            <a:ext cx="9144000" cy="6858000"/>
-          </a:xfrm>
-          <a:prstGeom prst="rect">
-            <a:avLst/>
-          </a:prstGeom>
-        </p:spPr>
-      </p:pic>
-      <p:sp>
-        <p:nvSpPr>
-          <p:cNvPr id="3" name="Foliennummernplatzhalter 2">
-            <a:extLst>
-              <a:ext uri="{FF2B5EF4-FFF2-40B4-BE49-F238E27FC236}">
-                <a16:creationId xmlns:a16="http://schemas.microsoft.com/office/drawing/2014/main" id="{F74CA2A1-C143-4766-B19B-96B556BE2B8A}"/>
-              </a:ext>
-            </a:extLst>
-          </p:cNvPr>
-          <p:cNvSpPr>
-            <a:spLocks noGrp="1"/>
-          </p:cNvSpPr>
-          <p:nvPr>
-            <p:ph type="sldNum" sz="quarter" idx="12"/>
-          </p:nvPr>
-        </p:nvSpPr>
-        <p:spPr/>
-        <p:txBody>
-          <a:bodyPr/>
-          <a:lstStyle/>
-          <a:p>
-            <a:fld id="{6C6AE60A-B69C-4790-82F7-3882EDF23186}" type="slidenum">
-              <a:rPr lang="de-DE" smtClean="0"/>
-              <a:t>10</a:t>
-            </a:fld>
-            <a:endParaRPr lang="de-DE"/>
-          </a:p>
-        </p:txBody>
-      </p:sp>
-    </p:spTree>
-    <p:extLst>
-      <p:ext uri="{BB962C8B-B14F-4D97-AF65-F5344CB8AC3E}">
-        <p14:creationId xmlns:p14="http://schemas.microsoft.com/office/powerpoint/2010/main" val="140018294"/>
-      </p:ext>
-    </p:extLst>
-  </p:cSld>
-  <p:clrMapOvr>
-    <a:masterClrMapping/>
-  </p:clrMapOvr>
-</p:sld>
-</file>
-
-<file path=ppt/slides/slide11.xml><?xml version="1.0" encoding="utf-8"?>
-<p:sld xmlns:a="http://schemas.openxmlformats.org/drawingml/2006/main" xmlns:r="http://schemas.openxmlformats.org/officeDocument/2006/relationships" xmlns:p="http://schemas.openxmlformats.org/presentationml/2006/main">
-  <p:cSld>
-    <p:spTree>
-      <p:nvGrpSpPr>
-        <p:cNvPr id="1" name=""/>
-        <p:cNvGrpSpPr/>
-        <p:nvPr/>
-      </p:nvGrpSpPr>
-      <p:grpSpPr>
-        <a:xfrm>
-          <a:off x="0" y="0"/>
-          <a:ext cx="0" cy="0"/>
-          <a:chOff x="0" y="0"/>
-          <a:chExt cx="0" cy="0"/>
-        </a:xfrm>
-      </p:grpSpPr>
-      <p:sp>
-        <p:nvSpPr>
           <p:cNvPr id="5" name="Rectangle 1"/>
           <p:cNvSpPr>
             <a:spLocks noGrp="1" noChangeArrowheads="1"/>
@@ -9869,7 +9753,7 @@
           <a:p>
             <a:fld id="{6C6AE60A-B69C-4790-82F7-3882EDF23186}" type="slidenum">
               <a:rPr lang="de-DE" smtClean="0"/>
-              <a:t>11</a:t>
+              <a:t>10</a:t>
             </a:fld>
             <a:endParaRPr lang="de-DE"/>
           </a:p>
@@ -9888,7 +9772,7 @@
 </p:sld>
 </file>
 
-<file path=ppt/slides/slide12.xml><?xml version="1.0" encoding="utf-8"?>
+<file path=ppt/slides/slide11.xml><?xml version="1.0" encoding="utf-8"?>
 <p:sld xmlns:a="http://schemas.openxmlformats.org/drawingml/2006/main" xmlns:r="http://schemas.openxmlformats.org/officeDocument/2006/relationships" xmlns:p="http://schemas.openxmlformats.org/presentationml/2006/main">
   <p:cSld>
     <p:spTree>
@@ -10027,7 +9911,7 @@
           <a:p>
             <a:fld id="{6C6AE60A-B69C-4790-82F7-3882EDF23186}" type="slidenum">
               <a:rPr lang="de-DE" smtClean="0"/>
-              <a:t>12</a:t>
+              <a:t>11</a:t>
             </a:fld>
             <a:endParaRPr lang="de-DE"/>
           </a:p>
@@ -10046,7 +9930,7 @@
 </p:sld>
 </file>
 
-<file path=ppt/slides/slide13.xml><?xml version="1.0" encoding="utf-8"?>
+<file path=ppt/slides/slide12.xml><?xml version="1.0" encoding="utf-8"?>
 <p:sld xmlns:a="http://schemas.openxmlformats.org/drawingml/2006/main" xmlns:r="http://schemas.openxmlformats.org/officeDocument/2006/relationships" xmlns:p="http://schemas.openxmlformats.org/presentationml/2006/main">
   <p:cSld>
     <p:spTree>
@@ -10149,7 +10033,7 @@
           <a:p>
             <a:fld id="{6C6AE60A-B69C-4790-82F7-3882EDF23186}" type="slidenum">
               <a:rPr lang="de-DE" smtClean="0"/>
-              <a:t>13</a:t>
+              <a:t>12</a:t>
             </a:fld>
             <a:endParaRPr lang="de-DE"/>
           </a:p>
@@ -10168,7 +10052,7 @@
 </p:sld>
 </file>
 
-<file path=ppt/slides/slide14.xml><?xml version="1.0" encoding="utf-8"?>
+<file path=ppt/slides/slide13.xml><?xml version="1.0" encoding="utf-8"?>
 <p:sld xmlns:a="http://schemas.openxmlformats.org/drawingml/2006/main" xmlns:r="http://schemas.openxmlformats.org/officeDocument/2006/relationships" xmlns:p="http://schemas.openxmlformats.org/presentationml/2006/main">
   <p:cSld>
     <p:spTree>
@@ -10281,7 +10165,7 @@
           <a:p>
             <a:fld id="{6C6AE60A-B69C-4790-82F7-3882EDF23186}" type="slidenum">
               <a:rPr lang="de-DE" smtClean="0"/>
-              <a:t>14</a:t>
+              <a:t>13</a:t>
             </a:fld>
             <a:endParaRPr lang="de-DE"/>
           </a:p>
@@ -10300,7 +10184,7 @@
 </p:sld>
 </file>
 
-<file path=ppt/slides/slide15.xml><?xml version="1.0" encoding="utf-8"?>
+<file path=ppt/slides/slide14.xml><?xml version="1.0" encoding="utf-8"?>
 <p:sld xmlns:a="http://schemas.openxmlformats.org/drawingml/2006/main" xmlns:r="http://schemas.openxmlformats.org/officeDocument/2006/relationships" xmlns:p="http://schemas.openxmlformats.org/presentationml/2006/main">
   <p:cSld>
     <p:spTree>
@@ -10376,7 +10260,7 @@
           <a:p>
             <a:fld id="{6C6AE60A-B69C-4790-82F7-3882EDF23186}" type="slidenum">
               <a:rPr lang="de-DE" smtClean="0"/>
-              <a:t>15</a:t>
+              <a:t>14</a:t>
             </a:fld>
             <a:endParaRPr lang="de-DE"/>
           </a:p>
@@ -10395,7 +10279,7 @@
 </p:sld>
 </file>
 
-<file path=ppt/slides/slide16.xml><?xml version="1.0" encoding="utf-8"?>
+<file path=ppt/slides/slide15.xml><?xml version="1.0" encoding="utf-8"?>
 <p:sld xmlns:a="http://schemas.openxmlformats.org/drawingml/2006/main" xmlns:r="http://schemas.openxmlformats.org/officeDocument/2006/relationships" xmlns:p="http://schemas.openxmlformats.org/presentationml/2006/main">
   <p:cSld>
     <p:spTree>
@@ -10512,7 +10396,7 @@
           <a:p>
             <a:fld id="{6C6AE60A-B69C-4790-82F7-3882EDF23186}" type="slidenum">
               <a:rPr lang="de-DE" smtClean="0"/>
-              <a:t>16</a:t>
+              <a:t>15</a:t>
             </a:fld>
             <a:endParaRPr lang="de-DE"/>
           </a:p>
@@ -10531,7 +10415,7 @@
 </p:sld>
 </file>
 
-<file path=ppt/slides/slide17.xml><?xml version="1.0" encoding="utf-8"?>
+<file path=ppt/slides/slide16.xml><?xml version="1.0" encoding="utf-8"?>
 <p:sld xmlns:a="http://schemas.openxmlformats.org/drawingml/2006/main" xmlns:r="http://schemas.openxmlformats.org/officeDocument/2006/relationships" xmlns:p="http://schemas.openxmlformats.org/presentationml/2006/main">
   <p:cSld>
     <p:spTree>
@@ -10601,7 +10485,7 @@
           <a:p>
             <a:fld id="{6C6AE60A-B69C-4790-82F7-3882EDF23186}" type="slidenum">
               <a:rPr lang="de-DE" smtClean="0"/>
-              <a:t>17</a:t>
+              <a:t>16</a:t>
             </a:fld>
             <a:endParaRPr lang="de-DE"/>
           </a:p>
@@ -10620,7 +10504,7 @@
 </p:sld>
 </file>
 
-<file path=ppt/slides/slide18.xml><?xml version="1.0" encoding="utf-8"?>
+<file path=ppt/slides/slide17.xml><?xml version="1.0" encoding="utf-8"?>
 <p:sld xmlns:a="http://schemas.openxmlformats.org/drawingml/2006/main" xmlns:r="http://schemas.openxmlformats.org/officeDocument/2006/relationships" xmlns:p="http://schemas.openxmlformats.org/presentationml/2006/main">
   <p:cSld>
     <p:spTree>
@@ -10690,7 +10574,7 @@
           <a:p>
             <a:fld id="{6C6AE60A-B69C-4790-82F7-3882EDF23186}" type="slidenum">
               <a:rPr lang="de-DE" smtClean="0"/>
-              <a:t>18</a:t>
+              <a:t>17</a:t>
             </a:fld>
             <a:endParaRPr lang="de-DE"/>
           </a:p>
@@ -10709,7 +10593,7 @@
 </p:sld>
 </file>
 
-<file path=ppt/slides/slide19.xml><?xml version="1.0" encoding="utf-8"?>
+<file path=ppt/slides/slide18.xml><?xml version="1.0" encoding="utf-8"?>
 <p:sld xmlns:a="http://schemas.openxmlformats.org/drawingml/2006/main" xmlns:r="http://schemas.openxmlformats.org/officeDocument/2006/relationships" xmlns:p="http://schemas.openxmlformats.org/presentationml/2006/main">
   <p:cSld>
     <p:bg>
@@ -10795,7 +10679,7 @@
           <a:p>
             <a:fld id="{6C6AE60A-B69C-4790-82F7-3882EDF23186}" type="slidenum">
               <a:rPr lang="de-DE" smtClean="0"/>
-              <a:t>19</a:t>
+              <a:t>18</a:t>
             </a:fld>
             <a:endParaRPr lang="de-DE"/>
           </a:p>
@@ -12921,39 +12805,10 @@
       </p:grpSpPr>
       <p:sp>
         <p:nvSpPr>
-          <p:cNvPr id="5" name="Rechteck 4"/>
-          <p:cNvSpPr/>
-          <p:nvPr/>
-        </p:nvSpPr>
-        <p:spPr>
-          <a:xfrm>
-            <a:off x="2483126" y="560874"/>
-            <a:ext cx="184731" cy="707886"/>
-          </a:xfrm>
-          <a:prstGeom prst="rect">
-            <a:avLst/>
-          </a:prstGeom>
-        </p:spPr>
-        <p:txBody>
-          <a:bodyPr wrap="none">
-            <a:spAutoFit/>
-          </a:bodyPr>
-          <a:lstStyle/>
-          <a:p>
-            <a:endParaRPr lang="de-CH" sz="4000" dirty="0">
-              <a:latin typeface="Arial" panose="020B0604020202020204" pitchFamily="34" charset="0"/>
-              <a:ea typeface="+mj-ea"/>
-              <a:cs typeface="Arial" panose="020B0604020202020204" pitchFamily="34" charset="0"/>
-            </a:endParaRPr>
-          </a:p>
-        </p:txBody>
-      </p:sp>
-      <p:sp>
-        <p:nvSpPr>
-          <p:cNvPr id="3" name="Inhaltsplatzhalter 2">
+          <p:cNvPr id="2" name="Titel 1">
             <a:extLst>
               <a:ext uri="{FF2B5EF4-FFF2-40B4-BE49-F238E27FC236}">
-                <a16:creationId xmlns:a16="http://schemas.microsoft.com/office/drawing/2014/main" id="{6EE42402-0C5A-4D89-946C-F52ECC508047}"/>
+                <a16:creationId xmlns:a16="http://schemas.microsoft.com/office/drawing/2014/main" id="{5D7CFD08-74D4-4775-87D6-921D7EF23F67}"/>
               </a:ext>
             </a:extLst>
           </p:cNvPr>
@@ -12961,7 +12816,7 @@
             <a:spLocks noGrp="1"/>
           </p:cNvSpPr>
           <p:nvPr>
-            <p:ph idx="1"/>
+            <p:ph type="title"/>
           </p:nvPr>
         </p:nvSpPr>
         <p:spPr/>
@@ -12969,21 +12824,25 @@
           <a:bodyPr/>
           <a:lstStyle/>
           <a:p>
-            <a:endParaRPr lang="de-CH"/>
+            <a:endParaRPr lang="de-CH" dirty="0"/>
           </a:p>
         </p:txBody>
       </p:sp>
       <p:pic>
         <p:nvPicPr>
-          <p:cNvPr id="6" name="Picture 15">
+          <p:cNvPr id="4" name="Picture 14">
             <a:extLst>
               <a:ext uri="{FF2B5EF4-FFF2-40B4-BE49-F238E27FC236}">
-                <a16:creationId xmlns:a16="http://schemas.microsoft.com/office/drawing/2014/main" id="{6B0823B5-CD3A-4DE2-B709-301D0F8497E4}"/>
+                <a16:creationId xmlns:a16="http://schemas.microsoft.com/office/drawing/2014/main" id="{5B09A149-BA53-4D81-9B6B-A6CFE79B833A}"/>
               </a:ext>
             </a:extLst>
           </p:cNvPr>
-          <p:cNvPicPr/>
-          <p:nvPr/>
+          <p:cNvPicPr>
+            <a:picLocks noGrp="1"/>
+          </p:cNvPicPr>
+          <p:nvPr>
+            <p:ph idx="1"/>
+          </p:nvPr>
         </p:nvPicPr>
         <p:blipFill>
           <a:blip r:embed="rId2" cstate="print">
@@ -13009,10 +12868,10 @@
       </p:pic>
       <p:sp>
         <p:nvSpPr>
-          <p:cNvPr id="2" name="Foliennummernplatzhalter 1">
+          <p:cNvPr id="3" name="Foliennummernplatzhalter 2">
             <a:extLst>
               <a:ext uri="{FF2B5EF4-FFF2-40B4-BE49-F238E27FC236}">
-                <a16:creationId xmlns:a16="http://schemas.microsoft.com/office/drawing/2014/main" id="{57BFF205-8E0F-4D6C-A385-A9DF4F966806}"/>
+                <a16:creationId xmlns:a16="http://schemas.microsoft.com/office/drawing/2014/main" id="{F74CA2A1-C143-4766-B19B-96B556BE2B8A}"/>
               </a:ext>
             </a:extLst>
           </p:cNvPr>
@@ -13039,7 +12898,7 @@
     </p:spTree>
     <p:extLst>
       <p:ext uri="{BB962C8B-B14F-4D97-AF65-F5344CB8AC3E}">
-        <p14:creationId xmlns:p14="http://schemas.microsoft.com/office/powerpoint/2010/main" val="944503420"/>
+        <p14:creationId xmlns:p14="http://schemas.microsoft.com/office/powerpoint/2010/main" val="140018294"/>
       </p:ext>
     </p:extLst>
   </p:cSld>

--- a/ZwischenPresäntation_RichardBritt.pptx
+++ b/ZwischenPresäntation_RichardBritt.pptx
@@ -5,10 +5,10 @@
     <p:sldMasterId id="2147483648" r:id="rId1"/>
   </p:sldMasterIdLst>
   <p:notesMasterIdLst>
-    <p:notesMasterId r:id="rId20"/>
+    <p:notesMasterId r:id="rId21"/>
   </p:notesMasterIdLst>
   <p:handoutMasterIdLst>
-    <p:handoutMasterId r:id="rId21"/>
+    <p:handoutMasterId r:id="rId22"/>
   </p:handoutMasterIdLst>
   <p:sldIdLst>
     <p:sldId id="256" r:id="rId2"/>
@@ -20,15 +20,16 @@
     <p:sldId id="278" r:id="rId8"/>
     <p:sldId id="277" r:id="rId9"/>
     <p:sldId id="276" r:id="rId10"/>
-    <p:sldId id="270" r:id="rId11"/>
-    <p:sldId id="264" r:id="rId12"/>
-    <p:sldId id="266" r:id="rId13"/>
-    <p:sldId id="280" r:id="rId14"/>
-    <p:sldId id="281" r:id="rId15"/>
-    <p:sldId id="279" r:id="rId16"/>
-    <p:sldId id="283" r:id="rId17"/>
-    <p:sldId id="282" r:id="rId18"/>
-    <p:sldId id="284" r:id="rId19"/>
+    <p:sldId id="286" r:id="rId11"/>
+    <p:sldId id="287" r:id="rId12"/>
+    <p:sldId id="264" r:id="rId13"/>
+    <p:sldId id="266" r:id="rId14"/>
+    <p:sldId id="280" r:id="rId15"/>
+    <p:sldId id="281" r:id="rId16"/>
+    <p:sldId id="279" r:id="rId17"/>
+    <p:sldId id="283" r:id="rId18"/>
+    <p:sldId id="282" r:id="rId19"/>
+    <p:sldId id="284" r:id="rId20"/>
   </p:sldIdLst>
   <p:sldSz cx="9144000" cy="6858000" type="screen4x3"/>
   <p:notesSz cx="6858000" cy="9144000"/>
@@ -149,7 +150,7 @@
 <file path=ppt/revisionInfo.xml><?xml version="1.0" encoding="utf-8"?>
 <p1510:revInfo xmlns:a="http://schemas.openxmlformats.org/drawingml/2006/main" xmlns:r="http://schemas.openxmlformats.org/officeDocument/2006/relationships" xmlns:p1510="http://schemas.microsoft.com/office/powerpoint/2015/10/main">
   <p1510:revLst>
-    <p1510:client id="{64A503E9-204D-456D-A7ED-D96CB5E7D3C1}" v="219" dt="2019-04-11T12:22:19.144"/>
+    <p1510:client id="{64A503E9-204D-456D-A7ED-D96CB5E7D3C1}" v="384" dt="2019-04-11T12:30:17.907"/>
     <p1510:client id="{7B9CFC24-6A95-4E88-AFBD-88113F9F429A}" v="20" dt="2019-04-10T14:20:06.489"/>
   </p1510:revLst>
 </p1510:revInfo>
@@ -160,7 +161,7 @@
   <pc:docChgLst>
     <pc:chgData name="Michel Alt" userId="3d3d50152f9d1fbf" providerId="LiveId" clId="{64A503E9-204D-456D-A7ED-D96CB5E7D3C1}"/>
     <pc:docChg chg="undo custSel mod addSld delSld modSld sldOrd">
-      <pc:chgData name="Michel Alt" userId="3d3d50152f9d1fbf" providerId="LiveId" clId="{64A503E9-204D-456D-A7ED-D96CB5E7D3C1}" dt="2019-04-11T12:22:19.144" v="215" actId="2696"/>
+      <pc:chgData name="Michel Alt" userId="3d3d50152f9d1fbf" providerId="LiveId" clId="{64A503E9-204D-456D-A7ED-D96CB5E7D3C1}" dt="2019-04-11T12:30:17.907" v="380" actId="26606"/>
       <pc:docMkLst>
         <pc:docMk/>
       </pc:docMkLst>
@@ -179,8 +180,8 @@
           </ac:picMkLst>
         </pc:picChg>
       </pc:sldChg>
-      <pc:sldChg chg="modSp">
-        <pc:chgData name="Michel Alt" userId="3d3d50152f9d1fbf" providerId="LiveId" clId="{64A503E9-204D-456D-A7ED-D96CB5E7D3C1}" dt="2019-04-11T10:52:28.544" v="172" actId="14100"/>
+      <pc:sldChg chg="modSp modNotesTx">
+        <pc:chgData name="Michel Alt" userId="3d3d50152f9d1fbf" providerId="LiveId" clId="{64A503E9-204D-456D-A7ED-D96CB5E7D3C1}" dt="2019-04-11T12:26:55.713" v="339" actId="20577"/>
         <pc:sldMkLst>
           <pc:docMk/>
           <pc:sldMk cId="3621413764" sldId="264"/>
@@ -221,6 +222,92 @@
             <pc:docMk/>
             <pc:sldMk cId="3076454274" sldId="266"/>
             <ac:picMk id="4" creationId="{00000000-0000-0000-0000-000000000000}"/>
+          </ac:picMkLst>
+        </pc:picChg>
+      </pc:sldChg>
+      <pc:sldChg chg="addSp delSp modSp del">
+        <pc:chgData name="Michel Alt" userId="3d3d50152f9d1fbf" providerId="LiveId" clId="{64A503E9-204D-456D-A7ED-D96CB5E7D3C1}" dt="2019-04-11T12:29:55.471" v="373" actId="2696"/>
+        <pc:sldMkLst>
+          <pc:docMk/>
+          <pc:sldMk cId="610452915" sldId="270"/>
+        </pc:sldMkLst>
+        <pc:spChg chg="add del mod">
+          <ac:chgData name="Michel Alt" userId="3d3d50152f9d1fbf" providerId="LiveId" clId="{64A503E9-204D-456D-A7ED-D96CB5E7D3C1}" dt="2019-04-11T12:29:44.455" v="370" actId="931"/>
+          <ac:spMkLst>
+            <pc:docMk/>
+            <pc:sldMk cId="610452915" sldId="270"/>
+            <ac:spMk id="4" creationId="{208FDE86-739B-4F13-993B-CF71E4F7A2D9}"/>
+          </ac:spMkLst>
+        </pc:spChg>
+        <pc:picChg chg="del">
+          <ac:chgData name="Michel Alt" userId="3d3d50152f9d1fbf" providerId="LiveId" clId="{64A503E9-204D-456D-A7ED-D96CB5E7D3C1}" dt="2019-04-11T12:27:40.644" v="341" actId="478"/>
+          <ac:picMkLst>
+            <pc:docMk/>
+            <pc:sldMk cId="610452915" sldId="270"/>
+            <ac:picMk id="7" creationId="{00000000-0000-0000-0000-000000000000}"/>
+          </ac:picMkLst>
+        </pc:picChg>
+        <pc:picChg chg="add del mod">
+          <ac:chgData name="Michel Alt" userId="3d3d50152f9d1fbf" providerId="LiveId" clId="{64A503E9-204D-456D-A7ED-D96CB5E7D3C1}" dt="2019-04-11T12:29:05.097" v="354" actId="931"/>
+          <ac:picMkLst>
+            <pc:docMk/>
+            <pc:sldMk cId="610452915" sldId="270"/>
+            <ac:picMk id="8" creationId="{1D39335B-FC96-474A-85A9-5E0847B246FD}"/>
+          </ac:picMkLst>
+        </pc:picChg>
+        <pc:picChg chg="add del mod">
+          <ac:chgData name="Michel Alt" userId="3d3d50152f9d1fbf" providerId="LiveId" clId="{64A503E9-204D-456D-A7ED-D96CB5E7D3C1}" dt="2019-04-11T12:29:44.455" v="370" actId="931"/>
+          <ac:picMkLst>
+            <pc:docMk/>
+            <pc:sldMk cId="610452915" sldId="270"/>
+            <ac:picMk id="11" creationId="{D05B2374-078C-4280-8DFD-A8EEC6E6869F}"/>
+          </ac:picMkLst>
+        </pc:picChg>
+      </pc:sldChg>
+      <pc:sldChg chg="addSp delSp modSp mod setBg">
+        <pc:chgData name="Michel Alt" userId="3d3d50152f9d1fbf" providerId="LiveId" clId="{64A503E9-204D-456D-A7ED-D96CB5E7D3C1}" dt="2019-04-11T12:28:33.222" v="343" actId="26606"/>
+        <pc:sldMkLst>
+          <pc:docMk/>
+          <pc:sldMk cId="140018294" sldId="276"/>
+        </pc:sldMkLst>
+        <pc:spChg chg="del">
+          <ac:chgData name="Michel Alt" userId="3d3d50152f9d1fbf" providerId="LiveId" clId="{64A503E9-204D-456D-A7ED-D96CB5E7D3C1}" dt="2019-04-11T12:28:33.222" v="343" actId="26606"/>
+          <ac:spMkLst>
+            <pc:docMk/>
+            <pc:sldMk cId="140018294" sldId="276"/>
+            <ac:spMk id="2" creationId="{5D7CFD08-74D4-4775-87D6-921D7EF23F67}"/>
+          </ac:spMkLst>
+        </pc:spChg>
+        <pc:spChg chg="mod ord">
+          <ac:chgData name="Michel Alt" userId="3d3d50152f9d1fbf" providerId="LiveId" clId="{64A503E9-204D-456D-A7ED-D96CB5E7D3C1}" dt="2019-04-11T12:28:33.222" v="343" actId="26606"/>
+          <ac:spMkLst>
+            <pc:docMk/>
+            <pc:sldMk cId="140018294" sldId="276"/>
+            <ac:spMk id="3" creationId="{F74CA2A1-C143-4766-B19B-96B556BE2B8A}"/>
+          </ac:spMkLst>
+        </pc:spChg>
+        <pc:spChg chg="add del mod">
+          <ac:chgData name="Michel Alt" userId="3d3d50152f9d1fbf" providerId="LiveId" clId="{64A503E9-204D-456D-A7ED-D96CB5E7D3C1}" dt="2019-04-11T12:28:29.909" v="342" actId="931"/>
+          <ac:spMkLst>
+            <pc:docMk/>
+            <pc:sldMk cId="140018294" sldId="276"/>
+            <ac:spMk id="6" creationId="{B4379BFF-FF3F-45E1-9029-5EBDFDA05CD6}"/>
+          </ac:spMkLst>
+        </pc:spChg>
+        <pc:picChg chg="del">
+          <ac:chgData name="Michel Alt" userId="3d3d50152f9d1fbf" providerId="LiveId" clId="{64A503E9-204D-456D-A7ED-D96CB5E7D3C1}" dt="2019-04-11T12:27:39.071" v="340" actId="478"/>
+          <ac:picMkLst>
+            <pc:docMk/>
+            <pc:sldMk cId="140018294" sldId="276"/>
+            <ac:picMk id="4" creationId="{5B09A149-BA53-4D81-9B6B-A6CFE79B833A}"/>
+          </ac:picMkLst>
+        </pc:picChg>
+        <pc:picChg chg="add mod">
+          <ac:chgData name="Michel Alt" userId="3d3d50152f9d1fbf" providerId="LiveId" clId="{64A503E9-204D-456D-A7ED-D96CB5E7D3C1}" dt="2019-04-11T12:28:33.222" v="343" actId="26606"/>
+          <ac:picMkLst>
+            <pc:docMk/>
+            <pc:sldMk cId="140018294" sldId="276"/>
+            <ac:picMk id="8" creationId="{60F1D95D-B03E-47DA-B984-5A46CDDC723A}"/>
           </ac:picMkLst>
         </pc:picChg>
       </pc:sldChg>
@@ -420,6 +507,91 @@
             <pc:docMk/>
             <pc:sldMk cId="3995045714" sldId="284"/>
             <ac:picMk id="7" creationId="{84E7A721-0939-4D69-80A2-3E8D0E2DC079}"/>
+          </ac:picMkLst>
+        </pc:picChg>
+      </pc:sldChg>
+      <pc:sldChg chg="add del">
+        <pc:chgData name="Michel Alt" userId="3d3d50152f9d1fbf" providerId="LiveId" clId="{64A503E9-204D-456D-A7ED-D96CB5E7D3C1}" dt="2019-04-11T12:29:57.519" v="374" actId="2696"/>
+        <pc:sldMkLst>
+          <pc:docMk/>
+          <pc:sldMk cId="3839956617" sldId="285"/>
+        </pc:sldMkLst>
+      </pc:sldChg>
+      <pc:sldChg chg="addSp delSp modSp add">
+        <pc:chgData name="Michel Alt" userId="3d3d50152f9d1fbf" providerId="LiveId" clId="{64A503E9-204D-456D-A7ED-D96CB5E7D3C1}" dt="2019-04-11T12:30:07.361" v="377" actId="26606"/>
+        <pc:sldMkLst>
+          <pc:docMk/>
+          <pc:sldMk cId="676792167" sldId="286"/>
+        </pc:sldMkLst>
+        <pc:spChg chg="ord">
+          <ac:chgData name="Michel Alt" userId="3d3d50152f9d1fbf" providerId="LiveId" clId="{64A503E9-204D-456D-A7ED-D96CB5E7D3C1}" dt="2019-04-11T12:30:07.361" v="377" actId="26606"/>
+          <ac:spMkLst>
+            <pc:docMk/>
+            <pc:sldMk cId="676792167" sldId="286"/>
+            <ac:spMk id="3" creationId="{F74CA2A1-C143-4766-B19B-96B556BE2B8A}"/>
+          </ac:spMkLst>
+        </pc:spChg>
+        <pc:spChg chg="add del mod">
+          <ac:chgData name="Michel Alt" userId="3d3d50152f9d1fbf" providerId="LiveId" clId="{64A503E9-204D-456D-A7ED-D96CB5E7D3C1}" dt="2019-04-11T12:30:04.423" v="376" actId="931"/>
+          <ac:spMkLst>
+            <pc:docMk/>
+            <pc:sldMk cId="676792167" sldId="286"/>
+            <ac:spMk id="4" creationId="{B2B809D6-E9AA-45A1-BAF0-FABF70DFCD20}"/>
+          </ac:spMkLst>
+        </pc:spChg>
+        <pc:picChg chg="add mod">
+          <ac:chgData name="Michel Alt" userId="3d3d50152f9d1fbf" providerId="LiveId" clId="{64A503E9-204D-456D-A7ED-D96CB5E7D3C1}" dt="2019-04-11T12:30:07.361" v="377" actId="26606"/>
+          <ac:picMkLst>
+            <pc:docMk/>
+            <pc:sldMk cId="676792167" sldId="286"/>
+            <ac:picMk id="6" creationId="{6FC080C3-7304-4D75-8EA4-C3C33DF45CA5}"/>
+          </ac:picMkLst>
+        </pc:picChg>
+        <pc:picChg chg="del">
+          <ac:chgData name="Michel Alt" userId="3d3d50152f9d1fbf" providerId="LiveId" clId="{64A503E9-204D-456D-A7ED-D96CB5E7D3C1}" dt="2019-04-11T12:30:00.669" v="375" actId="478"/>
+          <ac:picMkLst>
+            <pc:docMk/>
+            <pc:sldMk cId="676792167" sldId="286"/>
+            <ac:picMk id="8" creationId="{60F1D95D-B03E-47DA-B984-5A46CDDC723A}"/>
+          </ac:picMkLst>
+        </pc:picChg>
+      </pc:sldChg>
+      <pc:sldChg chg="addSp delSp modSp add">
+        <pc:chgData name="Michel Alt" userId="3d3d50152f9d1fbf" providerId="LiveId" clId="{64A503E9-204D-456D-A7ED-D96CB5E7D3C1}" dt="2019-04-11T12:30:17.907" v="380" actId="26606"/>
+        <pc:sldMkLst>
+          <pc:docMk/>
+          <pc:sldMk cId="950557641" sldId="287"/>
+        </pc:sldMkLst>
+        <pc:spChg chg="ord">
+          <ac:chgData name="Michel Alt" userId="3d3d50152f9d1fbf" providerId="LiveId" clId="{64A503E9-204D-456D-A7ED-D96CB5E7D3C1}" dt="2019-04-11T12:30:17.907" v="380" actId="26606"/>
+          <ac:spMkLst>
+            <pc:docMk/>
+            <pc:sldMk cId="950557641" sldId="287"/>
+            <ac:spMk id="3" creationId="{F74CA2A1-C143-4766-B19B-96B556BE2B8A}"/>
+          </ac:spMkLst>
+        </pc:spChg>
+        <pc:spChg chg="add del mod">
+          <ac:chgData name="Michel Alt" userId="3d3d50152f9d1fbf" providerId="LiveId" clId="{64A503E9-204D-456D-A7ED-D96CB5E7D3C1}" dt="2019-04-11T12:30:15.569" v="379" actId="931"/>
+          <ac:spMkLst>
+            <pc:docMk/>
+            <pc:sldMk cId="950557641" sldId="287"/>
+            <ac:spMk id="4" creationId="{E22923AF-563D-43DF-8665-743B225BDCD8}"/>
+          </ac:spMkLst>
+        </pc:spChg>
+        <pc:picChg chg="add mod">
+          <ac:chgData name="Michel Alt" userId="3d3d50152f9d1fbf" providerId="LiveId" clId="{64A503E9-204D-456D-A7ED-D96CB5E7D3C1}" dt="2019-04-11T12:30:17.907" v="380" actId="26606"/>
+          <ac:picMkLst>
+            <pc:docMk/>
+            <pc:sldMk cId="950557641" sldId="287"/>
+            <ac:picMk id="6" creationId="{29129F5C-F4C8-41B1-89A4-3A9A0B5362EC}"/>
+          </ac:picMkLst>
+        </pc:picChg>
+        <pc:picChg chg="del">
+          <ac:chgData name="Michel Alt" userId="3d3d50152f9d1fbf" providerId="LiveId" clId="{64A503E9-204D-456D-A7ED-D96CB5E7D3C1}" dt="2019-04-11T12:30:11.444" v="378" actId="478"/>
+          <ac:picMkLst>
+            <pc:docMk/>
+            <pc:sldMk cId="950557641" sldId="287"/>
+            <ac:picMk id="8" creationId="{60F1D95D-B03E-47DA-B984-5A46CDDC723A}"/>
           </ac:picMkLst>
         </pc:picChg>
       </pc:sldChg>
@@ -6221,6 +6393,166 @@
           <a:lstStyle/>
           <a:p>
             <a:r>
+              <a:rPr lang="fr-CH" dirty="0" err="1"/>
+              <a:t>Einfügedämpfungen</a:t>
+            </a:r>
+            <a:endParaRPr lang="fr-CH" dirty="0"/>
+          </a:p>
+          <a:p>
+            <a:r>
+              <a:rPr lang="fr-CH" dirty="0" err="1"/>
+              <a:t>Schaltung</a:t>
+            </a:r>
+            <a:r>
+              <a:rPr lang="fr-CH" dirty="0"/>
+              <a:t> </a:t>
+            </a:r>
+            <a:r>
+              <a:rPr lang="fr-CH" dirty="0" err="1"/>
+              <a:t>aus</a:t>
+            </a:r>
+            <a:r>
+              <a:rPr lang="fr-CH" dirty="0"/>
+              <a:t> </a:t>
+            </a:r>
+            <a:r>
+              <a:rPr lang="fr-CH" dirty="0" err="1"/>
+              <a:t>relevanten</a:t>
+            </a:r>
+            <a:r>
+              <a:rPr lang="fr-CH" dirty="0"/>
+              <a:t> </a:t>
+            </a:r>
+            <a:r>
+              <a:rPr lang="fr-CH" dirty="0" err="1"/>
+              <a:t>Bauelementen</a:t>
+            </a:r>
+            <a:endParaRPr lang="fr-CH" dirty="0"/>
+          </a:p>
+          <a:p>
+            <a:r>
+              <a:rPr lang="fr-CH" dirty="0" err="1"/>
+              <a:t>entsprechen</a:t>
+            </a:r>
+            <a:r>
+              <a:rPr lang="fr-CH" dirty="0"/>
+              <a:t> der </a:t>
+            </a:r>
+            <a:r>
+              <a:rPr lang="fr-CH" dirty="0" err="1"/>
+              <a:t>Aufgabenstellung</a:t>
+            </a:r>
+            <a:endParaRPr lang="fr-CH" dirty="0"/>
+          </a:p>
+          <a:p>
+            <a:r>
+              <a:rPr lang="fr-CH" dirty="0" err="1"/>
+              <a:t>simuliert</a:t>
+            </a:r>
+            <a:endParaRPr lang="fr-CH" dirty="0"/>
+          </a:p>
+        </p:txBody>
+      </p:sp>
+      <p:sp>
+        <p:nvSpPr>
+          <p:cNvPr id="4" name="Fußzeilenplatzhalter 3"/>
+          <p:cNvSpPr>
+            <a:spLocks noGrp="1"/>
+          </p:cNvSpPr>
+          <p:nvPr>
+            <p:ph type="ftr" sz="quarter" idx="4"/>
+          </p:nvPr>
+        </p:nvSpPr>
+        <p:spPr/>
+        <p:txBody>
+          <a:bodyPr/>
+          <a:lstStyle/>
+          <a:p>
+            <a:endParaRPr lang="fr-CH"/>
+          </a:p>
+        </p:txBody>
+      </p:sp>
+      <p:sp>
+        <p:nvSpPr>
+          <p:cNvPr id="5" name="Foliennummernplatzhalter 4"/>
+          <p:cNvSpPr>
+            <a:spLocks noGrp="1"/>
+          </p:cNvSpPr>
+          <p:nvPr>
+            <p:ph type="sldNum" sz="quarter" idx="5"/>
+          </p:nvPr>
+        </p:nvSpPr>
+        <p:spPr/>
+        <p:txBody>
+          <a:bodyPr/>
+          <a:lstStyle/>
+          <a:p>
+            <a:fld id="{4AD752EC-880F-46D2-BE75-AE99C7969E99}" type="slidenum">
+              <a:rPr lang="fr-CH" smtClean="0"/>
+              <a:t>12</a:t>
+            </a:fld>
+            <a:endParaRPr lang="fr-CH"/>
+          </a:p>
+        </p:txBody>
+      </p:sp>
+    </p:spTree>
+    <p:extLst>
+      <p:ext uri="{BB962C8B-B14F-4D97-AF65-F5344CB8AC3E}">
+        <p14:creationId xmlns:p14="http://schemas.microsoft.com/office/powerpoint/2010/main" val="553395835"/>
+      </p:ext>
+    </p:extLst>
+  </p:cSld>
+  <p:clrMapOvr>
+    <a:masterClrMapping/>
+  </p:clrMapOvr>
+</p:notes>
+</file>
+
+<file path=ppt/notesSlides/notesSlide2.xml><?xml version="1.0" encoding="utf-8"?>
+<p:notes xmlns:a="http://schemas.openxmlformats.org/drawingml/2006/main" xmlns:r="http://schemas.openxmlformats.org/officeDocument/2006/relationships" xmlns:p="http://schemas.openxmlformats.org/presentationml/2006/main">
+  <p:cSld>
+    <p:spTree>
+      <p:nvGrpSpPr>
+        <p:cNvPr id="1" name=""/>
+        <p:cNvGrpSpPr/>
+        <p:nvPr/>
+      </p:nvGrpSpPr>
+      <p:grpSpPr>
+        <a:xfrm>
+          <a:off x="0" y="0"/>
+          <a:ext cx="0" cy="0"/>
+          <a:chOff x="0" y="0"/>
+          <a:chExt cx="0" cy="0"/>
+        </a:xfrm>
+      </p:grpSpPr>
+      <p:sp>
+        <p:nvSpPr>
+          <p:cNvPr id="2" name="Folienbildplatzhalter 1"/>
+          <p:cNvSpPr>
+            <a:spLocks noGrp="1" noRot="1" noChangeAspect="1"/>
+          </p:cNvSpPr>
+          <p:nvPr>
+            <p:ph type="sldImg"/>
+          </p:nvPr>
+        </p:nvSpPr>
+        <p:spPr/>
+      </p:sp>
+      <p:sp>
+        <p:nvSpPr>
+          <p:cNvPr id="3" name="Notizenplatzhalter 2"/>
+          <p:cNvSpPr>
+            <a:spLocks noGrp="1"/>
+          </p:cNvSpPr>
+          <p:nvPr>
+            <p:ph type="body" idx="1"/>
+          </p:nvPr>
+        </p:nvSpPr>
+        <p:spPr/>
+        <p:txBody>
+          <a:bodyPr/>
+          <a:lstStyle/>
+          <a:p>
+            <a:r>
               <a:rPr lang="fr-CH" dirty="0"/>
               <a:t>Mit </a:t>
             </a:r>
@@ -6257,7 +6589,7 @@
           <a:p>
             <a:fld id="{4AD752EC-880F-46D2-BE75-AE99C7969E99}" type="slidenum">
               <a:rPr lang="fr-CH" smtClean="0"/>
-              <a:t>14</a:t>
+              <a:t>15</a:t>
             </a:fld>
             <a:endParaRPr lang="fr-CH"/>
           </a:p>
@@ -6301,7 +6633,7 @@
 </p:notes>
 </file>
 
-<file path=ppt/notesSlides/notesSlide2.xml><?xml version="1.0" encoding="utf-8"?>
+<file path=ppt/notesSlides/notesSlide3.xml><?xml version="1.0" encoding="utf-8"?>
 <p:notes xmlns:a="http://schemas.openxmlformats.org/drawingml/2006/main" xmlns:r="http://schemas.openxmlformats.org/officeDocument/2006/relationships" xmlns:p="http://schemas.openxmlformats.org/presentationml/2006/main">
   <p:cSld>
     <p:spTree>
@@ -6418,7 +6750,7 @@
           <a:p>
             <a:fld id="{4AD752EC-880F-46D2-BE75-AE99C7969E99}" type="slidenum">
               <a:rPr lang="fr-CH" smtClean="0"/>
-              <a:t>17</a:t>
+              <a:t>18</a:t>
             </a:fld>
             <a:endParaRPr lang="fr-CH"/>
           </a:p>
@@ -9586,6 +9918,14 @@
 <file path=ppt/slides/slide10.xml><?xml version="1.0" encoding="utf-8"?>
 <p:sld xmlns:a="http://schemas.openxmlformats.org/drawingml/2006/main" xmlns:r="http://schemas.openxmlformats.org/officeDocument/2006/relationships" xmlns:p="http://schemas.openxmlformats.org/presentationml/2006/main">
   <p:cSld>
+    <p:bg>
+      <p:bgPr>
+        <a:solidFill>
+          <a:schemeClr val="bg1"/>
+        </a:solidFill>
+        <a:effectLst/>
+      </p:bgPr>
+    </p:bg>
     <p:spTree>
       <p:nvGrpSpPr>
         <p:cNvPr id="1" name=""/>
@@ -9600,101 +9940,37 @@
           <a:chExt cx="0" cy="0"/>
         </a:xfrm>
       </p:grpSpPr>
-      <p:sp>
-        <p:nvSpPr>
-          <p:cNvPr id="5" name="Rectangle 1"/>
-          <p:cNvSpPr>
-            <a:spLocks noGrp="1" noChangeArrowheads="1"/>
-          </p:cNvSpPr>
-          <p:nvPr>
-            <p:ph type="title"/>
-          </p:nvPr>
-        </p:nvSpPr>
-        <p:spPr bwMode="auto">
-          <a:xfrm>
-            <a:off x="539552" y="630559"/>
-            <a:ext cx="5688632" cy="369332"/>
-          </a:xfrm>
-          <a:prstGeom prst="rect">
-            <a:avLst/>
-          </a:prstGeom>
-          <a:noFill/>
-          <a:ln>
-            <a:noFill/>
-          </a:ln>
-          <a:effectLst/>
-          <a:extLst>
-            <a:ext uri="{909E8E84-426E-40DD-AFC4-6F175D3DCCD1}">
-              <a14:hiddenFill xmlns:a14="http://schemas.microsoft.com/office/drawing/2010/main">
-                <a:solidFill>
-                  <a:schemeClr val="accent1"/>
-                </a:solidFill>
-              </a14:hiddenFill>
-            </a:ext>
-            <a:ext uri="{91240B29-F687-4F45-9708-019B960494DF}">
-              <a14:hiddenLine xmlns:a14="http://schemas.microsoft.com/office/drawing/2010/main" w="9525">
-                <a:solidFill>
-                  <a:schemeClr val="tx1"/>
-                </a:solidFill>
-                <a:miter lim="800000"/>
-                <a:headEnd/>
-                <a:tailEnd/>
-              </a14:hiddenLine>
-            </a:ext>
-            <a:ext uri="{AF507438-7753-43E0-B8FC-AC1667EBCBE1}">
-              <a14:hiddenEffects xmlns:a14="http://schemas.microsoft.com/office/drawing/2010/main">
-                <a:effectLst>
-                  <a:outerShdw dist="35921" dir="2700000" algn="ctr" rotWithShape="0">
-                    <a:schemeClr val="bg2"/>
-                  </a:outerShdw>
-                </a:effectLst>
-              </a14:hiddenEffects>
-            </a:ext>
-          </a:extLst>
-        </p:spPr>
-        <p:txBody>
-          <a:bodyPr vert="horz" wrap="square" lIns="91440" tIns="45720" rIns="91440" bIns="45720" numCol="1" anchor="ctr" anchorCtr="0" compatLnSpc="1">
-            <a:prstTxWarp prst="textNoShape">
-              <a:avLst/>
-            </a:prstTxWarp>
-            <a:spAutoFit/>
-          </a:bodyPr>
-          <a:lstStyle/>
-          <a:p>
-            <a:pPr lvl="1" algn="ctr" rtl="0">
-              <a:spcBef>
-                <a:spcPct val="0"/>
-              </a:spcBef>
-            </a:pPr>
-            <a:endParaRPr lang="de-CH" dirty="0"/>
-          </a:p>
-        </p:txBody>
-      </p:sp>
       <p:pic>
         <p:nvPicPr>
-          <p:cNvPr id="7" name="Picture 13"/>
+          <p:cNvPr id="6" name="Inhaltsplatzhalter 5">
+            <a:extLst>
+              <a:ext uri="{FF2B5EF4-FFF2-40B4-BE49-F238E27FC236}">
+                <a16:creationId xmlns:a16="http://schemas.microsoft.com/office/drawing/2014/main" id="{6FC080C3-7304-4D75-8EA4-C3C33DF45CA5}"/>
+              </a:ext>
+            </a:extLst>
+          </p:cNvPr>
           <p:cNvPicPr>
-            <a:picLocks noGrp="1"/>
+            <a:picLocks noGrp="1" noChangeAspect="1"/>
           </p:cNvPicPr>
           <p:nvPr>
             <p:ph idx="1"/>
           </p:nvPr>
         </p:nvPicPr>
         <p:blipFill rotWithShape="1">
-          <a:blip r:embed="rId2" cstate="print">
+          <a:blip r:embed="rId2">
             <a:extLst>
               <a:ext uri="{28A0092B-C50C-407E-A947-70E740481C1C}">
                 <a14:useLocalDpi xmlns:a14="http://schemas.microsoft.com/office/drawing/2010/main" val="0"/>
               </a:ext>
             </a:extLst>
           </a:blip>
-          <a:srcRect/>
+          <a:srcRect l="11684" r="13316"/>
           <a:stretch/>
         </p:blipFill>
         <p:spPr>
           <a:xfrm>
-            <a:off x="0" y="0"/>
-            <a:ext cx="9144000" cy="6858000"/>
+            <a:off x="20" y="10"/>
+            <a:ext cx="9143980" cy="6857990"/>
           </a:xfrm>
           <a:prstGeom prst="rect">
             <a:avLst/>
@@ -9703,39 +9979,10 @@
       </p:pic>
       <p:sp>
         <p:nvSpPr>
-          <p:cNvPr id="10" name="Rechteck 9"/>
-          <p:cNvSpPr/>
-          <p:nvPr/>
-        </p:nvSpPr>
-        <p:spPr>
-          <a:xfrm>
-            <a:off x="2051720" y="4077072"/>
-            <a:ext cx="2494594" cy="261610"/>
-          </a:xfrm>
-          <a:prstGeom prst="rect">
-            <a:avLst/>
-          </a:prstGeom>
-        </p:spPr>
-        <p:txBody>
-          <a:bodyPr wrap="none">
-            <a:spAutoFit/>
-          </a:bodyPr>
-          <a:lstStyle/>
-          <a:p>
-            <a:r>
-              <a:rPr lang="de-DE" sz="1100" dirty="0"/>
-              <a:t>Abbildung 12: Anpassung der Parameter</a:t>
-            </a:r>
-            <a:endParaRPr lang="de-CH" sz="1100" dirty="0"/>
-          </a:p>
-        </p:txBody>
-      </p:sp>
-      <p:sp>
-        <p:nvSpPr>
-          <p:cNvPr id="2" name="Foliennummernplatzhalter 1">
+          <p:cNvPr id="3" name="Foliennummernplatzhalter 2">
             <a:extLst>
               <a:ext uri="{FF2B5EF4-FFF2-40B4-BE49-F238E27FC236}">
-                <a16:creationId xmlns:a16="http://schemas.microsoft.com/office/drawing/2014/main" id="{445A02E9-D628-4B73-B5C6-588E842DED41}"/>
+                <a16:creationId xmlns:a16="http://schemas.microsoft.com/office/drawing/2014/main" id="{F74CA2A1-C143-4766-B19B-96B556BE2B8A}"/>
               </a:ext>
             </a:extLst>
           </p:cNvPr>
@@ -9746,23 +9993,48 @@
             <p:ph type="sldNum" sz="quarter" idx="12"/>
           </p:nvPr>
         </p:nvSpPr>
-        <p:spPr/>
+        <p:spPr>
+          <a:xfrm>
+            <a:off x="6457950" y="6356350"/>
+            <a:ext cx="2057400" cy="365125"/>
+          </a:xfrm>
+        </p:spPr>
         <p:txBody>
-          <a:bodyPr/>
+          <a:bodyPr vert="horz" lIns="91440" tIns="45720" rIns="91440" bIns="45720" rtlCol="0" anchor="ctr">
+            <a:normAutofit/>
+          </a:bodyPr>
           <a:lstStyle/>
           <a:p>
+            <a:pPr>
+              <a:spcAft>
+                <a:spcPts val="600"/>
+              </a:spcAft>
+            </a:pPr>
             <a:fld id="{6C6AE60A-B69C-4790-82F7-3882EDF23186}" type="slidenum">
-              <a:rPr lang="de-DE" smtClean="0"/>
+              <a:rPr lang="en-US">
+                <a:solidFill>
+                  <a:srgbClr val="FFFFFF"/>
+                </a:solidFill>
+              </a:rPr>
+              <a:pPr>
+                <a:spcAft>
+                  <a:spcPts val="600"/>
+                </a:spcAft>
+              </a:pPr>
               <a:t>10</a:t>
             </a:fld>
-            <a:endParaRPr lang="de-DE"/>
+            <a:endParaRPr lang="en-US">
+              <a:solidFill>
+                <a:srgbClr val="FFFFFF"/>
+              </a:solidFill>
+            </a:endParaRPr>
           </a:p>
         </p:txBody>
       </p:sp>
     </p:spTree>
     <p:extLst>
       <p:ext uri="{BB962C8B-B14F-4D97-AF65-F5344CB8AC3E}">
-        <p14:creationId xmlns:p14="http://schemas.microsoft.com/office/powerpoint/2010/main" val="610452915"/>
+        <p14:creationId xmlns:p14="http://schemas.microsoft.com/office/powerpoint/2010/main" val="676792167"/>
       </p:ext>
     </p:extLst>
   </p:cSld>
@@ -9773,6 +10045,135 @@
 </file>
 
 <file path=ppt/slides/slide11.xml><?xml version="1.0" encoding="utf-8"?>
+<p:sld xmlns:a="http://schemas.openxmlformats.org/drawingml/2006/main" xmlns:r="http://schemas.openxmlformats.org/officeDocument/2006/relationships" xmlns:p="http://schemas.openxmlformats.org/presentationml/2006/main">
+  <p:cSld>
+    <p:bg>
+      <p:bgPr>
+        <a:solidFill>
+          <a:schemeClr val="bg1"/>
+        </a:solidFill>
+        <a:effectLst/>
+      </p:bgPr>
+    </p:bg>
+    <p:spTree>
+      <p:nvGrpSpPr>
+        <p:cNvPr id="1" name=""/>
+        <p:cNvGrpSpPr/>
+        <p:nvPr/>
+      </p:nvGrpSpPr>
+      <p:grpSpPr>
+        <a:xfrm>
+          <a:off x="0" y="0"/>
+          <a:ext cx="0" cy="0"/>
+          <a:chOff x="0" y="0"/>
+          <a:chExt cx="0" cy="0"/>
+        </a:xfrm>
+      </p:grpSpPr>
+      <p:pic>
+        <p:nvPicPr>
+          <p:cNvPr id="6" name="Inhaltsplatzhalter 5">
+            <a:extLst>
+              <a:ext uri="{FF2B5EF4-FFF2-40B4-BE49-F238E27FC236}">
+                <a16:creationId xmlns:a16="http://schemas.microsoft.com/office/drawing/2014/main" id="{29129F5C-F4C8-41B1-89A4-3A9A0B5362EC}"/>
+              </a:ext>
+            </a:extLst>
+          </p:cNvPr>
+          <p:cNvPicPr>
+            <a:picLocks noGrp="1" noChangeAspect="1"/>
+          </p:cNvPicPr>
+          <p:nvPr>
+            <p:ph idx="1"/>
+          </p:nvPr>
+        </p:nvPicPr>
+        <p:blipFill rotWithShape="1">
+          <a:blip r:embed="rId2">
+            <a:extLst>
+              <a:ext uri="{28A0092B-C50C-407E-A947-70E740481C1C}">
+                <a14:useLocalDpi xmlns:a14="http://schemas.microsoft.com/office/drawing/2010/main" val="0"/>
+              </a:ext>
+            </a:extLst>
+          </a:blip>
+          <a:srcRect l="12288" r="12712"/>
+          <a:stretch/>
+        </p:blipFill>
+        <p:spPr>
+          <a:xfrm>
+            <a:off x="20" y="10"/>
+            <a:ext cx="9143980" cy="6857990"/>
+          </a:xfrm>
+          <a:prstGeom prst="rect">
+            <a:avLst/>
+          </a:prstGeom>
+        </p:spPr>
+      </p:pic>
+      <p:sp>
+        <p:nvSpPr>
+          <p:cNvPr id="3" name="Foliennummernplatzhalter 2">
+            <a:extLst>
+              <a:ext uri="{FF2B5EF4-FFF2-40B4-BE49-F238E27FC236}">
+                <a16:creationId xmlns:a16="http://schemas.microsoft.com/office/drawing/2014/main" id="{F74CA2A1-C143-4766-B19B-96B556BE2B8A}"/>
+              </a:ext>
+            </a:extLst>
+          </p:cNvPr>
+          <p:cNvSpPr>
+            <a:spLocks noGrp="1"/>
+          </p:cNvSpPr>
+          <p:nvPr>
+            <p:ph type="sldNum" sz="quarter" idx="12"/>
+          </p:nvPr>
+        </p:nvSpPr>
+        <p:spPr>
+          <a:xfrm>
+            <a:off x="6457950" y="6356350"/>
+            <a:ext cx="2057400" cy="365125"/>
+          </a:xfrm>
+        </p:spPr>
+        <p:txBody>
+          <a:bodyPr vert="horz" lIns="91440" tIns="45720" rIns="91440" bIns="45720" rtlCol="0" anchor="ctr">
+            <a:normAutofit/>
+          </a:bodyPr>
+          <a:lstStyle/>
+          <a:p>
+            <a:pPr>
+              <a:spcAft>
+                <a:spcPts val="600"/>
+              </a:spcAft>
+            </a:pPr>
+            <a:fld id="{6C6AE60A-B69C-4790-82F7-3882EDF23186}" type="slidenum">
+              <a:rPr lang="en-US">
+                <a:solidFill>
+                  <a:srgbClr val="FFFFFF"/>
+                </a:solidFill>
+              </a:rPr>
+              <a:pPr>
+                <a:spcAft>
+                  <a:spcPts val="600"/>
+                </a:spcAft>
+              </a:pPr>
+              <a:t>11</a:t>
+            </a:fld>
+            <a:endParaRPr lang="en-US">
+              <a:solidFill>
+                <a:srgbClr val="FFFFFF"/>
+              </a:solidFill>
+            </a:endParaRPr>
+          </a:p>
+        </p:txBody>
+      </p:sp>
+    </p:spTree>
+    <p:extLst>
+      <p:ext uri="{BB962C8B-B14F-4D97-AF65-F5344CB8AC3E}">
+        <p14:creationId xmlns:p14="http://schemas.microsoft.com/office/powerpoint/2010/main" val="950557641"/>
+      </p:ext>
+    </p:extLst>
+  </p:cSld>
+  <p:clrMapOvr>
+    <a:masterClrMapping/>
+  </p:clrMapOvr>
+</p:sld>
+</file>
+
+<file path=ppt/slides/slide12.xml><?xml version="1.0" encoding="utf-8"?>
 <p:sld xmlns:a="http://schemas.openxmlformats.org/drawingml/2006/main" xmlns:r="http://schemas.openxmlformats.org/officeDocument/2006/relationships" xmlns:p="http://schemas.openxmlformats.org/presentationml/2006/main">
   <p:cSld>
     <p:spTree>
@@ -9911,7 +10312,7 @@
           <a:p>
             <a:fld id="{6C6AE60A-B69C-4790-82F7-3882EDF23186}" type="slidenum">
               <a:rPr lang="de-DE" smtClean="0"/>
-              <a:t>11</a:t>
+              <a:t>12</a:t>
             </a:fld>
             <a:endParaRPr lang="de-DE"/>
           </a:p>
@@ -9930,7 +10331,7 @@
 </p:sld>
 </file>
 
-<file path=ppt/slides/slide12.xml><?xml version="1.0" encoding="utf-8"?>
+<file path=ppt/slides/slide13.xml><?xml version="1.0" encoding="utf-8"?>
 <p:sld xmlns:a="http://schemas.openxmlformats.org/drawingml/2006/main" xmlns:r="http://schemas.openxmlformats.org/officeDocument/2006/relationships" xmlns:p="http://schemas.openxmlformats.org/presentationml/2006/main">
   <p:cSld>
     <p:spTree>
@@ -10033,7 +10434,7 @@
           <a:p>
             <a:fld id="{6C6AE60A-B69C-4790-82F7-3882EDF23186}" type="slidenum">
               <a:rPr lang="de-DE" smtClean="0"/>
-              <a:t>12</a:t>
+              <a:t>13</a:t>
             </a:fld>
             <a:endParaRPr lang="de-DE"/>
           </a:p>
@@ -10052,7 +10453,7 @@
 </p:sld>
 </file>
 
-<file path=ppt/slides/slide13.xml><?xml version="1.0" encoding="utf-8"?>
+<file path=ppt/slides/slide14.xml><?xml version="1.0" encoding="utf-8"?>
 <p:sld xmlns:a="http://schemas.openxmlformats.org/drawingml/2006/main" xmlns:r="http://schemas.openxmlformats.org/officeDocument/2006/relationships" xmlns:p="http://schemas.openxmlformats.org/presentationml/2006/main">
   <p:cSld>
     <p:spTree>
@@ -10165,7 +10566,7 @@
           <a:p>
             <a:fld id="{6C6AE60A-B69C-4790-82F7-3882EDF23186}" type="slidenum">
               <a:rPr lang="de-DE" smtClean="0"/>
-              <a:t>13</a:t>
+              <a:t>14</a:t>
             </a:fld>
             <a:endParaRPr lang="de-DE"/>
           </a:p>
@@ -10184,7 +10585,7 @@
 </p:sld>
 </file>
 
-<file path=ppt/slides/slide14.xml><?xml version="1.0" encoding="utf-8"?>
+<file path=ppt/slides/slide15.xml><?xml version="1.0" encoding="utf-8"?>
 <p:sld xmlns:a="http://schemas.openxmlformats.org/drawingml/2006/main" xmlns:r="http://schemas.openxmlformats.org/officeDocument/2006/relationships" xmlns:p="http://schemas.openxmlformats.org/presentationml/2006/main">
   <p:cSld>
     <p:spTree>
@@ -10260,7 +10661,7 @@
           <a:p>
             <a:fld id="{6C6AE60A-B69C-4790-82F7-3882EDF23186}" type="slidenum">
               <a:rPr lang="de-DE" smtClean="0"/>
-              <a:t>14</a:t>
+              <a:t>15</a:t>
             </a:fld>
             <a:endParaRPr lang="de-DE"/>
           </a:p>
@@ -10279,7 +10680,7 @@
 </p:sld>
 </file>
 
-<file path=ppt/slides/slide15.xml><?xml version="1.0" encoding="utf-8"?>
+<file path=ppt/slides/slide16.xml><?xml version="1.0" encoding="utf-8"?>
 <p:sld xmlns:a="http://schemas.openxmlformats.org/drawingml/2006/main" xmlns:r="http://schemas.openxmlformats.org/officeDocument/2006/relationships" xmlns:p="http://schemas.openxmlformats.org/presentationml/2006/main">
   <p:cSld>
     <p:spTree>
@@ -10396,7 +10797,7 @@
           <a:p>
             <a:fld id="{6C6AE60A-B69C-4790-82F7-3882EDF23186}" type="slidenum">
               <a:rPr lang="de-DE" smtClean="0"/>
-              <a:t>15</a:t>
+              <a:t>16</a:t>
             </a:fld>
             <a:endParaRPr lang="de-DE"/>
           </a:p>
@@ -10415,7 +10816,7 @@
 </p:sld>
 </file>
 
-<file path=ppt/slides/slide16.xml><?xml version="1.0" encoding="utf-8"?>
+<file path=ppt/slides/slide17.xml><?xml version="1.0" encoding="utf-8"?>
 <p:sld xmlns:a="http://schemas.openxmlformats.org/drawingml/2006/main" xmlns:r="http://schemas.openxmlformats.org/officeDocument/2006/relationships" xmlns:p="http://schemas.openxmlformats.org/presentationml/2006/main">
   <p:cSld>
     <p:spTree>
@@ -10485,7 +10886,7 @@
           <a:p>
             <a:fld id="{6C6AE60A-B69C-4790-82F7-3882EDF23186}" type="slidenum">
               <a:rPr lang="de-DE" smtClean="0"/>
-              <a:t>16</a:t>
+              <a:t>17</a:t>
             </a:fld>
             <a:endParaRPr lang="de-DE"/>
           </a:p>
@@ -10504,7 +10905,7 @@
 </p:sld>
 </file>
 
-<file path=ppt/slides/slide17.xml><?xml version="1.0" encoding="utf-8"?>
+<file path=ppt/slides/slide18.xml><?xml version="1.0" encoding="utf-8"?>
 <p:sld xmlns:a="http://schemas.openxmlformats.org/drawingml/2006/main" xmlns:r="http://schemas.openxmlformats.org/officeDocument/2006/relationships" xmlns:p="http://schemas.openxmlformats.org/presentationml/2006/main">
   <p:cSld>
     <p:spTree>
@@ -10574,7 +10975,7 @@
           <a:p>
             <a:fld id="{6C6AE60A-B69C-4790-82F7-3882EDF23186}" type="slidenum">
               <a:rPr lang="de-DE" smtClean="0"/>
-              <a:t>17</a:t>
+              <a:t>18</a:t>
             </a:fld>
             <a:endParaRPr lang="de-DE"/>
           </a:p>
@@ -10593,7 +10994,7 @@
 </p:sld>
 </file>
 
-<file path=ppt/slides/slide18.xml><?xml version="1.0" encoding="utf-8"?>
+<file path=ppt/slides/slide19.xml><?xml version="1.0" encoding="utf-8"?>
 <p:sld xmlns:a="http://schemas.openxmlformats.org/drawingml/2006/main" xmlns:r="http://schemas.openxmlformats.org/officeDocument/2006/relationships" xmlns:p="http://schemas.openxmlformats.org/presentationml/2006/main">
   <p:cSld>
     <p:bg>
@@ -10679,7 +11080,7 @@
           <a:p>
             <a:fld id="{6C6AE60A-B69C-4790-82F7-3882EDF23186}" type="slidenum">
               <a:rPr lang="de-DE" smtClean="0"/>
-              <a:t>18</a:t>
+              <a:t>19</a:t>
             </a:fld>
             <a:endParaRPr lang="de-DE"/>
           </a:p>
@@ -12789,6 +13190,14 @@
 <file path=ppt/slides/slide9.xml><?xml version="1.0" encoding="utf-8"?>
 <p:sld xmlns:a="http://schemas.openxmlformats.org/drawingml/2006/main" xmlns:r="http://schemas.openxmlformats.org/officeDocument/2006/relationships" xmlns:p="http://schemas.openxmlformats.org/presentationml/2006/main">
   <p:cSld>
+    <p:bg>
+      <p:bgPr>
+        <a:solidFill>
+          <a:schemeClr val="bg1"/>
+        </a:solidFill>
+        <a:effectLst/>
+      </p:bgPr>
+    </p:bg>
     <p:spTree>
       <p:nvGrpSpPr>
         <p:cNvPr id="1" name=""/>
@@ -12803,63 +13212,37 @@
           <a:chExt cx="0" cy="0"/>
         </a:xfrm>
       </p:grpSpPr>
-      <p:sp>
-        <p:nvSpPr>
-          <p:cNvPr id="2" name="Titel 1">
+      <p:pic>
+        <p:nvPicPr>
+          <p:cNvPr id="8" name="Inhaltsplatzhalter 7">
             <a:extLst>
               <a:ext uri="{FF2B5EF4-FFF2-40B4-BE49-F238E27FC236}">
-                <a16:creationId xmlns:a16="http://schemas.microsoft.com/office/drawing/2014/main" id="{5D7CFD08-74D4-4775-87D6-921D7EF23F67}"/>
-              </a:ext>
-            </a:extLst>
-          </p:cNvPr>
-          <p:cNvSpPr>
-            <a:spLocks noGrp="1"/>
-          </p:cNvSpPr>
-          <p:nvPr>
-            <p:ph type="title"/>
-          </p:nvPr>
-        </p:nvSpPr>
-        <p:spPr/>
-        <p:txBody>
-          <a:bodyPr/>
-          <a:lstStyle/>
-          <a:p>
-            <a:endParaRPr lang="de-CH" dirty="0"/>
-          </a:p>
-        </p:txBody>
-      </p:sp>
-      <p:pic>
-        <p:nvPicPr>
-          <p:cNvPr id="4" name="Picture 14">
-            <a:extLst>
-              <a:ext uri="{FF2B5EF4-FFF2-40B4-BE49-F238E27FC236}">
-                <a16:creationId xmlns:a16="http://schemas.microsoft.com/office/drawing/2014/main" id="{5B09A149-BA53-4D81-9B6B-A6CFE79B833A}"/>
+                <a16:creationId xmlns:a16="http://schemas.microsoft.com/office/drawing/2014/main" id="{60F1D95D-B03E-47DA-B984-5A46CDDC723A}"/>
               </a:ext>
             </a:extLst>
           </p:cNvPr>
           <p:cNvPicPr>
-            <a:picLocks noGrp="1"/>
+            <a:picLocks noGrp="1" noChangeAspect="1"/>
           </p:cNvPicPr>
           <p:nvPr>
             <p:ph idx="1"/>
           </p:nvPr>
         </p:nvPicPr>
-        <p:blipFill>
-          <a:blip r:embed="rId2" cstate="print">
+        <p:blipFill rotWithShape="1">
+          <a:blip r:embed="rId2">
             <a:extLst>
               <a:ext uri="{28A0092B-C50C-407E-A947-70E740481C1C}">
                 <a14:useLocalDpi xmlns:a14="http://schemas.microsoft.com/office/drawing/2010/main" val="0"/>
               </a:ext>
             </a:extLst>
           </a:blip>
-          <a:stretch>
-            <a:fillRect/>
-          </a:stretch>
+          <a:srcRect l="11624" r="13376"/>
+          <a:stretch/>
         </p:blipFill>
         <p:spPr>
           <a:xfrm>
-            <a:off x="0" y="0"/>
-            <a:ext cx="9144000" cy="6858000"/>
+            <a:off x="20" y="10"/>
+            <a:ext cx="9143980" cy="6857990"/>
           </a:xfrm>
           <a:prstGeom prst="rect">
             <a:avLst/>
@@ -12882,16 +13265,41 @@
             <p:ph type="sldNum" sz="quarter" idx="12"/>
           </p:nvPr>
         </p:nvSpPr>
-        <p:spPr/>
+        <p:spPr>
+          <a:xfrm>
+            <a:off x="6457950" y="6356350"/>
+            <a:ext cx="2057400" cy="365125"/>
+          </a:xfrm>
+        </p:spPr>
         <p:txBody>
-          <a:bodyPr/>
+          <a:bodyPr vert="horz" lIns="91440" tIns="45720" rIns="91440" bIns="45720" rtlCol="0" anchor="ctr">
+            <a:normAutofit/>
+          </a:bodyPr>
           <a:lstStyle/>
           <a:p>
+            <a:pPr>
+              <a:spcAft>
+                <a:spcPts val="600"/>
+              </a:spcAft>
+            </a:pPr>
             <a:fld id="{6C6AE60A-B69C-4790-82F7-3882EDF23186}" type="slidenum">
-              <a:rPr lang="de-DE" smtClean="0"/>
+              <a:rPr lang="en-US">
+                <a:solidFill>
+                  <a:srgbClr val="FFFFFF"/>
+                </a:solidFill>
+              </a:rPr>
+              <a:pPr>
+                <a:spcAft>
+                  <a:spcPts val="600"/>
+                </a:spcAft>
+              </a:pPr>
               <a:t>9</a:t>
             </a:fld>
-            <a:endParaRPr lang="de-DE"/>
+            <a:endParaRPr lang="en-US">
+              <a:solidFill>
+                <a:srgbClr val="FFFFFF"/>
+              </a:solidFill>
+            </a:endParaRPr>
           </a:p>
         </p:txBody>
       </p:sp>

--- a/ZwischenPresäntation_RichardBritt.pptx
+++ b/ZwischenPresäntation_RichardBritt.pptx
@@ -150,7 +150,7 @@
 <file path=ppt/revisionInfo.xml><?xml version="1.0" encoding="utf-8"?>
 <p1510:revInfo xmlns:a="http://schemas.openxmlformats.org/drawingml/2006/main" xmlns:r="http://schemas.openxmlformats.org/officeDocument/2006/relationships" xmlns:p1510="http://schemas.microsoft.com/office/powerpoint/2015/10/main">
   <p1510:revLst>
-    <p1510:client id="{64A503E9-204D-456D-A7ED-D96CB5E7D3C1}" v="384" dt="2019-04-11T12:30:17.907"/>
+    <p1510:client id="{64A503E9-204D-456D-A7ED-D96CB5E7D3C1}" v="597" dt="2019-04-11T12:33:06.078"/>
     <p1510:client id="{7B9CFC24-6A95-4E88-AFBD-88113F9F429A}" v="20" dt="2019-04-10T14:20:06.489"/>
   </p1510:revLst>
 </p1510:revInfo>
@@ -161,7 +161,7 @@
   <pc:docChgLst>
     <pc:chgData name="Michel Alt" userId="3d3d50152f9d1fbf" providerId="LiveId" clId="{64A503E9-204D-456D-A7ED-D96CB5E7D3C1}"/>
     <pc:docChg chg="undo custSel mod addSld delSld modSld sldOrd">
-      <pc:chgData name="Michel Alt" userId="3d3d50152f9d1fbf" providerId="LiveId" clId="{64A503E9-204D-456D-A7ED-D96CB5E7D3C1}" dt="2019-04-11T12:30:17.907" v="380" actId="26606"/>
+      <pc:chgData name="Michel Alt" userId="3d3d50152f9d1fbf" providerId="LiveId" clId="{64A503E9-204D-456D-A7ED-D96CB5E7D3C1}" dt="2019-04-11T12:33:06.078" v="593" actId="20577"/>
       <pc:docMkLst>
         <pc:docMk/>
       </pc:docMkLst>
@@ -202,8 +202,8 @@
           <pc:sldMk cId="944503420" sldId="265"/>
         </pc:sldMkLst>
       </pc:sldChg>
-      <pc:sldChg chg="addSp delSp modSp">
-        <pc:chgData name="Michel Alt" userId="3d3d50152f9d1fbf" providerId="LiveId" clId="{64A503E9-204D-456D-A7ED-D96CB5E7D3C1}" dt="2019-04-10T20:55:37.148" v="17" actId="404"/>
+      <pc:sldChg chg="addSp delSp modSp modNotesTx">
+        <pc:chgData name="Michel Alt" userId="3d3d50152f9d1fbf" providerId="LiveId" clId="{64A503E9-204D-456D-A7ED-D96CB5E7D3C1}" dt="2019-04-11T12:32:11.531" v="483" actId="20577"/>
         <pc:sldMkLst>
           <pc:docMk/>
           <pc:sldMk cId="3076454274" sldId="266"/>
@@ -364,8 +364,8 @@
           </ac:picMkLst>
         </pc:picChg>
       </pc:sldChg>
-      <pc:sldChg chg="addSp delSp modSp add">
-        <pc:chgData name="Michel Alt" userId="3d3d50152f9d1fbf" providerId="LiveId" clId="{64A503E9-204D-456D-A7ED-D96CB5E7D3C1}" dt="2019-04-10T21:07:44.073" v="67" actId="1076"/>
+      <pc:sldChg chg="addSp delSp modSp add modNotesTx">
+        <pc:chgData name="Michel Alt" userId="3d3d50152f9d1fbf" providerId="LiveId" clId="{64A503E9-204D-456D-A7ED-D96CB5E7D3C1}" dt="2019-04-11T12:32:38.026" v="539" actId="20577"/>
         <pc:sldMkLst>
           <pc:docMk/>
           <pc:sldMk cId="1391104081" sldId="280"/>
@@ -436,7 +436,7 @@
         </pc:picChg>
       </pc:sldChg>
       <pc:sldChg chg="modNotesTx">
-        <pc:chgData name="Michel Alt" userId="3d3d50152f9d1fbf" providerId="LiveId" clId="{64A503E9-204D-456D-A7ED-D96CB5E7D3C1}" dt="2019-04-11T10:51:05.173" v="112" actId="20577"/>
+        <pc:chgData name="Michel Alt" userId="3d3d50152f9d1fbf" providerId="LiveId" clId="{64A503E9-204D-456D-A7ED-D96CB5E7D3C1}" dt="2019-04-11T12:33:06.078" v="593" actId="20577"/>
         <pc:sldMkLst>
           <pc:docMk/>
           <pc:sldMk cId="4106748518" sldId="281"/>
@@ -6553,12 +6553,319 @@
           <a:lstStyle/>
           <a:p>
             <a:r>
+              <a:rPr lang="fr-CH" dirty="0" err="1"/>
+              <a:t>Zuerst</a:t>
+            </a:r>
+            <a:r>
+              <a:rPr lang="fr-CH" dirty="0"/>
+              <a:t> da </a:t>
+            </a:r>
+            <a:r>
+              <a:rPr lang="fr-CH" dirty="0" err="1"/>
+              <a:t>einfacher</a:t>
+            </a:r>
+            <a:r>
+              <a:rPr lang="fr-CH" dirty="0"/>
+              <a:t> </a:t>
+            </a:r>
+            <a:r>
+              <a:rPr lang="fr-CH" dirty="0" err="1"/>
+              <a:t>wegen</a:t>
+            </a:r>
+            <a:r>
+              <a:rPr lang="fr-CH" dirty="0"/>
+              <a:t> </a:t>
+            </a:r>
+            <a:r>
+              <a:rPr lang="fr-CH" dirty="0" err="1"/>
+              <a:t>Symetrie</a:t>
+            </a:r>
+            <a:endParaRPr lang="fr-CH" dirty="0"/>
+          </a:p>
+          <a:p>
+            <a:r>
+              <a:rPr lang="fr-CH" dirty="0" err="1"/>
+              <a:t>Längs</a:t>
+            </a:r>
+            <a:r>
+              <a:rPr lang="fr-CH" dirty="0"/>
+              <a:t> &amp; </a:t>
+            </a:r>
+            <a:r>
+              <a:rPr lang="fr-CH" dirty="0" err="1"/>
+              <a:t>quer</a:t>
+            </a:r>
+            <a:r>
+              <a:rPr lang="fr-CH" dirty="0"/>
+              <a:t> </a:t>
+            </a:r>
+            <a:r>
+              <a:rPr lang="fr-CH" dirty="0" err="1"/>
+              <a:t>Impedanzen</a:t>
+            </a:r>
+            <a:endParaRPr lang="fr-CH" dirty="0"/>
+          </a:p>
+          <a:p>
+            <a:r>
+              <a:rPr lang="fr-CH" dirty="0" err="1"/>
+              <a:t>Gesammtmatrissen</a:t>
+            </a:r>
+            <a:r>
+              <a:rPr lang="fr-CH" dirty="0"/>
+              <a:t> </a:t>
+            </a:r>
+            <a:r>
+              <a:rPr lang="fr-CH" dirty="0" err="1"/>
+              <a:t>für</a:t>
+            </a:r>
+            <a:r>
+              <a:rPr lang="fr-CH" dirty="0"/>
+              <a:t> </a:t>
+            </a:r>
+            <a:r>
+              <a:rPr lang="fr-CH" dirty="0" err="1"/>
+              <a:t>berechnungen</a:t>
+            </a:r>
+            <a:endParaRPr lang="fr-CH" dirty="0"/>
+          </a:p>
+        </p:txBody>
+      </p:sp>
+      <p:sp>
+        <p:nvSpPr>
+          <p:cNvPr id="4" name="Fußzeilenplatzhalter 3"/>
+          <p:cNvSpPr>
+            <a:spLocks noGrp="1"/>
+          </p:cNvSpPr>
+          <p:nvPr>
+            <p:ph type="ftr" sz="quarter" idx="4"/>
+          </p:nvPr>
+        </p:nvSpPr>
+        <p:spPr/>
+        <p:txBody>
+          <a:bodyPr/>
+          <a:lstStyle/>
+          <a:p>
+            <a:endParaRPr lang="fr-CH"/>
+          </a:p>
+        </p:txBody>
+      </p:sp>
+      <p:sp>
+        <p:nvSpPr>
+          <p:cNvPr id="5" name="Foliennummernplatzhalter 4"/>
+          <p:cNvSpPr>
+            <a:spLocks noGrp="1"/>
+          </p:cNvSpPr>
+          <p:nvPr>
+            <p:ph type="sldNum" sz="quarter" idx="5"/>
+          </p:nvPr>
+        </p:nvSpPr>
+        <p:spPr/>
+        <p:txBody>
+          <a:bodyPr/>
+          <a:lstStyle/>
+          <a:p>
+            <a:fld id="{4AD752EC-880F-46D2-BE75-AE99C7969E99}" type="slidenum">
+              <a:rPr lang="fr-CH" smtClean="0"/>
+              <a:t>13</a:t>
+            </a:fld>
+            <a:endParaRPr lang="fr-CH"/>
+          </a:p>
+        </p:txBody>
+      </p:sp>
+    </p:spTree>
+    <p:extLst>
+      <p:ext uri="{BB962C8B-B14F-4D97-AF65-F5344CB8AC3E}">
+        <p14:creationId xmlns:p14="http://schemas.microsoft.com/office/powerpoint/2010/main" val="753929461"/>
+      </p:ext>
+    </p:extLst>
+  </p:cSld>
+  <p:clrMapOvr>
+    <a:masterClrMapping/>
+  </p:clrMapOvr>
+</p:notes>
+</file>
+
+<file path=ppt/notesSlides/notesSlide3.xml><?xml version="1.0" encoding="utf-8"?>
+<p:notes xmlns:a="http://schemas.openxmlformats.org/drawingml/2006/main" xmlns:r="http://schemas.openxmlformats.org/officeDocument/2006/relationships" xmlns:p="http://schemas.openxmlformats.org/presentationml/2006/main">
+  <p:cSld>
+    <p:spTree>
+      <p:nvGrpSpPr>
+        <p:cNvPr id="1" name=""/>
+        <p:cNvGrpSpPr/>
+        <p:nvPr/>
+      </p:nvGrpSpPr>
+      <p:grpSpPr>
+        <a:xfrm>
+          <a:off x="0" y="0"/>
+          <a:ext cx="0" cy="0"/>
+          <a:chOff x="0" y="0"/>
+          <a:chExt cx="0" cy="0"/>
+        </a:xfrm>
+      </p:grpSpPr>
+      <p:sp>
+        <p:nvSpPr>
+          <p:cNvPr id="2" name="Folienbildplatzhalter 1"/>
+          <p:cNvSpPr>
+            <a:spLocks noGrp="1" noRot="1" noChangeAspect="1"/>
+          </p:cNvSpPr>
+          <p:nvPr>
+            <p:ph type="sldImg"/>
+          </p:nvPr>
+        </p:nvSpPr>
+        <p:spPr/>
+      </p:sp>
+      <p:sp>
+        <p:nvSpPr>
+          <p:cNvPr id="3" name="Notizenplatzhalter 2"/>
+          <p:cNvSpPr>
+            <a:spLocks noGrp="1"/>
+          </p:cNvSpPr>
+          <p:nvPr>
+            <p:ph type="body" idx="1"/>
+          </p:nvPr>
+        </p:nvSpPr>
+        <p:spPr/>
+        <p:txBody>
+          <a:bodyPr/>
+          <a:lstStyle/>
+          <a:p>
+            <a:r>
+              <a:rPr lang="fr-CH" dirty="0" err="1"/>
+              <a:t>Kurve</a:t>
+            </a:r>
+            <a:r>
+              <a:rPr lang="fr-CH" dirty="0"/>
+              <a:t> der </a:t>
+            </a:r>
+            <a:r>
+              <a:rPr lang="fr-CH" dirty="0" err="1"/>
+              <a:t>Einfügungsimpedanz</a:t>
+            </a:r>
+            <a:endParaRPr lang="fr-CH" dirty="0"/>
+          </a:p>
+          <a:p>
+            <a:r>
+              <a:rPr lang="fr-CH" dirty="0" err="1"/>
+              <a:t>Aus</a:t>
+            </a:r>
+            <a:r>
+              <a:rPr lang="fr-CH" dirty="0"/>
+              <a:t> der </a:t>
+            </a:r>
+            <a:r>
+              <a:rPr lang="fr-CH" dirty="0" err="1"/>
+              <a:t>Aufgabenstellung</a:t>
+            </a:r>
+            <a:endParaRPr lang="fr-CH" dirty="0"/>
+          </a:p>
+        </p:txBody>
+      </p:sp>
+      <p:sp>
+        <p:nvSpPr>
+          <p:cNvPr id="4" name="Fußzeilenplatzhalter 3"/>
+          <p:cNvSpPr>
+            <a:spLocks noGrp="1"/>
+          </p:cNvSpPr>
+          <p:nvPr>
+            <p:ph type="ftr" sz="quarter" idx="4"/>
+          </p:nvPr>
+        </p:nvSpPr>
+        <p:spPr/>
+        <p:txBody>
+          <a:bodyPr/>
+          <a:lstStyle/>
+          <a:p>
+            <a:endParaRPr lang="fr-CH"/>
+          </a:p>
+        </p:txBody>
+      </p:sp>
+      <p:sp>
+        <p:nvSpPr>
+          <p:cNvPr id="5" name="Foliennummernplatzhalter 4"/>
+          <p:cNvSpPr>
+            <a:spLocks noGrp="1"/>
+          </p:cNvSpPr>
+          <p:nvPr>
+            <p:ph type="sldNum" sz="quarter" idx="5"/>
+          </p:nvPr>
+        </p:nvSpPr>
+        <p:spPr/>
+        <p:txBody>
+          <a:bodyPr/>
+          <a:lstStyle/>
+          <a:p>
+            <a:fld id="{4AD752EC-880F-46D2-BE75-AE99C7969E99}" type="slidenum">
+              <a:rPr lang="fr-CH" smtClean="0"/>
+              <a:t>14</a:t>
+            </a:fld>
+            <a:endParaRPr lang="fr-CH"/>
+          </a:p>
+        </p:txBody>
+      </p:sp>
+    </p:spTree>
+    <p:extLst>
+      <p:ext uri="{BB962C8B-B14F-4D97-AF65-F5344CB8AC3E}">
+        <p14:creationId xmlns:p14="http://schemas.microsoft.com/office/powerpoint/2010/main" val="112836483"/>
+      </p:ext>
+    </p:extLst>
+  </p:cSld>
+  <p:clrMapOvr>
+    <a:masterClrMapping/>
+  </p:clrMapOvr>
+</p:notes>
+</file>
+
+<file path=ppt/notesSlides/notesSlide4.xml><?xml version="1.0" encoding="utf-8"?>
+<p:notes xmlns:a="http://schemas.openxmlformats.org/drawingml/2006/main" xmlns:r="http://schemas.openxmlformats.org/officeDocument/2006/relationships" xmlns:p="http://schemas.openxmlformats.org/presentationml/2006/main">
+  <p:cSld>
+    <p:spTree>
+      <p:nvGrpSpPr>
+        <p:cNvPr id="1" name=""/>
+        <p:cNvGrpSpPr/>
+        <p:nvPr/>
+      </p:nvGrpSpPr>
+      <p:grpSpPr>
+        <a:xfrm>
+          <a:off x="0" y="0"/>
+          <a:ext cx="0" cy="0"/>
+          <a:chOff x="0" y="0"/>
+          <a:chExt cx="0" cy="0"/>
+        </a:xfrm>
+      </p:grpSpPr>
+      <p:sp>
+        <p:nvSpPr>
+          <p:cNvPr id="2" name="Folienbildplatzhalter 1"/>
+          <p:cNvSpPr>
+            <a:spLocks noGrp="1" noRot="1" noChangeAspect="1"/>
+          </p:cNvSpPr>
+          <p:nvPr>
+            <p:ph type="sldImg"/>
+          </p:nvPr>
+        </p:nvSpPr>
+        <p:spPr/>
+      </p:sp>
+      <p:sp>
+        <p:nvSpPr>
+          <p:cNvPr id="3" name="Notizenplatzhalter 2"/>
+          <p:cNvSpPr>
+            <a:spLocks noGrp="1"/>
+          </p:cNvSpPr>
+          <p:nvPr>
+            <p:ph type="body" idx="1"/>
+          </p:nvPr>
+        </p:nvSpPr>
+        <p:spPr/>
+        <p:txBody>
+          <a:bodyPr/>
+          <a:lstStyle/>
+          <a:p>
+            <a:r>
               <a:rPr lang="fr-CH" dirty="0"/>
               <a:t>Mit </a:t>
             </a:r>
             <a:r>
               <a:rPr lang="fr-CH" dirty="0" err="1"/>
-              <a:t>unterschiedlichen</a:t>
+              <a:t>MatLab</a:t>
             </a:r>
             <a:r>
               <a:rPr lang="fr-CH" dirty="0"/>
@@ -6566,7 +6873,25 @@
             </a:r>
             <a:r>
               <a:rPr lang="fr-CH" dirty="0" err="1"/>
-              <a:t>Parametern</a:t>
+              <a:t>und</a:t>
+            </a:r>
+            <a:r>
+              <a:rPr lang="fr-CH" dirty="0"/>
+              <a:t> </a:t>
+            </a:r>
+          </a:p>
+          <a:p>
+            <a:r>
+              <a:rPr lang="fr-CH" dirty="0" err="1"/>
+              <a:t>unterschidlichen</a:t>
+            </a:r>
+            <a:r>
+              <a:rPr lang="fr-CH" dirty="0"/>
+              <a:t> </a:t>
+            </a:r>
+            <a:r>
+              <a:rPr lang="fr-CH" dirty="0" err="1"/>
+              <a:t>Parameterwerten</a:t>
             </a:r>
             <a:endParaRPr lang="fr-CH" dirty="0"/>
           </a:p>
@@ -6633,7 +6958,7 @@
 </p:notes>
 </file>
 
-<file path=ppt/notesSlides/notesSlide3.xml><?xml version="1.0" encoding="utf-8"?>
+<file path=ppt/notesSlides/notesSlide5.xml><?xml version="1.0" encoding="utf-8"?>
 <p:notes xmlns:a="http://schemas.openxmlformats.org/drawingml/2006/main" xmlns:r="http://schemas.openxmlformats.org/officeDocument/2006/relationships" xmlns:p="http://schemas.openxmlformats.org/presentationml/2006/main">
   <p:cSld>
     <p:spTree>
@@ -10396,7 +10721,7 @@
           </p:nvPr>
         </p:nvPicPr>
         <p:blipFill>
-          <a:blip r:embed="rId2"/>
+          <a:blip r:embed="rId3"/>
           <a:stretch>
             <a:fillRect/>
           </a:stretch>
@@ -10487,7 +10812,7 @@
           </p:nvPr>
         </p:nvPicPr>
         <p:blipFill rotWithShape="1">
-          <a:blip r:embed="rId2">
+          <a:blip r:embed="rId3">
             <a:extLst>
               <a:ext uri="{28A0092B-C50C-407E-A947-70E740481C1C}">
                 <a14:useLocalDpi xmlns:a14="http://schemas.microsoft.com/office/drawing/2010/main" val="0"/>
